--- a/doc/SCJMapper_QGuide.pptx
+++ b/doc/SCJMapper_QGuide.pptx
@@ -14,7 +14,11 @@
     <p:sldId id="260" r:id="rId8"/>
     <p:sldId id="261" r:id="rId9"/>
     <p:sldId id="264" r:id="rId10"/>
-    <p:sldId id="263" r:id="rId11"/>
+    <p:sldId id="267" r:id="rId11"/>
+    <p:sldId id="269" r:id="rId12"/>
+    <p:sldId id="270" r:id="rId13"/>
+    <p:sldId id="268" r:id="rId14"/>
+    <p:sldId id="266" r:id="rId15"/>
   </p:sldIdLst>
   <p:sldSz cx="9144000" cy="6858000" type="screen4x3"/>
   <p:notesSz cx="6858000" cy="9144000"/>
@@ -313,7 +317,7 @@
           <a:p>
             <a:fld id="{1BA50D42-C9CD-4801-B293-61D1F53EC57E}" type="datetimeFigureOut">
               <a:rPr lang="de-DE" smtClean="0"/>
-              <a:t>14.06.2014</a:t>
+              <a:t>30.06.2014</a:t>
             </a:fld>
             <a:endParaRPr lang="de-DE"/>
           </a:p>
@@ -478,7 +482,7 @@
           <a:p>
             <a:fld id="{1BA50D42-C9CD-4801-B293-61D1F53EC57E}" type="datetimeFigureOut">
               <a:rPr lang="de-DE" smtClean="0"/>
-              <a:t>14.06.2014</a:t>
+              <a:t>30.06.2014</a:t>
             </a:fld>
             <a:endParaRPr lang="de-DE"/>
           </a:p>
@@ -653,7 +657,7 @@
           <a:p>
             <a:fld id="{1BA50D42-C9CD-4801-B293-61D1F53EC57E}" type="datetimeFigureOut">
               <a:rPr lang="de-DE" smtClean="0"/>
-              <a:t>14.06.2014</a:t>
+              <a:t>30.06.2014</a:t>
             </a:fld>
             <a:endParaRPr lang="de-DE"/>
           </a:p>
@@ -818,7 +822,7 @@
           <a:p>
             <a:fld id="{1BA50D42-C9CD-4801-B293-61D1F53EC57E}" type="datetimeFigureOut">
               <a:rPr lang="de-DE" smtClean="0"/>
-              <a:t>14.06.2014</a:t>
+              <a:t>30.06.2014</a:t>
             </a:fld>
             <a:endParaRPr lang="de-DE"/>
           </a:p>
@@ -1059,7 +1063,7 @@
           <a:p>
             <a:fld id="{1BA50D42-C9CD-4801-B293-61D1F53EC57E}" type="datetimeFigureOut">
               <a:rPr lang="de-DE" smtClean="0"/>
-              <a:t>14.06.2014</a:t>
+              <a:t>30.06.2014</a:t>
             </a:fld>
             <a:endParaRPr lang="de-DE"/>
           </a:p>
@@ -1342,7 +1346,7 @@
           <a:p>
             <a:fld id="{1BA50D42-C9CD-4801-B293-61D1F53EC57E}" type="datetimeFigureOut">
               <a:rPr lang="de-DE" smtClean="0"/>
-              <a:t>14.06.2014</a:t>
+              <a:t>30.06.2014</a:t>
             </a:fld>
             <a:endParaRPr lang="de-DE"/>
           </a:p>
@@ -1759,7 +1763,7 @@
           <a:p>
             <a:fld id="{1BA50D42-C9CD-4801-B293-61D1F53EC57E}" type="datetimeFigureOut">
               <a:rPr lang="de-DE" smtClean="0"/>
-              <a:t>14.06.2014</a:t>
+              <a:t>30.06.2014</a:t>
             </a:fld>
             <a:endParaRPr lang="de-DE"/>
           </a:p>
@@ -1872,7 +1876,7 @@
           <a:p>
             <a:fld id="{1BA50D42-C9CD-4801-B293-61D1F53EC57E}" type="datetimeFigureOut">
               <a:rPr lang="de-DE" smtClean="0"/>
-              <a:t>14.06.2014</a:t>
+              <a:t>30.06.2014</a:t>
             </a:fld>
             <a:endParaRPr lang="de-DE"/>
           </a:p>
@@ -1962,7 +1966,7 @@
           <a:p>
             <a:fld id="{1BA50D42-C9CD-4801-B293-61D1F53EC57E}" type="datetimeFigureOut">
               <a:rPr lang="de-DE" smtClean="0"/>
-              <a:t>14.06.2014</a:t>
+              <a:t>30.06.2014</a:t>
             </a:fld>
             <a:endParaRPr lang="de-DE"/>
           </a:p>
@@ -2234,7 +2238,7 @@
           <a:p>
             <a:fld id="{1BA50D42-C9CD-4801-B293-61D1F53EC57E}" type="datetimeFigureOut">
               <a:rPr lang="de-DE" smtClean="0"/>
-              <a:t>14.06.2014</a:t>
+              <a:t>30.06.2014</a:t>
             </a:fld>
             <a:endParaRPr lang="de-DE"/>
           </a:p>
@@ -2482,7 +2486,7 @@
           <a:p>
             <a:fld id="{1BA50D42-C9CD-4801-B293-61D1F53EC57E}" type="datetimeFigureOut">
               <a:rPr lang="de-DE" smtClean="0"/>
-              <a:t>14.06.2014</a:t>
+              <a:t>30.06.2014</a:t>
             </a:fld>
             <a:endParaRPr lang="de-DE"/>
           </a:p>
@@ -2690,7 +2694,7 @@
           <a:p>
             <a:fld id="{1BA50D42-C9CD-4801-B293-61D1F53EC57E}" type="datetimeFigureOut">
               <a:rPr lang="de-DE" smtClean="0"/>
-              <a:t>14.06.2014</a:t>
+              <a:t>30.06.2014</a:t>
             </a:fld>
             <a:endParaRPr lang="de-DE"/>
           </a:p>
@@ -3090,7 +3094,7 @@
             </a:r>
             <a:r>
               <a:rPr lang="en-US" sz="4000" dirty="0" smtClean="0"/>
-              <a:t>1.3</a:t>
+              <a:t>2.0</a:t>
             </a:r>
             <a:endParaRPr lang="en-US" sz="4000" dirty="0"/>
           </a:p>
@@ -3120,7 +3124,7 @@
           <a:p>
             <a:r>
               <a:rPr lang="en-US" sz="900" dirty="0" smtClean="0"/>
-              <a:t>20140614 </a:t>
+              <a:t>20140630 </a:t>
             </a:r>
             <a:r>
               <a:rPr lang="en-US" sz="900" dirty="0" smtClean="0"/>
@@ -3221,7 +3225,7 @@
       </p:sp>
       <p:pic>
         <p:nvPicPr>
-          <p:cNvPr id="7" name="Grafik 6"/>
+          <p:cNvPr id="4" name="Grafik 3"/>
           <p:cNvPicPr>
             <a:picLocks noChangeAspect="1"/>
           </p:cNvPicPr>
@@ -3235,14 +3239,48 @@
         </p:blipFill>
         <p:spPr>
           <a:xfrm>
-            <a:off x="5436096" y="4298422"/>
-            <a:ext cx="3513800" cy="2293603"/>
+            <a:off x="5796136" y="3774638"/>
+            <a:ext cx="3219108" cy="2897198"/>
           </a:xfrm>
           <a:prstGeom prst="rect">
             <a:avLst/>
           </a:prstGeom>
         </p:spPr>
       </p:pic>
+      <p:sp>
+        <p:nvSpPr>
+          <p:cNvPr id="8" name="Textfeld 7"/>
+          <p:cNvSpPr txBox="1"/>
+          <p:nvPr/>
+        </p:nvSpPr>
+        <p:spPr>
+          <a:xfrm>
+            <a:off x="7260360" y="3898232"/>
+            <a:ext cx="864096" cy="107722"/>
+          </a:xfrm>
+          <a:prstGeom prst="rect">
+            <a:avLst/>
+          </a:prstGeom>
+          <a:solidFill>
+            <a:schemeClr val="bg1">
+              <a:lumMod val="95000"/>
+            </a:schemeClr>
+          </a:solidFill>
+        </p:spPr>
+        <p:txBody>
+          <a:bodyPr wrap="square" lIns="0" tIns="0" rIns="0" bIns="0" rtlCol="0">
+            <a:spAutoFit/>
+          </a:bodyPr>
+          <a:lstStyle/>
+          <a:p>
+            <a:r>
+              <a:rPr lang="en-US" sz="700" b="1" dirty="0" smtClean="0"/>
+              <a:t>2.0</a:t>
+            </a:r>
+            <a:endParaRPr lang="de-CH" sz="700" b="1" dirty="0"/>
+          </a:p>
+        </p:txBody>
+      </p:sp>
     </p:spTree>
     <p:extLst>
       <p:ext uri="{BB962C8B-B14F-4D97-AF65-F5344CB8AC3E}">
@@ -3273,6 +3311,30 @@
           <a:chExt cx="0" cy="0"/>
         </a:xfrm>
       </p:grpSpPr>
+      <p:pic>
+        <p:nvPicPr>
+          <p:cNvPr id="3" name="Grafik 2"/>
+          <p:cNvPicPr>
+            <a:picLocks noChangeAspect="1"/>
+          </p:cNvPicPr>
+          <p:nvPr/>
+        </p:nvPicPr>
+        <p:blipFill>
+          <a:blip r:embed="rId2"/>
+          <a:stretch>
+            <a:fillRect/>
+          </a:stretch>
+        </p:blipFill>
+        <p:spPr>
+          <a:xfrm>
+            <a:off x="1403648" y="1124743"/>
+            <a:ext cx="6197376" cy="5577639"/>
+          </a:xfrm>
+          <a:prstGeom prst="rect">
+            <a:avLst/>
+          </a:prstGeom>
+        </p:spPr>
+      </p:pic>
       <p:sp>
         <p:nvSpPr>
           <p:cNvPr id="2" name="Titel 1"/>
@@ -3290,280 +3352,4365 @@
           <a:p>
             <a:r>
               <a:rPr lang="en-US" dirty="0" smtClean="0"/>
-              <a:t>MappingVars.csv file</a:t>
-            </a:r>
-            <a:endParaRPr lang="de-CH" dirty="0"/>
-          </a:p>
-        </p:txBody>
-      </p:sp>
-      <p:sp>
-        <p:nvSpPr>
-          <p:cNvPr id="3" name="Inhaltsplatzhalter 2"/>
+              <a:t>V2 – Features - 1</a:t>
+            </a:r>
+            <a:endParaRPr lang="en-US" dirty="0"/>
+          </a:p>
+        </p:txBody>
+      </p:sp>
+      <p:sp>
+        <p:nvSpPr>
+          <p:cNvPr id="17" name="Rechteck 16"/>
+          <p:cNvSpPr/>
+          <p:nvPr/>
+        </p:nvSpPr>
+        <p:spPr>
+          <a:xfrm flipV="1">
+            <a:off x="1437739" y="1772816"/>
+            <a:ext cx="1838117" cy="4680520"/>
+          </a:xfrm>
+          <a:prstGeom prst="rect">
+            <a:avLst/>
+          </a:prstGeom>
+          <a:noFill/>
+          <a:ln w="57150">
+            <a:solidFill>
+              <a:schemeClr val="accent6">
+                <a:lumMod val="75000"/>
+              </a:schemeClr>
+            </a:solidFill>
+          </a:ln>
+        </p:spPr>
+        <p:style>
+          <a:lnRef idx="2">
+            <a:schemeClr val="accent2"/>
+          </a:lnRef>
+          <a:fillRef idx="1">
+            <a:schemeClr val="lt1"/>
+          </a:fillRef>
+          <a:effectRef idx="0">
+            <a:schemeClr val="accent2"/>
+          </a:effectRef>
+          <a:fontRef idx="minor">
+            <a:schemeClr val="dk1"/>
+          </a:fontRef>
+        </p:style>
+        <p:txBody>
+          <a:bodyPr rtlCol="0" anchor="ctr"/>
+          <a:lstStyle/>
+          <a:p>
+            <a:pPr algn="ctr"/>
+            <a:endParaRPr lang="de-CH"/>
+          </a:p>
+        </p:txBody>
+      </p:sp>
+      <p:sp>
+        <p:nvSpPr>
+          <p:cNvPr id="18" name="Rechteck 17"/>
+          <p:cNvSpPr/>
+          <p:nvPr/>
+        </p:nvSpPr>
+        <p:spPr>
+          <a:xfrm>
+            <a:off x="3309947" y="1340768"/>
+            <a:ext cx="4895422" cy="3725804"/>
+          </a:xfrm>
+          <a:prstGeom prst="rect">
+            <a:avLst/>
+          </a:prstGeom>
+        </p:spPr>
+        <p:style>
+          <a:lnRef idx="2">
+            <a:schemeClr val="accent5"/>
+          </a:lnRef>
+          <a:fillRef idx="1">
+            <a:schemeClr val="lt1"/>
+          </a:fillRef>
+          <a:effectRef idx="0">
+            <a:schemeClr val="accent5"/>
+          </a:effectRef>
+          <a:fontRef idx="minor">
+            <a:schemeClr val="dk1"/>
+          </a:fontRef>
+        </p:style>
+        <p:txBody>
+          <a:bodyPr rtlCol="0" anchor="t" anchorCtr="0"/>
+          <a:lstStyle/>
+          <a:p>
+            <a:r>
+              <a:rPr lang="en-US" sz="1200" dirty="0" smtClean="0"/>
+              <a:t>You may filter the action tree now</a:t>
+            </a:r>
+          </a:p>
+          <a:p>
+            <a:endParaRPr lang="en-US" sz="1200" dirty="0"/>
+          </a:p>
+          <a:p>
+            <a:r>
+              <a:rPr lang="en-US" sz="1200" dirty="0" smtClean="0"/>
+              <a:t>Start typin</a:t>
+            </a:r>
+            <a:r>
+              <a:rPr lang="en-US" sz="1200" dirty="0" smtClean="0"/>
+              <a:t>g and the tree is reduced to the actions and controls that contain the characters typed </a:t>
+            </a:r>
+          </a:p>
+          <a:p>
+            <a:endParaRPr lang="en-US" sz="1200" dirty="0"/>
+          </a:p>
+          <a:p>
+            <a:r>
+              <a:rPr lang="en-US" sz="1200" dirty="0" smtClean="0"/>
+              <a:t>e.g. I typed ‘</a:t>
+            </a:r>
+            <a:r>
+              <a:rPr lang="en-US" sz="1200" dirty="0" err="1" smtClean="0"/>
+              <a:t>thr</a:t>
+            </a:r>
+            <a:r>
+              <a:rPr lang="en-US" sz="1200" dirty="0" smtClean="0"/>
+              <a:t>’ to see my throttles only</a:t>
+            </a:r>
+            <a:endParaRPr lang="en-US" sz="1200" dirty="0" smtClean="0"/>
+          </a:p>
+          <a:p>
+            <a:r>
+              <a:rPr lang="en-US" sz="1200" dirty="0" smtClean="0"/>
+              <a:t>Try button and you get all your assigned buttons only etc.</a:t>
+            </a:r>
+            <a:endParaRPr lang="en-US" sz="1200" dirty="0" smtClean="0"/>
+          </a:p>
+          <a:p>
+            <a:endParaRPr lang="en-US" sz="1200" dirty="0"/>
+          </a:p>
+          <a:p>
+            <a:r>
+              <a:rPr lang="en-US" sz="1200" dirty="0" smtClean="0"/>
+              <a:t>Click ‘Clear Filter’ to get back to the complete list again.</a:t>
+            </a:r>
+          </a:p>
+          <a:p>
+            <a:endParaRPr lang="en-US" sz="1200" dirty="0"/>
+          </a:p>
+          <a:p>
+            <a:r>
+              <a:rPr lang="en-US" sz="1200" dirty="0" smtClean="0"/>
+              <a:t>Note: this will not change, remove or modify any of your mappings, it just reduces the tree to the ones you are interested in.</a:t>
+            </a:r>
+            <a:endParaRPr lang="en-US" sz="1200" dirty="0"/>
+          </a:p>
+          <a:p>
+            <a:endParaRPr lang="en-US" sz="1200" dirty="0" smtClean="0"/>
+          </a:p>
+        </p:txBody>
+      </p:sp>
+      <p:sp>
+        <p:nvSpPr>
+          <p:cNvPr id="8" name="Rechteck 7"/>
+          <p:cNvSpPr/>
+          <p:nvPr/>
+        </p:nvSpPr>
+        <p:spPr>
+          <a:xfrm flipV="1">
+            <a:off x="3275856" y="5517231"/>
+            <a:ext cx="1050403" cy="432048"/>
+          </a:xfrm>
+          <a:prstGeom prst="rect">
+            <a:avLst/>
+          </a:prstGeom>
+          <a:noFill/>
+          <a:ln w="57150">
+            <a:solidFill>
+              <a:schemeClr val="accent6">
+                <a:lumMod val="75000"/>
+              </a:schemeClr>
+            </a:solidFill>
+          </a:ln>
+        </p:spPr>
+        <p:style>
+          <a:lnRef idx="2">
+            <a:schemeClr val="accent2"/>
+          </a:lnRef>
+          <a:fillRef idx="1">
+            <a:schemeClr val="lt1"/>
+          </a:fillRef>
+          <a:effectRef idx="0">
+            <a:schemeClr val="accent2"/>
+          </a:effectRef>
+          <a:fontRef idx="minor">
+            <a:schemeClr val="dk1"/>
+          </a:fontRef>
+        </p:style>
+        <p:txBody>
+          <a:bodyPr rtlCol="0" anchor="ctr"/>
+          <a:lstStyle/>
+          <a:p>
+            <a:pPr algn="ctr"/>
+            <a:endParaRPr lang="de-CH"/>
+          </a:p>
+        </p:txBody>
+      </p:sp>
+    </p:spTree>
+    <p:extLst>
+      <p:ext uri="{BB962C8B-B14F-4D97-AF65-F5344CB8AC3E}">
+        <p14:creationId xmlns:p14="http://schemas.microsoft.com/office/powerpoint/2010/main" val="2139159529"/>
+      </p:ext>
+    </p:extLst>
+  </p:cSld>
+  <p:clrMapOvr>
+    <a:masterClrMapping/>
+  </p:clrMapOvr>
+</p:sld>
+</file>
+
+<file path=ppt/slides/slide11.xml><?xml version="1.0" encoding="utf-8"?>
+<p:sld xmlns:a="http://schemas.openxmlformats.org/drawingml/2006/main" xmlns:r="http://schemas.openxmlformats.org/officeDocument/2006/relationships" xmlns:p="http://schemas.openxmlformats.org/presentationml/2006/main">
+  <p:cSld>
+    <p:spTree>
+      <p:nvGrpSpPr>
+        <p:cNvPr id="1" name=""/>
+        <p:cNvGrpSpPr/>
+        <p:nvPr/>
+      </p:nvGrpSpPr>
+      <p:grpSpPr>
+        <a:xfrm>
+          <a:off x="0" y="0"/>
+          <a:ext cx="0" cy="0"/>
+          <a:chOff x="0" y="0"/>
+          <a:chExt cx="0" cy="0"/>
+        </a:xfrm>
+      </p:grpSpPr>
+      <p:pic>
+        <p:nvPicPr>
+          <p:cNvPr id="3" name="Grafik 2"/>
+          <p:cNvPicPr>
+            <a:picLocks noChangeAspect="1"/>
+          </p:cNvPicPr>
+          <p:nvPr/>
+        </p:nvPicPr>
+        <p:blipFill>
+          <a:blip r:embed="rId2"/>
+          <a:stretch>
+            <a:fillRect/>
+          </a:stretch>
+        </p:blipFill>
+        <p:spPr>
+          <a:xfrm>
+            <a:off x="1403648" y="1124743"/>
+            <a:ext cx="6197376" cy="5577639"/>
+          </a:xfrm>
+          <a:prstGeom prst="rect">
+            <a:avLst/>
+          </a:prstGeom>
+        </p:spPr>
+      </p:pic>
+      <p:sp>
+        <p:nvSpPr>
+          <p:cNvPr id="2" name="Titel 1"/>
           <p:cNvSpPr>
             <a:spLocks noGrp="1"/>
           </p:cNvSpPr>
           <p:nvPr>
-            <p:ph idx="1"/>
+            <p:ph type="title"/>
           </p:nvPr>
         </p:nvSpPr>
         <p:spPr/>
         <p:txBody>
-          <a:bodyPr>
-            <a:normAutofit fontScale="47500" lnSpcReduction="20000"/>
-          </a:bodyPr>
-          <a:lstStyle/>
-          <a:p>
-            <a:r>
-              <a:rPr lang="en-US" dirty="0" smtClean="0">
-                <a:solidFill>
-                  <a:srgbClr val="FF0000"/>
-                </a:solidFill>
-              </a:rPr>
-              <a:t>NOTE: from V 1.3 the priority order to build the action tree has changed</a:t>
-            </a:r>
-          </a:p>
-          <a:p>
-            <a:pPr lvl="1"/>
+          <a:bodyPr/>
+          <a:lstStyle/>
+          <a:p>
             <a:r>
               <a:rPr lang="en-US" dirty="0" smtClean="0"/>
-              <a:t>1</a:t>
-            </a:r>
-            <a:r>
-              <a:rPr lang="en-US" baseline="30000" dirty="0" smtClean="0"/>
-              <a:t>st</a:t>
-            </a:r>
-            <a:r>
-              <a:rPr lang="en-US" dirty="0" smtClean="0"/>
-              <a:t> the MappingVars.csv  file if it exists in the app.exe folder – if you wish to make your own list</a:t>
-            </a:r>
-          </a:p>
-          <a:p>
-            <a:pPr lvl="1"/>
-            <a:r>
-              <a:rPr lang="en-US" dirty="0" smtClean="0"/>
-              <a:t>2</a:t>
-            </a:r>
-            <a:r>
-              <a:rPr lang="en-US" baseline="30000" dirty="0" smtClean="0"/>
-              <a:t>nd</a:t>
-            </a:r>
-            <a:r>
-              <a:rPr lang="en-US" dirty="0" smtClean="0"/>
-              <a:t> the </a:t>
-            </a:r>
-            <a:r>
-              <a:rPr lang="en-US" dirty="0"/>
-              <a:t>defaultProfile.xml file if it exists in the app.exe </a:t>
-            </a:r>
-            <a:r>
-              <a:rPr lang="en-US" dirty="0" smtClean="0"/>
-              <a:t>folder – the one CIG provides as default (Build 12.2)</a:t>
+              <a:t>V2 – Features - 2</a:t>
             </a:r>
             <a:endParaRPr lang="en-US" dirty="0"/>
           </a:p>
-          <a:p>
-            <a:pPr lvl="1"/>
-            <a:r>
-              <a:rPr lang="en-US" dirty="0" smtClean="0"/>
-              <a:t>3</a:t>
-            </a:r>
-            <a:r>
-              <a:rPr lang="en-US" baseline="30000" dirty="0" smtClean="0"/>
-              <a:t>rd</a:t>
-            </a:r>
-            <a:r>
-              <a:rPr lang="en-US" dirty="0" smtClean="0"/>
-              <a:t> the built in Mapping </a:t>
-            </a:r>
-            <a:r>
-              <a:rPr lang="en-US" dirty="0"/>
-              <a:t>list – to </a:t>
-            </a:r>
-            <a:r>
-              <a:rPr lang="en-US" dirty="0" smtClean="0"/>
-              <a:t>have at least something…</a:t>
-            </a:r>
-          </a:p>
-          <a:p>
-            <a:endParaRPr lang="en-US" dirty="0"/>
-          </a:p>
-          <a:p>
-            <a:r>
-              <a:rPr lang="en-US" dirty="0" smtClean="0"/>
-              <a:t>The </a:t>
-            </a:r>
-            <a:r>
-              <a:rPr lang="en-US" dirty="0" smtClean="0"/>
-              <a:t>file contains the list of actions to rebind which are loaded into the </a:t>
-            </a:r>
-            <a:r>
-              <a:rPr lang="en-US" dirty="0" err="1" smtClean="0"/>
-              <a:t>ActionTree</a:t>
-            </a:r>
-            <a:r>
-              <a:rPr lang="en-US" dirty="0" smtClean="0"/>
-              <a:t> when the program starts</a:t>
-            </a:r>
-          </a:p>
-          <a:p>
-            <a:r>
-              <a:rPr lang="en-US" dirty="0"/>
-              <a:t>Items are separated by a semicolon </a:t>
-            </a:r>
-            <a:r>
-              <a:rPr lang="en-US" dirty="0" smtClean="0"/>
-              <a:t>(;) or a comma (,)</a:t>
-            </a:r>
-            <a:endParaRPr lang="en-US" dirty="0"/>
-          </a:p>
-          <a:p>
-            <a:r>
-              <a:rPr lang="en-US" dirty="0" smtClean="0"/>
-              <a:t>For each ‘</a:t>
-            </a:r>
-            <a:r>
-              <a:rPr lang="en-US" dirty="0" err="1" smtClean="0"/>
-              <a:t>actionmap</a:t>
-            </a:r>
-            <a:r>
-              <a:rPr lang="en-US" dirty="0" smtClean="0"/>
-              <a:t>’ there is one line</a:t>
-            </a:r>
-          </a:p>
-          <a:p>
-            <a:r>
-              <a:rPr lang="en-US" dirty="0" smtClean="0"/>
-              <a:t>The first item is the ‘</a:t>
-            </a:r>
-            <a:r>
-              <a:rPr lang="en-US" dirty="0" err="1" smtClean="0"/>
-              <a:t>actionmap</a:t>
-            </a:r>
-            <a:r>
-              <a:rPr lang="en-US" dirty="0" smtClean="0"/>
-              <a:t>’ name</a:t>
-            </a:r>
-          </a:p>
-          <a:p>
-            <a:r>
-              <a:rPr lang="en-US" dirty="0" smtClean="0"/>
-              <a:t>Further items are built from a single uppercase letter following the command as given in the </a:t>
-            </a:r>
-            <a:r>
-              <a:rPr lang="en-US" dirty="0" err="1" smtClean="0"/>
+        </p:txBody>
+      </p:sp>
+      <p:sp>
+        <p:nvSpPr>
+          <p:cNvPr id="17" name="Rechteck 16"/>
+          <p:cNvSpPr/>
+          <p:nvPr/>
+        </p:nvSpPr>
+        <p:spPr>
+          <a:xfrm flipV="1">
+            <a:off x="1403648" y="6399938"/>
+            <a:ext cx="2592288" cy="314612"/>
+          </a:xfrm>
+          <a:prstGeom prst="rect">
+            <a:avLst/>
+          </a:prstGeom>
+          <a:noFill/>
+          <a:ln w="57150">
+            <a:solidFill>
+              <a:schemeClr val="accent6">
+                <a:lumMod val="75000"/>
+              </a:schemeClr>
+            </a:solidFill>
+          </a:ln>
+        </p:spPr>
+        <p:style>
+          <a:lnRef idx="2">
+            <a:schemeClr val="accent2"/>
+          </a:lnRef>
+          <a:fillRef idx="1">
+            <a:schemeClr val="lt1"/>
+          </a:fillRef>
+          <a:effectRef idx="0">
+            <a:schemeClr val="accent2"/>
+          </a:effectRef>
+          <a:fontRef idx="minor">
+            <a:schemeClr val="dk1"/>
+          </a:fontRef>
+        </p:style>
+        <p:txBody>
+          <a:bodyPr rtlCol="0" anchor="ctr"/>
+          <a:lstStyle/>
+          <a:p>
+            <a:pPr algn="ctr"/>
+            <a:endParaRPr lang="de-CH"/>
+          </a:p>
+        </p:txBody>
+      </p:sp>
+      <p:sp>
+        <p:nvSpPr>
+          <p:cNvPr id="18" name="Rechteck 17"/>
+          <p:cNvSpPr/>
+          <p:nvPr/>
+        </p:nvSpPr>
+        <p:spPr>
+          <a:xfrm>
+            <a:off x="1259632" y="1340768"/>
+            <a:ext cx="6912768" cy="4968552"/>
+          </a:xfrm>
+          <a:prstGeom prst="rect">
+            <a:avLst/>
+          </a:prstGeom>
+        </p:spPr>
+        <p:style>
+          <a:lnRef idx="2">
+            <a:schemeClr val="accent5"/>
+          </a:lnRef>
+          <a:fillRef idx="1">
+            <a:schemeClr val="lt1"/>
+          </a:fillRef>
+          <a:effectRef idx="0">
+            <a:schemeClr val="accent5"/>
+          </a:effectRef>
+          <a:fontRef idx="minor">
+            <a:schemeClr val="dk1"/>
+          </a:fontRef>
+        </p:style>
+        <p:txBody>
+          <a:bodyPr rtlCol="0" anchor="t" anchorCtr="0"/>
+          <a:lstStyle/>
+          <a:p>
+            <a:r>
+              <a:rPr lang="en-US" sz="1200" b="1" dirty="0" smtClean="0"/>
+              <a:t>New working with profiles.</a:t>
+            </a:r>
+          </a:p>
+          <a:p>
+            <a:endParaRPr lang="en-US" sz="1200" dirty="0"/>
+          </a:p>
+          <a:p>
+            <a:r>
+              <a:rPr lang="en-US" sz="1200" dirty="0" smtClean="0"/>
+              <a:t>The program gets the actions from the real game asset – so you are always up to the actual values.</a:t>
+            </a:r>
+          </a:p>
+          <a:p>
+            <a:endParaRPr lang="en-US" sz="1200" dirty="0"/>
+          </a:p>
+          <a:p>
+            <a:r>
+              <a:rPr lang="en-US" sz="1200" dirty="0" smtClean="0"/>
+              <a:t>From here you may Reset the action list to the following</a:t>
+            </a:r>
+          </a:p>
+          <a:p>
+            <a:pPr marL="171450" indent="-171450">
+              <a:buFontTx/>
+              <a:buChar char="-"/>
+            </a:pPr>
+            <a:r>
+              <a:rPr lang="en-US" sz="1200" dirty="0" smtClean="0"/>
+              <a:t>RESET EMPTY         reverts to just an action list without any mappings</a:t>
+            </a:r>
+          </a:p>
+          <a:p>
+            <a:pPr marL="171450" indent="-171450">
+              <a:buFontTx/>
+              <a:buChar char="-"/>
+            </a:pPr>
+            <a:r>
+              <a:rPr lang="en-US" sz="1200" dirty="0" smtClean="0"/>
+              <a:t>RESET DEFAULTS    loads the </a:t>
+            </a:r>
+            <a:r>
+              <a:rPr lang="en-US" sz="1200" dirty="0" smtClean="0"/>
+              <a:t>Joystick actions mapped with wha</a:t>
+            </a:r>
+            <a:r>
+              <a:rPr lang="en-US" sz="1200" dirty="0" smtClean="0"/>
+              <a:t>t CIG is providing</a:t>
+            </a:r>
+          </a:p>
+          <a:p>
+            <a:pPr marL="171450" indent="-171450">
+              <a:buFontTx/>
+              <a:buChar char="-"/>
+            </a:pPr>
+            <a:endParaRPr lang="en-US" sz="1200" dirty="0"/>
+          </a:p>
+          <a:p>
+            <a:pPr marL="171450" indent="-171450">
+              <a:buFontTx/>
+              <a:buChar char="-"/>
+            </a:pPr>
+            <a:endParaRPr lang="en-US" sz="1200" dirty="0" smtClean="0"/>
+          </a:p>
+          <a:p>
+            <a:pPr marL="171450" indent="-171450">
+              <a:buFontTx/>
+              <a:buChar char="-"/>
+            </a:pPr>
+            <a:endParaRPr lang="en-US" sz="1200" dirty="0"/>
+          </a:p>
+          <a:p>
+            <a:pPr marL="171450" indent="-171450">
+              <a:buFontTx/>
+              <a:buChar char="-"/>
+            </a:pPr>
+            <a:endParaRPr lang="en-US" sz="1200" dirty="0" smtClean="0"/>
+          </a:p>
+          <a:p>
+            <a:pPr marL="171450" indent="-171450">
+              <a:buFontTx/>
+              <a:buChar char="-"/>
+            </a:pPr>
+            <a:endParaRPr lang="en-US" sz="1200" dirty="0"/>
+          </a:p>
+          <a:p>
+            <a:pPr marL="171450" indent="-171450">
+              <a:buFontTx/>
+              <a:buChar char="-"/>
+            </a:pPr>
+            <a:endParaRPr lang="en-US" sz="1200" dirty="0" smtClean="0"/>
+          </a:p>
+          <a:p>
+            <a:pPr marL="171450" indent="-171450">
+              <a:buFontTx/>
+              <a:buChar char="-"/>
+            </a:pPr>
+            <a:endParaRPr lang="en-US" sz="1200" dirty="0"/>
+          </a:p>
+          <a:p>
+            <a:pPr marL="171450" indent="-171450">
+              <a:buFontTx/>
+              <a:buChar char="-"/>
+            </a:pPr>
+            <a:endParaRPr lang="en-US" sz="1200" dirty="0" smtClean="0"/>
+          </a:p>
+          <a:p>
+            <a:pPr marL="171450" indent="-171450">
+              <a:buFontTx/>
+              <a:buChar char="-"/>
+            </a:pPr>
+            <a:endParaRPr lang="en-US" sz="1200" dirty="0" smtClean="0"/>
+          </a:p>
+          <a:p>
+            <a:pPr marL="171450" indent="-171450">
+              <a:buFontTx/>
+              <a:buChar char="-"/>
+            </a:pPr>
+            <a:endParaRPr lang="en-US" sz="1200" dirty="0"/>
+          </a:p>
+          <a:p>
+            <a:r>
+              <a:rPr lang="en-US" sz="1200" dirty="0" smtClean="0"/>
+              <a:t>Note: as CIG is providing a number of </a:t>
+            </a:r>
+            <a:r>
+              <a:rPr lang="en-US" sz="1200" dirty="0" err="1" smtClean="0"/>
+              <a:t>defaultProfiles</a:t>
+            </a:r>
+            <a:r>
+              <a:rPr lang="en-US" sz="1200" dirty="0" smtClean="0"/>
+              <a:t> you may chose one of those – however </a:t>
+            </a:r>
+            <a:r>
+              <a:rPr lang="en-US" sz="1200" dirty="0" smtClean="0"/>
+              <a:t>using the </a:t>
+            </a:r>
+            <a:r>
+              <a:rPr lang="en-US" sz="1200" b="1" dirty="0" err="1" smtClean="0"/>
               <a:t>defaultProfile</a:t>
             </a:r>
-            <a:endParaRPr lang="en-US" dirty="0" smtClean="0"/>
-          </a:p>
-          <a:p>
-            <a:r>
-              <a:rPr lang="en-US" dirty="0" smtClean="0"/>
-              <a:t>The first uppercase letter is from </a:t>
-            </a:r>
-            <a:r>
-              <a:rPr lang="en-US" dirty="0" smtClean="0">
-                <a:solidFill>
-                  <a:schemeClr val="tx2"/>
-                </a:solidFill>
-                <a:latin typeface="Lucida Console" panose="020B0609040504020204" pitchFamily="49" charset="0"/>
-              </a:rPr>
-              <a:t>J,K,P,X</a:t>
-            </a:r>
-            <a:r>
-              <a:rPr lang="en-US" dirty="0" smtClean="0"/>
-              <a:t> which is the actual binding to use</a:t>
+            <a:r>
+              <a:rPr lang="en-US" sz="1200" dirty="0" smtClean="0"/>
+              <a:t> is usually the best option</a:t>
             </a:r>
             <a:br>
-              <a:rPr lang="en-US" dirty="0" smtClean="0"/>
+              <a:rPr lang="en-US" sz="1200" dirty="0" smtClean="0"/>
             </a:br>
             <a:r>
-              <a:rPr lang="en-US" dirty="0" smtClean="0"/>
-              <a:t>J = joystick, K=keyboard, P=ps3pad, X=</a:t>
-            </a:r>
-            <a:r>
-              <a:rPr lang="en-US" dirty="0" err="1" smtClean="0"/>
-              <a:t>xboxpad</a:t>
-            </a:r>
-            <a:endParaRPr lang="en-US" dirty="0" smtClean="0"/>
-          </a:p>
-          <a:p>
-            <a:r>
-              <a:rPr lang="en-US" dirty="0" smtClean="0"/>
-              <a:t>The second part is e.g</a:t>
-            </a:r>
-            <a:r>
-              <a:rPr lang="en-US" dirty="0"/>
-              <a:t>. </a:t>
-            </a:r>
-            <a:r>
-              <a:rPr lang="en-US" dirty="0" smtClean="0"/>
-              <a:t>“v_attack1_group1” the action name given in the </a:t>
-            </a:r>
-            <a:r>
-              <a:rPr lang="en-US" dirty="0" err="1" smtClean="0"/>
-              <a:t>defaultProfile</a:t>
-            </a:r>
-            <a:endParaRPr lang="en-US" dirty="0" smtClean="0"/>
-          </a:p>
-          <a:p>
-            <a:r>
-              <a:rPr lang="en-US" dirty="0" smtClean="0"/>
-              <a:t>A complete item </a:t>
-            </a:r>
-            <a:r>
-              <a:rPr lang="en-US" dirty="0"/>
-              <a:t>is then </a:t>
-            </a:r>
-            <a:r>
-              <a:rPr lang="en-US" dirty="0" smtClean="0"/>
-              <a:t>“</a:t>
-            </a:r>
-            <a:r>
-              <a:rPr lang="en-US" b="1" dirty="0" smtClean="0"/>
-              <a:t>J</a:t>
-            </a:r>
-            <a:r>
-              <a:rPr lang="en-US" dirty="0" smtClean="0"/>
-              <a:t>v_attack1_group1” means that the program rebinds the </a:t>
-            </a:r>
-            <a:r>
-              <a:rPr lang="en-US" b="1" dirty="0" smtClean="0"/>
-              <a:t>joystick</a:t>
-            </a:r>
-            <a:r>
-              <a:rPr lang="en-US" dirty="0" smtClean="0"/>
-              <a:t> command </a:t>
-            </a:r>
-            <a:r>
-              <a:rPr lang="en-US" dirty="0"/>
-              <a:t>for </a:t>
-            </a:r>
-            <a:r>
-              <a:rPr lang="en-US" dirty="0" smtClean="0"/>
-              <a:t>“v_attack1_group1”</a:t>
-            </a:r>
-          </a:p>
-          <a:p>
-            <a:r>
-              <a:rPr lang="en-US" dirty="0" smtClean="0"/>
-              <a:t>There are no Blanks, Tabs etc. allowed but semicolons or commas at the end don’t harm.</a:t>
-            </a:r>
-          </a:p>
-          <a:p>
-            <a:r>
-              <a:rPr lang="en-US" dirty="0" smtClean="0"/>
-              <a:t>I use Excel to maintain the list and save the Sheet as CSV file</a:t>
-            </a:r>
-          </a:p>
-          <a:p>
-            <a:endParaRPr lang="de-CH" dirty="0"/>
+              <a:rPr lang="en-US" sz="1200" dirty="0" smtClean="0"/>
+              <a:t>(This may be work in progress by CIG…)</a:t>
+            </a:r>
+            <a:endParaRPr lang="en-US" sz="1200" dirty="0" smtClean="0"/>
+          </a:p>
+        </p:txBody>
+      </p:sp>
+      <p:pic>
+        <p:nvPicPr>
+          <p:cNvPr id="7" name="Grafik 6"/>
+          <p:cNvPicPr>
+            <a:picLocks noChangeAspect="1"/>
+          </p:cNvPicPr>
+          <p:nvPr/>
+        </p:nvPicPr>
+        <p:blipFill>
+          <a:blip r:embed="rId3"/>
+          <a:stretch>
+            <a:fillRect/>
+          </a:stretch>
+        </p:blipFill>
+        <p:spPr>
+          <a:xfrm>
+            <a:off x="5310166" y="3284984"/>
+            <a:ext cx="2563322" cy="858443"/>
+          </a:xfrm>
+          <a:prstGeom prst="rect">
+            <a:avLst/>
+          </a:prstGeom>
+        </p:spPr>
+      </p:pic>
+      <p:sp>
+        <p:nvSpPr>
+          <p:cNvPr id="9" name="Pfeil nach rechts 8"/>
+          <p:cNvSpPr/>
+          <p:nvPr/>
+        </p:nvSpPr>
+        <p:spPr>
+          <a:xfrm rot="2267429" flipH="1">
+            <a:off x="7361420" y="3987461"/>
+            <a:ext cx="504056" cy="285009"/>
+          </a:xfrm>
+          <a:prstGeom prst="rightArrow">
+            <a:avLst/>
+          </a:prstGeom>
+        </p:spPr>
+        <p:style>
+          <a:lnRef idx="1">
+            <a:schemeClr val="accent2"/>
+          </a:lnRef>
+          <a:fillRef idx="2">
+            <a:schemeClr val="accent2"/>
+          </a:fillRef>
+          <a:effectRef idx="1">
+            <a:schemeClr val="accent2"/>
+          </a:effectRef>
+          <a:fontRef idx="minor">
+            <a:schemeClr val="dk1"/>
+          </a:fontRef>
+        </p:style>
+        <p:txBody>
+          <a:bodyPr rtlCol="0" anchor="ctr"/>
+          <a:lstStyle/>
+          <a:p>
+            <a:pPr algn="ctr"/>
+            <a:endParaRPr lang="de-CH"/>
           </a:p>
         </p:txBody>
       </p:sp>
     </p:spTree>
     <p:extLst>
       <p:ext uri="{BB962C8B-B14F-4D97-AF65-F5344CB8AC3E}">
-        <p14:creationId xmlns:p14="http://schemas.microsoft.com/office/powerpoint/2010/main" val="2441500516"/>
+        <p14:creationId xmlns:p14="http://schemas.microsoft.com/office/powerpoint/2010/main" val="2830852375"/>
+      </p:ext>
+    </p:extLst>
+  </p:cSld>
+  <p:clrMapOvr>
+    <a:masterClrMapping/>
+  </p:clrMapOvr>
+</p:sld>
+</file>
+
+<file path=ppt/slides/slide12.xml><?xml version="1.0" encoding="utf-8"?>
+<p:sld xmlns:a="http://schemas.openxmlformats.org/drawingml/2006/main" xmlns:r="http://schemas.openxmlformats.org/officeDocument/2006/relationships" xmlns:p="http://schemas.openxmlformats.org/presentationml/2006/main">
+  <p:cSld>
+    <p:spTree>
+      <p:nvGrpSpPr>
+        <p:cNvPr id="1" name=""/>
+        <p:cNvGrpSpPr/>
+        <p:nvPr/>
+      </p:nvGrpSpPr>
+      <p:grpSpPr>
+        <a:xfrm>
+          <a:off x="0" y="0"/>
+          <a:ext cx="0" cy="0"/>
+          <a:chOff x="0" y="0"/>
+          <a:chExt cx="0" cy="0"/>
+        </a:xfrm>
+      </p:grpSpPr>
+      <p:pic>
+        <p:nvPicPr>
+          <p:cNvPr id="3" name="Grafik 2"/>
+          <p:cNvPicPr>
+            <a:picLocks noChangeAspect="1"/>
+          </p:cNvPicPr>
+          <p:nvPr/>
+        </p:nvPicPr>
+        <p:blipFill>
+          <a:blip r:embed="rId2"/>
+          <a:stretch>
+            <a:fillRect/>
+          </a:stretch>
+        </p:blipFill>
+        <p:spPr>
+          <a:xfrm>
+            <a:off x="1403648" y="1124743"/>
+            <a:ext cx="6197376" cy="5577639"/>
+          </a:xfrm>
+          <a:prstGeom prst="rect">
+            <a:avLst/>
+          </a:prstGeom>
+        </p:spPr>
+      </p:pic>
+      <p:sp>
+        <p:nvSpPr>
+          <p:cNvPr id="2" name="Titel 1"/>
+          <p:cNvSpPr>
+            <a:spLocks noGrp="1"/>
+          </p:cNvSpPr>
+          <p:nvPr>
+            <p:ph type="title"/>
+          </p:nvPr>
+        </p:nvSpPr>
+        <p:spPr/>
+        <p:txBody>
+          <a:bodyPr/>
+          <a:lstStyle/>
+          <a:p>
+            <a:r>
+              <a:rPr lang="en-US" dirty="0" smtClean="0"/>
+              <a:t>V2 – Features - 3</a:t>
+            </a:r>
+            <a:endParaRPr lang="en-US" dirty="0"/>
+          </a:p>
+        </p:txBody>
+      </p:sp>
+      <p:sp>
+        <p:nvSpPr>
+          <p:cNvPr id="17" name="Rechteck 16"/>
+          <p:cNvSpPr/>
+          <p:nvPr/>
+        </p:nvSpPr>
+        <p:spPr>
+          <a:xfrm flipV="1">
+            <a:off x="4502336" y="6398298"/>
+            <a:ext cx="2592288" cy="314612"/>
+          </a:xfrm>
+          <a:prstGeom prst="rect">
+            <a:avLst/>
+          </a:prstGeom>
+          <a:noFill/>
+          <a:ln w="57150">
+            <a:solidFill>
+              <a:schemeClr val="accent6">
+                <a:lumMod val="75000"/>
+              </a:schemeClr>
+            </a:solidFill>
+          </a:ln>
+        </p:spPr>
+        <p:style>
+          <a:lnRef idx="2">
+            <a:schemeClr val="accent2"/>
+          </a:lnRef>
+          <a:fillRef idx="1">
+            <a:schemeClr val="lt1"/>
+          </a:fillRef>
+          <a:effectRef idx="0">
+            <a:schemeClr val="accent2"/>
+          </a:effectRef>
+          <a:fontRef idx="minor">
+            <a:schemeClr val="dk1"/>
+          </a:fontRef>
+        </p:style>
+        <p:txBody>
+          <a:bodyPr rtlCol="0" anchor="ctr"/>
+          <a:lstStyle/>
+          <a:p>
+            <a:pPr algn="ctr"/>
+            <a:endParaRPr lang="de-CH"/>
+          </a:p>
+        </p:txBody>
+      </p:sp>
+      <p:sp>
+        <p:nvSpPr>
+          <p:cNvPr id="18" name="Rechteck 17"/>
+          <p:cNvSpPr/>
+          <p:nvPr/>
+        </p:nvSpPr>
+        <p:spPr>
+          <a:xfrm>
+            <a:off x="1043608" y="1340768"/>
+            <a:ext cx="7643192" cy="4824536"/>
+          </a:xfrm>
+          <a:prstGeom prst="rect">
+            <a:avLst/>
+          </a:prstGeom>
+        </p:spPr>
+        <p:style>
+          <a:lnRef idx="2">
+            <a:schemeClr val="accent5"/>
+          </a:lnRef>
+          <a:fillRef idx="1">
+            <a:schemeClr val="lt1"/>
+          </a:fillRef>
+          <a:effectRef idx="0">
+            <a:schemeClr val="accent5"/>
+          </a:effectRef>
+          <a:fontRef idx="minor">
+            <a:schemeClr val="dk1"/>
+          </a:fontRef>
+        </p:style>
+        <p:txBody>
+          <a:bodyPr rtlCol="0" anchor="t" anchorCtr="0"/>
+          <a:lstStyle/>
+          <a:p>
+            <a:r>
+              <a:rPr lang="en-US" sz="1200" b="1" dirty="0" smtClean="0"/>
+              <a:t>New working with </a:t>
+            </a:r>
+            <a:r>
+              <a:rPr lang="en-US" sz="1200" b="1" dirty="0" err="1" smtClean="0"/>
+              <a:t>actionmaps</a:t>
+            </a:r>
+            <a:r>
+              <a:rPr lang="en-US" sz="1200" b="1" dirty="0" smtClean="0"/>
+              <a:t> (Maps, Mapping etc..)</a:t>
+            </a:r>
+          </a:p>
+          <a:p>
+            <a:endParaRPr lang="en-US" sz="1200" dirty="0"/>
+          </a:p>
+          <a:p>
+            <a:r>
+              <a:rPr lang="en-US" sz="1200" dirty="0" smtClean="0"/>
+              <a:t>The program gets the </a:t>
+            </a:r>
+            <a:r>
+              <a:rPr lang="en-US" sz="1200" dirty="0" err="1" smtClean="0"/>
+              <a:t>actionsmaps</a:t>
+            </a:r>
+            <a:r>
+              <a:rPr lang="en-US" sz="1200" dirty="0" smtClean="0"/>
+              <a:t> from the real game asset – so you are always up to the actual values.</a:t>
+            </a:r>
+          </a:p>
+          <a:p>
+            <a:r>
+              <a:rPr lang="en-US" sz="700" dirty="0" smtClean="0"/>
+              <a:t>(</a:t>
+            </a:r>
+            <a:r>
+              <a:rPr lang="en-US" sz="700" dirty="0" smtClean="0">
+                <a:latin typeface="Lucida Console" panose="020B0609040504020204" pitchFamily="49" charset="0"/>
+              </a:rPr>
+              <a:t>…\</a:t>
+            </a:r>
+            <a:r>
+              <a:rPr lang="en-US" sz="700" dirty="0" err="1" smtClean="0">
+                <a:latin typeface="Lucida Console" panose="020B0609040504020204" pitchFamily="49" charset="0"/>
+              </a:rPr>
+              <a:t>StarCitizen</a:t>
+            </a:r>
+            <a:r>
+              <a:rPr lang="en-US" sz="700" dirty="0" smtClean="0">
+                <a:latin typeface="Lucida Console" panose="020B0609040504020204" pitchFamily="49" charset="0"/>
+              </a:rPr>
+              <a:t>\</a:t>
+            </a:r>
+            <a:r>
+              <a:rPr lang="en-US" sz="700" dirty="0" err="1" smtClean="0">
+                <a:latin typeface="Lucida Console" panose="020B0609040504020204" pitchFamily="49" charset="0"/>
+              </a:rPr>
+              <a:t>CitizenClient</a:t>
+            </a:r>
+            <a:r>
+              <a:rPr lang="en-US" sz="700" dirty="0" smtClean="0">
+                <a:latin typeface="Lucida Console" panose="020B0609040504020204" pitchFamily="49" charset="0"/>
+              </a:rPr>
+              <a:t>\Data\Controls\Mappings</a:t>
+            </a:r>
+            <a:r>
+              <a:rPr lang="en-US" sz="700" dirty="0" smtClean="0"/>
+              <a:t>)</a:t>
+            </a:r>
+            <a:endParaRPr lang="en-US" sz="700" dirty="0" smtClean="0"/>
+          </a:p>
+          <a:p>
+            <a:endParaRPr lang="en-US" sz="1200" dirty="0"/>
+          </a:p>
+          <a:p>
+            <a:r>
+              <a:rPr lang="en-US" sz="1200" dirty="0" smtClean="0"/>
+              <a:t>From here you may first </a:t>
+            </a:r>
+            <a:r>
+              <a:rPr lang="en-US" sz="1200" dirty="0" smtClean="0"/>
+              <a:t>chose a map, then ‘</a:t>
+            </a:r>
+            <a:r>
+              <a:rPr lang="en-US" sz="1200" dirty="0" smtClean="0"/>
+              <a:t>Load’ the </a:t>
+            </a:r>
+            <a:r>
+              <a:rPr lang="en-US" sz="1200" dirty="0" err="1" smtClean="0"/>
+              <a:t>actionmap</a:t>
+            </a:r>
+            <a:r>
+              <a:rPr lang="en-US" sz="1200" dirty="0" smtClean="0"/>
+              <a:t> – this will overwrite you XML window in any case</a:t>
+            </a:r>
+          </a:p>
+          <a:p>
+            <a:pPr marL="171450" indent="-171450">
+              <a:buFontTx/>
+              <a:buChar char="-"/>
+            </a:pPr>
+            <a:r>
+              <a:rPr lang="en-US" sz="1200" dirty="0"/>
+              <a:t>LOAD    loads the map into the XML window only</a:t>
+            </a:r>
+          </a:p>
+          <a:p>
+            <a:pPr marL="171450" indent="-171450">
+              <a:buFontTx/>
+              <a:buChar char="-"/>
+            </a:pPr>
+            <a:r>
+              <a:rPr lang="en-US" sz="1200" dirty="0"/>
+              <a:t>LOAD </a:t>
+            </a:r>
+            <a:r>
+              <a:rPr lang="en-US" sz="1200" dirty="0" smtClean="0"/>
+              <a:t>and GRAB   </a:t>
+            </a:r>
+            <a:r>
+              <a:rPr lang="en-US" sz="1200" dirty="0"/>
+              <a:t>loads the map into the XML window </a:t>
+            </a:r>
+            <a:r>
+              <a:rPr lang="en-US" sz="1200" dirty="0" smtClean="0"/>
+              <a:t>and clicks Grab i.e. merges the existing mapping with the one loaded</a:t>
+            </a:r>
+          </a:p>
+          <a:p>
+            <a:pPr marL="171450" indent="-171450">
+              <a:buFontTx/>
+              <a:buChar char="-"/>
+            </a:pPr>
+            <a:r>
+              <a:rPr lang="en-US" sz="1200" dirty="0"/>
+              <a:t>RESET, LOAD and GRAB  first Reset (empty) the action list (all mappings cleared) then it loads and grabs the new </a:t>
+            </a:r>
+            <a:r>
+              <a:rPr lang="en-US" sz="1200" dirty="0" smtClean="0"/>
+              <a:t>map</a:t>
+            </a:r>
+          </a:p>
+          <a:p>
+            <a:pPr marL="171450" indent="-171450">
+              <a:buFontTx/>
+              <a:buChar char="-"/>
+            </a:pPr>
+            <a:r>
+              <a:rPr lang="en-US" sz="1200" dirty="0" smtClean="0"/>
+              <a:t>DEFAULT, </a:t>
+            </a:r>
+            <a:r>
+              <a:rPr lang="en-US" sz="1200" dirty="0"/>
+              <a:t>LOAD and GRAB  first Reset </a:t>
+            </a:r>
+            <a:r>
+              <a:rPr lang="en-US" sz="1200" dirty="0" smtClean="0"/>
+              <a:t>(defaults) </a:t>
+            </a:r>
+            <a:r>
+              <a:rPr lang="en-US" sz="1200" dirty="0"/>
+              <a:t>the action list </a:t>
+            </a:r>
+            <a:r>
+              <a:rPr lang="en-US" sz="1200" dirty="0" smtClean="0"/>
+              <a:t>then </a:t>
+            </a:r>
+            <a:r>
+              <a:rPr lang="en-US" sz="1200" dirty="0"/>
+              <a:t>it loads and grabs the new </a:t>
+            </a:r>
+            <a:r>
+              <a:rPr lang="en-US" sz="1200" dirty="0" smtClean="0"/>
+              <a:t>map and merges them with the defaults</a:t>
+            </a:r>
+          </a:p>
+          <a:p>
+            <a:pPr marL="171450" indent="-171450">
+              <a:buFontTx/>
+              <a:buChar char="-"/>
+            </a:pPr>
+            <a:endParaRPr lang="en-US" sz="1200" dirty="0"/>
+          </a:p>
+          <a:p>
+            <a:r>
+              <a:rPr lang="en-US" sz="1200" dirty="0" smtClean="0">
+                <a:solidFill>
+                  <a:schemeClr val="accent6">
+                    <a:lumMod val="75000"/>
+                  </a:schemeClr>
+                </a:solidFill>
+              </a:rPr>
+              <a:t>See last page for some common workflows</a:t>
+            </a:r>
+          </a:p>
+          <a:p>
+            <a:r>
+              <a:rPr lang="en-US" sz="1200" dirty="0" smtClean="0">
+                <a:solidFill>
+                  <a:schemeClr val="accent6">
+                    <a:lumMod val="75000"/>
+                  </a:schemeClr>
+                </a:solidFill>
+              </a:rPr>
+              <a:t>And how to handle them easily</a:t>
+            </a:r>
+            <a:endParaRPr lang="en-US" sz="1200" dirty="0">
+              <a:solidFill>
+                <a:schemeClr val="accent6">
+                  <a:lumMod val="75000"/>
+                </a:schemeClr>
+              </a:solidFill>
+            </a:endParaRPr>
+          </a:p>
+          <a:p>
+            <a:pPr marL="171450" indent="-171450">
+              <a:buFontTx/>
+              <a:buChar char="-"/>
+            </a:pPr>
+            <a:endParaRPr lang="en-US" sz="1200" dirty="0"/>
+          </a:p>
+        </p:txBody>
+      </p:sp>
+      <p:pic>
+        <p:nvPicPr>
+          <p:cNvPr id="10" name="Grafik 9"/>
+          <p:cNvPicPr>
+            <a:picLocks noChangeAspect="1"/>
+          </p:cNvPicPr>
+          <p:nvPr/>
+        </p:nvPicPr>
+        <p:blipFill>
+          <a:blip r:embed="rId3"/>
+          <a:stretch>
+            <a:fillRect/>
+          </a:stretch>
+        </p:blipFill>
+        <p:spPr>
+          <a:xfrm>
+            <a:off x="5325138" y="4250723"/>
+            <a:ext cx="3347117" cy="830581"/>
+          </a:xfrm>
+          <a:prstGeom prst="rect">
+            <a:avLst/>
+          </a:prstGeom>
+        </p:spPr>
+      </p:pic>
+      <p:sp>
+        <p:nvSpPr>
+          <p:cNvPr id="9" name="Pfeil nach rechts 8"/>
+          <p:cNvSpPr/>
+          <p:nvPr/>
+        </p:nvSpPr>
+        <p:spPr>
+          <a:xfrm rot="2267429" flipH="1">
+            <a:off x="7729364" y="5016543"/>
+            <a:ext cx="504056" cy="285009"/>
+          </a:xfrm>
+          <a:prstGeom prst="rightArrow">
+            <a:avLst/>
+          </a:prstGeom>
+        </p:spPr>
+        <p:style>
+          <a:lnRef idx="1">
+            <a:schemeClr val="accent2"/>
+          </a:lnRef>
+          <a:fillRef idx="2">
+            <a:schemeClr val="accent2"/>
+          </a:fillRef>
+          <a:effectRef idx="1">
+            <a:schemeClr val="accent2"/>
+          </a:effectRef>
+          <a:fontRef idx="minor">
+            <a:schemeClr val="dk1"/>
+          </a:fontRef>
+        </p:style>
+        <p:txBody>
+          <a:bodyPr rtlCol="0" anchor="ctr"/>
+          <a:lstStyle/>
+          <a:p>
+            <a:pPr algn="ctr"/>
+            <a:endParaRPr lang="de-CH"/>
+          </a:p>
+        </p:txBody>
+      </p:sp>
+      <p:pic>
+        <p:nvPicPr>
+          <p:cNvPr id="8" name="Grafik 7"/>
+          <p:cNvPicPr>
+            <a:picLocks noChangeAspect="1"/>
+          </p:cNvPicPr>
+          <p:nvPr/>
+        </p:nvPicPr>
+        <p:blipFill>
+          <a:blip r:embed="rId4"/>
+          <a:stretch>
+            <a:fillRect/>
+          </a:stretch>
+        </p:blipFill>
+        <p:spPr>
+          <a:xfrm>
+            <a:off x="2208654" y="4386549"/>
+            <a:ext cx="2398715" cy="1347462"/>
+          </a:xfrm>
+          <a:prstGeom prst="rect">
+            <a:avLst/>
+          </a:prstGeom>
+        </p:spPr>
+      </p:pic>
+      <p:sp>
+        <p:nvSpPr>
+          <p:cNvPr id="11" name="Pfeil nach rechts 10"/>
+          <p:cNvSpPr/>
+          <p:nvPr/>
+        </p:nvSpPr>
+        <p:spPr>
+          <a:xfrm rot="2267429" flipH="1">
+            <a:off x="3963818" y="5617351"/>
+            <a:ext cx="504056" cy="285009"/>
+          </a:xfrm>
+          <a:prstGeom prst="rightArrow">
+            <a:avLst/>
+          </a:prstGeom>
+        </p:spPr>
+        <p:style>
+          <a:lnRef idx="1">
+            <a:schemeClr val="accent2"/>
+          </a:lnRef>
+          <a:fillRef idx="2">
+            <a:schemeClr val="accent2"/>
+          </a:fillRef>
+          <a:effectRef idx="1">
+            <a:schemeClr val="accent2"/>
+          </a:effectRef>
+          <a:fontRef idx="minor">
+            <a:schemeClr val="dk1"/>
+          </a:fontRef>
+        </p:style>
+        <p:txBody>
+          <a:bodyPr rtlCol="0" anchor="ctr"/>
+          <a:lstStyle/>
+          <a:p>
+            <a:pPr algn="ctr"/>
+            <a:endParaRPr lang="de-CH"/>
+          </a:p>
+        </p:txBody>
+      </p:sp>
+    </p:spTree>
+    <p:extLst>
+      <p:ext uri="{BB962C8B-B14F-4D97-AF65-F5344CB8AC3E}">
+        <p14:creationId xmlns:p14="http://schemas.microsoft.com/office/powerpoint/2010/main" val="680139644"/>
+      </p:ext>
+    </p:extLst>
+  </p:cSld>
+  <p:clrMapOvr>
+    <a:masterClrMapping/>
+  </p:clrMapOvr>
+</p:sld>
+</file>
+
+<file path=ppt/slides/slide13.xml><?xml version="1.0" encoding="utf-8"?>
+<p:sld xmlns:a="http://schemas.openxmlformats.org/drawingml/2006/main" xmlns:r="http://schemas.openxmlformats.org/officeDocument/2006/relationships" xmlns:p="http://schemas.openxmlformats.org/presentationml/2006/main">
+  <p:cSld>
+    <p:spTree>
+      <p:nvGrpSpPr>
+        <p:cNvPr id="1" name=""/>
+        <p:cNvGrpSpPr/>
+        <p:nvPr/>
+      </p:nvGrpSpPr>
+      <p:grpSpPr>
+        <a:xfrm>
+          <a:off x="0" y="0"/>
+          <a:ext cx="0" cy="0"/>
+          <a:chOff x="0" y="0"/>
+          <a:chExt cx="0" cy="0"/>
+        </a:xfrm>
+      </p:grpSpPr>
+      <p:pic>
+        <p:nvPicPr>
+          <p:cNvPr id="3" name="Grafik 2"/>
+          <p:cNvPicPr>
+            <a:picLocks noChangeAspect="1"/>
+          </p:cNvPicPr>
+          <p:nvPr/>
+        </p:nvPicPr>
+        <p:blipFill>
+          <a:blip r:embed="rId2"/>
+          <a:stretch>
+            <a:fillRect/>
+          </a:stretch>
+        </p:blipFill>
+        <p:spPr>
+          <a:xfrm>
+            <a:off x="1403648" y="1124743"/>
+            <a:ext cx="6197376" cy="5577639"/>
+          </a:xfrm>
+          <a:prstGeom prst="rect">
+            <a:avLst/>
+          </a:prstGeom>
+        </p:spPr>
+      </p:pic>
+      <p:sp>
+        <p:nvSpPr>
+          <p:cNvPr id="2" name="Titel 1"/>
+          <p:cNvSpPr>
+            <a:spLocks noGrp="1"/>
+          </p:cNvSpPr>
+          <p:nvPr>
+            <p:ph type="title"/>
+          </p:nvPr>
+        </p:nvSpPr>
+        <p:spPr/>
+        <p:txBody>
+          <a:bodyPr/>
+          <a:lstStyle/>
+          <a:p>
+            <a:r>
+              <a:rPr lang="en-US" dirty="0" smtClean="0"/>
+              <a:t>V2 – Features - 4</a:t>
+            </a:r>
+            <a:endParaRPr lang="en-US" dirty="0"/>
+          </a:p>
+        </p:txBody>
+      </p:sp>
+      <p:sp>
+        <p:nvSpPr>
+          <p:cNvPr id="14" name="Textfeld 13"/>
+          <p:cNvSpPr txBox="1"/>
+          <p:nvPr/>
+        </p:nvSpPr>
+        <p:spPr>
+          <a:xfrm>
+            <a:off x="4217976" y="1394912"/>
+            <a:ext cx="864096" cy="161583"/>
+          </a:xfrm>
+          <a:prstGeom prst="rect">
+            <a:avLst/>
+          </a:prstGeom>
+          <a:solidFill>
+            <a:schemeClr val="bg1">
+              <a:lumMod val="95000"/>
+            </a:schemeClr>
+          </a:solidFill>
+        </p:spPr>
+        <p:txBody>
+          <a:bodyPr wrap="square" lIns="0" tIns="0" rIns="0" bIns="0" rtlCol="0">
+            <a:spAutoFit/>
+          </a:bodyPr>
+          <a:lstStyle/>
+          <a:p>
+            <a:r>
+              <a:rPr lang="en-US" sz="1050" b="1" dirty="0" smtClean="0"/>
+              <a:t>2.0</a:t>
+            </a:r>
+            <a:endParaRPr lang="de-CH" sz="1050" b="1" dirty="0"/>
+          </a:p>
+        </p:txBody>
+      </p:sp>
+      <p:sp>
+        <p:nvSpPr>
+          <p:cNvPr id="17" name="Rechteck 16"/>
+          <p:cNvSpPr/>
+          <p:nvPr/>
+        </p:nvSpPr>
+        <p:spPr>
+          <a:xfrm flipV="1">
+            <a:off x="5436095" y="5952462"/>
+            <a:ext cx="2164929" cy="500871"/>
+          </a:xfrm>
+          <a:prstGeom prst="rect">
+            <a:avLst/>
+          </a:prstGeom>
+          <a:noFill/>
+          <a:ln w="57150">
+            <a:solidFill>
+              <a:schemeClr val="accent6">
+                <a:lumMod val="75000"/>
+              </a:schemeClr>
+            </a:solidFill>
+          </a:ln>
+        </p:spPr>
+        <p:style>
+          <a:lnRef idx="2">
+            <a:schemeClr val="accent2"/>
+          </a:lnRef>
+          <a:fillRef idx="1">
+            <a:schemeClr val="lt1"/>
+          </a:fillRef>
+          <a:effectRef idx="0">
+            <a:schemeClr val="accent2"/>
+          </a:effectRef>
+          <a:fontRef idx="minor">
+            <a:schemeClr val="dk1"/>
+          </a:fontRef>
+        </p:style>
+        <p:txBody>
+          <a:bodyPr rtlCol="0" anchor="ctr"/>
+          <a:lstStyle/>
+          <a:p>
+            <a:pPr algn="ctr"/>
+            <a:endParaRPr lang="de-CH"/>
+          </a:p>
+        </p:txBody>
+      </p:sp>
+      <p:sp>
+        <p:nvSpPr>
+          <p:cNvPr id="18" name="Rechteck 17"/>
+          <p:cNvSpPr/>
+          <p:nvPr/>
+        </p:nvSpPr>
+        <p:spPr>
+          <a:xfrm>
+            <a:off x="611560" y="1340768"/>
+            <a:ext cx="8075240" cy="4451857"/>
+          </a:xfrm>
+          <a:prstGeom prst="rect">
+            <a:avLst/>
+          </a:prstGeom>
+        </p:spPr>
+        <p:style>
+          <a:lnRef idx="2">
+            <a:schemeClr val="accent5"/>
+          </a:lnRef>
+          <a:fillRef idx="1">
+            <a:schemeClr val="lt1"/>
+          </a:fillRef>
+          <a:effectRef idx="0">
+            <a:schemeClr val="accent5"/>
+          </a:effectRef>
+          <a:fontRef idx="minor">
+            <a:schemeClr val="dk1"/>
+          </a:fontRef>
+        </p:style>
+        <p:txBody>
+          <a:bodyPr rtlCol="0" anchor="t" anchorCtr="0"/>
+          <a:lstStyle/>
+          <a:p>
+            <a:r>
+              <a:rPr lang="en-US" sz="1200" b="1" dirty="0" smtClean="0"/>
+              <a:t>New working with your own </a:t>
+            </a:r>
+            <a:r>
+              <a:rPr lang="en-US" sz="1200" b="1" dirty="0" err="1" smtClean="0"/>
+              <a:t>actionmaps</a:t>
+            </a:r>
+            <a:endParaRPr lang="en-US" sz="1200" b="1" dirty="0" smtClean="0"/>
+          </a:p>
+          <a:p>
+            <a:endParaRPr lang="en-US" sz="1200" dirty="0"/>
+          </a:p>
+          <a:p>
+            <a:r>
+              <a:rPr lang="en-US" sz="1200" dirty="0" smtClean="0"/>
+              <a:t>The program not only gets the </a:t>
+            </a:r>
+            <a:r>
+              <a:rPr lang="en-US" sz="1200" dirty="0" err="1" smtClean="0"/>
+              <a:t>actionsmaps</a:t>
+            </a:r>
+            <a:r>
+              <a:rPr lang="en-US" sz="1200" dirty="0" smtClean="0"/>
+              <a:t> from the real game asset – but also can save your maps there.</a:t>
+            </a:r>
+          </a:p>
+          <a:p>
+            <a:r>
+              <a:rPr lang="en-US" sz="700" dirty="0" smtClean="0"/>
+              <a:t>(</a:t>
+            </a:r>
+            <a:r>
+              <a:rPr lang="en-US" sz="700" dirty="0" smtClean="0">
+                <a:latin typeface="Lucida Console" panose="020B0609040504020204" pitchFamily="49" charset="0"/>
+              </a:rPr>
+              <a:t>…\</a:t>
+            </a:r>
+            <a:r>
+              <a:rPr lang="en-US" sz="700" dirty="0" err="1" smtClean="0">
+                <a:latin typeface="Lucida Console" panose="020B0609040504020204" pitchFamily="49" charset="0"/>
+              </a:rPr>
+              <a:t>StarCitizen</a:t>
+            </a:r>
+            <a:r>
+              <a:rPr lang="en-US" sz="700" dirty="0" smtClean="0">
+                <a:latin typeface="Lucida Console" panose="020B0609040504020204" pitchFamily="49" charset="0"/>
+              </a:rPr>
+              <a:t>\</a:t>
+            </a:r>
+            <a:r>
+              <a:rPr lang="en-US" sz="700" dirty="0" err="1" smtClean="0">
+                <a:latin typeface="Lucida Console" panose="020B0609040504020204" pitchFamily="49" charset="0"/>
+              </a:rPr>
+              <a:t>CitizenClient</a:t>
+            </a:r>
+            <a:r>
+              <a:rPr lang="en-US" sz="700" dirty="0" smtClean="0">
+                <a:latin typeface="Lucida Console" panose="020B0609040504020204" pitchFamily="49" charset="0"/>
+              </a:rPr>
+              <a:t>\Data\Controls\Mappings</a:t>
+            </a:r>
+            <a:r>
+              <a:rPr lang="en-US" sz="700" dirty="0" smtClean="0"/>
+              <a:t>)</a:t>
+            </a:r>
+            <a:endParaRPr lang="en-US" sz="700" dirty="0" smtClean="0"/>
+          </a:p>
+          <a:p>
+            <a:endParaRPr lang="en-US" sz="1200" dirty="0"/>
+          </a:p>
+          <a:p>
+            <a:pPr marL="228600" indent="-228600">
+              <a:buAutoNum type="arabicPeriod"/>
+            </a:pPr>
+            <a:r>
+              <a:rPr lang="en-US" sz="1200" dirty="0" smtClean="0"/>
+              <a:t>Type a name  (limitations see note)</a:t>
+            </a:r>
+          </a:p>
+          <a:p>
+            <a:pPr marL="228600" indent="-228600">
+              <a:buAutoNum type="arabicPeriod"/>
+            </a:pPr>
+            <a:r>
+              <a:rPr lang="en-US" sz="1200" dirty="0" smtClean="0"/>
+              <a:t>Hit the button – it will then Dump and Save your map into the game folder (well asking you to overwrite it if it exists)</a:t>
+            </a:r>
+          </a:p>
+          <a:p>
+            <a:pPr marL="228600" indent="-228600">
+              <a:buAutoNum type="arabicPeriod"/>
+            </a:pPr>
+            <a:endParaRPr lang="en-US" sz="1200" dirty="0"/>
+          </a:p>
+          <a:p>
+            <a:r>
+              <a:rPr lang="en-US" sz="1200" dirty="0" smtClean="0"/>
+              <a:t>NOTE: your map name has always to start with ‘</a:t>
+            </a:r>
+            <a:r>
+              <a:rPr lang="en-US" sz="1200" dirty="0" err="1" smtClean="0"/>
+              <a:t>layout_my</a:t>
+            </a:r>
+            <a:r>
+              <a:rPr lang="en-US" sz="1200" dirty="0" smtClean="0"/>
+              <a:t>_’   to prevent modifying CIGs own </a:t>
+            </a:r>
+            <a:r>
+              <a:rPr lang="en-US" sz="1200" dirty="0" err="1" smtClean="0"/>
+              <a:t>actionmaps</a:t>
+            </a:r>
+            <a:endParaRPr lang="en-US" sz="1200" dirty="0" smtClean="0"/>
+          </a:p>
+          <a:p>
+            <a:r>
+              <a:rPr lang="en-US" sz="1200" dirty="0" smtClean="0"/>
+              <a:t>Lowercase only, no spaces, tabs allowed else you see the red flag ..</a:t>
+            </a:r>
+            <a:endParaRPr lang="en-US" sz="1200" dirty="0" smtClean="0"/>
+          </a:p>
+          <a:p>
+            <a:endParaRPr lang="en-US" sz="1200" dirty="0" smtClean="0"/>
+          </a:p>
+          <a:p>
+            <a:r>
+              <a:rPr lang="en-US" sz="1200" dirty="0" smtClean="0"/>
+              <a:t>A successful Save will show the green flag</a:t>
+            </a:r>
+          </a:p>
+          <a:p>
+            <a:endParaRPr lang="en-US" sz="1200" dirty="0"/>
+          </a:p>
+          <a:p>
+            <a:endParaRPr lang="en-US" sz="1200" dirty="0" smtClean="0"/>
+          </a:p>
+          <a:p>
+            <a:endParaRPr lang="en-US" sz="1200" dirty="0" smtClean="0"/>
+          </a:p>
+          <a:p>
+            <a:endParaRPr lang="en-US" sz="1200" dirty="0"/>
+          </a:p>
+          <a:p>
+            <a:r>
+              <a:rPr lang="en-US" sz="1200" dirty="0" smtClean="0"/>
+              <a:t>Your own maps will then show up like the game provided maps</a:t>
+            </a:r>
+          </a:p>
+          <a:p>
+            <a:r>
+              <a:rPr lang="en-US" sz="800" dirty="0" err="1">
+                <a:latin typeface="Lucida Console" panose="020B0609040504020204" pitchFamily="49" charset="0"/>
+              </a:rPr>
+              <a:t>pp_rebindkeys</a:t>
+            </a:r>
+            <a:r>
+              <a:rPr lang="en-US" sz="800" dirty="0">
+                <a:latin typeface="Lucida Console" panose="020B0609040504020204" pitchFamily="49" charset="0"/>
+              </a:rPr>
+              <a:t> </a:t>
+            </a:r>
+            <a:r>
+              <a:rPr lang="en-US" sz="800" dirty="0" err="1">
+                <a:latin typeface="Lucida Console" panose="020B0609040504020204" pitchFamily="49" charset="0"/>
+              </a:rPr>
+              <a:t>layout_my_joystick</a:t>
+            </a:r>
+            <a:r>
+              <a:rPr lang="en-US" sz="800" dirty="0">
+                <a:latin typeface="Lucida Console" panose="020B0609040504020204" pitchFamily="49" charset="0"/>
+              </a:rPr>
+              <a:t>   </a:t>
+            </a:r>
+            <a:r>
+              <a:rPr lang="en-US" sz="1200" dirty="0" smtClean="0"/>
+              <a:t>should load it into the game</a:t>
+            </a:r>
+            <a:endParaRPr lang="en-US" sz="1200" dirty="0"/>
+          </a:p>
+          <a:p>
+            <a:endParaRPr lang="en-US" sz="1200" dirty="0" smtClean="0"/>
+          </a:p>
+          <a:p>
+            <a:r>
+              <a:rPr lang="en-US" sz="1200" dirty="0" smtClean="0"/>
+              <a:t>Note: For your convenience each Save also makes a copy of into your personal</a:t>
+            </a:r>
+          </a:p>
+          <a:p>
+            <a:r>
+              <a:rPr lang="en-US" sz="1100" dirty="0" smtClean="0">
+                <a:latin typeface="Lucida Console" panose="020B0609040504020204" pitchFamily="49" charset="0"/>
+              </a:rPr>
+              <a:t>“My Documents\</a:t>
+            </a:r>
+            <a:r>
+              <a:rPr lang="en-US" sz="1100" dirty="0" err="1" smtClean="0">
+                <a:latin typeface="Lucida Console" panose="020B0609040504020204" pitchFamily="49" charset="0"/>
+              </a:rPr>
+              <a:t>SCJMapper</a:t>
+            </a:r>
+            <a:r>
+              <a:rPr lang="en-US" sz="1100" dirty="0" smtClean="0">
+                <a:latin typeface="Lucida Console" panose="020B0609040504020204" pitchFamily="49" charset="0"/>
+              </a:rPr>
+              <a:t>” </a:t>
+            </a:r>
+            <a:r>
+              <a:rPr lang="en-US" sz="1200" dirty="0"/>
+              <a:t>folder </a:t>
+            </a:r>
+            <a:r>
+              <a:rPr lang="en-US" sz="1200" dirty="0" smtClean="0"/>
+              <a:t>– no work is lost if there is an update </a:t>
+            </a:r>
+          </a:p>
+          <a:p>
+            <a:r>
+              <a:rPr lang="en-US" sz="1200" dirty="0" smtClean="0"/>
+              <a:t>that cleans the Mappings folder.</a:t>
+            </a:r>
+            <a:endParaRPr lang="en-US" sz="1200" dirty="0"/>
+          </a:p>
+        </p:txBody>
+      </p:sp>
+      <p:pic>
+        <p:nvPicPr>
+          <p:cNvPr id="4" name="Grafik 3"/>
+          <p:cNvPicPr>
+            <a:picLocks noChangeAspect="1"/>
+          </p:cNvPicPr>
+          <p:nvPr/>
+        </p:nvPicPr>
+        <p:blipFill>
+          <a:blip r:embed="rId3"/>
+          <a:stretch>
+            <a:fillRect/>
+          </a:stretch>
+        </p:blipFill>
+        <p:spPr>
+          <a:xfrm>
+            <a:off x="6104534" y="3651568"/>
+            <a:ext cx="2398715" cy="1347462"/>
+          </a:xfrm>
+          <a:prstGeom prst="rect">
+            <a:avLst/>
+          </a:prstGeom>
+        </p:spPr>
+      </p:pic>
+      <p:sp>
+        <p:nvSpPr>
+          <p:cNvPr id="9" name="Pfeil nach rechts 8"/>
+          <p:cNvSpPr/>
+          <p:nvPr/>
+        </p:nvSpPr>
+        <p:spPr>
+          <a:xfrm rot="2267429" flipH="1">
+            <a:off x="7872439" y="4874899"/>
+            <a:ext cx="504056" cy="285009"/>
+          </a:xfrm>
+          <a:prstGeom prst="rightArrow">
+            <a:avLst/>
+          </a:prstGeom>
+        </p:spPr>
+        <p:style>
+          <a:lnRef idx="1">
+            <a:schemeClr val="accent2"/>
+          </a:lnRef>
+          <a:fillRef idx="2">
+            <a:schemeClr val="accent2"/>
+          </a:fillRef>
+          <a:effectRef idx="1">
+            <a:schemeClr val="accent2"/>
+          </a:effectRef>
+          <a:fontRef idx="minor">
+            <a:schemeClr val="dk1"/>
+          </a:fontRef>
+        </p:style>
+        <p:txBody>
+          <a:bodyPr rtlCol="0" anchor="ctr"/>
+          <a:lstStyle/>
+          <a:p>
+            <a:pPr algn="ctr"/>
+            <a:endParaRPr lang="de-CH"/>
+          </a:p>
+        </p:txBody>
+      </p:sp>
+      <p:sp>
+        <p:nvSpPr>
+          <p:cNvPr id="11" name="Pfeil nach rechts 10"/>
+          <p:cNvSpPr/>
+          <p:nvPr/>
+        </p:nvSpPr>
+        <p:spPr>
+          <a:xfrm rot="10800000" flipH="1">
+            <a:off x="6104534" y="4354143"/>
+            <a:ext cx="504056" cy="285009"/>
+          </a:xfrm>
+          <a:prstGeom prst="rightArrow">
+            <a:avLst/>
+          </a:prstGeom>
+        </p:spPr>
+        <p:style>
+          <a:lnRef idx="1">
+            <a:schemeClr val="accent2"/>
+          </a:lnRef>
+          <a:fillRef idx="2">
+            <a:schemeClr val="accent2"/>
+          </a:fillRef>
+          <a:effectRef idx="1">
+            <a:schemeClr val="accent2"/>
+          </a:effectRef>
+          <a:fontRef idx="minor">
+            <a:schemeClr val="dk1"/>
+          </a:fontRef>
+        </p:style>
+        <p:txBody>
+          <a:bodyPr rtlCol="0" anchor="ctr"/>
+          <a:lstStyle/>
+          <a:p>
+            <a:pPr algn="ctr"/>
+            <a:endParaRPr lang="de-CH"/>
+          </a:p>
+        </p:txBody>
+      </p:sp>
+      <p:pic>
+        <p:nvPicPr>
+          <p:cNvPr id="5" name="Grafik 4"/>
+          <p:cNvPicPr>
+            <a:picLocks noChangeAspect="1"/>
+          </p:cNvPicPr>
+          <p:nvPr/>
+        </p:nvPicPr>
+        <p:blipFill>
+          <a:blip r:embed="rId4"/>
+          <a:stretch>
+            <a:fillRect/>
+          </a:stretch>
+        </p:blipFill>
+        <p:spPr>
+          <a:xfrm>
+            <a:off x="4914917" y="2949651"/>
+            <a:ext cx="2106221" cy="193747"/>
+          </a:xfrm>
+          <a:prstGeom prst="rect">
+            <a:avLst/>
+          </a:prstGeom>
+        </p:spPr>
+      </p:pic>
+      <p:pic>
+        <p:nvPicPr>
+          <p:cNvPr id="6" name="Grafik 5"/>
+          <p:cNvPicPr>
+            <a:picLocks noChangeAspect="1"/>
+          </p:cNvPicPr>
+          <p:nvPr/>
+        </p:nvPicPr>
+        <p:blipFill>
+          <a:blip r:embed="rId5"/>
+          <a:stretch>
+            <a:fillRect/>
+          </a:stretch>
+        </p:blipFill>
+        <p:spPr>
+          <a:xfrm>
+            <a:off x="3439925" y="3278206"/>
+            <a:ext cx="2124822" cy="376785"/>
+          </a:xfrm>
+          <a:prstGeom prst="rect">
+            <a:avLst/>
+          </a:prstGeom>
+        </p:spPr>
+      </p:pic>
+    </p:spTree>
+    <p:extLst>
+      <p:ext uri="{BB962C8B-B14F-4D97-AF65-F5344CB8AC3E}">
+        <p14:creationId xmlns:p14="http://schemas.microsoft.com/office/powerpoint/2010/main" val="607392062"/>
+      </p:ext>
+    </p:extLst>
+  </p:cSld>
+  <p:clrMapOvr>
+    <a:masterClrMapping/>
+  </p:clrMapOvr>
+</p:sld>
+</file>
+
+<file path=ppt/slides/slide14.xml><?xml version="1.0" encoding="utf-8"?>
+<p:sld xmlns:a="http://schemas.openxmlformats.org/drawingml/2006/main" xmlns:r="http://schemas.openxmlformats.org/officeDocument/2006/relationships" xmlns:p="http://schemas.openxmlformats.org/presentationml/2006/main">
+  <p:cSld>
+    <p:spTree>
+      <p:nvGrpSpPr>
+        <p:cNvPr id="1" name=""/>
+        <p:cNvGrpSpPr/>
+        <p:nvPr/>
+      </p:nvGrpSpPr>
+      <p:grpSpPr>
+        <a:xfrm>
+          <a:off x="0" y="0"/>
+          <a:ext cx="0" cy="0"/>
+          <a:chOff x="0" y="0"/>
+          <a:chExt cx="0" cy="0"/>
+        </a:xfrm>
+      </p:grpSpPr>
+      <p:sp>
+        <p:nvSpPr>
+          <p:cNvPr id="4" name="Titel 3"/>
+          <p:cNvSpPr>
+            <a:spLocks noGrp="1"/>
+          </p:cNvSpPr>
+          <p:nvPr>
+            <p:ph type="title"/>
+          </p:nvPr>
+        </p:nvSpPr>
+        <p:spPr>
+          <a:xfrm>
+            <a:off x="467544" y="153978"/>
+            <a:ext cx="8229600" cy="346050"/>
+          </a:xfrm>
+        </p:spPr>
+        <p:txBody>
+          <a:bodyPr>
+            <a:noAutofit/>
+          </a:bodyPr>
+          <a:lstStyle/>
+          <a:p>
+            <a:pPr algn="l"/>
+            <a:r>
+              <a:rPr lang="en-US" sz="2400" dirty="0" err="1" smtClean="0"/>
+              <a:t>SCJMapper</a:t>
+            </a:r>
+            <a:r>
+              <a:rPr lang="en-US" sz="2400" dirty="0" smtClean="0"/>
+              <a:t> V 2 – Common Workflows</a:t>
+            </a:r>
+            <a:endParaRPr lang="en-US" sz="2400" dirty="0"/>
+          </a:p>
+        </p:txBody>
+      </p:sp>
+      <p:sp>
+        <p:nvSpPr>
+          <p:cNvPr id="6" name="Rechteck 5"/>
+          <p:cNvSpPr/>
+          <p:nvPr/>
+        </p:nvSpPr>
+        <p:spPr>
+          <a:xfrm>
+            <a:off x="311624" y="3284984"/>
+            <a:ext cx="1296144" cy="432048"/>
+          </a:xfrm>
+          <a:prstGeom prst="rect">
+            <a:avLst/>
+          </a:prstGeom>
+        </p:spPr>
+        <p:style>
+          <a:lnRef idx="2">
+            <a:schemeClr val="dk1"/>
+          </a:lnRef>
+          <a:fillRef idx="1">
+            <a:schemeClr val="lt1"/>
+          </a:fillRef>
+          <a:effectRef idx="0">
+            <a:schemeClr val="dk1"/>
+          </a:effectRef>
+          <a:fontRef idx="minor">
+            <a:schemeClr val="dk1"/>
+          </a:fontRef>
+        </p:style>
+        <p:txBody>
+          <a:bodyPr rtlCol="0" anchor="ctr"/>
+          <a:lstStyle/>
+          <a:p>
+            <a:pPr algn="ctr"/>
+            <a:r>
+              <a:rPr lang="en-US" sz="900" dirty="0" smtClean="0"/>
+              <a:t>CIG Defaults</a:t>
+            </a:r>
+            <a:endParaRPr lang="en-US" sz="900" dirty="0"/>
+          </a:p>
+        </p:txBody>
+      </p:sp>
+      <p:sp>
+        <p:nvSpPr>
+          <p:cNvPr id="7" name="Rechteck 6"/>
+          <p:cNvSpPr/>
+          <p:nvPr/>
+        </p:nvSpPr>
+        <p:spPr>
+          <a:xfrm>
+            <a:off x="311624" y="4149080"/>
+            <a:ext cx="1296144" cy="432048"/>
+          </a:xfrm>
+          <a:prstGeom prst="rect">
+            <a:avLst/>
+          </a:prstGeom>
+        </p:spPr>
+        <p:style>
+          <a:lnRef idx="2">
+            <a:schemeClr val="dk1"/>
+          </a:lnRef>
+          <a:fillRef idx="1">
+            <a:schemeClr val="lt1"/>
+          </a:fillRef>
+          <a:effectRef idx="0">
+            <a:schemeClr val="dk1"/>
+          </a:effectRef>
+          <a:fontRef idx="minor">
+            <a:schemeClr val="dk1"/>
+          </a:fontRef>
+        </p:style>
+        <p:txBody>
+          <a:bodyPr rtlCol="0" anchor="ctr"/>
+          <a:lstStyle/>
+          <a:p>
+            <a:pPr algn="ctr"/>
+            <a:r>
+              <a:rPr lang="en-US" sz="900" dirty="0" smtClean="0"/>
+              <a:t>Existing CIG map</a:t>
+            </a:r>
+            <a:endParaRPr lang="en-US" sz="900" dirty="0"/>
+          </a:p>
+        </p:txBody>
+      </p:sp>
+      <p:sp>
+        <p:nvSpPr>
+          <p:cNvPr id="8" name="Rechteck 7"/>
+          <p:cNvSpPr/>
+          <p:nvPr/>
+        </p:nvSpPr>
+        <p:spPr>
+          <a:xfrm>
+            <a:off x="331876" y="1623147"/>
+            <a:ext cx="1296144" cy="432048"/>
+          </a:xfrm>
+          <a:prstGeom prst="rect">
+            <a:avLst/>
+          </a:prstGeom>
+        </p:spPr>
+        <p:style>
+          <a:lnRef idx="1">
+            <a:schemeClr val="dk1"/>
+          </a:lnRef>
+          <a:fillRef idx="2">
+            <a:schemeClr val="dk1"/>
+          </a:fillRef>
+          <a:effectRef idx="1">
+            <a:schemeClr val="dk1"/>
+          </a:effectRef>
+          <a:fontRef idx="minor">
+            <a:schemeClr val="dk1"/>
+          </a:fontRef>
+        </p:style>
+        <p:txBody>
+          <a:bodyPr rtlCol="0" anchor="ctr"/>
+          <a:lstStyle/>
+          <a:p>
+            <a:pPr algn="ctr"/>
+            <a:r>
+              <a:rPr lang="en-US" sz="900" dirty="0" smtClean="0"/>
+              <a:t>Start from ..</a:t>
+            </a:r>
+            <a:endParaRPr lang="en-US" sz="900" dirty="0"/>
+          </a:p>
+        </p:txBody>
+      </p:sp>
+      <p:sp>
+        <p:nvSpPr>
+          <p:cNvPr id="9" name="Rechteck 8"/>
+          <p:cNvSpPr/>
+          <p:nvPr/>
+        </p:nvSpPr>
+        <p:spPr>
+          <a:xfrm>
+            <a:off x="311624" y="5013176"/>
+            <a:ext cx="1296144" cy="432048"/>
+          </a:xfrm>
+          <a:prstGeom prst="rect">
+            <a:avLst/>
+          </a:prstGeom>
+        </p:spPr>
+        <p:style>
+          <a:lnRef idx="2">
+            <a:schemeClr val="dk1"/>
+          </a:lnRef>
+          <a:fillRef idx="1">
+            <a:schemeClr val="lt1"/>
+          </a:fillRef>
+          <a:effectRef idx="0">
+            <a:schemeClr val="dk1"/>
+          </a:effectRef>
+          <a:fontRef idx="minor">
+            <a:schemeClr val="dk1"/>
+          </a:fontRef>
+        </p:style>
+        <p:txBody>
+          <a:bodyPr rtlCol="0" anchor="ctr"/>
+          <a:lstStyle/>
+          <a:p>
+            <a:pPr algn="ctr"/>
+            <a:r>
+              <a:rPr lang="en-US" sz="900" dirty="0" smtClean="0"/>
+              <a:t>Existing _my_ map</a:t>
+            </a:r>
+            <a:endParaRPr lang="en-US" sz="900" dirty="0"/>
+          </a:p>
+        </p:txBody>
+      </p:sp>
+      <p:sp>
+        <p:nvSpPr>
+          <p:cNvPr id="10" name="Rechteck 9"/>
+          <p:cNvSpPr/>
+          <p:nvPr/>
+        </p:nvSpPr>
+        <p:spPr>
+          <a:xfrm>
+            <a:off x="311624" y="5877272"/>
+            <a:ext cx="1296144" cy="432048"/>
+          </a:xfrm>
+          <a:prstGeom prst="rect">
+            <a:avLst/>
+          </a:prstGeom>
+        </p:spPr>
+        <p:style>
+          <a:lnRef idx="2">
+            <a:schemeClr val="dk1"/>
+          </a:lnRef>
+          <a:fillRef idx="1">
+            <a:schemeClr val="lt1"/>
+          </a:fillRef>
+          <a:effectRef idx="0">
+            <a:schemeClr val="dk1"/>
+          </a:effectRef>
+          <a:fontRef idx="minor">
+            <a:schemeClr val="dk1"/>
+          </a:fontRef>
+        </p:style>
+        <p:txBody>
+          <a:bodyPr rtlCol="0" anchor="ctr"/>
+          <a:lstStyle/>
+          <a:p>
+            <a:pPr algn="ctr"/>
+            <a:r>
+              <a:rPr lang="en-US" sz="900" dirty="0" smtClean="0"/>
+              <a:t>Existing _other_ map</a:t>
+            </a:r>
+            <a:endParaRPr lang="en-US" sz="900" dirty="0"/>
+          </a:p>
+        </p:txBody>
+      </p:sp>
+      <p:sp>
+        <p:nvSpPr>
+          <p:cNvPr id="11" name="Rechteck 10"/>
+          <p:cNvSpPr/>
+          <p:nvPr/>
+        </p:nvSpPr>
+        <p:spPr>
+          <a:xfrm>
+            <a:off x="1823792" y="3284984"/>
+            <a:ext cx="1296144" cy="432048"/>
+          </a:xfrm>
+          <a:prstGeom prst="rect">
+            <a:avLst/>
+          </a:prstGeom>
+          <a:solidFill>
+            <a:srgbClr val="D0B75C"/>
+          </a:solidFill>
+          <a:ln>
+            <a:solidFill>
+              <a:srgbClr val="5D3819"/>
+            </a:solidFill>
+          </a:ln>
+        </p:spPr>
+        <p:style>
+          <a:lnRef idx="2">
+            <a:schemeClr val="accent6">
+              <a:shade val="50000"/>
+            </a:schemeClr>
+          </a:lnRef>
+          <a:fillRef idx="1">
+            <a:schemeClr val="accent6"/>
+          </a:fillRef>
+          <a:effectRef idx="0">
+            <a:schemeClr val="accent6"/>
+          </a:effectRef>
+          <a:fontRef idx="minor">
+            <a:schemeClr val="lt1"/>
+          </a:fontRef>
+        </p:style>
+        <p:txBody>
+          <a:bodyPr rtlCol="0" anchor="ctr"/>
+          <a:lstStyle/>
+          <a:p>
+            <a:pPr algn="ctr"/>
+            <a:r>
+              <a:rPr lang="en-US" sz="900" dirty="0" smtClean="0">
+                <a:solidFill>
+                  <a:schemeClr val="tx1"/>
+                </a:solidFill>
+              </a:rPr>
+              <a:t>Reset defaults !</a:t>
+            </a:r>
+            <a:endParaRPr lang="en-US" sz="900" dirty="0">
+              <a:solidFill>
+                <a:schemeClr val="tx1"/>
+              </a:solidFill>
+            </a:endParaRPr>
+          </a:p>
+        </p:txBody>
+      </p:sp>
+      <p:sp>
+        <p:nvSpPr>
+          <p:cNvPr id="12" name="Rechteck 11"/>
+          <p:cNvSpPr/>
+          <p:nvPr/>
+        </p:nvSpPr>
+        <p:spPr>
+          <a:xfrm>
+            <a:off x="1823792" y="4149080"/>
+            <a:ext cx="1296144" cy="432048"/>
+          </a:xfrm>
+          <a:prstGeom prst="rect">
+            <a:avLst/>
+          </a:prstGeom>
+        </p:spPr>
+        <p:style>
+          <a:lnRef idx="2">
+            <a:schemeClr val="accent3">
+              <a:shade val="50000"/>
+            </a:schemeClr>
+          </a:lnRef>
+          <a:fillRef idx="1">
+            <a:schemeClr val="accent3"/>
+          </a:fillRef>
+          <a:effectRef idx="0">
+            <a:schemeClr val="accent3"/>
+          </a:effectRef>
+          <a:fontRef idx="minor">
+            <a:schemeClr val="lt1"/>
+          </a:fontRef>
+        </p:style>
+        <p:txBody>
+          <a:bodyPr rtlCol="0" anchor="ctr"/>
+          <a:lstStyle/>
+          <a:p>
+            <a:pPr algn="ctr"/>
+            <a:r>
+              <a:rPr lang="en-US" sz="900" dirty="0" smtClean="0"/>
+              <a:t>Chose CIG map</a:t>
+            </a:r>
+          </a:p>
+          <a:p>
+            <a:pPr algn="ctr"/>
+            <a:r>
+              <a:rPr lang="en-US" sz="900" dirty="0" smtClean="0"/>
+              <a:t>Defaults, Load and Grab</a:t>
+            </a:r>
+            <a:endParaRPr lang="en-US" sz="900" dirty="0"/>
+          </a:p>
+        </p:txBody>
+      </p:sp>
+      <p:sp>
+        <p:nvSpPr>
+          <p:cNvPr id="13" name="Rechteck 12"/>
+          <p:cNvSpPr/>
+          <p:nvPr/>
+        </p:nvSpPr>
+        <p:spPr>
+          <a:xfrm>
+            <a:off x="1823792" y="5013176"/>
+            <a:ext cx="1296144" cy="432048"/>
+          </a:xfrm>
+          <a:prstGeom prst="rect">
+            <a:avLst/>
+          </a:prstGeom>
+        </p:spPr>
+        <p:style>
+          <a:lnRef idx="2">
+            <a:schemeClr val="accent3">
+              <a:shade val="50000"/>
+            </a:schemeClr>
+          </a:lnRef>
+          <a:fillRef idx="1">
+            <a:schemeClr val="accent3"/>
+          </a:fillRef>
+          <a:effectRef idx="0">
+            <a:schemeClr val="accent3"/>
+          </a:effectRef>
+          <a:fontRef idx="minor">
+            <a:schemeClr val="lt1"/>
+          </a:fontRef>
+        </p:style>
+        <p:txBody>
+          <a:bodyPr rtlCol="0" anchor="ctr"/>
+          <a:lstStyle/>
+          <a:p>
+            <a:pPr algn="ctr"/>
+            <a:r>
+              <a:rPr lang="en-US" sz="900" dirty="0" smtClean="0"/>
+              <a:t>Chose _my_ map</a:t>
+            </a:r>
+          </a:p>
+          <a:p>
+            <a:pPr algn="ctr"/>
+            <a:r>
+              <a:rPr lang="en-US" sz="900" dirty="0" smtClean="0"/>
+              <a:t>Reset, Load and Grab !</a:t>
+            </a:r>
+            <a:endParaRPr lang="en-US" sz="900" dirty="0"/>
+          </a:p>
+        </p:txBody>
+      </p:sp>
+      <p:sp>
+        <p:nvSpPr>
+          <p:cNvPr id="15" name="Rechteck 14"/>
+          <p:cNvSpPr/>
+          <p:nvPr/>
+        </p:nvSpPr>
+        <p:spPr>
+          <a:xfrm>
+            <a:off x="3335960" y="5877272"/>
+            <a:ext cx="1296144" cy="432048"/>
+          </a:xfrm>
+          <a:prstGeom prst="rect">
+            <a:avLst/>
+          </a:prstGeom>
+        </p:spPr>
+        <p:style>
+          <a:lnRef idx="2">
+            <a:schemeClr val="accent5">
+              <a:shade val="50000"/>
+            </a:schemeClr>
+          </a:lnRef>
+          <a:fillRef idx="1">
+            <a:schemeClr val="accent5"/>
+          </a:fillRef>
+          <a:effectRef idx="0">
+            <a:schemeClr val="accent5"/>
+          </a:effectRef>
+          <a:fontRef idx="minor">
+            <a:schemeClr val="lt1"/>
+          </a:fontRef>
+        </p:style>
+        <p:txBody>
+          <a:bodyPr rtlCol="0" anchor="ctr"/>
+          <a:lstStyle/>
+          <a:p>
+            <a:pPr algn="ctr"/>
+            <a:r>
+              <a:rPr lang="en-US" sz="900" dirty="0" smtClean="0"/>
+              <a:t>Name _my_ map</a:t>
+            </a:r>
+          </a:p>
+          <a:p>
+            <a:pPr algn="ctr"/>
+            <a:r>
+              <a:rPr lang="en-US" sz="900" dirty="0" smtClean="0"/>
+              <a:t>Dump and Save</a:t>
+            </a:r>
+            <a:endParaRPr lang="en-US" sz="900" dirty="0"/>
+          </a:p>
+        </p:txBody>
+      </p:sp>
+      <p:sp>
+        <p:nvSpPr>
+          <p:cNvPr id="18" name="Rechteck 17"/>
+          <p:cNvSpPr/>
+          <p:nvPr/>
+        </p:nvSpPr>
+        <p:spPr>
+          <a:xfrm>
+            <a:off x="311624" y="2420888"/>
+            <a:ext cx="1296144" cy="432048"/>
+          </a:xfrm>
+          <a:prstGeom prst="rect">
+            <a:avLst/>
+          </a:prstGeom>
+        </p:spPr>
+        <p:style>
+          <a:lnRef idx="2">
+            <a:schemeClr val="dk1"/>
+          </a:lnRef>
+          <a:fillRef idx="1">
+            <a:schemeClr val="lt1"/>
+          </a:fillRef>
+          <a:effectRef idx="0">
+            <a:schemeClr val="dk1"/>
+          </a:effectRef>
+          <a:fontRef idx="minor">
+            <a:schemeClr val="dk1"/>
+          </a:fontRef>
+        </p:style>
+        <p:txBody>
+          <a:bodyPr rtlCol="0" anchor="ctr"/>
+          <a:lstStyle/>
+          <a:p>
+            <a:pPr algn="ctr"/>
+            <a:r>
+              <a:rPr lang="en-US" sz="900" dirty="0" smtClean="0"/>
+              <a:t>Empty</a:t>
+            </a:r>
+            <a:endParaRPr lang="en-US" sz="900" dirty="0"/>
+          </a:p>
+        </p:txBody>
+      </p:sp>
+      <p:sp>
+        <p:nvSpPr>
+          <p:cNvPr id="19" name="Rechteck 18"/>
+          <p:cNvSpPr/>
+          <p:nvPr/>
+        </p:nvSpPr>
+        <p:spPr>
+          <a:xfrm>
+            <a:off x="1823792" y="2420888"/>
+            <a:ext cx="1296144" cy="432048"/>
+          </a:xfrm>
+          <a:prstGeom prst="rect">
+            <a:avLst/>
+          </a:prstGeom>
+          <a:solidFill>
+            <a:srgbClr val="D0B75C"/>
+          </a:solidFill>
+          <a:ln>
+            <a:solidFill>
+              <a:srgbClr val="5D3819"/>
+            </a:solidFill>
+          </a:ln>
+        </p:spPr>
+        <p:style>
+          <a:lnRef idx="2">
+            <a:schemeClr val="accent6">
+              <a:shade val="50000"/>
+            </a:schemeClr>
+          </a:lnRef>
+          <a:fillRef idx="1">
+            <a:schemeClr val="accent6"/>
+          </a:fillRef>
+          <a:effectRef idx="0">
+            <a:schemeClr val="accent6"/>
+          </a:effectRef>
+          <a:fontRef idx="minor">
+            <a:schemeClr val="lt1"/>
+          </a:fontRef>
+        </p:style>
+        <p:txBody>
+          <a:bodyPr rtlCol="0" anchor="ctr"/>
+          <a:lstStyle/>
+          <a:p>
+            <a:pPr algn="ctr"/>
+            <a:r>
+              <a:rPr lang="en-US" sz="900" dirty="0" smtClean="0">
+                <a:solidFill>
+                  <a:schemeClr val="tx1"/>
+                </a:solidFill>
+              </a:rPr>
+              <a:t>Reset empty !</a:t>
+            </a:r>
+            <a:endParaRPr lang="en-US" sz="900" dirty="0">
+              <a:solidFill>
+                <a:schemeClr val="tx1"/>
+              </a:solidFill>
+            </a:endParaRPr>
+          </a:p>
+        </p:txBody>
+      </p:sp>
+      <p:sp>
+        <p:nvSpPr>
+          <p:cNvPr id="21" name="Rechteck 20"/>
+          <p:cNvSpPr/>
+          <p:nvPr/>
+        </p:nvSpPr>
+        <p:spPr>
+          <a:xfrm>
+            <a:off x="5076056" y="4149080"/>
+            <a:ext cx="1296144" cy="432048"/>
+          </a:xfrm>
+          <a:prstGeom prst="rect">
+            <a:avLst/>
+          </a:prstGeom>
+        </p:spPr>
+        <p:style>
+          <a:lnRef idx="2">
+            <a:schemeClr val="accent6">
+              <a:shade val="50000"/>
+            </a:schemeClr>
+          </a:lnRef>
+          <a:fillRef idx="1">
+            <a:schemeClr val="accent6"/>
+          </a:fillRef>
+          <a:effectRef idx="0">
+            <a:schemeClr val="accent6"/>
+          </a:effectRef>
+          <a:fontRef idx="minor">
+            <a:schemeClr val="lt1"/>
+          </a:fontRef>
+        </p:style>
+        <p:txBody>
+          <a:bodyPr rtlCol="0" anchor="ctr"/>
+          <a:lstStyle/>
+          <a:p>
+            <a:pPr algn="ctr"/>
+            <a:r>
+              <a:rPr lang="en-US" sz="900" dirty="0" smtClean="0"/>
+              <a:t>Assign </a:t>
+            </a:r>
+            <a:r>
+              <a:rPr lang="en-US" sz="900" dirty="0" err="1" smtClean="0"/>
+              <a:t>Ctrls</a:t>
+            </a:r>
+            <a:endParaRPr lang="en-US" sz="900" dirty="0"/>
+          </a:p>
+        </p:txBody>
+      </p:sp>
+      <p:sp>
+        <p:nvSpPr>
+          <p:cNvPr id="22" name="Rechteck 21"/>
+          <p:cNvSpPr/>
+          <p:nvPr/>
+        </p:nvSpPr>
+        <p:spPr>
+          <a:xfrm>
+            <a:off x="6588224" y="4149080"/>
+            <a:ext cx="1296144" cy="432048"/>
+          </a:xfrm>
+          <a:prstGeom prst="rect">
+            <a:avLst/>
+          </a:prstGeom>
+        </p:spPr>
+        <p:style>
+          <a:lnRef idx="2">
+            <a:schemeClr val="accent5">
+              <a:shade val="50000"/>
+            </a:schemeClr>
+          </a:lnRef>
+          <a:fillRef idx="1">
+            <a:schemeClr val="accent5"/>
+          </a:fillRef>
+          <a:effectRef idx="0">
+            <a:schemeClr val="accent5"/>
+          </a:effectRef>
+          <a:fontRef idx="minor">
+            <a:schemeClr val="lt1"/>
+          </a:fontRef>
+        </p:style>
+        <p:txBody>
+          <a:bodyPr rtlCol="0" anchor="ctr"/>
+          <a:lstStyle/>
+          <a:p>
+            <a:pPr algn="ctr"/>
+            <a:r>
+              <a:rPr lang="en-US" sz="900" dirty="0" smtClean="0"/>
+              <a:t>Dump and Save</a:t>
+            </a:r>
+            <a:endParaRPr lang="en-US" sz="900" dirty="0"/>
+          </a:p>
+        </p:txBody>
+      </p:sp>
+      <p:sp>
+        <p:nvSpPr>
+          <p:cNvPr id="23" name="Nach oben gekrümmter Pfeil 22"/>
+          <p:cNvSpPr/>
+          <p:nvPr/>
+        </p:nvSpPr>
+        <p:spPr>
+          <a:xfrm>
+            <a:off x="5880048" y="4653136"/>
+            <a:ext cx="1356248" cy="360040"/>
+          </a:xfrm>
+          <a:prstGeom prst="curvedUpArrow">
+            <a:avLst/>
+          </a:prstGeom>
+        </p:spPr>
+        <p:style>
+          <a:lnRef idx="2">
+            <a:schemeClr val="accent6">
+              <a:shade val="50000"/>
+            </a:schemeClr>
+          </a:lnRef>
+          <a:fillRef idx="1">
+            <a:schemeClr val="accent6"/>
+          </a:fillRef>
+          <a:effectRef idx="0">
+            <a:schemeClr val="accent6"/>
+          </a:effectRef>
+          <a:fontRef idx="minor">
+            <a:schemeClr val="lt1"/>
+          </a:fontRef>
+        </p:style>
+        <p:txBody>
+          <a:bodyPr rtlCol="0" anchor="ctr"/>
+          <a:lstStyle/>
+          <a:p>
+            <a:pPr algn="ctr"/>
+            <a:endParaRPr lang="de-CH" sz="1600">
+              <a:solidFill>
+                <a:schemeClr val="tx1"/>
+              </a:solidFill>
+            </a:endParaRPr>
+          </a:p>
+        </p:txBody>
+      </p:sp>
+      <p:sp>
+        <p:nvSpPr>
+          <p:cNvPr id="24" name="Nach oben gekrümmter Pfeil 23"/>
+          <p:cNvSpPr/>
+          <p:nvPr/>
+        </p:nvSpPr>
+        <p:spPr>
+          <a:xfrm flipH="1" flipV="1">
+            <a:off x="5880048" y="3711379"/>
+            <a:ext cx="1356248" cy="360040"/>
+          </a:xfrm>
+          <a:prstGeom prst="curvedUpArrow">
+            <a:avLst/>
+          </a:prstGeom>
+        </p:spPr>
+        <p:style>
+          <a:lnRef idx="2">
+            <a:schemeClr val="accent5">
+              <a:shade val="50000"/>
+            </a:schemeClr>
+          </a:lnRef>
+          <a:fillRef idx="1">
+            <a:schemeClr val="accent5"/>
+          </a:fillRef>
+          <a:effectRef idx="0">
+            <a:schemeClr val="accent5"/>
+          </a:effectRef>
+          <a:fontRef idx="minor">
+            <a:schemeClr val="lt1"/>
+          </a:fontRef>
+        </p:style>
+        <p:txBody>
+          <a:bodyPr rtlCol="0" anchor="ctr"/>
+          <a:lstStyle/>
+          <a:p>
+            <a:pPr algn="ctr"/>
+            <a:endParaRPr lang="de-CH" sz="1600">
+              <a:solidFill>
+                <a:schemeClr val="tx1"/>
+              </a:solidFill>
+            </a:endParaRPr>
+          </a:p>
+        </p:txBody>
+      </p:sp>
+      <p:sp>
+        <p:nvSpPr>
+          <p:cNvPr id="25" name="Rechteck 24"/>
+          <p:cNvSpPr/>
+          <p:nvPr/>
+        </p:nvSpPr>
+        <p:spPr>
+          <a:xfrm>
+            <a:off x="3335960" y="2420888"/>
+            <a:ext cx="1296144" cy="432048"/>
+          </a:xfrm>
+          <a:prstGeom prst="rect">
+            <a:avLst/>
+          </a:prstGeom>
+        </p:spPr>
+        <p:style>
+          <a:lnRef idx="2">
+            <a:schemeClr val="accent5">
+              <a:shade val="50000"/>
+            </a:schemeClr>
+          </a:lnRef>
+          <a:fillRef idx="1">
+            <a:schemeClr val="accent5"/>
+          </a:fillRef>
+          <a:effectRef idx="0">
+            <a:schemeClr val="accent5"/>
+          </a:effectRef>
+          <a:fontRef idx="minor">
+            <a:schemeClr val="lt1"/>
+          </a:fontRef>
+        </p:style>
+        <p:txBody>
+          <a:bodyPr rtlCol="0" anchor="ctr"/>
+          <a:lstStyle/>
+          <a:p>
+            <a:pPr algn="ctr"/>
+            <a:r>
+              <a:rPr lang="en-US" sz="900" dirty="0" smtClean="0"/>
+              <a:t>Name _</a:t>
+            </a:r>
+            <a:r>
+              <a:rPr lang="en-US" sz="900" dirty="0" err="1" smtClean="0"/>
+              <a:t>my_map</a:t>
+            </a:r>
+            <a:endParaRPr lang="en-US" sz="900" dirty="0" smtClean="0"/>
+          </a:p>
+          <a:p>
+            <a:pPr algn="ctr"/>
+            <a:r>
+              <a:rPr lang="en-US" sz="900" dirty="0" smtClean="0"/>
+              <a:t>Dump and Save</a:t>
+            </a:r>
+            <a:endParaRPr lang="en-US" sz="900" dirty="0"/>
+          </a:p>
+        </p:txBody>
+      </p:sp>
+      <p:sp>
+        <p:nvSpPr>
+          <p:cNvPr id="26" name="Rechteck 25"/>
+          <p:cNvSpPr/>
+          <p:nvPr/>
+        </p:nvSpPr>
+        <p:spPr>
+          <a:xfrm>
+            <a:off x="3335960" y="3279331"/>
+            <a:ext cx="1296144" cy="432048"/>
+          </a:xfrm>
+          <a:prstGeom prst="rect">
+            <a:avLst/>
+          </a:prstGeom>
+          <a:ln>
+            <a:solidFill>
+              <a:srgbClr val="357D91"/>
+            </a:solidFill>
+          </a:ln>
+        </p:spPr>
+        <p:style>
+          <a:lnRef idx="2">
+            <a:schemeClr val="accent5">
+              <a:shade val="50000"/>
+            </a:schemeClr>
+          </a:lnRef>
+          <a:fillRef idx="1">
+            <a:schemeClr val="accent5"/>
+          </a:fillRef>
+          <a:effectRef idx="0">
+            <a:schemeClr val="accent5"/>
+          </a:effectRef>
+          <a:fontRef idx="minor">
+            <a:schemeClr val="lt1"/>
+          </a:fontRef>
+        </p:style>
+        <p:txBody>
+          <a:bodyPr rtlCol="0" anchor="ctr"/>
+          <a:lstStyle/>
+          <a:p>
+            <a:pPr algn="ctr"/>
+            <a:r>
+              <a:rPr lang="en-US" sz="900" dirty="0" smtClean="0"/>
+              <a:t>Name _</a:t>
+            </a:r>
+            <a:r>
+              <a:rPr lang="en-US" sz="900" dirty="0" err="1" smtClean="0"/>
+              <a:t>my_map</a:t>
+            </a:r>
+            <a:endParaRPr lang="en-US" sz="900" dirty="0" smtClean="0"/>
+          </a:p>
+          <a:p>
+            <a:pPr algn="ctr"/>
+            <a:r>
+              <a:rPr lang="en-US" sz="900" dirty="0" smtClean="0"/>
+              <a:t>Dump and Save</a:t>
+            </a:r>
+            <a:endParaRPr lang="en-US" sz="900" dirty="0"/>
+          </a:p>
+        </p:txBody>
+      </p:sp>
+      <p:sp>
+        <p:nvSpPr>
+          <p:cNvPr id="27" name="Rechteck 26"/>
+          <p:cNvSpPr/>
+          <p:nvPr/>
+        </p:nvSpPr>
+        <p:spPr>
+          <a:xfrm>
+            <a:off x="3337593" y="4149080"/>
+            <a:ext cx="1296144" cy="432048"/>
+          </a:xfrm>
+          <a:prstGeom prst="rect">
+            <a:avLst/>
+          </a:prstGeom>
+        </p:spPr>
+        <p:style>
+          <a:lnRef idx="2">
+            <a:schemeClr val="accent5">
+              <a:shade val="50000"/>
+            </a:schemeClr>
+          </a:lnRef>
+          <a:fillRef idx="1">
+            <a:schemeClr val="accent5"/>
+          </a:fillRef>
+          <a:effectRef idx="0">
+            <a:schemeClr val="accent5"/>
+          </a:effectRef>
+          <a:fontRef idx="minor">
+            <a:schemeClr val="lt1"/>
+          </a:fontRef>
+        </p:style>
+        <p:txBody>
+          <a:bodyPr rtlCol="0" anchor="ctr"/>
+          <a:lstStyle/>
+          <a:p>
+            <a:pPr algn="ctr"/>
+            <a:r>
+              <a:rPr lang="en-US" sz="900" dirty="0" smtClean="0"/>
+              <a:t>Name _</a:t>
+            </a:r>
+            <a:r>
+              <a:rPr lang="en-US" sz="900" dirty="0" err="1" smtClean="0"/>
+              <a:t>my_map</a:t>
+            </a:r>
+            <a:endParaRPr lang="en-US" sz="900" dirty="0" smtClean="0"/>
+          </a:p>
+          <a:p>
+            <a:pPr algn="ctr"/>
+            <a:r>
+              <a:rPr lang="en-US" sz="900" dirty="0" smtClean="0"/>
+              <a:t>Dump and Save</a:t>
+            </a:r>
+            <a:endParaRPr lang="en-US" sz="900" dirty="0"/>
+          </a:p>
+        </p:txBody>
+      </p:sp>
+      <p:sp>
+        <p:nvSpPr>
+          <p:cNvPr id="28" name="Geschweifte Klammer rechts 27"/>
+          <p:cNvSpPr/>
+          <p:nvPr/>
+        </p:nvSpPr>
+        <p:spPr>
+          <a:xfrm>
+            <a:off x="4714638" y="2636912"/>
+            <a:ext cx="217402" cy="3456384"/>
+          </a:xfrm>
+          <a:prstGeom prst="rightBrace">
+            <a:avLst/>
+          </a:prstGeom>
+        </p:spPr>
+        <p:style>
+          <a:lnRef idx="2">
+            <a:schemeClr val="accent5"/>
+          </a:lnRef>
+          <a:fillRef idx="0">
+            <a:schemeClr val="accent5"/>
+          </a:fillRef>
+          <a:effectRef idx="1">
+            <a:schemeClr val="accent5"/>
+          </a:effectRef>
+          <a:fontRef idx="minor">
+            <a:schemeClr val="tx1"/>
+          </a:fontRef>
+        </p:style>
+        <p:txBody>
+          <a:bodyPr rtlCol="0" anchor="ctr"/>
+          <a:lstStyle/>
+          <a:p>
+            <a:pPr algn="ctr"/>
+            <a:endParaRPr lang="de-CH" sz="1600"/>
+          </a:p>
+        </p:txBody>
+      </p:sp>
+      <p:sp>
+        <p:nvSpPr>
+          <p:cNvPr id="29" name="Rechteck 28"/>
+          <p:cNvSpPr/>
+          <p:nvPr/>
+        </p:nvSpPr>
+        <p:spPr>
+          <a:xfrm>
+            <a:off x="1823792" y="1623147"/>
+            <a:ext cx="1296144" cy="432048"/>
+          </a:xfrm>
+          <a:prstGeom prst="rect">
+            <a:avLst/>
+          </a:prstGeom>
+        </p:spPr>
+        <p:style>
+          <a:lnRef idx="1">
+            <a:schemeClr val="dk1"/>
+          </a:lnRef>
+          <a:fillRef idx="2">
+            <a:schemeClr val="dk1"/>
+          </a:fillRef>
+          <a:effectRef idx="1">
+            <a:schemeClr val="dk1"/>
+          </a:effectRef>
+          <a:fontRef idx="minor">
+            <a:schemeClr val="dk1"/>
+          </a:fontRef>
+        </p:style>
+        <p:txBody>
+          <a:bodyPr rtlCol="0" anchor="ctr"/>
+          <a:lstStyle/>
+          <a:p>
+            <a:pPr algn="ctr"/>
+            <a:r>
+              <a:rPr lang="en-US" sz="900" dirty="0" smtClean="0"/>
+              <a:t>Do Reset or Load</a:t>
+            </a:r>
+            <a:endParaRPr lang="en-US" sz="900" dirty="0"/>
+          </a:p>
+        </p:txBody>
+      </p:sp>
+      <p:sp>
+        <p:nvSpPr>
+          <p:cNvPr id="30" name="Nach oben gekrümmter Pfeil 29"/>
+          <p:cNvSpPr/>
+          <p:nvPr/>
+        </p:nvSpPr>
+        <p:spPr>
+          <a:xfrm flipH="1">
+            <a:off x="3953980" y="6381328"/>
+            <a:ext cx="1926068" cy="360040"/>
+          </a:xfrm>
+          <a:prstGeom prst="curvedUpArrow">
+            <a:avLst/>
+          </a:prstGeom>
+        </p:spPr>
+        <p:style>
+          <a:lnRef idx="2">
+            <a:schemeClr val="accent6">
+              <a:shade val="50000"/>
+            </a:schemeClr>
+          </a:lnRef>
+          <a:fillRef idx="1">
+            <a:schemeClr val="accent6"/>
+          </a:fillRef>
+          <a:effectRef idx="0">
+            <a:schemeClr val="accent6"/>
+          </a:effectRef>
+          <a:fontRef idx="minor">
+            <a:schemeClr val="lt1"/>
+          </a:fontRef>
+        </p:style>
+        <p:txBody>
+          <a:bodyPr rtlCol="0" anchor="ctr"/>
+          <a:lstStyle/>
+          <a:p>
+            <a:pPr algn="ctr"/>
+            <a:endParaRPr lang="de-CH">
+              <a:solidFill>
+                <a:schemeClr val="tx1"/>
+              </a:solidFill>
+            </a:endParaRPr>
+          </a:p>
+        </p:txBody>
+      </p:sp>
+      <p:sp>
+        <p:nvSpPr>
+          <p:cNvPr id="31" name="Rechteck 30"/>
+          <p:cNvSpPr/>
+          <p:nvPr/>
+        </p:nvSpPr>
+        <p:spPr>
+          <a:xfrm>
+            <a:off x="3335960" y="5007523"/>
+            <a:ext cx="1296144" cy="432048"/>
+          </a:xfrm>
+          <a:prstGeom prst="rect">
+            <a:avLst/>
+          </a:prstGeom>
+          <a:solidFill>
+            <a:schemeClr val="accent5">
+              <a:lumMod val="60000"/>
+              <a:lumOff val="40000"/>
+            </a:schemeClr>
+          </a:solidFill>
+          <a:ln>
+            <a:solidFill>
+              <a:srgbClr val="357D91"/>
+            </a:solidFill>
+            <a:prstDash val="dashDot"/>
+          </a:ln>
+        </p:spPr>
+        <p:style>
+          <a:lnRef idx="2">
+            <a:schemeClr val="accent5">
+              <a:shade val="50000"/>
+            </a:schemeClr>
+          </a:lnRef>
+          <a:fillRef idx="1">
+            <a:schemeClr val="accent5"/>
+          </a:fillRef>
+          <a:effectRef idx="0">
+            <a:schemeClr val="accent5"/>
+          </a:effectRef>
+          <a:fontRef idx="minor">
+            <a:schemeClr val="lt1"/>
+          </a:fontRef>
+        </p:style>
+        <p:txBody>
+          <a:bodyPr rtlCol="0" anchor="ctr"/>
+          <a:lstStyle/>
+          <a:p>
+            <a:pPr algn="ctr"/>
+            <a:r>
+              <a:rPr lang="en-US" sz="900" dirty="0" smtClean="0"/>
+              <a:t>Name _</a:t>
+            </a:r>
+            <a:r>
+              <a:rPr lang="en-US" sz="900" dirty="0" err="1" smtClean="0"/>
+              <a:t>my_map</a:t>
+            </a:r>
+            <a:endParaRPr lang="en-US" sz="900" dirty="0" smtClean="0"/>
+          </a:p>
+          <a:p>
+            <a:pPr algn="ctr"/>
+            <a:r>
+              <a:rPr lang="en-US" sz="900" dirty="0" smtClean="0"/>
+              <a:t>Dump and Save</a:t>
+            </a:r>
+            <a:endParaRPr lang="en-US" sz="900" dirty="0"/>
+          </a:p>
+        </p:txBody>
+      </p:sp>
+      <p:sp>
+        <p:nvSpPr>
+          <p:cNvPr id="32" name="Textfeld 31"/>
+          <p:cNvSpPr txBox="1"/>
+          <p:nvPr/>
+        </p:nvSpPr>
+        <p:spPr>
+          <a:xfrm>
+            <a:off x="3458888" y="5424907"/>
+            <a:ext cx="957313" cy="200055"/>
+          </a:xfrm>
+          <a:prstGeom prst="rect">
+            <a:avLst/>
+          </a:prstGeom>
+          <a:noFill/>
+        </p:spPr>
+        <p:txBody>
+          <a:bodyPr wrap="none" rtlCol="0">
+            <a:spAutoFit/>
+          </a:bodyPr>
+          <a:lstStyle/>
+          <a:p>
+            <a:r>
+              <a:rPr lang="en-US" sz="700" dirty="0" smtClean="0"/>
+              <a:t>Create a new version</a:t>
+            </a:r>
+            <a:endParaRPr lang="de-CH" sz="700" dirty="0"/>
+          </a:p>
+        </p:txBody>
+      </p:sp>
+      <p:sp>
+        <p:nvSpPr>
+          <p:cNvPr id="34" name="Textfeld 33"/>
+          <p:cNvSpPr txBox="1"/>
+          <p:nvPr/>
+        </p:nvSpPr>
+        <p:spPr>
+          <a:xfrm>
+            <a:off x="4427984" y="6424989"/>
+            <a:ext cx="1096775" cy="215444"/>
+          </a:xfrm>
+          <a:prstGeom prst="rect">
+            <a:avLst/>
+          </a:prstGeom>
+          <a:noFill/>
+        </p:spPr>
+        <p:txBody>
+          <a:bodyPr wrap="none" rtlCol="0">
+            <a:spAutoFit/>
+          </a:bodyPr>
+          <a:lstStyle/>
+          <a:p>
+            <a:r>
+              <a:rPr lang="en-US" sz="800" dirty="0" smtClean="0"/>
+              <a:t>Create a new version</a:t>
+            </a:r>
+            <a:endParaRPr lang="de-CH" sz="800" dirty="0"/>
+          </a:p>
+        </p:txBody>
+      </p:sp>
+      <p:sp>
+        <p:nvSpPr>
+          <p:cNvPr id="35" name="Pfeil nach rechts 34"/>
+          <p:cNvSpPr/>
+          <p:nvPr/>
+        </p:nvSpPr>
+        <p:spPr>
+          <a:xfrm>
+            <a:off x="3158395" y="2559251"/>
+            <a:ext cx="144016" cy="158006"/>
+          </a:xfrm>
+          <a:prstGeom prst="rightArrow">
+            <a:avLst/>
+          </a:prstGeom>
+        </p:spPr>
+        <p:style>
+          <a:lnRef idx="1">
+            <a:schemeClr val="dk1"/>
+          </a:lnRef>
+          <a:fillRef idx="2">
+            <a:schemeClr val="dk1"/>
+          </a:fillRef>
+          <a:effectRef idx="1">
+            <a:schemeClr val="dk1"/>
+          </a:effectRef>
+          <a:fontRef idx="minor">
+            <a:schemeClr val="dk1"/>
+          </a:fontRef>
+        </p:style>
+        <p:txBody>
+          <a:bodyPr rtlCol="0" anchor="ctr"/>
+          <a:lstStyle/>
+          <a:p>
+            <a:pPr algn="ctr"/>
+            <a:endParaRPr lang="de-CH" sz="1600"/>
+          </a:p>
+        </p:txBody>
+      </p:sp>
+      <p:sp>
+        <p:nvSpPr>
+          <p:cNvPr id="36" name="Pfeil nach rechts 35"/>
+          <p:cNvSpPr/>
+          <p:nvPr/>
+        </p:nvSpPr>
+        <p:spPr>
+          <a:xfrm>
+            <a:off x="3158395" y="3417694"/>
+            <a:ext cx="144016" cy="158006"/>
+          </a:xfrm>
+          <a:prstGeom prst="rightArrow">
+            <a:avLst/>
+          </a:prstGeom>
+        </p:spPr>
+        <p:style>
+          <a:lnRef idx="1">
+            <a:schemeClr val="dk1"/>
+          </a:lnRef>
+          <a:fillRef idx="2">
+            <a:schemeClr val="dk1"/>
+          </a:fillRef>
+          <a:effectRef idx="1">
+            <a:schemeClr val="dk1"/>
+          </a:effectRef>
+          <a:fontRef idx="minor">
+            <a:schemeClr val="dk1"/>
+          </a:fontRef>
+        </p:style>
+        <p:txBody>
+          <a:bodyPr rtlCol="0" anchor="ctr"/>
+          <a:lstStyle/>
+          <a:p>
+            <a:pPr algn="ctr"/>
+            <a:endParaRPr lang="de-CH" sz="1600"/>
+          </a:p>
+        </p:txBody>
+      </p:sp>
+      <p:sp>
+        <p:nvSpPr>
+          <p:cNvPr id="37" name="Pfeil nach rechts 36"/>
+          <p:cNvSpPr/>
+          <p:nvPr/>
+        </p:nvSpPr>
+        <p:spPr>
+          <a:xfrm>
+            <a:off x="3158395" y="4287443"/>
+            <a:ext cx="144016" cy="158006"/>
+          </a:xfrm>
+          <a:prstGeom prst="rightArrow">
+            <a:avLst/>
+          </a:prstGeom>
+        </p:spPr>
+        <p:style>
+          <a:lnRef idx="1">
+            <a:schemeClr val="dk1"/>
+          </a:lnRef>
+          <a:fillRef idx="2">
+            <a:schemeClr val="dk1"/>
+          </a:fillRef>
+          <a:effectRef idx="1">
+            <a:schemeClr val="dk1"/>
+          </a:effectRef>
+          <a:fontRef idx="minor">
+            <a:schemeClr val="dk1"/>
+          </a:fontRef>
+        </p:style>
+        <p:txBody>
+          <a:bodyPr rtlCol="0" anchor="ctr"/>
+          <a:lstStyle/>
+          <a:p>
+            <a:pPr algn="ctr"/>
+            <a:endParaRPr lang="de-CH" sz="1600"/>
+          </a:p>
+        </p:txBody>
+      </p:sp>
+      <p:sp>
+        <p:nvSpPr>
+          <p:cNvPr id="38" name="Pfeil nach rechts 37"/>
+          <p:cNvSpPr/>
+          <p:nvPr/>
+        </p:nvSpPr>
+        <p:spPr>
+          <a:xfrm>
+            <a:off x="3159675" y="5157192"/>
+            <a:ext cx="144016" cy="158006"/>
+          </a:xfrm>
+          <a:prstGeom prst="rightArrow">
+            <a:avLst/>
+          </a:prstGeom>
+        </p:spPr>
+        <p:style>
+          <a:lnRef idx="1">
+            <a:schemeClr val="dk1"/>
+          </a:lnRef>
+          <a:fillRef idx="2">
+            <a:schemeClr val="dk1"/>
+          </a:fillRef>
+          <a:effectRef idx="1">
+            <a:schemeClr val="dk1"/>
+          </a:effectRef>
+          <a:fontRef idx="minor">
+            <a:schemeClr val="dk1"/>
+          </a:fontRef>
+        </p:style>
+        <p:txBody>
+          <a:bodyPr rtlCol="0" anchor="ctr"/>
+          <a:lstStyle/>
+          <a:p>
+            <a:pPr algn="ctr"/>
+            <a:endParaRPr lang="de-CH" sz="1600"/>
+          </a:p>
+        </p:txBody>
+      </p:sp>
+      <p:sp>
+        <p:nvSpPr>
+          <p:cNvPr id="39" name="Pfeil nach rechts 38"/>
+          <p:cNvSpPr/>
+          <p:nvPr/>
+        </p:nvSpPr>
+        <p:spPr>
+          <a:xfrm>
+            <a:off x="3153132" y="6015635"/>
+            <a:ext cx="144016" cy="158006"/>
+          </a:xfrm>
+          <a:prstGeom prst="rightArrow">
+            <a:avLst/>
+          </a:prstGeom>
+        </p:spPr>
+        <p:style>
+          <a:lnRef idx="1">
+            <a:schemeClr val="dk1"/>
+          </a:lnRef>
+          <a:fillRef idx="2">
+            <a:schemeClr val="dk1"/>
+          </a:fillRef>
+          <a:effectRef idx="1">
+            <a:schemeClr val="dk1"/>
+          </a:effectRef>
+          <a:fontRef idx="minor">
+            <a:schemeClr val="dk1"/>
+          </a:fontRef>
+        </p:style>
+        <p:txBody>
+          <a:bodyPr rtlCol="0" anchor="ctr"/>
+          <a:lstStyle/>
+          <a:p>
+            <a:pPr algn="ctr"/>
+            <a:endParaRPr lang="de-CH" sz="1600"/>
+          </a:p>
+        </p:txBody>
+      </p:sp>
+      <p:cxnSp>
+        <p:nvCxnSpPr>
+          <p:cNvPr id="41" name="Gerader Verbinder 40"/>
+          <p:cNvCxnSpPr/>
+          <p:nvPr/>
+        </p:nvCxnSpPr>
+        <p:spPr>
+          <a:xfrm>
+            <a:off x="1691680" y="1556792"/>
+            <a:ext cx="0" cy="4868197"/>
+          </a:xfrm>
+          <a:prstGeom prst="line">
+            <a:avLst/>
+          </a:prstGeom>
+        </p:spPr>
+        <p:style>
+          <a:lnRef idx="1">
+            <a:schemeClr val="dk1"/>
+          </a:lnRef>
+          <a:fillRef idx="0">
+            <a:schemeClr val="dk1"/>
+          </a:fillRef>
+          <a:effectRef idx="0">
+            <a:schemeClr val="dk1"/>
+          </a:effectRef>
+          <a:fontRef idx="minor">
+            <a:schemeClr val="tx1"/>
+          </a:fontRef>
+        </p:style>
+      </p:cxnSp>
+      <p:pic>
+        <p:nvPicPr>
+          <p:cNvPr id="43" name="Grafik 42"/>
+          <p:cNvPicPr>
+            <a:picLocks noChangeAspect="1"/>
+          </p:cNvPicPr>
+          <p:nvPr/>
+        </p:nvPicPr>
+        <p:blipFill>
+          <a:blip r:embed="rId2"/>
+          <a:stretch>
+            <a:fillRect/>
+          </a:stretch>
+        </p:blipFill>
+        <p:spPr>
+          <a:xfrm>
+            <a:off x="4976371" y="689673"/>
+            <a:ext cx="2563322" cy="858443"/>
+          </a:xfrm>
+          <a:prstGeom prst="rect">
+            <a:avLst/>
+          </a:prstGeom>
+        </p:spPr>
+      </p:pic>
+      <p:pic>
+        <p:nvPicPr>
+          <p:cNvPr id="44" name="Grafik 43"/>
+          <p:cNvPicPr>
+            <a:picLocks noChangeAspect="1"/>
+          </p:cNvPicPr>
+          <p:nvPr/>
+        </p:nvPicPr>
+        <p:blipFill>
+          <a:blip r:embed="rId3"/>
+          <a:stretch>
+            <a:fillRect/>
+          </a:stretch>
+        </p:blipFill>
+        <p:spPr>
+          <a:xfrm>
+            <a:off x="5724128" y="1639904"/>
+            <a:ext cx="3347117" cy="830581"/>
+          </a:xfrm>
+          <a:prstGeom prst="rect">
+            <a:avLst/>
+          </a:prstGeom>
+        </p:spPr>
+      </p:pic>
+      <p:sp>
+        <p:nvSpPr>
+          <p:cNvPr id="45" name="Rechteck 44"/>
+          <p:cNvSpPr/>
+          <p:nvPr/>
+        </p:nvSpPr>
+        <p:spPr>
+          <a:xfrm>
+            <a:off x="1815721" y="5877271"/>
+            <a:ext cx="1296144" cy="547717"/>
+          </a:xfrm>
+          <a:prstGeom prst="rect">
+            <a:avLst/>
+          </a:prstGeom>
+          <a:solidFill>
+            <a:srgbClr val="D0B75C"/>
+          </a:solidFill>
+          <a:ln>
+            <a:solidFill>
+              <a:srgbClr val="5D3819"/>
+            </a:solidFill>
+          </a:ln>
+        </p:spPr>
+        <p:style>
+          <a:lnRef idx="2">
+            <a:schemeClr val="accent6">
+              <a:shade val="50000"/>
+            </a:schemeClr>
+          </a:lnRef>
+          <a:fillRef idx="1">
+            <a:schemeClr val="accent6"/>
+          </a:fillRef>
+          <a:effectRef idx="0">
+            <a:schemeClr val="accent6"/>
+          </a:effectRef>
+          <a:fontRef idx="minor">
+            <a:schemeClr val="lt1"/>
+          </a:fontRef>
+        </p:style>
+        <p:txBody>
+          <a:bodyPr rtlCol="0" anchor="ctr"/>
+          <a:lstStyle/>
+          <a:p>
+            <a:pPr algn="ctr"/>
+            <a:r>
+              <a:rPr lang="en-US" sz="900" dirty="0" smtClean="0">
+                <a:solidFill>
+                  <a:schemeClr val="tx1"/>
+                </a:solidFill>
+              </a:rPr>
+              <a:t>Reset empty !</a:t>
+            </a:r>
+          </a:p>
+          <a:p>
+            <a:pPr algn="ctr"/>
+            <a:r>
+              <a:rPr lang="en-US" sz="700" dirty="0" smtClean="0">
+                <a:solidFill>
+                  <a:schemeClr val="tx1"/>
+                </a:solidFill>
+              </a:rPr>
+              <a:t>Context Menu:</a:t>
+            </a:r>
+            <a:br>
+              <a:rPr lang="en-US" sz="700" dirty="0" smtClean="0">
+                <a:solidFill>
+                  <a:schemeClr val="tx1"/>
+                </a:solidFill>
+              </a:rPr>
+            </a:br>
+            <a:r>
+              <a:rPr lang="en-US" sz="900" dirty="0" smtClean="0">
+                <a:solidFill>
+                  <a:schemeClr val="tx1"/>
+                </a:solidFill>
+              </a:rPr>
+              <a:t>Open… other map</a:t>
+            </a:r>
+          </a:p>
+          <a:p>
+            <a:pPr algn="ctr"/>
+            <a:r>
+              <a:rPr lang="en-US" sz="900" dirty="0" smtClean="0">
+                <a:solidFill>
+                  <a:schemeClr val="tx1"/>
+                </a:solidFill>
+              </a:rPr>
+              <a:t>Click Grab</a:t>
+            </a:r>
+            <a:endParaRPr lang="en-US" sz="900" dirty="0">
+              <a:solidFill>
+                <a:schemeClr val="tx1"/>
+              </a:solidFill>
+            </a:endParaRPr>
+          </a:p>
+        </p:txBody>
+      </p:sp>
+      <p:sp>
+        <p:nvSpPr>
+          <p:cNvPr id="47" name="Pfeil nach rechts 46"/>
+          <p:cNvSpPr/>
+          <p:nvPr/>
+        </p:nvSpPr>
+        <p:spPr>
+          <a:xfrm flipH="1">
+            <a:off x="7287665" y="927461"/>
+            <a:ext cx="504056" cy="285009"/>
+          </a:xfrm>
+          <a:prstGeom prst="rightArrow">
+            <a:avLst/>
+          </a:prstGeom>
+        </p:spPr>
+        <p:style>
+          <a:lnRef idx="1">
+            <a:schemeClr val="accent2"/>
+          </a:lnRef>
+          <a:fillRef idx="2">
+            <a:schemeClr val="accent2"/>
+          </a:fillRef>
+          <a:effectRef idx="1">
+            <a:schemeClr val="accent2"/>
+          </a:effectRef>
+          <a:fontRef idx="minor">
+            <a:schemeClr val="dk1"/>
+          </a:fontRef>
+        </p:style>
+        <p:txBody>
+          <a:bodyPr rtlCol="0" anchor="ctr"/>
+          <a:lstStyle/>
+          <a:p>
+            <a:pPr algn="ctr"/>
+            <a:endParaRPr lang="de-CH"/>
+          </a:p>
+        </p:txBody>
+      </p:sp>
+      <p:sp>
+        <p:nvSpPr>
+          <p:cNvPr id="48" name="Pfeil nach rechts 47"/>
+          <p:cNvSpPr/>
+          <p:nvPr/>
+        </p:nvSpPr>
+        <p:spPr>
+          <a:xfrm>
+            <a:off x="7380312" y="1673851"/>
+            <a:ext cx="504056" cy="285009"/>
+          </a:xfrm>
+          <a:prstGeom prst="rightArrow">
+            <a:avLst/>
+          </a:prstGeom>
+        </p:spPr>
+        <p:style>
+          <a:lnRef idx="1">
+            <a:schemeClr val="accent2"/>
+          </a:lnRef>
+          <a:fillRef idx="2">
+            <a:schemeClr val="accent2"/>
+          </a:fillRef>
+          <a:effectRef idx="1">
+            <a:schemeClr val="accent2"/>
+          </a:effectRef>
+          <a:fontRef idx="minor">
+            <a:schemeClr val="dk1"/>
+          </a:fontRef>
+        </p:style>
+        <p:txBody>
+          <a:bodyPr rtlCol="0" anchor="ctr"/>
+          <a:lstStyle/>
+          <a:p>
+            <a:pPr algn="ctr"/>
+            <a:endParaRPr lang="de-CH"/>
+          </a:p>
+        </p:txBody>
+      </p:sp>
+      <p:sp>
+        <p:nvSpPr>
+          <p:cNvPr id="51" name="Ellipse 50"/>
+          <p:cNvSpPr/>
+          <p:nvPr/>
+        </p:nvSpPr>
+        <p:spPr>
+          <a:xfrm>
+            <a:off x="1711309" y="4042378"/>
+            <a:ext cx="278809" cy="233006"/>
+          </a:xfrm>
+          <a:prstGeom prst="ellipse">
+            <a:avLst/>
+          </a:prstGeom>
+          <a:ln/>
+        </p:spPr>
+        <p:style>
+          <a:lnRef idx="2">
+            <a:schemeClr val="accent3">
+              <a:shade val="50000"/>
+            </a:schemeClr>
+          </a:lnRef>
+          <a:fillRef idx="1">
+            <a:schemeClr val="accent3"/>
+          </a:fillRef>
+          <a:effectRef idx="0">
+            <a:schemeClr val="accent3"/>
+          </a:effectRef>
+          <a:fontRef idx="minor">
+            <a:schemeClr val="lt1"/>
+          </a:fontRef>
+        </p:style>
+        <p:txBody>
+          <a:bodyPr lIns="0" tIns="0" rIns="0" bIns="0" rtlCol="0" anchor="ctr"/>
+          <a:lstStyle/>
+          <a:p>
+            <a:pPr algn="ctr"/>
+            <a:r>
+              <a:rPr lang="en-US" sz="1400" dirty="0" smtClean="0"/>
+              <a:t>B</a:t>
+            </a:r>
+            <a:endParaRPr lang="de-CH" sz="1400" dirty="0"/>
+          </a:p>
+        </p:txBody>
+      </p:sp>
+      <p:sp>
+        <p:nvSpPr>
+          <p:cNvPr id="52" name="Ellipse 51"/>
+          <p:cNvSpPr/>
+          <p:nvPr/>
+        </p:nvSpPr>
+        <p:spPr>
+          <a:xfrm>
+            <a:off x="1711309" y="4891020"/>
+            <a:ext cx="278809" cy="233006"/>
+          </a:xfrm>
+          <a:prstGeom prst="ellipse">
+            <a:avLst/>
+          </a:prstGeom>
+          <a:ln/>
+        </p:spPr>
+        <p:style>
+          <a:lnRef idx="2">
+            <a:schemeClr val="accent3">
+              <a:shade val="50000"/>
+            </a:schemeClr>
+          </a:lnRef>
+          <a:fillRef idx="1">
+            <a:schemeClr val="accent3"/>
+          </a:fillRef>
+          <a:effectRef idx="0">
+            <a:schemeClr val="accent3"/>
+          </a:effectRef>
+          <a:fontRef idx="minor">
+            <a:schemeClr val="lt1"/>
+          </a:fontRef>
+        </p:style>
+        <p:txBody>
+          <a:bodyPr lIns="0" tIns="0" rIns="0" bIns="0" rtlCol="0" anchor="ctr"/>
+          <a:lstStyle/>
+          <a:p>
+            <a:pPr algn="ctr"/>
+            <a:r>
+              <a:rPr lang="en-US" sz="1400" dirty="0" smtClean="0"/>
+              <a:t>B</a:t>
+            </a:r>
+            <a:endParaRPr lang="de-CH" sz="1400" dirty="0"/>
+          </a:p>
+        </p:txBody>
+      </p:sp>
+      <p:sp>
+        <p:nvSpPr>
+          <p:cNvPr id="54" name="Ellipse 53"/>
+          <p:cNvSpPr/>
+          <p:nvPr/>
+        </p:nvSpPr>
+        <p:spPr>
+          <a:xfrm>
+            <a:off x="1691680" y="2257751"/>
+            <a:ext cx="278186" cy="245033"/>
+          </a:xfrm>
+          <a:prstGeom prst="ellipse">
+            <a:avLst/>
+          </a:prstGeom>
+          <a:solidFill>
+            <a:srgbClr val="D0B75C"/>
+          </a:solidFill>
+          <a:ln>
+            <a:solidFill>
+              <a:srgbClr val="5D3819"/>
+            </a:solidFill>
+          </a:ln>
+        </p:spPr>
+        <p:style>
+          <a:lnRef idx="2">
+            <a:schemeClr val="accent1">
+              <a:shade val="50000"/>
+            </a:schemeClr>
+          </a:lnRef>
+          <a:fillRef idx="1">
+            <a:schemeClr val="accent1"/>
+          </a:fillRef>
+          <a:effectRef idx="0">
+            <a:schemeClr val="accent1"/>
+          </a:effectRef>
+          <a:fontRef idx="minor">
+            <a:schemeClr val="lt1"/>
+          </a:fontRef>
+        </p:style>
+        <p:txBody>
+          <a:bodyPr lIns="0" tIns="0" rIns="0" bIns="0" rtlCol="0" anchor="ctr"/>
+          <a:lstStyle/>
+          <a:p>
+            <a:pPr algn="ctr"/>
+            <a:r>
+              <a:rPr lang="en-US" sz="1400" dirty="0" smtClean="0"/>
+              <a:t>A</a:t>
+            </a:r>
+            <a:endParaRPr lang="de-CH" sz="1400" dirty="0"/>
+          </a:p>
+        </p:txBody>
+      </p:sp>
+      <p:sp>
+        <p:nvSpPr>
+          <p:cNvPr id="55" name="Ellipse 54"/>
+          <p:cNvSpPr/>
+          <p:nvPr/>
+        </p:nvSpPr>
+        <p:spPr>
+          <a:xfrm>
+            <a:off x="1699977" y="3122908"/>
+            <a:ext cx="278186" cy="245033"/>
+          </a:xfrm>
+          <a:prstGeom prst="ellipse">
+            <a:avLst/>
+          </a:prstGeom>
+          <a:solidFill>
+            <a:srgbClr val="D0B75C"/>
+          </a:solidFill>
+          <a:ln>
+            <a:solidFill>
+              <a:srgbClr val="5D3819"/>
+            </a:solidFill>
+          </a:ln>
+        </p:spPr>
+        <p:style>
+          <a:lnRef idx="2">
+            <a:schemeClr val="accent1">
+              <a:shade val="50000"/>
+            </a:schemeClr>
+          </a:lnRef>
+          <a:fillRef idx="1">
+            <a:schemeClr val="accent1"/>
+          </a:fillRef>
+          <a:effectRef idx="0">
+            <a:schemeClr val="accent1"/>
+          </a:effectRef>
+          <a:fontRef idx="minor">
+            <a:schemeClr val="lt1"/>
+          </a:fontRef>
+        </p:style>
+        <p:txBody>
+          <a:bodyPr lIns="0" tIns="0" rIns="0" bIns="0" rtlCol="0" anchor="ctr"/>
+          <a:lstStyle/>
+          <a:p>
+            <a:pPr algn="ctr"/>
+            <a:r>
+              <a:rPr lang="en-US" sz="1400" dirty="0" smtClean="0"/>
+              <a:t>A</a:t>
+            </a:r>
+            <a:endParaRPr lang="de-CH" sz="1400" dirty="0"/>
+          </a:p>
+        </p:txBody>
+      </p:sp>
+      <p:sp>
+        <p:nvSpPr>
+          <p:cNvPr id="56" name="Ellipse 55"/>
+          <p:cNvSpPr/>
+          <p:nvPr/>
+        </p:nvSpPr>
+        <p:spPr>
+          <a:xfrm>
+            <a:off x="1688669" y="5739662"/>
+            <a:ext cx="278186" cy="245033"/>
+          </a:xfrm>
+          <a:prstGeom prst="ellipse">
+            <a:avLst/>
+          </a:prstGeom>
+          <a:solidFill>
+            <a:srgbClr val="D0B75C"/>
+          </a:solidFill>
+          <a:ln>
+            <a:solidFill>
+              <a:srgbClr val="5D3819"/>
+            </a:solidFill>
+          </a:ln>
+        </p:spPr>
+        <p:style>
+          <a:lnRef idx="2">
+            <a:schemeClr val="accent1">
+              <a:shade val="50000"/>
+            </a:schemeClr>
+          </a:lnRef>
+          <a:fillRef idx="1">
+            <a:schemeClr val="accent1"/>
+          </a:fillRef>
+          <a:effectRef idx="0">
+            <a:schemeClr val="accent1"/>
+          </a:effectRef>
+          <a:fontRef idx="minor">
+            <a:schemeClr val="lt1"/>
+          </a:fontRef>
+        </p:style>
+        <p:txBody>
+          <a:bodyPr lIns="0" tIns="0" rIns="0" bIns="0" rtlCol="0" anchor="ctr"/>
+          <a:lstStyle/>
+          <a:p>
+            <a:pPr algn="ctr"/>
+            <a:r>
+              <a:rPr lang="en-US" sz="1400" dirty="0" smtClean="0"/>
+              <a:t>A</a:t>
+            </a:r>
+            <a:endParaRPr lang="de-CH" sz="1400" dirty="0"/>
+          </a:p>
+        </p:txBody>
+      </p:sp>
+      <p:sp>
+        <p:nvSpPr>
+          <p:cNvPr id="57" name="Ellipse 56"/>
+          <p:cNvSpPr/>
+          <p:nvPr/>
+        </p:nvSpPr>
+        <p:spPr>
+          <a:xfrm>
+            <a:off x="7606046" y="951130"/>
+            <a:ext cx="278186" cy="245033"/>
+          </a:xfrm>
+          <a:prstGeom prst="ellipse">
+            <a:avLst/>
+          </a:prstGeom>
+          <a:solidFill>
+            <a:srgbClr val="D0B75C"/>
+          </a:solidFill>
+          <a:ln>
+            <a:solidFill>
+              <a:srgbClr val="5D3819"/>
+            </a:solidFill>
+          </a:ln>
+        </p:spPr>
+        <p:style>
+          <a:lnRef idx="2">
+            <a:schemeClr val="accent1">
+              <a:shade val="50000"/>
+            </a:schemeClr>
+          </a:lnRef>
+          <a:fillRef idx="1">
+            <a:schemeClr val="accent1"/>
+          </a:fillRef>
+          <a:effectRef idx="0">
+            <a:schemeClr val="accent1"/>
+          </a:effectRef>
+          <a:fontRef idx="minor">
+            <a:schemeClr val="lt1"/>
+          </a:fontRef>
+        </p:style>
+        <p:txBody>
+          <a:bodyPr lIns="0" tIns="0" rIns="0" bIns="0" rtlCol="0" anchor="ctr"/>
+          <a:lstStyle/>
+          <a:p>
+            <a:pPr algn="ctr"/>
+            <a:r>
+              <a:rPr lang="en-US" sz="1400" dirty="0" smtClean="0"/>
+              <a:t>A</a:t>
+            </a:r>
+            <a:endParaRPr lang="de-CH" sz="1400" dirty="0"/>
+          </a:p>
+        </p:txBody>
+      </p:sp>
+      <p:pic>
+        <p:nvPicPr>
+          <p:cNvPr id="58" name="Grafik 57"/>
+          <p:cNvPicPr>
+            <a:picLocks noChangeAspect="1"/>
+          </p:cNvPicPr>
+          <p:nvPr/>
+        </p:nvPicPr>
+        <p:blipFill>
+          <a:blip r:embed="rId4"/>
+          <a:stretch>
+            <a:fillRect/>
+          </a:stretch>
+        </p:blipFill>
+        <p:spPr>
+          <a:xfrm>
+            <a:off x="5476318" y="2596395"/>
+            <a:ext cx="1050424" cy="850131"/>
+          </a:xfrm>
+          <a:prstGeom prst="rect">
+            <a:avLst/>
+          </a:prstGeom>
+        </p:spPr>
+      </p:pic>
+      <p:sp>
+        <p:nvSpPr>
+          <p:cNvPr id="59" name="Pfeil nach rechts 58"/>
+          <p:cNvSpPr/>
+          <p:nvPr/>
+        </p:nvSpPr>
+        <p:spPr>
+          <a:xfrm>
+            <a:off x="5296296" y="3014783"/>
+            <a:ext cx="504056" cy="285009"/>
+          </a:xfrm>
+          <a:prstGeom prst="rightArrow">
+            <a:avLst/>
+          </a:prstGeom>
+        </p:spPr>
+        <p:style>
+          <a:lnRef idx="1">
+            <a:schemeClr val="accent2"/>
+          </a:lnRef>
+          <a:fillRef idx="2">
+            <a:schemeClr val="accent2"/>
+          </a:fillRef>
+          <a:effectRef idx="1">
+            <a:schemeClr val="accent2"/>
+          </a:effectRef>
+          <a:fontRef idx="minor">
+            <a:schemeClr val="dk1"/>
+          </a:fontRef>
+        </p:style>
+        <p:txBody>
+          <a:bodyPr rtlCol="0" anchor="ctr"/>
+          <a:lstStyle/>
+          <a:p>
+            <a:pPr algn="ctr"/>
+            <a:endParaRPr lang="de-CH"/>
+          </a:p>
+        </p:txBody>
+      </p:sp>
+      <p:sp>
+        <p:nvSpPr>
+          <p:cNvPr id="61" name="Ellipse 60"/>
+          <p:cNvSpPr/>
+          <p:nvPr/>
+        </p:nvSpPr>
+        <p:spPr>
+          <a:xfrm>
+            <a:off x="5170664" y="3034770"/>
+            <a:ext cx="278186" cy="245033"/>
+          </a:xfrm>
+          <a:prstGeom prst="ellipse">
+            <a:avLst/>
+          </a:prstGeom>
+          <a:solidFill>
+            <a:srgbClr val="D0B75C"/>
+          </a:solidFill>
+          <a:ln>
+            <a:solidFill>
+              <a:srgbClr val="5D3819"/>
+            </a:solidFill>
+          </a:ln>
+        </p:spPr>
+        <p:style>
+          <a:lnRef idx="2">
+            <a:schemeClr val="accent1">
+              <a:shade val="50000"/>
+            </a:schemeClr>
+          </a:lnRef>
+          <a:fillRef idx="1">
+            <a:schemeClr val="accent1"/>
+          </a:fillRef>
+          <a:effectRef idx="0">
+            <a:schemeClr val="accent1"/>
+          </a:effectRef>
+          <a:fontRef idx="minor">
+            <a:schemeClr val="lt1"/>
+          </a:fontRef>
+        </p:style>
+        <p:txBody>
+          <a:bodyPr lIns="0" tIns="0" rIns="0" bIns="0" rtlCol="0" anchor="ctr"/>
+          <a:lstStyle/>
+          <a:p>
+            <a:pPr algn="ctr"/>
+            <a:r>
+              <a:rPr lang="en-US" sz="1400" dirty="0" smtClean="0"/>
+              <a:t>C</a:t>
+            </a:r>
+            <a:endParaRPr lang="de-CH" sz="1400" dirty="0"/>
+          </a:p>
+        </p:txBody>
+      </p:sp>
+      <p:sp>
+        <p:nvSpPr>
+          <p:cNvPr id="62" name="Ellipse 61"/>
+          <p:cNvSpPr/>
+          <p:nvPr/>
+        </p:nvSpPr>
+        <p:spPr>
+          <a:xfrm>
+            <a:off x="1676628" y="6088753"/>
+            <a:ext cx="278186" cy="245033"/>
+          </a:xfrm>
+          <a:prstGeom prst="ellipse">
+            <a:avLst/>
+          </a:prstGeom>
+          <a:solidFill>
+            <a:srgbClr val="D0B75C"/>
+          </a:solidFill>
+          <a:ln>
+            <a:solidFill>
+              <a:srgbClr val="5D3819"/>
+            </a:solidFill>
+          </a:ln>
+        </p:spPr>
+        <p:style>
+          <a:lnRef idx="2">
+            <a:schemeClr val="accent1">
+              <a:shade val="50000"/>
+            </a:schemeClr>
+          </a:lnRef>
+          <a:fillRef idx="1">
+            <a:schemeClr val="accent1"/>
+          </a:fillRef>
+          <a:effectRef idx="0">
+            <a:schemeClr val="accent1"/>
+          </a:effectRef>
+          <a:fontRef idx="minor">
+            <a:schemeClr val="lt1"/>
+          </a:fontRef>
+        </p:style>
+        <p:txBody>
+          <a:bodyPr lIns="0" tIns="0" rIns="0" bIns="0" rtlCol="0" anchor="ctr"/>
+          <a:lstStyle/>
+          <a:p>
+            <a:pPr algn="ctr"/>
+            <a:r>
+              <a:rPr lang="en-US" sz="1400" dirty="0" smtClean="0"/>
+              <a:t>C</a:t>
+            </a:r>
+            <a:endParaRPr lang="de-CH" sz="1400" dirty="0"/>
+          </a:p>
+        </p:txBody>
+      </p:sp>
+      <p:sp>
+        <p:nvSpPr>
+          <p:cNvPr id="63" name="Pfeil nach rechts 62"/>
+          <p:cNvSpPr/>
+          <p:nvPr/>
+        </p:nvSpPr>
+        <p:spPr>
+          <a:xfrm rot="5400000">
+            <a:off x="7192717" y="1855114"/>
+            <a:ext cx="504056" cy="285009"/>
+          </a:xfrm>
+          <a:prstGeom prst="rightArrow">
+            <a:avLst/>
+          </a:prstGeom>
+        </p:spPr>
+        <p:style>
+          <a:lnRef idx="1">
+            <a:schemeClr val="accent2"/>
+          </a:lnRef>
+          <a:fillRef idx="2">
+            <a:schemeClr val="accent2"/>
+          </a:fillRef>
+          <a:effectRef idx="1">
+            <a:schemeClr val="accent2"/>
+          </a:effectRef>
+          <a:fontRef idx="minor">
+            <a:schemeClr val="dk1"/>
+          </a:fontRef>
+        </p:style>
+        <p:txBody>
+          <a:bodyPr rtlCol="0" anchor="ctr"/>
+          <a:lstStyle/>
+          <a:p>
+            <a:pPr algn="ctr"/>
+            <a:endParaRPr lang="de-CH"/>
+          </a:p>
+        </p:txBody>
+      </p:sp>
+      <p:sp>
+        <p:nvSpPr>
+          <p:cNvPr id="53" name="Ellipse 52"/>
+          <p:cNvSpPr/>
+          <p:nvPr/>
+        </p:nvSpPr>
+        <p:spPr>
+          <a:xfrm>
+            <a:off x="7176089" y="1702258"/>
+            <a:ext cx="278809" cy="233006"/>
+          </a:xfrm>
+          <a:prstGeom prst="ellipse">
+            <a:avLst/>
+          </a:prstGeom>
+          <a:ln/>
+        </p:spPr>
+        <p:style>
+          <a:lnRef idx="2">
+            <a:schemeClr val="accent3">
+              <a:shade val="50000"/>
+            </a:schemeClr>
+          </a:lnRef>
+          <a:fillRef idx="1">
+            <a:schemeClr val="accent3"/>
+          </a:fillRef>
+          <a:effectRef idx="0">
+            <a:schemeClr val="accent3"/>
+          </a:effectRef>
+          <a:fontRef idx="minor">
+            <a:schemeClr val="lt1"/>
+          </a:fontRef>
+        </p:style>
+        <p:txBody>
+          <a:bodyPr lIns="0" tIns="0" rIns="0" bIns="0" rtlCol="0" anchor="ctr"/>
+          <a:lstStyle/>
+          <a:p>
+            <a:pPr algn="ctr"/>
+            <a:r>
+              <a:rPr lang="en-US" sz="1400" dirty="0" smtClean="0"/>
+              <a:t>B</a:t>
+            </a:r>
+            <a:endParaRPr lang="de-CH" sz="1400" dirty="0"/>
+          </a:p>
+        </p:txBody>
+      </p:sp>
+      <p:pic>
+        <p:nvPicPr>
+          <p:cNvPr id="64" name="Grafik 63"/>
+          <p:cNvPicPr>
+            <a:picLocks noChangeAspect="1"/>
+          </p:cNvPicPr>
+          <p:nvPr/>
+        </p:nvPicPr>
+        <p:blipFill>
+          <a:blip r:embed="rId5"/>
+          <a:stretch>
+            <a:fillRect/>
+          </a:stretch>
+        </p:blipFill>
+        <p:spPr>
+          <a:xfrm>
+            <a:off x="7352766" y="2913755"/>
+            <a:ext cx="1598659" cy="473027"/>
+          </a:xfrm>
+          <a:prstGeom prst="rect">
+            <a:avLst/>
+          </a:prstGeom>
+        </p:spPr>
+      </p:pic>
+      <p:sp>
+        <p:nvSpPr>
+          <p:cNvPr id="65" name="Ellipse 64"/>
+          <p:cNvSpPr/>
+          <p:nvPr/>
+        </p:nvSpPr>
+        <p:spPr>
+          <a:xfrm>
+            <a:off x="3206713" y="2298371"/>
+            <a:ext cx="278186" cy="245033"/>
+          </a:xfrm>
+          <a:prstGeom prst="ellipse">
+            <a:avLst/>
+          </a:prstGeom>
+          <a:ln/>
+        </p:spPr>
+        <p:style>
+          <a:lnRef idx="2">
+            <a:schemeClr val="accent5">
+              <a:shade val="50000"/>
+            </a:schemeClr>
+          </a:lnRef>
+          <a:fillRef idx="1">
+            <a:schemeClr val="accent5"/>
+          </a:fillRef>
+          <a:effectRef idx="0">
+            <a:schemeClr val="accent5"/>
+          </a:effectRef>
+          <a:fontRef idx="minor">
+            <a:schemeClr val="lt1"/>
+          </a:fontRef>
+        </p:style>
+        <p:txBody>
+          <a:bodyPr lIns="0" tIns="0" rIns="0" bIns="0" rtlCol="0" anchor="ctr"/>
+          <a:lstStyle/>
+          <a:p>
+            <a:pPr algn="ctr"/>
+            <a:r>
+              <a:rPr lang="en-US" sz="1400" dirty="0" smtClean="0"/>
+              <a:t>D</a:t>
+            </a:r>
+            <a:endParaRPr lang="de-CH" sz="1400" dirty="0"/>
+          </a:p>
+        </p:txBody>
+      </p:sp>
+      <p:sp>
+        <p:nvSpPr>
+          <p:cNvPr id="66" name="Ellipse 65"/>
+          <p:cNvSpPr/>
+          <p:nvPr/>
+        </p:nvSpPr>
+        <p:spPr>
+          <a:xfrm>
+            <a:off x="3200837" y="3154958"/>
+            <a:ext cx="278186" cy="245033"/>
+          </a:xfrm>
+          <a:prstGeom prst="ellipse">
+            <a:avLst/>
+          </a:prstGeom>
+          <a:ln/>
+        </p:spPr>
+        <p:style>
+          <a:lnRef idx="2">
+            <a:schemeClr val="accent5">
+              <a:shade val="50000"/>
+            </a:schemeClr>
+          </a:lnRef>
+          <a:fillRef idx="1">
+            <a:schemeClr val="accent5"/>
+          </a:fillRef>
+          <a:effectRef idx="0">
+            <a:schemeClr val="accent5"/>
+          </a:effectRef>
+          <a:fontRef idx="minor">
+            <a:schemeClr val="lt1"/>
+          </a:fontRef>
+        </p:style>
+        <p:txBody>
+          <a:bodyPr lIns="0" tIns="0" rIns="0" bIns="0" rtlCol="0" anchor="ctr"/>
+          <a:lstStyle/>
+          <a:p>
+            <a:pPr algn="ctr"/>
+            <a:r>
+              <a:rPr lang="en-US" sz="1400" dirty="0" smtClean="0"/>
+              <a:t>D</a:t>
+            </a:r>
+            <a:endParaRPr lang="de-CH" sz="1400" dirty="0"/>
+          </a:p>
+        </p:txBody>
+      </p:sp>
+      <p:sp>
+        <p:nvSpPr>
+          <p:cNvPr id="67" name="Ellipse 66"/>
+          <p:cNvSpPr/>
+          <p:nvPr/>
+        </p:nvSpPr>
+        <p:spPr>
+          <a:xfrm>
+            <a:off x="3206713" y="4015257"/>
+            <a:ext cx="278186" cy="245033"/>
+          </a:xfrm>
+          <a:prstGeom prst="ellipse">
+            <a:avLst/>
+          </a:prstGeom>
+          <a:ln/>
+        </p:spPr>
+        <p:style>
+          <a:lnRef idx="2">
+            <a:schemeClr val="accent5">
+              <a:shade val="50000"/>
+            </a:schemeClr>
+          </a:lnRef>
+          <a:fillRef idx="1">
+            <a:schemeClr val="accent5"/>
+          </a:fillRef>
+          <a:effectRef idx="0">
+            <a:schemeClr val="accent5"/>
+          </a:effectRef>
+          <a:fontRef idx="minor">
+            <a:schemeClr val="lt1"/>
+          </a:fontRef>
+        </p:style>
+        <p:txBody>
+          <a:bodyPr lIns="0" tIns="0" rIns="0" bIns="0" rtlCol="0" anchor="ctr"/>
+          <a:lstStyle/>
+          <a:p>
+            <a:pPr algn="ctr"/>
+            <a:r>
+              <a:rPr lang="en-US" sz="1400" dirty="0" smtClean="0"/>
+              <a:t>D</a:t>
+            </a:r>
+            <a:endParaRPr lang="de-CH" sz="1400" dirty="0"/>
+          </a:p>
+        </p:txBody>
+      </p:sp>
+      <p:sp>
+        <p:nvSpPr>
+          <p:cNvPr id="68" name="Ellipse 67"/>
+          <p:cNvSpPr/>
+          <p:nvPr/>
+        </p:nvSpPr>
+        <p:spPr>
+          <a:xfrm>
+            <a:off x="3206713" y="4883150"/>
+            <a:ext cx="278186" cy="245033"/>
+          </a:xfrm>
+          <a:prstGeom prst="ellipse">
+            <a:avLst/>
+          </a:prstGeom>
+          <a:ln/>
+        </p:spPr>
+        <p:style>
+          <a:lnRef idx="2">
+            <a:schemeClr val="accent5">
+              <a:shade val="50000"/>
+            </a:schemeClr>
+          </a:lnRef>
+          <a:fillRef idx="1">
+            <a:schemeClr val="accent5"/>
+          </a:fillRef>
+          <a:effectRef idx="0">
+            <a:schemeClr val="accent5"/>
+          </a:effectRef>
+          <a:fontRef idx="minor">
+            <a:schemeClr val="lt1"/>
+          </a:fontRef>
+        </p:style>
+        <p:txBody>
+          <a:bodyPr lIns="0" tIns="0" rIns="0" bIns="0" rtlCol="0" anchor="ctr"/>
+          <a:lstStyle/>
+          <a:p>
+            <a:pPr algn="ctr"/>
+            <a:r>
+              <a:rPr lang="en-US" sz="1400" dirty="0" smtClean="0"/>
+              <a:t>D</a:t>
+            </a:r>
+            <a:endParaRPr lang="de-CH" sz="1400" dirty="0"/>
+          </a:p>
+        </p:txBody>
+      </p:sp>
+      <p:sp>
+        <p:nvSpPr>
+          <p:cNvPr id="69" name="Ellipse 68"/>
+          <p:cNvSpPr/>
+          <p:nvPr/>
+        </p:nvSpPr>
+        <p:spPr>
+          <a:xfrm>
+            <a:off x="3219970" y="5754755"/>
+            <a:ext cx="278186" cy="245033"/>
+          </a:xfrm>
+          <a:prstGeom prst="ellipse">
+            <a:avLst/>
+          </a:prstGeom>
+          <a:ln/>
+        </p:spPr>
+        <p:style>
+          <a:lnRef idx="2">
+            <a:schemeClr val="accent5">
+              <a:shade val="50000"/>
+            </a:schemeClr>
+          </a:lnRef>
+          <a:fillRef idx="1">
+            <a:schemeClr val="accent5"/>
+          </a:fillRef>
+          <a:effectRef idx="0">
+            <a:schemeClr val="accent5"/>
+          </a:effectRef>
+          <a:fontRef idx="minor">
+            <a:schemeClr val="lt1"/>
+          </a:fontRef>
+        </p:style>
+        <p:txBody>
+          <a:bodyPr lIns="0" tIns="0" rIns="0" bIns="0" rtlCol="0" anchor="ctr"/>
+          <a:lstStyle/>
+          <a:p>
+            <a:pPr algn="ctr"/>
+            <a:r>
+              <a:rPr lang="en-US" sz="1400" dirty="0" smtClean="0"/>
+              <a:t>D</a:t>
+            </a:r>
+            <a:endParaRPr lang="de-CH" sz="1400" dirty="0"/>
+          </a:p>
+        </p:txBody>
+      </p:sp>
+      <p:sp>
+        <p:nvSpPr>
+          <p:cNvPr id="70" name="Ellipse 69"/>
+          <p:cNvSpPr/>
+          <p:nvPr/>
+        </p:nvSpPr>
+        <p:spPr>
+          <a:xfrm>
+            <a:off x="6419079" y="4020910"/>
+            <a:ext cx="278186" cy="245033"/>
+          </a:xfrm>
+          <a:prstGeom prst="ellipse">
+            <a:avLst/>
+          </a:prstGeom>
+          <a:ln/>
+        </p:spPr>
+        <p:style>
+          <a:lnRef idx="2">
+            <a:schemeClr val="accent5">
+              <a:shade val="50000"/>
+            </a:schemeClr>
+          </a:lnRef>
+          <a:fillRef idx="1">
+            <a:schemeClr val="accent5"/>
+          </a:fillRef>
+          <a:effectRef idx="0">
+            <a:schemeClr val="accent5"/>
+          </a:effectRef>
+          <a:fontRef idx="minor">
+            <a:schemeClr val="lt1"/>
+          </a:fontRef>
+        </p:style>
+        <p:txBody>
+          <a:bodyPr lIns="0" tIns="0" rIns="0" bIns="0" rtlCol="0" anchor="ctr"/>
+          <a:lstStyle/>
+          <a:p>
+            <a:pPr algn="ctr"/>
+            <a:r>
+              <a:rPr lang="en-US" sz="1400" dirty="0" smtClean="0"/>
+              <a:t>D</a:t>
+            </a:r>
+            <a:endParaRPr lang="de-CH" sz="1400" dirty="0"/>
+          </a:p>
+        </p:txBody>
+      </p:sp>
+      <p:sp>
+        <p:nvSpPr>
+          <p:cNvPr id="71" name="Pfeil nach rechts 70"/>
+          <p:cNvSpPr/>
+          <p:nvPr/>
+        </p:nvSpPr>
+        <p:spPr>
+          <a:xfrm rot="19498854">
+            <a:off x="7544155" y="3301972"/>
+            <a:ext cx="504056" cy="285009"/>
+          </a:xfrm>
+          <a:prstGeom prst="rightArrow">
+            <a:avLst/>
+          </a:prstGeom>
+        </p:spPr>
+        <p:style>
+          <a:lnRef idx="1">
+            <a:schemeClr val="accent2"/>
+          </a:lnRef>
+          <a:fillRef idx="2">
+            <a:schemeClr val="accent2"/>
+          </a:fillRef>
+          <a:effectRef idx="1">
+            <a:schemeClr val="accent2"/>
+          </a:effectRef>
+          <a:fontRef idx="minor">
+            <a:schemeClr val="dk1"/>
+          </a:fontRef>
+        </p:style>
+        <p:txBody>
+          <a:bodyPr rtlCol="0" anchor="ctr"/>
+          <a:lstStyle/>
+          <a:p>
+            <a:pPr algn="ctr"/>
+            <a:endParaRPr lang="de-CH"/>
+          </a:p>
+        </p:txBody>
+      </p:sp>
+      <p:sp>
+        <p:nvSpPr>
+          <p:cNvPr id="72" name="Ellipse 71"/>
+          <p:cNvSpPr/>
+          <p:nvPr/>
+        </p:nvSpPr>
+        <p:spPr>
+          <a:xfrm>
+            <a:off x="7464342" y="3449221"/>
+            <a:ext cx="278186" cy="245033"/>
+          </a:xfrm>
+          <a:prstGeom prst="ellipse">
+            <a:avLst/>
+          </a:prstGeom>
+          <a:ln/>
+        </p:spPr>
+        <p:style>
+          <a:lnRef idx="2">
+            <a:schemeClr val="accent5">
+              <a:shade val="50000"/>
+            </a:schemeClr>
+          </a:lnRef>
+          <a:fillRef idx="1">
+            <a:schemeClr val="accent5"/>
+          </a:fillRef>
+          <a:effectRef idx="0">
+            <a:schemeClr val="accent5"/>
+          </a:effectRef>
+          <a:fontRef idx="minor">
+            <a:schemeClr val="lt1"/>
+          </a:fontRef>
+        </p:style>
+        <p:txBody>
+          <a:bodyPr lIns="0" tIns="0" rIns="0" bIns="0" rtlCol="0" anchor="ctr"/>
+          <a:lstStyle/>
+          <a:p>
+            <a:pPr algn="ctr"/>
+            <a:r>
+              <a:rPr lang="en-US" sz="1400" dirty="0" smtClean="0"/>
+              <a:t>D</a:t>
+            </a:r>
+            <a:endParaRPr lang="de-CH" sz="1400" dirty="0"/>
+          </a:p>
+        </p:txBody>
+      </p:sp>
+      <p:pic>
+        <p:nvPicPr>
+          <p:cNvPr id="73" name="Grafik 72"/>
+          <p:cNvPicPr>
+            <a:picLocks noChangeAspect="1"/>
+          </p:cNvPicPr>
+          <p:nvPr/>
+        </p:nvPicPr>
+        <p:blipFill>
+          <a:blip r:embed="rId6"/>
+          <a:stretch>
+            <a:fillRect/>
+          </a:stretch>
+        </p:blipFill>
+        <p:spPr>
+          <a:xfrm>
+            <a:off x="5739070" y="5351210"/>
+            <a:ext cx="1413606" cy="565443"/>
+          </a:xfrm>
+          <a:prstGeom prst="rect">
+            <a:avLst/>
+          </a:prstGeom>
+        </p:spPr>
+      </p:pic>
+      <p:sp>
+        <p:nvSpPr>
+          <p:cNvPr id="74" name="Rechteck 73"/>
+          <p:cNvSpPr/>
+          <p:nvPr/>
+        </p:nvSpPr>
+        <p:spPr>
+          <a:xfrm>
+            <a:off x="3324159" y="1628469"/>
+            <a:ext cx="1296144" cy="432048"/>
+          </a:xfrm>
+          <a:prstGeom prst="rect">
+            <a:avLst/>
+          </a:prstGeom>
+        </p:spPr>
+        <p:style>
+          <a:lnRef idx="1">
+            <a:schemeClr val="dk1"/>
+          </a:lnRef>
+          <a:fillRef idx="2">
+            <a:schemeClr val="dk1"/>
+          </a:fillRef>
+          <a:effectRef idx="1">
+            <a:schemeClr val="dk1"/>
+          </a:effectRef>
+          <a:fontRef idx="minor">
+            <a:schemeClr val="dk1"/>
+          </a:fontRef>
+        </p:style>
+        <p:txBody>
+          <a:bodyPr rtlCol="0" anchor="ctr"/>
+          <a:lstStyle/>
+          <a:p>
+            <a:pPr algn="ctr"/>
+            <a:r>
+              <a:rPr lang="en-US" sz="900" dirty="0" smtClean="0"/>
+              <a:t>Make it _my_ map</a:t>
+            </a:r>
+            <a:endParaRPr lang="en-US" sz="900" dirty="0"/>
+          </a:p>
+        </p:txBody>
+      </p:sp>
+      <p:sp>
+        <p:nvSpPr>
+          <p:cNvPr id="75" name="Ellipse 74"/>
+          <p:cNvSpPr/>
+          <p:nvPr/>
+        </p:nvSpPr>
+        <p:spPr>
+          <a:xfrm>
+            <a:off x="5610092" y="5275335"/>
+            <a:ext cx="278186" cy="245033"/>
+          </a:xfrm>
+          <a:prstGeom prst="ellipse">
+            <a:avLst/>
+          </a:prstGeom>
+          <a:ln/>
+        </p:spPr>
+        <p:style>
+          <a:lnRef idx="2">
+            <a:schemeClr val="accent6">
+              <a:shade val="50000"/>
+            </a:schemeClr>
+          </a:lnRef>
+          <a:fillRef idx="1">
+            <a:schemeClr val="accent6"/>
+          </a:fillRef>
+          <a:effectRef idx="0">
+            <a:schemeClr val="accent6"/>
+          </a:effectRef>
+          <a:fontRef idx="minor">
+            <a:schemeClr val="lt1"/>
+          </a:fontRef>
+        </p:style>
+        <p:txBody>
+          <a:bodyPr lIns="0" tIns="0" rIns="0" bIns="0" rtlCol="0" anchor="ctr"/>
+          <a:lstStyle/>
+          <a:p>
+            <a:pPr algn="ctr"/>
+            <a:r>
+              <a:rPr lang="en-US" sz="1400" dirty="0" smtClean="0"/>
+              <a:t>E</a:t>
+            </a:r>
+            <a:endParaRPr lang="de-CH" sz="1400" dirty="0"/>
+          </a:p>
+        </p:txBody>
+      </p:sp>
+      <p:sp>
+        <p:nvSpPr>
+          <p:cNvPr id="76" name="Ellipse 75"/>
+          <p:cNvSpPr/>
+          <p:nvPr/>
+        </p:nvSpPr>
+        <p:spPr>
+          <a:xfrm>
+            <a:off x="4934746" y="4007997"/>
+            <a:ext cx="278186" cy="245033"/>
+          </a:xfrm>
+          <a:prstGeom prst="ellipse">
+            <a:avLst/>
+          </a:prstGeom>
+          <a:ln/>
+        </p:spPr>
+        <p:style>
+          <a:lnRef idx="2">
+            <a:schemeClr val="accent6">
+              <a:shade val="50000"/>
+            </a:schemeClr>
+          </a:lnRef>
+          <a:fillRef idx="1">
+            <a:schemeClr val="accent6"/>
+          </a:fillRef>
+          <a:effectRef idx="0">
+            <a:schemeClr val="accent6"/>
+          </a:effectRef>
+          <a:fontRef idx="minor">
+            <a:schemeClr val="lt1"/>
+          </a:fontRef>
+        </p:style>
+        <p:txBody>
+          <a:bodyPr lIns="0" tIns="0" rIns="0" bIns="0" rtlCol="0" anchor="ctr"/>
+          <a:lstStyle/>
+          <a:p>
+            <a:pPr algn="ctr"/>
+            <a:r>
+              <a:rPr lang="en-US" sz="1400" dirty="0" smtClean="0"/>
+              <a:t>E</a:t>
+            </a:r>
+            <a:endParaRPr lang="de-CH" sz="1400" dirty="0"/>
+          </a:p>
+        </p:txBody>
+      </p:sp>
+    </p:spTree>
+    <p:extLst>
+      <p:ext uri="{BB962C8B-B14F-4D97-AF65-F5344CB8AC3E}">
+        <p14:creationId xmlns:p14="http://schemas.microsoft.com/office/powerpoint/2010/main" val="3484903437"/>
       </p:ext>
     </p:extLst>
   </p:cSld>
@@ -3606,12 +7753,20 @@
           <a:lstStyle/>
           <a:p>
             <a:r>
-              <a:rPr lang="en-US" smtClean="0"/>
-              <a:t>Updating </a:t>
-            </a:r>
-            <a:r>
               <a:rPr lang="en-US" dirty="0" smtClean="0"/>
-              <a:t>from V 1.2 to V 1.3:</a:t>
+              <a:t>Updating from V </a:t>
+            </a:r>
+            <a:r>
+              <a:rPr lang="en-US" dirty="0" smtClean="0"/>
+              <a:t>1.x </a:t>
+            </a:r>
+            <a:r>
+              <a:rPr lang="en-US" dirty="0" smtClean="0"/>
+              <a:t>to V </a:t>
+            </a:r>
+            <a:r>
+              <a:rPr lang="en-US" dirty="0" smtClean="0"/>
+              <a:t>2.0:</a:t>
             </a:r>
             <a:endParaRPr lang="de-CH" dirty="0"/>
           </a:p>
@@ -3636,7 +7791,30 @@
           <a:p>
             <a:r>
               <a:rPr lang="en-US" sz="2400" dirty="0" smtClean="0"/>
-              <a:t>As the action list can now be derived from CIGs original profile you have to </a:t>
+              <a:t>As the action list </a:t>
+            </a:r>
+            <a:r>
+              <a:rPr lang="en-US" sz="2400" dirty="0" smtClean="0"/>
+              <a:t>taken from the game assets (</a:t>
+            </a:r>
+            <a:r>
+              <a:rPr lang="en-US" sz="2400" dirty="0" err="1" smtClean="0"/>
+              <a:t>GameData.pak</a:t>
+            </a:r>
+            <a:r>
+              <a:rPr lang="en-US" sz="2400" dirty="0" smtClean="0"/>
+              <a:t>)</a:t>
+            </a:r>
+            <a:br>
+              <a:rPr lang="en-US" sz="2400" dirty="0" smtClean="0"/>
+            </a:br>
+            <a:r>
+              <a:rPr lang="en-US" sz="2400" dirty="0" smtClean="0"/>
+              <a:t>You </a:t>
+            </a:r>
+            <a:r>
+              <a:rPr lang="en-US" sz="2400" dirty="0" smtClean="0"/>
+              <a:t>have to </a:t>
             </a:r>
             <a:r>
               <a:rPr lang="en-US" sz="2400" dirty="0" smtClean="0">
@@ -3644,7 +7822,23 @@
                   <a:srgbClr val="FF0000"/>
                 </a:solidFill>
               </a:rPr>
-              <a:t>manually remove the ‘MappingVars.csv’ file if it exists in the same folder as the program file</a:t>
+              <a:t>manually remove the </a:t>
+            </a:r>
+            <a:r>
+              <a:rPr lang="en-US" sz="2400" dirty="0" smtClean="0">
+                <a:solidFill>
+                  <a:srgbClr val="FF0000"/>
+                </a:solidFill>
+              </a:rPr>
+              <a:t>‘defaultProfile.xml’ </a:t>
+            </a:r>
+            <a:r>
+              <a:rPr lang="en-US" sz="2400" dirty="0" smtClean="0">
+                <a:solidFill>
+                  <a:srgbClr val="FF0000"/>
+                </a:solidFill>
+              </a:rPr>
+              <a:t>file if it exists in the same folder as the program file</a:t>
             </a:r>
             <a:r>
               <a:rPr lang="en-US" sz="2400" dirty="0" smtClean="0"/>
@@ -3658,12 +7852,16 @@
               <a:t>If the program finds it there it is taken before the </a:t>
             </a:r>
             <a:r>
-              <a:rPr lang="en-US" sz="2400" dirty="0" err="1" smtClean="0"/>
-              <a:t>defaultProfile</a:t>
-            </a:r>
-            <a:r>
               <a:rPr lang="en-US" sz="2400" dirty="0" smtClean="0"/>
-              <a:t> (which is may be not what you wanted)</a:t>
+              <a:t>one from the game</a:t>
+            </a:r>
+            <a:r>
+              <a:rPr lang="en-US" sz="2400" dirty="0" smtClean="0"/>
+              <a:t> </a:t>
+            </a:r>
+            <a:r>
+              <a:rPr lang="en-US" sz="2400" dirty="0" smtClean="0"/>
+              <a:t>(which is may be not what you wanted)</a:t>
             </a:r>
           </a:p>
           <a:p>
@@ -3672,9 +7870,19 @@
           <a:p>
             <a:r>
               <a:rPr lang="en-US" sz="2400" dirty="0" smtClean="0"/>
-              <a:t>You may however use it to create you own list – see last page</a:t>
-            </a:r>
-            <a:endParaRPr lang="de-CH" sz="2400" dirty="0"/>
+              <a:t>You may however use </a:t>
+            </a:r>
+            <a:r>
+              <a:rPr lang="en-US" sz="2400" dirty="0" smtClean="0"/>
+              <a:t>this priority for any purpose</a:t>
+            </a:r>
+            <a:br>
+              <a:rPr lang="en-US" sz="2400" dirty="0" smtClean="0"/>
+            </a:br>
+            <a:r>
+              <a:rPr lang="en-US" sz="2400" dirty="0" smtClean="0"/>
+              <a:t>i.e. place a defaultProfile.xml file in the program directory and it will be taken as action list</a:t>
+            </a:r>
           </a:p>
         </p:txBody>
       </p:sp>
@@ -3744,7 +7952,7 @@
         <p:spPr/>
         <p:txBody>
           <a:bodyPr>
-            <a:normAutofit fontScale="92500" lnSpcReduction="10000"/>
+            <a:normAutofit fontScale="77500" lnSpcReduction="20000"/>
           </a:bodyPr>
           <a:lstStyle/>
           <a:p>
@@ -3790,21 +7998,90 @@
             </a:r>
             <a:r>
               <a:rPr lang="en-US" sz="1500" dirty="0" smtClean="0"/>
-              <a:t> C:\maps\Layout_hotas_x65_Cyb_T </a:t>
-            </a:r>
-            <a:endParaRPr lang="en-US" sz="2400" dirty="0" smtClean="0"/>
-          </a:p>
-          <a:p>
-            <a:endParaRPr lang="en-US" sz="1800" dirty="0"/>
-          </a:p>
-          <a:p>
-            <a:pPr marL="0" indent="0">
-              <a:buNone/>
-            </a:pPr>
-            <a:r>
-              <a:rPr lang="en-US" sz="1800" dirty="0" smtClean="0"/>
-              <a:t>Note: the predefined actions are the ones found in the AC game default profile – it is likely that some of them will not work at all as the game is not finished. There is no proper description for which one does what – you may get help in SC Forums.</a:t>
-            </a:r>
+              <a:t> C:\</a:t>
+            </a:r>
+            <a:r>
+              <a:rPr lang="en-US" sz="1500" dirty="0" smtClean="0"/>
+              <a:t>maps\layout_my_joystick</a:t>
+            </a:r>
+          </a:p>
+          <a:p>
+            <a:r>
+              <a:rPr lang="en-US" sz="2400" dirty="0" smtClean="0">
+                <a:solidFill>
+                  <a:schemeClr val="accent6">
+                    <a:lumMod val="75000"/>
+                  </a:schemeClr>
+                </a:solidFill>
+              </a:rPr>
+              <a:t>V 2.0: You may load and save the map directly from your game folders</a:t>
+            </a:r>
+            <a:br>
+              <a:rPr lang="en-US" sz="2400" dirty="0" smtClean="0">
+                <a:solidFill>
+                  <a:schemeClr val="accent6">
+                    <a:lumMod val="75000"/>
+                  </a:schemeClr>
+                </a:solidFill>
+              </a:rPr>
+            </a:br>
+            <a:r>
+              <a:rPr lang="en-US" sz="2400" dirty="0" smtClean="0">
+                <a:solidFill>
+                  <a:schemeClr val="accent6">
+                    <a:lumMod val="75000"/>
+                  </a:schemeClr>
+                </a:solidFill>
+              </a:rPr>
+              <a:t>so next time you just use  </a:t>
+            </a:r>
+            <a:r>
+              <a:rPr lang="en-US" sz="2400" dirty="0">
+                <a:solidFill>
+                  <a:schemeClr val="accent6">
+                    <a:lumMod val="75000"/>
+                  </a:schemeClr>
+                </a:solidFill>
+              </a:rPr>
+              <a:t> </a:t>
+            </a:r>
+            <a:r>
+              <a:rPr lang="en-US" sz="1500" dirty="0" err="1">
+                <a:solidFill>
+                  <a:schemeClr val="accent6">
+                    <a:lumMod val="75000"/>
+                  </a:schemeClr>
+                </a:solidFill>
+              </a:rPr>
+              <a:t>pp_rebindkeys</a:t>
+            </a:r>
+            <a:r>
+              <a:rPr lang="en-US" sz="1500" dirty="0">
+                <a:solidFill>
+                  <a:schemeClr val="accent6">
+                    <a:lumMod val="75000"/>
+                  </a:schemeClr>
+                </a:solidFill>
+              </a:rPr>
+              <a:t> </a:t>
+            </a:r>
+            <a:r>
+              <a:rPr lang="en-US" sz="1500" dirty="0" err="1" smtClean="0">
+                <a:solidFill>
+                  <a:schemeClr val="accent6">
+                    <a:lumMod val="75000"/>
+                  </a:schemeClr>
+                </a:solidFill>
+              </a:rPr>
+              <a:t>layout_my_joystick</a:t>
+            </a:r>
+            <a:endParaRPr lang="en-US" sz="2400" dirty="0">
+              <a:solidFill>
+                <a:schemeClr val="accent6">
+                  <a:lumMod val="75000"/>
+                </a:schemeClr>
+              </a:solidFill>
+            </a:endParaRPr>
           </a:p>
           <a:p>
             <a:pPr marL="0" indent="0">
@@ -3818,24 +8095,31 @@
             </a:pPr>
             <a:r>
               <a:rPr lang="en-US" sz="1800" dirty="0" smtClean="0"/>
-              <a:t>As I had my issues with missiles here a finding..</a:t>
+              <a:t>Note: the predefined actions are the ones found in the AC game default profile – it is likely that some of them will not work at all as the game is not finished. There is no proper description for which one does what – you may get help in SC Forums.</a:t>
             </a:r>
           </a:p>
           <a:p>
             <a:pPr marL="0" indent="0">
               <a:buNone/>
             </a:pPr>
+            <a:endParaRPr lang="en-US" sz="1800" dirty="0"/>
+          </a:p>
+          <a:p>
+            <a:pPr marL="0" indent="0">
+              <a:buNone/>
+            </a:pPr>
             <a:r>
               <a:rPr lang="en-US" sz="1800" dirty="0" smtClean="0"/>
-              <a:t>To reallocate the missile fire command you should map the following </a:t>
-            </a:r>
+              <a:t>As I had my issues with missiles here a finding..</a:t>
+            </a:r>
+          </a:p>
+          <a:p>
+            <a:pPr marL="0" indent="0">
+              <a:buNone/>
+            </a:pPr>
             <a:r>
               <a:rPr lang="en-US" sz="1800" dirty="0" smtClean="0"/>
-              <a:t>2 </a:t>
-            </a:r>
-            <a:r>
-              <a:rPr lang="en-US" sz="1800" dirty="0" smtClean="0"/>
-              <a:t>actions to the same joystick button</a:t>
+              <a:t>To reallocate the missile fire command you should map the following 2 actions to the same joystick button</a:t>
             </a:r>
             <a:r>
               <a:rPr lang="en-US" sz="1800" dirty="0"/>
@@ -3852,14 +8136,73 @@
               <a:rPr lang="de-CH" sz="1400" i="1" dirty="0" smtClean="0"/>
               <a:t> </a:t>
             </a:r>
-            <a:endParaRPr lang="de-CH" sz="1400" i="1" dirty="0" smtClean="0"/>
           </a:p>
           <a:p>
             <a:r>
               <a:rPr lang="de-CH" sz="1400" i="1" dirty="0" err="1" smtClean="0"/>
               <a:t>v_weapon_launch_missile</a:t>
             </a:r>
-            <a:endParaRPr lang="de-CH" dirty="0"/>
+            <a:endParaRPr lang="de-CH" sz="1400" i="1" dirty="0" smtClean="0"/>
+          </a:p>
+          <a:p>
+            <a:pPr marL="0" indent="0">
+              <a:buNone/>
+            </a:pPr>
+            <a:endParaRPr lang="de-CH" sz="1800" dirty="0" smtClean="0"/>
+          </a:p>
+          <a:p>
+            <a:pPr marL="0" indent="0">
+              <a:buNone/>
+            </a:pPr>
+            <a:r>
+              <a:rPr lang="de-CH" sz="1800" dirty="0" smtClean="0"/>
+              <a:t>BTW: </a:t>
+            </a:r>
+            <a:r>
+              <a:rPr lang="de-CH" sz="1800" dirty="0" err="1" smtClean="0"/>
+              <a:t>if</a:t>
+            </a:r>
+            <a:r>
+              <a:rPr lang="de-CH" sz="1800" dirty="0" smtClean="0"/>
+              <a:t> </a:t>
+            </a:r>
+            <a:r>
+              <a:rPr lang="de-CH" sz="1800" dirty="0" err="1" smtClean="0"/>
+              <a:t>you</a:t>
+            </a:r>
+            <a:r>
+              <a:rPr lang="de-CH" sz="1800" dirty="0" smtClean="0"/>
+              <a:t> </a:t>
+            </a:r>
+            <a:r>
+              <a:rPr lang="de-CH" sz="1800" dirty="0" err="1" smtClean="0"/>
+              <a:t>copy</a:t>
+            </a:r>
+            <a:r>
+              <a:rPr lang="de-CH" sz="1800" dirty="0" smtClean="0"/>
+              <a:t> </a:t>
+            </a:r>
+            <a:r>
+              <a:rPr lang="en-US" sz="1800" dirty="0" smtClean="0"/>
+              <a:t>e.g. “</a:t>
+            </a:r>
+            <a:r>
+              <a:rPr lang="en-US" sz="1800" dirty="0" err="1" smtClean="0"/>
+              <a:t>pp_rebindkeys</a:t>
+            </a:r>
+            <a:r>
+              <a:rPr lang="en-US" sz="1800" dirty="0" smtClean="0"/>
+              <a:t> </a:t>
+            </a:r>
+            <a:r>
+              <a:rPr lang="en-US" sz="1800" dirty="0"/>
+              <a:t>C:\</a:t>
+            </a:r>
+            <a:r>
+              <a:rPr lang="en-US" sz="1800" dirty="0" smtClean="0"/>
+              <a:t>maps\layout_my_joystick” from notepad you may use Ctrl-V to paste it in-game into the console – saves you some typing…</a:t>
+            </a:r>
+            <a:endParaRPr lang="de-CH" sz="1800" dirty="0"/>
           </a:p>
         </p:txBody>
       </p:sp>
@@ -3895,7 +8238,7 @@
       </p:grpSpPr>
       <p:pic>
         <p:nvPicPr>
-          <p:cNvPr id="4" name="Grafik 3"/>
+          <p:cNvPr id="3" name="Grafik 2"/>
           <p:cNvPicPr>
             <a:picLocks noChangeAspect="1"/>
           </p:cNvPicPr>
@@ -3909,8 +8252,8 @@
         </p:blipFill>
         <p:spPr>
           <a:xfrm>
-            <a:off x="375994" y="1124744"/>
-            <a:ext cx="8392012" cy="5477814"/>
+            <a:off x="1403648" y="1124744"/>
+            <a:ext cx="6197377" cy="5577639"/>
           </a:xfrm>
           <a:prstGeom prst="rect">
             <a:avLst/>
@@ -4038,23 +8381,23 @@
       </p:sp>
       <p:sp>
         <p:nvSpPr>
-          <p:cNvPr id="8" name="Legende mit Linie 2 7"/>
+          <p:cNvPr id="9" name="Legende mit Linie 2 8"/>
           <p:cNvSpPr/>
           <p:nvPr/>
         </p:nvSpPr>
         <p:spPr>
           <a:xfrm>
-            <a:off x="4427984" y="1268760"/>
+            <a:off x="5220072" y="2852936"/>
             <a:ext cx="1656184" cy="360040"/>
           </a:xfrm>
           <a:prstGeom prst="borderCallout2">
             <a:avLst>
-              <a:gd name="adj1" fmla="val 113989"/>
-              <a:gd name="adj2" fmla="val 50511"/>
-              <a:gd name="adj3" fmla="val 149078"/>
-              <a:gd name="adj4" fmla="val 50531"/>
-              <a:gd name="adj5" fmla="val 179335"/>
-              <a:gd name="adj6" fmla="val 3459"/>
+              <a:gd name="adj1" fmla="val 18750"/>
+              <a:gd name="adj2" fmla="val -2884"/>
+              <a:gd name="adj3" fmla="val 17079"/>
+              <a:gd name="adj4" fmla="val -13761"/>
+              <a:gd name="adj5" fmla="val -12815"/>
+              <a:gd name="adj6" fmla="val -36133"/>
             </a:avLst>
           </a:prstGeom>
         </p:spPr>
@@ -4078,17 +8421,13 @@
           <a:p>
             <a:r>
               <a:rPr lang="en-US" sz="1100" dirty="0" smtClean="0"/>
-              <a:t>Detected Joystick devices</a:t>
+              <a:t>Joystick properties</a:t>
             </a:r>
           </a:p>
           <a:p>
             <a:r>
               <a:rPr lang="en-US" sz="800" dirty="0" smtClean="0"/>
-              <a:t>(up to 8 are </a:t>
-            </a:r>
-            <a:r>
-              <a:rPr lang="en-US" sz="800" dirty="0" smtClean="0"/>
-              <a:t>shown)</a:t>
+              <a:t>(greyed out ones are not available)</a:t>
             </a:r>
             <a:endParaRPr lang="de-CH" sz="800" dirty="0"/>
           </a:p>
@@ -4096,13 +8435,13 @@
       </p:sp>
       <p:sp>
         <p:nvSpPr>
-          <p:cNvPr id="9" name="Legende mit Linie 2 8"/>
+          <p:cNvPr id="10" name="Legende mit Linie 2 9"/>
           <p:cNvSpPr/>
           <p:nvPr/>
         </p:nvSpPr>
         <p:spPr>
           <a:xfrm>
-            <a:off x="5220072" y="2852936"/>
+            <a:off x="5292080" y="3419197"/>
             <a:ext cx="1656184" cy="360040"/>
           </a:xfrm>
           <a:prstGeom prst="borderCallout2">
@@ -4111,8 +8450,8 @@
               <a:gd name="adj2" fmla="val -2884"/>
               <a:gd name="adj3" fmla="val 17079"/>
               <a:gd name="adj4" fmla="val -13761"/>
-              <a:gd name="adj5" fmla="val -12815"/>
-              <a:gd name="adj6" fmla="val -36133"/>
+              <a:gd name="adj5" fmla="val 109158"/>
+              <a:gd name="adj6" fmla="val -56474"/>
             </a:avLst>
           </a:prstGeom>
         </p:spPr>
@@ -4136,13 +8475,13 @@
           <a:p>
             <a:r>
               <a:rPr lang="en-US" sz="1100" dirty="0" smtClean="0"/>
-              <a:t>Joystick properties</a:t>
+              <a:t>Joystick device map</a:t>
             </a:r>
           </a:p>
           <a:p>
             <a:r>
               <a:rPr lang="en-US" sz="800" dirty="0" smtClean="0"/>
-              <a:t>(greyed out ones are not available)</a:t>
+              <a:t>(the default is usually OK)</a:t>
             </a:r>
             <a:endParaRPr lang="de-CH" sz="800" dirty="0"/>
           </a:p>
@@ -4150,13 +8489,13 @@
       </p:sp>
       <p:sp>
         <p:nvSpPr>
-          <p:cNvPr id="10" name="Legende mit Linie 2 9"/>
+          <p:cNvPr id="11" name="Legende mit Linie 2 10"/>
           <p:cNvSpPr/>
           <p:nvPr/>
         </p:nvSpPr>
         <p:spPr>
           <a:xfrm>
-            <a:off x="5436096" y="3933056"/>
+            <a:off x="5303112" y="4169828"/>
             <a:ext cx="1656184" cy="360040"/>
           </a:xfrm>
           <a:prstGeom prst="borderCallout2">
@@ -4190,13 +8529,7 @@
           <a:p>
             <a:r>
               <a:rPr lang="en-US" sz="1100" dirty="0" smtClean="0"/>
-              <a:t>Joystick device map</a:t>
-            </a:r>
-          </a:p>
-          <a:p>
-            <a:r>
-              <a:rPr lang="en-US" sz="800" dirty="0" smtClean="0"/>
-              <a:t>(the default is usually OK)</a:t>
+              <a:t>Current mapping</a:t>
             </a:r>
             <a:endParaRPr lang="de-CH" sz="800" dirty="0"/>
           </a:p>
@@ -4204,23 +8537,23 @@
       </p:sp>
       <p:sp>
         <p:nvSpPr>
-          <p:cNvPr id="11" name="Legende mit Linie 2 10"/>
+          <p:cNvPr id="12" name="Legende mit Linie 2 11"/>
           <p:cNvSpPr/>
           <p:nvPr/>
         </p:nvSpPr>
         <p:spPr>
           <a:xfrm>
-            <a:off x="5426088" y="4545124"/>
+            <a:off x="5639421" y="4809397"/>
             <a:ext cx="1656184" cy="360040"/>
           </a:xfrm>
           <a:prstGeom prst="borderCallout2">
             <a:avLst>
               <a:gd name="adj1" fmla="val 18750"/>
               <a:gd name="adj2" fmla="val -2884"/>
-              <a:gd name="adj3" fmla="val 17079"/>
-              <a:gd name="adj4" fmla="val -13761"/>
-              <a:gd name="adj5" fmla="val 109158"/>
-              <a:gd name="adj6" fmla="val -56474"/>
+              <a:gd name="adj3" fmla="val 47154"/>
+              <a:gd name="adj4" fmla="val -9402"/>
+              <a:gd name="adj5" fmla="val 49006"/>
+              <a:gd name="adj6" fmla="val -129484"/>
             </a:avLst>
           </a:prstGeom>
         </p:spPr>
@@ -4244,7 +8577,7 @@
           <a:p>
             <a:r>
               <a:rPr lang="en-US" sz="1100" dirty="0" smtClean="0"/>
-              <a:t>Current mapping</a:t>
+              <a:t>Action Mapping Buttons </a:t>
             </a:r>
             <a:endParaRPr lang="de-CH" sz="800" dirty="0"/>
           </a:p>
@@ -4252,23 +8585,23 @@
       </p:sp>
       <p:sp>
         <p:nvSpPr>
-          <p:cNvPr id="12" name="Legende mit Linie 2 11"/>
+          <p:cNvPr id="15" name="Legende mit Linie 2 14"/>
           <p:cNvSpPr/>
           <p:nvPr/>
         </p:nvSpPr>
         <p:spPr>
           <a:xfrm>
-            <a:off x="5508104" y="5241188"/>
+            <a:off x="5639421" y="5155345"/>
             <a:ext cx="1656184" cy="360040"/>
           </a:xfrm>
           <a:prstGeom prst="borderCallout2">
             <a:avLst>
               <a:gd name="adj1" fmla="val 18750"/>
               <a:gd name="adj2" fmla="val -2884"/>
-              <a:gd name="adj3" fmla="val 47154"/>
-              <a:gd name="adj4" fmla="val -9402"/>
-              <a:gd name="adj5" fmla="val 49006"/>
-              <a:gd name="adj6" fmla="val -129484"/>
+              <a:gd name="adj3" fmla="val 38800"/>
+              <a:gd name="adj4" fmla="val -16667"/>
+              <a:gd name="adj5" fmla="val 37310"/>
+              <a:gd name="adj6" fmla="val -131300"/>
             </a:avLst>
           </a:prstGeom>
         </p:spPr>
@@ -4292,7 +8625,7 @@
           <a:p>
             <a:r>
               <a:rPr lang="en-US" sz="1100" dirty="0" smtClean="0"/>
-              <a:t>Action Mapping Buttons </a:t>
+              <a:t>XML Area Buttons</a:t>
             </a:r>
             <a:endParaRPr lang="de-CH" sz="800" dirty="0"/>
           </a:p>
@@ -4300,23 +8633,71 @@
       </p:sp>
       <p:sp>
         <p:nvSpPr>
-          <p:cNvPr id="15" name="Legende mit Linie 2 14"/>
+          <p:cNvPr id="16" name="Legende mit Linie 2 15"/>
           <p:cNvSpPr/>
           <p:nvPr/>
         </p:nvSpPr>
         <p:spPr>
           <a:xfrm>
-            <a:off x="5508104" y="5655188"/>
-            <a:ext cx="1656184" cy="360040"/>
+            <a:off x="7684409" y="5588760"/>
+            <a:ext cx="1359783" cy="360040"/>
           </a:xfrm>
           <a:prstGeom prst="borderCallout2">
             <a:avLst>
-              <a:gd name="adj1" fmla="val 18750"/>
-              <a:gd name="adj2" fmla="val -2884"/>
-              <a:gd name="adj3" fmla="val 47154"/>
-              <a:gd name="adj4" fmla="val -9402"/>
-              <a:gd name="adj5" fmla="val 49006"/>
-              <a:gd name="adj6" fmla="val -129484"/>
+              <a:gd name="adj1" fmla="val 74624"/>
+              <a:gd name="adj2" fmla="val -3252"/>
+              <a:gd name="adj3" fmla="val 213082"/>
+              <a:gd name="adj4" fmla="val -14456"/>
+              <a:gd name="adj5" fmla="val 211548"/>
+              <a:gd name="adj6" fmla="val -94055"/>
+            </a:avLst>
+          </a:prstGeom>
+        </p:spPr>
+        <p:style>
+          <a:lnRef idx="2">
+            <a:schemeClr val="accent6"/>
+          </a:lnRef>
+          <a:fillRef idx="1">
+            <a:schemeClr val="lt1"/>
+          </a:fillRef>
+          <a:effectRef idx="0">
+            <a:schemeClr val="accent6"/>
+          </a:effectRef>
+          <a:fontRef idx="minor">
+            <a:schemeClr val="dk1"/>
+          </a:fontRef>
+        </p:style>
+        <p:txBody>
+          <a:bodyPr rtlCol="0" anchor="ctr"/>
+          <a:lstStyle/>
+          <a:p>
+            <a:r>
+              <a:rPr lang="en-US" sz="1100" dirty="0" smtClean="0"/>
+              <a:t>V2: Save into game folders</a:t>
+            </a:r>
+            <a:endParaRPr lang="de-CH" sz="800" dirty="0"/>
+          </a:p>
+        </p:txBody>
+      </p:sp>
+      <p:sp>
+        <p:nvSpPr>
+          <p:cNvPr id="17" name="Legende mit Linie 2 16"/>
+          <p:cNvSpPr/>
+          <p:nvPr/>
+        </p:nvSpPr>
+        <p:spPr>
+          <a:xfrm>
+            <a:off x="1475656" y="5178202"/>
+            <a:ext cx="1656184" cy="360040"/>
+          </a:xfrm>
+          <a:prstGeom prst="borderCallout2">
+            <a:avLst>
+              <a:gd name="adj1" fmla="val 38801"/>
+              <a:gd name="adj2" fmla="val 102453"/>
+              <a:gd name="adj3" fmla="val 83913"/>
+              <a:gd name="adj4" fmla="val 107558"/>
+              <a:gd name="adj5" fmla="val 82423"/>
+              <a:gd name="adj6" fmla="val 152384"/>
             </a:avLst>
           </a:prstGeom>
         </p:spPr>
@@ -4340,7 +8721,7 @@
           <a:p>
             <a:r>
               <a:rPr lang="en-US" sz="1100" dirty="0" smtClean="0"/>
-              <a:t>XML Area Buttons</a:t>
+              <a:t>Dump nice List</a:t>
             </a:r>
             <a:endParaRPr lang="de-CH" sz="800" dirty="0"/>
           </a:p>
@@ -4348,23 +8729,201 @@
       </p:sp>
       <p:sp>
         <p:nvSpPr>
-          <p:cNvPr id="16" name="Legende mit Linie 2 15"/>
+          <p:cNvPr id="18" name="Legende mit Linie 2 17"/>
           <p:cNvSpPr/>
           <p:nvPr/>
         </p:nvSpPr>
         <p:spPr>
           <a:xfrm>
-            <a:off x="5492261" y="6242518"/>
+            <a:off x="1475656" y="5580252"/>
             <a:ext cx="1656184" cy="360040"/>
           </a:xfrm>
           <a:prstGeom prst="borderCallout2">
             <a:avLst>
-              <a:gd name="adj1" fmla="val 18750"/>
-              <a:gd name="adj2" fmla="val -2884"/>
-              <a:gd name="adj3" fmla="val 47154"/>
-              <a:gd name="adj4" fmla="val -9402"/>
-              <a:gd name="adj5" fmla="val 49006"/>
-              <a:gd name="adj6" fmla="val -129484"/>
+              <a:gd name="adj1" fmla="val 38801"/>
+              <a:gd name="adj2" fmla="val 102453"/>
+              <a:gd name="adj3" fmla="val 39891"/>
+              <a:gd name="adj4" fmla="val 109766"/>
+              <a:gd name="adj5" fmla="val 19777"/>
+              <a:gd name="adj6" fmla="val 133612"/>
+            </a:avLst>
+          </a:prstGeom>
+        </p:spPr>
+        <p:style>
+          <a:lnRef idx="2">
+            <a:schemeClr val="accent6"/>
+          </a:lnRef>
+          <a:fillRef idx="1">
+            <a:schemeClr val="lt1"/>
+          </a:fillRef>
+          <a:effectRef idx="0">
+            <a:schemeClr val="accent6"/>
+          </a:effectRef>
+          <a:fontRef idx="minor">
+            <a:schemeClr val="dk1"/>
+          </a:fontRef>
+        </p:style>
+        <p:txBody>
+          <a:bodyPr rtlCol="0" anchor="ctr"/>
+          <a:lstStyle/>
+          <a:p>
+            <a:r>
+              <a:rPr lang="en-US" sz="1100" dirty="0" smtClean="0"/>
+              <a:t>V2: filter the action tree</a:t>
+            </a:r>
+            <a:endParaRPr lang="de-CH" sz="800" dirty="0"/>
+          </a:p>
+        </p:txBody>
+      </p:sp>
+      <p:sp>
+        <p:nvSpPr>
+          <p:cNvPr id="19" name="Legende mit Linie 2 18"/>
+          <p:cNvSpPr/>
+          <p:nvPr/>
+        </p:nvSpPr>
+        <p:spPr>
+          <a:xfrm>
+            <a:off x="3645883" y="5876456"/>
+            <a:ext cx="1436189" cy="360040"/>
+          </a:xfrm>
+          <a:prstGeom prst="borderCallout2">
+            <a:avLst>
+              <a:gd name="adj1" fmla="val 84649"/>
+              <a:gd name="adj2" fmla="val 101885"/>
+              <a:gd name="adj3" fmla="val 204706"/>
+              <a:gd name="adj4" fmla="val 112323"/>
+              <a:gd name="adj5" fmla="val 206513"/>
+              <a:gd name="adj6" fmla="val 232124"/>
+            </a:avLst>
+          </a:prstGeom>
+        </p:spPr>
+        <p:style>
+          <a:lnRef idx="2">
+            <a:schemeClr val="accent6"/>
+          </a:lnRef>
+          <a:fillRef idx="1">
+            <a:schemeClr val="lt1"/>
+          </a:fillRef>
+          <a:effectRef idx="0">
+            <a:schemeClr val="accent6"/>
+          </a:effectRef>
+          <a:fontRef idx="minor">
+            <a:schemeClr val="dk1"/>
+          </a:fontRef>
+        </p:style>
+        <p:txBody>
+          <a:bodyPr rtlCol="0" anchor="ctr"/>
+          <a:lstStyle/>
+          <a:p>
+            <a:r>
+              <a:rPr lang="en-US" sz="1100" dirty="0" smtClean="0"/>
+              <a:t>V2: Load from game folders</a:t>
+            </a:r>
+            <a:endParaRPr lang="de-CH" sz="800" dirty="0"/>
+          </a:p>
+        </p:txBody>
+      </p:sp>
+      <p:sp>
+        <p:nvSpPr>
+          <p:cNvPr id="20" name="Legende mit Linie 2 19"/>
+          <p:cNvSpPr/>
+          <p:nvPr/>
+        </p:nvSpPr>
+        <p:spPr>
+          <a:xfrm>
+            <a:off x="115873" y="6122133"/>
+            <a:ext cx="1359783" cy="360040"/>
+          </a:xfrm>
+          <a:prstGeom prst="borderCallout2">
+            <a:avLst>
+              <a:gd name="adj1" fmla="val 88169"/>
+              <a:gd name="adj2" fmla="val 102100"/>
+              <a:gd name="adj3" fmla="val 143663"/>
+              <a:gd name="adj4" fmla="val 139313"/>
+              <a:gd name="adj5" fmla="val 138743"/>
+              <a:gd name="adj6" fmla="val 281178"/>
+            </a:avLst>
+          </a:prstGeom>
+        </p:spPr>
+        <p:style>
+          <a:lnRef idx="2">
+            <a:schemeClr val="accent6"/>
+          </a:lnRef>
+          <a:fillRef idx="1">
+            <a:schemeClr val="lt1"/>
+          </a:fillRef>
+          <a:effectRef idx="0">
+            <a:schemeClr val="accent6"/>
+          </a:effectRef>
+          <a:fontRef idx="minor">
+            <a:schemeClr val="dk1"/>
+          </a:fontRef>
+        </p:style>
+        <p:txBody>
+          <a:bodyPr rtlCol="0" anchor="ctr"/>
+          <a:lstStyle/>
+          <a:p>
+            <a:r>
+              <a:rPr lang="en-US" sz="1100" dirty="0" smtClean="0"/>
+              <a:t>V2: New Reset with options</a:t>
+            </a:r>
+            <a:endParaRPr lang="de-CH" sz="800" dirty="0"/>
+          </a:p>
+        </p:txBody>
+      </p:sp>
+      <p:sp>
+        <p:nvSpPr>
+          <p:cNvPr id="21" name="Textfeld 20"/>
+          <p:cNvSpPr txBox="1"/>
+          <p:nvPr/>
+        </p:nvSpPr>
+        <p:spPr>
+          <a:xfrm>
+            <a:off x="4217976" y="1394912"/>
+            <a:ext cx="864096" cy="161583"/>
+          </a:xfrm>
+          <a:prstGeom prst="rect">
+            <a:avLst/>
+          </a:prstGeom>
+          <a:solidFill>
+            <a:schemeClr val="bg1">
+              <a:lumMod val="95000"/>
+            </a:schemeClr>
+          </a:solidFill>
+        </p:spPr>
+        <p:txBody>
+          <a:bodyPr wrap="square" lIns="0" tIns="0" rIns="0" bIns="0" rtlCol="0">
+            <a:spAutoFit/>
+          </a:bodyPr>
+          <a:lstStyle/>
+          <a:p>
+            <a:r>
+              <a:rPr lang="en-US" sz="1050" b="1" dirty="0" smtClean="0"/>
+              <a:t>2.0</a:t>
+            </a:r>
+            <a:endParaRPr lang="de-CH" sz="1050" b="1" dirty="0"/>
+          </a:p>
+        </p:txBody>
+      </p:sp>
+      <p:sp>
+        <p:nvSpPr>
+          <p:cNvPr id="8" name="Legende mit Linie 2 7"/>
+          <p:cNvSpPr/>
+          <p:nvPr/>
+        </p:nvSpPr>
+        <p:spPr>
+          <a:xfrm>
+            <a:off x="4391980" y="1124744"/>
+            <a:ext cx="1656184" cy="360040"/>
+          </a:xfrm>
+          <a:prstGeom prst="borderCallout2">
+            <a:avLst>
+              <a:gd name="adj1" fmla="val 113989"/>
+              <a:gd name="adj2" fmla="val 50511"/>
+              <a:gd name="adj3" fmla="val 149078"/>
+              <a:gd name="adj4" fmla="val 50531"/>
+              <a:gd name="adj5" fmla="val 192702"/>
+              <a:gd name="adj6" fmla="val 3822"/>
             </a:avLst>
           </a:prstGeom>
         </p:spPr>
@@ -4388,7 +8947,13 @@
           <a:p>
             <a:r>
               <a:rPr lang="en-US" sz="1100" dirty="0" smtClean="0"/>
-              <a:t>Other Buttons…</a:t>
+              <a:t>Detected Joystick devices</a:t>
+            </a:r>
+          </a:p>
+          <a:p>
+            <a:r>
+              <a:rPr lang="en-US" sz="800" dirty="0" smtClean="0"/>
+              <a:t>(up to 8 are shown)</a:t>
             </a:r>
             <a:endParaRPr lang="de-CH" sz="800" dirty="0"/>
           </a:p>
@@ -4396,35 +8961,35 @@
       </p:sp>
       <p:sp>
         <p:nvSpPr>
-          <p:cNvPr id="17" name="Legende mit Linie 2 16"/>
+          <p:cNvPr id="22" name="Legende mit Linie 2 21"/>
           <p:cNvSpPr/>
           <p:nvPr/>
         </p:nvSpPr>
         <p:spPr>
           <a:xfrm>
-            <a:off x="1619672" y="5835208"/>
-            <a:ext cx="1656184" cy="360040"/>
+            <a:off x="7750475" y="6236496"/>
+            <a:ext cx="1359783" cy="360040"/>
           </a:xfrm>
           <a:prstGeom prst="borderCallout2">
             <a:avLst>
-              <a:gd name="adj1" fmla="val 38801"/>
-              <a:gd name="adj2" fmla="val 102453"/>
-              <a:gd name="adj3" fmla="val 83913"/>
-              <a:gd name="adj4" fmla="val 107558"/>
-              <a:gd name="adj5" fmla="val 82423"/>
-              <a:gd name="adj6" fmla="val 152384"/>
+              <a:gd name="adj1" fmla="val 74624"/>
+              <a:gd name="adj2" fmla="val -3252"/>
+              <a:gd name="adj3" fmla="val 99463"/>
+              <a:gd name="adj4" fmla="val -6050"/>
+              <a:gd name="adj5" fmla="val 102941"/>
+              <a:gd name="adj6" fmla="val -16191"/>
             </a:avLst>
           </a:prstGeom>
         </p:spPr>
         <p:style>
           <a:lnRef idx="2">
-            <a:schemeClr val="accent5"/>
+            <a:schemeClr val="accent6"/>
           </a:lnRef>
           <a:fillRef idx="1">
             <a:schemeClr val="lt1"/>
           </a:fillRef>
           <a:effectRef idx="0">
-            <a:schemeClr val="accent5"/>
+            <a:schemeClr val="accent6"/>
           </a:effectRef>
           <a:fontRef idx="minor">
             <a:schemeClr val="dk1"/>
@@ -4436,7 +9001,7 @@
           <a:p>
             <a:r>
               <a:rPr lang="en-US" sz="1100" dirty="0" smtClean="0"/>
-              <a:t>Dump nice List</a:t>
+              <a:t>V2: Resize the window</a:t>
             </a:r>
             <a:endParaRPr lang="de-CH" sz="800" dirty="0"/>
           </a:p>
@@ -4474,7 +9039,7 @@
       </p:grpSpPr>
       <p:pic>
         <p:nvPicPr>
-          <p:cNvPr id="9" name="Grafik 8"/>
+          <p:cNvPr id="8" name="Grafik 7"/>
           <p:cNvPicPr>
             <a:picLocks noChangeAspect="1"/>
           </p:cNvPicPr>
@@ -4488,8 +9053,8 @@
         </p:blipFill>
         <p:spPr>
           <a:xfrm>
-            <a:off x="375994" y="1124744"/>
-            <a:ext cx="8392012" cy="5477814"/>
+            <a:off x="1403648" y="1124744"/>
+            <a:ext cx="6197377" cy="5577639"/>
           </a:xfrm>
           <a:prstGeom prst="rect">
             <a:avLst/>
@@ -4527,8 +9092,8 @@
         </p:nvSpPr>
         <p:spPr>
           <a:xfrm>
-            <a:off x="3221850" y="1872268"/>
-            <a:ext cx="2160240" cy="2937516"/>
+            <a:off x="3275856" y="1772816"/>
+            <a:ext cx="1984909" cy="2664296"/>
           </a:xfrm>
           <a:prstGeom prst="rect">
             <a:avLst/>
@@ -4567,8 +9132,8 @@
         </p:nvSpPr>
         <p:spPr>
           <a:xfrm>
-            <a:off x="459079" y="4860058"/>
-            <a:ext cx="8227719" cy="1665286"/>
+            <a:off x="304721" y="4494307"/>
+            <a:ext cx="8227719" cy="2208075"/>
           </a:xfrm>
           <a:prstGeom prst="rect">
             <a:avLst/>
@@ -4594,15 +9159,7 @@
           <a:p>
             <a:r>
               <a:rPr lang="en-US" sz="1200" dirty="0" smtClean="0"/>
-              <a:t>The tabs represent the joystick devices found connected to the PC also the number 1</a:t>
-            </a:r>
-            <a:r>
-              <a:rPr lang="en-US" sz="1200" dirty="0" smtClean="0"/>
-              <a:t>..8 </a:t>
-            </a:r>
-            <a:r>
-              <a:rPr lang="en-US" sz="1200" dirty="0" smtClean="0"/>
-              <a:t>shows the order the PC reports them which is crucial to the mapping as this will result in the js_1, js_2 .. Names used to build the command name.</a:t>
+              <a:t>The tabs represent the joystick devices found connected to the PC also the number 1..8 shows the order the PC reports them which is crucial to the mapping as this will result in the js_1, js_2 .. Names used to build the command name.</a:t>
             </a:r>
           </a:p>
           <a:p>
@@ -4633,17 +9190,8 @@
             </a:r>
             <a:r>
               <a:rPr lang="en-US" sz="1200" dirty="0" smtClean="0"/>
-              <a:t> is using. – Usually the default should work</a:t>
-            </a:r>
-            <a:r>
-              <a:rPr lang="en-US" sz="1200" dirty="0" smtClean="0"/>
-              <a:t>. You may only remap js</a:t>
-            </a:r>
-            <a:r>
-              <a:rPr lang="en-US" sz="1200" dirty="0" smtClean="0"/>
-              <a:t>1..js3 - 4..8 will remain as detected.</a:t>
-            </a:r>
-            <a:endParaRPr lang="en-US" sz="1200" dirty="0" smtClean="0"/>
+              <a:t> is using. – Usually the default should work. You may only remap js1..js3 - 4..8 will remain as detected.</a:t>
+            </a:r>
           </a:p>
           <a:p>
             <a:endParaRPr lang="en-US" sz="1200" dirty="0" smtClean="0"/>
@@ -4673,8 +9221,8 @@
         </p:nvSpPr>
         <p:spPr>
           <a:xfrm>
-            <a:off x="5472100" y="1850534"/>
-            <a:ext cx="3214698" cy="3009523"/>
+            <a:off x="5317742" y="1340768"/>
+            <a:ext cx="3214698" cy="3153539"/>
           </a:xfrm>
           <a:prstGeom prst="rect">
             <a:avLst/>
@@ -4709,7 +9257,15 @@
             </a:r>
             <a:r>
               <a:rPr lang="en-US" sz="1200" dirty="0" smtClean="0"/>
-              <a:t> Joystick while capturing the image</a:t>
+              <a:t> Joystick </a:t>
+            </a:r>
+            <a:r>
+              <a:rPr lang="en-US" sz="1200" dirty="0" smtClean="0"/>
+              <a:t>to capture </a:t>
+            </a:r>
+            <a:r>
+              <a:rPr lang="en-US" sz="1200" dirty="0" smtClean="0"/>
+              <a:t>the image</a:t>
             </a:r>
           </a:p>
           <a:p>
@@ -4738,7 +9294,7 @@
         </p:blipFill>
         <p:spPr>
           <a:xfrm>
-            <a:off x="5652120" y="1975065"/>
+            <a:off x="5796136" y="1809035"/>
             <a:ext cx="2160240" cy="1767469"/>
           </a:xfrm>
           <a:prstGeom prst="rect">
@@ -4746,6 +9302,40 @@
           </a:prstGeom>
         </p:spPr>
       </p:pic>
+      <p:sp>
+        <p:nvSpPr>
+          <p:cNvPr id="10" name="Textfeld 9"/>
+          <p:cNvSpPr txBox="1"/>
+          <p:nvPr/>
+        </p:nvSpPr>
+        <p:spPr>
+          <a:xfrm>
+            <a:off x="4217976" y="1394912"/>
+            <a:ext cx="864096" cy="161583"/>
+          </a:xfrm>
+          <a:prstGeom prst="rect">
+            <a:avLst/>
+          </a:prstGeom>
+          <a:solidFill>
+            <a:schemeClr val="bg1">
+              <a:lumMod val="95000"/>
+            </a:schemeClr>
+          </a:solidFill>
+        </p:spPr>
+        <p:txBody>
+          <a:bodyPr wrap="square" lIns="0" tIns="0" rIns="0" bIns="0" rtlCol="0">
+            <a:spAutoFit/>
+          </a:bodyPr>
+          <a:lstStyle/>
+          <a:p>
+            <a:r>
+              <a:rPr lang="en-US" sz="1050" b="1" dirty="0" smtClean="0"/>
+              <a:t>2.0</a:t>
+            </a:r>
+            <a:endParaRPr lang="de-CH" sz="1050" b="1" dirty="0"/>
+          </a:p>
+        </p:txBody>
+      </p:sp>
     </p:spTree>
     <p:extLst>
       <p:ext uri="{BB962C8B-B14F-4D97-AF65-F5344CB8AC3E}">
@@ -4778,7 +9368,7 @@
       </p:grpSpPr>
       <p:pic>
         <p:nvPicPr>
-          <p:cNvPr id="10" name="Grafik 9"/>
+          <p:cNvPr id="9" name="Grafik 8"/>
           <p:cNvPicPr>
             <a:picLocks noChangeAspect="1"/>
           </p:cNvPicPr>
@@ -4792,8 +9382,8 @@
         </p:blipFill>
         <p:spPr>
           <a:xfrm>
-            <a:off x="375994" y="1124744"/>
-            <a:ext cx="8392012" cy="5477814"/>
+            <a:off x="1403648" y="1124744"/>
+            <a:ext cx="6197377" cy="5577639"/>
           </a:xfrm>
           <a:prstGeom prst="rect">
             <a:avLst/>
@@ -4831,8 +9421,8 @@
         </p:nvSpPr>
         <p:spPr>
           <a:xfrm>
-            <a:off x="431540" y="1844824"/>
-            <a:ext cx="2808312" cy="4613718"/>
+            <a:off x="1475656" y="1772816"/>
+            <a:ext cx="1764196" cy="4685726"/>
           </a:xfrm>
           <a:prstGeom prst="rect">
             <a:avLst/>
@@ -4871,8 +9461,8 @@
         </p:nvSpPr>
         <p:spPr>
           <a:xfrm>
-            <a:off x="3316625" y="1326266"/>
-            <a:ext cx="5338935" cy="5256584"/>
+            <a:off x="3316625" y="1326265"/>
+            <a:ext cx="5338935" cy="5376117"/>
           </a:xfrm>
           <a:prstGeom prst="rect">
             <a:avLst/>
@@ -4955,8 +9545,37 @@
                   <a:schemeClr val="tx1"/>
                 </a:solidFill>
               </a:rPr>
-              <a:t>However no damage is done! This mapping is only valid until you exit the game.</a:t>
-            </a:r>
+              <a:t>However no damage is done! This mapping is only valid until you exit the </a:t>
+            </a:r>
+            <a:r>
+              <a:rPr lang="en-US" sz="1400" dirty="0" smtClean="0">
+                <a:solidFill>
+                  <a:schemeClr val="tx1"/>
+                </a:solidFill>
+              </a:rPr>
+              <a:t>game or type </a:t>
+            </a:r>
+            <a:r>
+              <a:rPr lang="en-US" sz="1200" i="1" dirty="0" err="1" smtClean="0">
+                <a:solidFill>
+                  <a:schemeClr val="tx1"/>
+                </a:solidFill>
+              </a:rPr>
+              <a:t>pp_rebindkeys</a:t>
+            </a:r>
+            <a:r>
+              <a:rPr lang="en-US" sz="1400" dirty="0" smtClean="0">
+                <a:solidFill>
+                  <a:schemeClr val="tx1"/>
+                </a:solidFill>
+              </a:rPr>
+              <a:t>   without a name</a:t>
+            </a:r>
+            <a:endParaRPr lang="en-US" sz="1400" dirty="0" smtClean="0">
+              <a:solidFill>
+                <a:schemeClr val="tx1"/>
+              </a:solidFill>
+            </a:endParaRPr>
           </a:p>
           <a:p>
             <a:endParaRPr lang="en-US" sz="1400" dirty="0"/>
@@ -4977,7 +9596,11 @@
             </a:r>
             <a:r>
               <a:rPr lang="en-US" sz="1400" b="1" i="1" dirty="0" smtClean="0"/>
-              <a:t> – js2_y   </a:t>
+              <a:t> – </a:t>
+            </a:r>
+            <a:r>
+              <a:rPr lang="en-US" sz="1400" b="1" i="1" dirty="0" smtClean="0"/>
+              <a:t>js1_y   </a:t>
             </a:r>
             <a:r>
               <a:rPr lang="en-US" sz="1400" dirty="0" smtClean="0"/>
@@ -4989,10 +9612,20 @@
             </a:r>
             <a:r>
               <a:rPr lang="en-US" sz="1400" dirty="0" smtClean="0"/>
-              <a:t> (joystick per default) is rebound to the joystick 2 (blue) and there the Y-axis control.</a:t>
-            </a:r>
-          </a:p>
-          <a:p>
+              <a:t> (joystick per default) is rebound to the joystick </a:t>
+            </a:r>
+            <a:r>
+              <a:rPr lang="en-US" sz="1400" dirty="0" smtClean="0"/>
+              <a:t>1 (green) </a:t>
+            </a:r>
+            <a:r>
+              <a:rPr lang="en-US" sz="1400" dirty="0" smtClean="0"/>
+              <a:t>and there the Y-axis control</a:t>
+            </a:r>
+            <a:r>
+              <a:rPr lang="en-US" sz="1400" dirty="0" smtClean="0"/>
+              <a:t>.</a:t>
+            </a:r>
             <a:endParaRPr lang="en-US" sz="1400" dirty="0" smtClean="0"/>
           </a:p>
           <a:p>
@@ -5029,7 +9662,7 @@
         </p:nvSpPr>
         <p:spPr>
           <a:xfrm>
-            <a:off x="713648" y="5445224"/>
+            <a:off x="1641139" y="4917104"/>
             <a:ext cx="288032" cy="288032"/>
           </a:xfrm>
           <a:prstGeom prst="ellipse">
@@ -5071,7 +9704,7 @@
         </p:nvSpPr>
         <p:spPr>
           <a:xfrm rot="10800000">
-            <a:off x="1619672" y="2564904"/>
+            <a:off x="2370847" y="2594984"/>
             <a:ext cx="216024" cy="144016"/>
           </a:xfrm>
           <a:prstGeom prst="rightArrow">
@@ -5157,7 +9790,7 @@
       </p:grpSpPr>
       <p:pic>
         <p:nvPicPr>
-          <p:cNvPr id="6" name="Grafik 5"/>
+          <p:cNvPr id="7" name="Grafik 6"/>
           <p:cNvPicPr>
             <a:picLocks noChangeAspect="1"/>
           </p:cNvPicPr>
@@ -5171,8 +9804,8 @@
         </p:blipFill>
         <p:spPr>
           <a:xfrm>
-            <a:off x="375994" y="1124744"/>
-            <a:ext cx="8392012" cy="5477814"/>
+            <a:off x="1403648" y="1124744"/>
+            <a:ext cx="6197377" cy="5577639"/>
           </a:xfrm>
           <a:prstGeom prst="rect">
             <a:avLst/>
@@ -5210,8 +9843,8 @@
         </p:nvSpPr>
         <p:spPr>
           <a:xfrm flipV="1">
-            <a:off x="3131840" y="4722263"/>
-            <a:ext cx="2281324" cy="864096"/>
+            <a:off x="3275856" y="4347051"/>
+            <a:ext cx="1944216" cy="864096"/>
           </a:xfrm>
           <a:prstGeom prst="rect">
             <a:avLst/>
@@ -5250,8 +9883,8 @@
         </p:nvSpPr>
         <p:spPr>
           <a:xfrm>
-            <a:off x="373060" y="2057968"/>
-            <a:ext cx="8227719" cy="2595167"/>
+            <a:off x="457200" y="1340768"/>
+            <a:ext cx="8227719" cy="2952329"/>
           </a:xfrm>
           <a:prstGeom prst="rect">
             <a:avLst/>
@@ -5347,26 +9980,19 @@
             </a:r>
             <a:r>
               <a:rPr lang="en-US" sz="1200" dirty="0" smtClean="0"/>
-              <a:t>” to find the first action where the currently shown Ctrl. (js_slider1) is mapped.</a:t>
+              <a:t>” to find the first action where the currently shown Ctrl. (</a:t>
+            </a:r>
+            <a:r>
+              <a:rPr lang="en-US" sz="1200" dirty="0" smtClean="0"/>
+              <a:t>js_button47) </a:t>
+            </a:r>
+            <a:r>
+              <a:rPr lang="en-US" sz="1200" dirty="0" smtClean="0"/>
+              <a:t>is mapped.</a:t>
             </a:r>
           </a:p>
           <a:p>
             <a:endParaRPr lang="en-US" sz="1200" dirty="0" smtClean="0"/>
-          </a:p>
-          <a:p>
-            <a:r>
-              <a:rPr lang="en-US" sz="1200" dirty="0" smtClean="0">
-                <a:solidFill>
-                  <a:srgbClr val="FF0000"/>
-                </a:solidFill>
-              </a:rPr>
-              <a:t>To clear all mappings and start from scratch hit the ‘Reset’ button!</a:t>
-            </a:r>
-            <a:endParaRPr lang="de-CH" sz="1200" dirty="0">
-              <a:solidFill>
-                <a:srgbClr val="FF0000"/>
-              </a:solidFill>
-            </a:endParaRPr>
           </a:p>
         </p:txBody>
       </p:sp>
@@ -5402,7 +10028,7 @@
       </p:grpSpPr>
       <p:pic>
         <p:nvPicPr>
-          <p:cNvPr id="7" name="Grafik 6"/>
+          <p:cNvPr id="9" name="Grafik 8"/>
           <p:cNvPicPr>
             <a:picLocks noChangeAspect="1"/>
           </p:cNvPicPr>
@@ -5416,8 +10042,8 @@
         </p:blipFill>
         <p:spPr>
           <a:xfrm>
-            <a:off x="375994" y="1124744"/>
-            <a:ext cx="8392012" cy="5477814"/>
+            <a:off x="1403648" y="1124744"/>
+            <a:ext cx="6197377" cy="5577639"/>
           </a:xfrm>
           <a:prstGeom prst="rect">
             <a:avLst/>
@@ -5455,8 +10081,8 @@
         </p:nvSpPr>
         <p:spPr>
           <a:xfrm flipV="1">
-            <a:off x="5346592" y="1722976"/>
-            <a:ext cx="3339634" cy="4574244"/>
+            <a:off x="5220073" y="1769332"/>
+            <a:ext cx="2380952" cy="4251956"/>
           </a:xfrm>
           <a:prstGeom prst="rect">
             <a:avLst/>
@@ -5495,8 +10121,8 @@
         </p:nvSpPr>
         <p:spPr>
           <a:xfrm>
-            <a:off x="410281" y="1722976"/>
-            <a:ext cx="4895422" cy="3558132"/>
+            <a:off x="288157" y="1340768"/>
+            <a:ext cx="4895422" cy="3702612"/>
           </a:xfrm>
           <a:prstGeom prst="rect">
             <a:avLst/>
@@ -5588,6 +10214,28 @@
             </a:r>
           </a:p>
           <a:p>
+            <a:endParaRPr lang="en-US" sz="1200" dirty="0" smtClean="0"/>
+          </a:p>
+          <a:p>
+            <a:r>
+              <a:rPr lang="en-US" sz="1200" dirty="0" smtClean="0">
+                <a:solidFill>
+                  <a:schemeClr val="accent6">
+                    <a:lumMod val="75000"/>
+                  </a:schemeClr>
+                </a:solidFill>
+              </a:rPr>
+              <a:t>Load and Save much easier …  read V2 Feature pages</a:t>
+            </a:r>
+            <a:endParaRPr lang="en-US" sz="1200" dirty="0">
+              <a:solidFill>
+                <a:schemeClr val="accent6">
+                  <a:lumMod val="75000"/>
+                </a:schemeClr>
+              </a:solidFill>
+            </a:endParaRPr>
+          </a:p>
+          <a:p>
             <a:endParaRPr lang="en-US" sz="1200" dirty="0"/>
           </a:p>
           <a:p>
@@ -5626,8 +10274,8 @@
         </p:nvSpPr>
         <p:spPr>
           <a:xfrm flipV="1">
-            <a:off x="3102789" y="5509785"/>
-            <a:ext cx="2255835" cy="432048"/>
+            <a:off x="3203849" y="5085184"/>
+            <a:ext cx="2016224" cy="307525"/>
           </a:xfrm>
           <a:prstGeom prst="rect">
             <a:avLst/>
@@ -5690,7 +10338,7 @@
       </p:grpSpPr>
       <p:pic>
         <p:nvPicPr>
-          <p:cNvPr id="3" name="Grafik 2"/>
+          <p:cNvPr id="4" name="Grafik 3"/>
           <p:cNvPicPr>
             <a:picLocks noChangeAspect="1"/>
           </p:cNvPicPr>
@@ -5704,8 +10352,8 @@
         </p:blipFill>
         <p:spPr>
           <a:xfrm>
-            <a:off x="462490" y="1124744"/>
-            <a:ext cx="8317611" cy="5429250"/>
+            <a:off x="1592357" y="1107206"/>
+            <a:ext cx="6192688" cy="5573419"/>
           </a:xfrm>
           <a:prstGeom prst="rect">
             <a:avLst/>
@@ -5743,8 +10391,8 @@
         </p:nvSpPr>
         <p:spPr>
           <a:xfrm flipV="1">
-            <a:off x="5346592" y="1722976"/>
-            <a:ext cx="3339634" cy="4574244"/>
+            <a:off x="5321144" y="1724144"/>
+            <a:ext cx="2467677" cy="4226304"/>
           </a:xfrm>
           <a:prstGeom prst="rect">
             <a:avLst/>
@@ -5783,8 +10431,8 @@
         </p:nvSpPr>
         <p:spPr>
           <a:xfrm>
-            <a:off x="410281" y="1722976"/>
-            <a:ext cx="4895422" cy="3558132"/>
+            <a:off x="410281" y="1268760"/>
+            <a:ext cx="4895422" cy="3888432"/>
           </a:xfrm>
           <a:prstGeom prst="rect">
             <a:avLst/>
@@ -5842,8 +10490,8 @@
         </p:nvSpPr>
         <p:spPr>
           <a:xfrm flipV="1">
-            <a:off x="3111709" y="5777535"/>
-            <a:ext cx="1172260" cy="432048"/>
+            <a:off x="3419872" y="5281108"/>
+            <a:ext cx="997998" cy="305338"/>
           </a:xfrm>
           <a:prstGeom prst="rect">
             <a:avLst/>
@@ -5890,7 +10538,7 @@
         </p:blipFill>
         <p:spPr>
           <a:xfrm>
-            <a:off x="1331640" y="2780928"/>
+            <a:off x="1331640" y="2489232"/>
             <a:ext cx="3618438" cy="2225977"/>
           </a:xfrm>
           <a:prstGeom prst="rect">
@@ -5906,7 +10554,7 @@
         </p:nvSpPr>
         <p:spPr>
           <a:xfrm flipV="1">
-            <a:off x="1685732" y="4365104"/>
+            <a:off x="1698361" y="4077072"/>
             <a:ext cx="1172260" cy="432048"/>
           </a:xfrm>
           <a:prstGeom prst="rect">

--- a/doc/SCJMapper_QGuide.pptx
+++ b/doc/SCJMapper_QGuide.pptx
@@ -317,7 +317,7 @@
           <a:p>
             <a:fld id="{1BA50D42-C9CD-4801-B293-61D1F53EC57E}" type="datetimeFigureOut">
               <a:rPr lang="de-DE" smtClean="0"/>
-              <a:t>30.06.2014</a:t>
+              <a:t>03.07.2014</a:t>
             </a:fld>
             <a:endParaRPr lang="de-DE"/>
           </a:p>
@@ -482,7 +482,7 @@
           <a:p>
             <a:fld id="{1BA50D42-C9CD-4801-B293-61D1F53EC57E}" type="datetimeFigureOut">
               <a:rPr lang="de-DE" smtClean="0"/>
-              <a:t>30.06.2014</a:t>
+              <a:t>03.07.2014</a:t>
             </a:fld>
             <a:endParaRPr lang="de-DE"/>
           </a:p>
@@ -657,7 +657,7 @@
           <a:p>
             <a:fld id="{1BA50D42-C9CD-4801-B293-61D1F53EC57E}" type="datetimeFigureOut">
               <a:rPr lang="de-DE" smtClean="0"/>
-              <a:t>30.06.2014</a:t>
+              <a:t>03.07.2014</a:t>
             </a:fld>
             <a:endParaRPr lang="de-DE"/>
           </a:p>
@@ -822,7 +822,7 @@
           <a:p>
             <a:fld id="{1BA50D42-C9CD-4801-B293-61D1F53EC57E}" type="datetimeFigureOut">
               <a:rPr lang="de-DE" smtClean="0"/>
-              <a:t>30.06.2014</a:t>
+              <a:t>03.07.2014</a:t>
             </a:fld>
             <a:endParaRPr lang="de-DE"/>
           </a:p>
@@ -1063,7 +1063,7 @@
           <a:p>
             <a:fld id="{1BA50D42-C9CD-4801-B293-61D1F53EC57E}" type="datetimeFigureOut">
               <a:rPr lang="de-DE" smtClean="0"/>
-              <a:t>30.06.2014</a:t>
+              <a:t>03.07.2014</a:t>
             </a:fld>
             <a:endParaRPr lang="de-DE"/>
           </a:p>
@@ -1346,7 +1346,7 @@
           <a:p>
             <a:fld id="{1BA50D42-C9CD-4801-B293-61D1F53EC57E}" type="datetimeFigureOut">
               <a:rPr lang="de-DE" smtClean="0"/>
-              <a:t>30.06.2014</a:t>
+              <a:t>03.07.2014</a:t>
             </a:fld>
             <a:endParaRPr lang="de-DE"/>
           </a:p>
@@ -1763,7 +1763,7 @@
           <a:p>
             <a:fld id="{1BA50D42-C9CD-4801-B293-61D1F53EC57E}" type="datetimeFigureOut">
               <a:rPr lang="de-DE" smtClean="0"/>
-              <a:t>30.06.2014</a:t>
+              <a:t>03.07.2014</a:t>
             </a:fld>
             <a:endParaRPr lang="de-DE"/>
           </a:p>
@@ -1876,7 +1876,7 @@
           <a:p>
             <a:fld id="{1BA50D42-C9CD-4801-B293-61D1F53EC57E}" type="datetimeFigureOut">
               <a:rPr lang="de-DE" smtClean="0"/>
-              <a:t>30.06.2014</a:t>
+              <a:t>03.07.2014</a:t>
             </a:fld>
             <a:endParaRPr lang="de-DE"/>
           </a:p>
@@ -1966,7 +1966,7 @@
           <a:p>
             <a:fld id="{1BA50D42-C9CD-4801-B293-61D1F53EC57E}" type="datetimeFigureOut">
               <a:rPr lang="de-DE" smtClean="0"/>
-              <a:t>30.06.2014</a:t>
+              <a:t>03.07.2014</a:t>
             </a:fld>
             <a:endParaRPr lang="de-DE"/>
           </a:p>
@@ -2238,7 +2238,7 @@
           <a:p>
             <a:fld id="{1BA50D42-C9CD-4801-B293-61D1F53EC57E}" type="datetimeFigureOut">
               <a:rPr lang="de-DE" smtClean="0"/>
-              <a:t>30.06.2014</a:t>
+              <a:t>03.07.2014</a:t>
             </a:fld>
             <a:endParaRPr lang="de-DE"/>
           </a:p>
@@ -2486,7 +2486,7 @@
           <a:p>
             <a:fld id="{1BA50D42-C9CD-4801-B293-61D1F53EC57E}" type="datetimeFigureOut">
               <a:rPr lang="de-DE" smtClean="0"/>
-              <a:t>30.06.2014</a:t>
+              <a:t>03.07.2014</a:t>
             </a:fld>
             <a:endParaRPr lang="de-DE"/>
           </a:p>
@@ -2694,7 +2694,7 @@
           <a:p>
             <a:fld id="{1BA50D42-C9CD-4801-B293-61D1F53EC57E}" type="datetimeFigureOut">
               <a:rPr lang="de-DE" smtClean="0"/>
-              <a:t>30.06.2014</a:t>
+              <a:t>03.07.2014</a:t>
             </a:fld>
             <a:endParaRPr lang="de-DE"/>
           </a:p>
@@ -3090,11 +3090,7 @@
             </a:br>
             <a:r>
               <a:rPr lang="en-US" sz="4000" dirty="0" smtClean="0"/>
-              <a:t>Quick Reference Guide  V </a:t>
-            </a:r>
-            <a:r>
-              <a:rPr lang="en-US" sz="4000" dirty="0" smtClean="0"/>
-              <a:t>2.0</a:t>
+              <a:t>Quick Reference Guide  V 2.0</a:t>
             </a:r>
             <a:endParaRPr lang="en-US" sz="4000" dirty="0"/>
           </a:p>
@@ -3124,11 +3120,7 @@
           <a:p>
             <a:r>
               <a:rPr lang="en-US" sz="900" dirty="0" smtClean="0"/>
-              <a:t>20140630 </a:t>
-            </a:r>
-            <a:r>
-              <a:rPr lang="en-US" sz="900" dirty="0" smtClean="0"/>
-              <a:t>– Cassini</a:t>
+              <a:t>20140630 – Cassini</a:t>
             </a:r>
           </a:p>
           <a:p>
@@ -3448,11 +3440,7 @@
           <a:p>
             <a:r>
               <a:rPr lang="en-US" sz="1200" dirty="0" smtClean="0"/>
-              <a:t>Start typin</a:t>
-            </a:r>
-            <a:r>
-              <a:rPr lang="en-US" sz="1200" dirty="0" smtClean="0"/>
-              <a:t>g and the tree is reduced to the actions and controls that contain the characters typed </a:t>
+              <a:t>Start typing and the tree is reduced to the actions and controls that contain the characters typed </a:t>
             </a:r>
           </a:p>
           <a:p>
@@ -3471,14 +3459,12 @@
               <a:rPr lang="en-US" sz="1200" dirty="0" smtClean="0"/>
               <a:t>’ to see my throttles only</a:t>
             </a:r>
-            <a:endParaRPr lang="en-US" sz="1200" dirty="0" smtClean="0"/>
           </a:p>
           <a:p>
             <a:r>
               <a:rPr lang="en-US" sz="1200" dirty="0" smtClean="0"/>
               <a:t>Try button and you get all your assigned buttons only etc.</a:t>
             </a:r>
-            <a:endParaRPr lang="en-US" sz="1200" dirty="0" smtClean="0"/>
           </a:p>
           <a:p>
             <a:endParaRPr lang="en-US" sz="1200" dirty="0"/>
@@ -3746,15 +3732,7 @@
             </a:pPr>
             <a:r>
               <a:rPr lang="en-US" sz="1200" dirty="0" smtClean="0"/>
-              <a:t>RESET DEFAULTS    loads the </a:t>
-            </a:r>
-            <a:r>
-              <a:rPr lang="en-US" sz="1200" dirty="0" smtClean="0"/>
-              <a:t>Joystick actions mapped with wha</a:t>
-            </a:r>
-            <a:r>
-              <a:rPr lang="en-US" sz="1200" dirty="0" smtClean="0"/>
-              <a:t>t CIG is providing</a:t>
+              <a:t>RESET DEFAULTS    loads the Joystick actions mapped with what CIG is providing</a:t>
             </a:r>
           </a:p>
           <a:p>
@@ -3838,11 +3816,7 @@
             </a:r>
             <a:r>
               <a:rPr lang="en-US" sz="1200" dirty="0" smtClean="0"/>
-              <a:t> you may chose one of those – however </a:t>
-            </a:r>
-            <a:r>
-              <a:rPr lang="en-US" sz="1200" dirty="0" smtClean="0"/>
-              <a:t>using the </a:t>
+              <a:t> you may chose one of those – however using the </a:t>
             </a:r>
             <a:r>
               <a:rPr lang="en-US" sz="1200" b="1" dirty="0" err="1" smtClean="0"/>
@@ -3859,7 +3833,6 @@
               <a:rPr lang="en-US" sz="1200" dirty="0" smtClean="0"/>
               <a:t>(This may be work in progress by CIG…)</a:t>
             </a:r>
-            <a:endParaRPr lang="en-US" sz="1200" dirty="0" smtClean="0"/>
           </a:p>
         </p:txBody>
       </p:sp>
@@ -4150,7 +4123,6 @@
               <a:rPr lang="en-US" sz="700" dirty="0" smtClean="0"/>
               <a:t>)</a:t>
             </a:r>
-            <a:endParaRPr lang="en-US" sz="700" dirty="0" smtClean="0"/>
           </a:p>
           <a:p>
             <a:endParaRPr lang="en-US" sz="1200" dirty="0"/>
@@ -4158,15 +4130,7 @@
           <a:p>
             <a:r>
               <a:rPr lang="en-US" sz="1200" dirty="0" smtClean="0"/>
-              <a:t>From here you may first </a:t>
-            </a:r>
-            <a:r>
-              <a:rPr lang="en-US" sz="1200" dirty="0" smtClean="0"/>
-              <a:t>chose a map, then ‘</a:t>
-            </a:r>
-            <a:r>
-              <a:rPr lang="en-US" sz="1200" dirty="0" smtClean="0"/>
-              <a:t>Load’ the </a:t>
+              <a:t>From here you may first chose a map, then ‘Load’ the </a:t>
             </a:r>
             <a:r>
               <a:rPr lang="en-US" sz="1200" dirty="0" err="1" smtClean="0"/>
@@ -4684,7 +4648,6 @@
               <a:rPr lang="en-US" sz="700" dirty="0" smtClean="0"/>
               <a:t>)</a:t>
             </a:r>
-            <a:endParaRPr lang="en-US" sz="700" dirty="0" smtClean="0"/>
           </a:p>
           <a:p>
             <a:endParaRPr lang="en-US" sz="1200" dirty="0"/>
@@ -4737,7 +4700,6 @@
               <a:rPr lang="en-US" sz="1200" dirty="0" smtClean="0"/>
               <a:t>Lowercase only, no spaces, tabs allowed else you see the red flag ..</a:t>
             </a:r>
-            <a:endParaRPr lang="en-US" sz="1200" dirty="0" smtClean="0"/>
           </a:p>
           <a:p>
             <a:endParaRPr lang="en-US" sz="1200" dirty="0" smtClean="0"/>
@@ -7754,19 +7716,7 @@
           <a:p>
             <a:r>
               <a:rPr lang="en-US" dirty="0" smtClean="0"/>
-              <a:t>Updating from V </a:t>
-            </a:r>
-            <a:r>
-              <a:rPr lang="en-US" dirty="0" smtClean="0"/>
-              <a:t>1.x </a:t>
-            </a:r>
-            <a:r>
-              <a:rPr lang="en-US" dirty="0" smtClean="0"/>
-              <a:t>to V </a:t>
-            </a:r>
-            <a:r>
-              <a:rPr lang="en-US" dirty="0" smtClean="0"/>
-              <a:t>2.0:</a:t>
+              <a:t>Updating from V 1.x to V 2.0:</a:t>
             </a:r>
             <a:endParaRPr lang="de-CH" dirty="0"/>
           </a:p>
@@ -7791,11 +7741,7 @@
           <a:p>
             <a:r>
               <a:rPr lang="en-US" sz="2400" dirty="0" smtClean="0"/>
-              <a:t>As the action list </a:t>
-            </a:r>
-            <a:r>
-              <a:rPr lang="en-US" sz="2400" dirty="0" smtClean="0"/>
-              <a:t>taken from the game assets (</a:t>
+              <a:t>As the action list taken from the game assets (</a:t>
             </a:r>
             <a:r>
               <a:rPr lang="en-US" sz="2400" dirty="0" err="1" smtClean="0"/>
@@ -7810,11 +7756,7 @@
             </a:br>
             <a:r>
               <a:rPr lang="en-US" sz="2400" dirty="0" smtClean="0"/>
-              <a:t>You </a:t>
-            </a:r>
-            <a:r>
-              <a:rPr lang="en-US" sz="2400" dirty="0" smtClean="0"/>
-              <a:t>have to </a:t>
+              <a:t>You have to </a:t>
             </a:r>
             <a:r>
               <a:rPr lang="en-US" sz="2400" dirty="0" smtClean="0">
@@ -7822,23 +7764,7 @@
                   <a:srgbClr val="FF0000"/>
                 </a:solidFill>
               </a:rPr>
-              <a:t>manually remove the </a:t>
-            </a:r>
-            <a:r>
-              <a:rPr lang="en-US" sz="2400" dirty="0" smtClean="0">
-                <a:solidFill>
-                  <a:srgbClr val="FF0000"/>
-                </a:solidFill>
-              </a:rPr>
-              <a:t>‘defaultProfile.xml’ </a:t>
-            </a:r>
-            <a:r>
-              <a:rPr lang="en-US" sz="2400" dirty="0" smtClean="0">
-                <a:solidFill>
-                  <a:srgbClr val="FF0000"/>
-                </a:solidFill>
-              </a:rPr>
-              <a:t>file if it exists in the same folder as the program file</a:t>
+              <a:t>manually remove the ‘defaultProfile.xml’ file if it exists in the same folder as the program file</a:t>
             </a:r>
             <a:r>
               <a:rPr lang="en-US" sz="2400" dirty="0" smtClean="0"/>
@@ -7849,32 +7775,16 @@
             </a:br>
             <a:r>
               <a:rPr lang="en-US" sz="2400" dirty="0" smtClean="0"/>
-              <a:t>If the program finds it there it is taken before the </a:t>
-            </a:r>
+              <a:t>If the program finds it there it is taken before the one from the game (which is may be not what you wanted)</a:t>
+            </a:r>
+          </a:p>
+          <a:p>
+            <a:endParaRPr lang="en-US" sz="2400" dirty="0" smtClean="0"/>
+          </a:p>
+          <a:p>
             <a:r>
               <a:rPr lang="en-US" sz="2400" dirty="0" smtClean="0"/>
-              <a:t>one from the game</a:t>
-            </a:r>
-            <a:r>
-              <a:rPr lang="en-US" sz="2400" dirty="0" smtClean="0"/>
-              <a:t> </a:t>
-            </a:r>
-            <a:r>
-              <a:rPr lang="en-US" sz="2400" dirty="0" smtClean="0"/>
-              <a:t>(which is may be not what you wanted)</a:t>
-            </a:r>
-          </a:p>
-          <a:p>
-            <a:endParaRPr lang="en-US" sz="2400" dirty="0" smtClean="0"/>
-          </a:p>
-          <a:p>
-            <a:r>
-              <a:rPr lang="en-US" sz="2400" dirty="0" smtClean="0"/>
-              <a:t>You may however use </a:t>
-            </a:r>
-            <a:r>
-              <a:rPr lang="en-US" sz="2400" dirty="0" smtClean="0"/>
-              <a:t>this priority for any purpose</a:t>
+              <a:t>You may however use this priority for any purpose</a:t>
             </a:r>
             <a:br>
               <a:rPr lang="en-US" sz="2400" dirty="0" smtClean="0"/>
@@ -7998,11 +7908,7 @@
             </a:r>
             <a:r>
               <a:rPr lang="en-US" sz="1500" dirty="0" smtClean="0"/>
-              <a:t> C:\</a:t>
-            </a:r>
-            <a:r>
-              <a:rPr lang="en-US" sz="1500" dirty="0" smtClean="0"/>
-              <a:t>maps\layout_my_joystick</a:t>
+              <a:t> C:\maps\layout_my_joystick</a:t>
             </a:r>
           </a:p>
           <a:p>
@@ -9257,15 +9163,7 @@
             </a:r>
             <a:r>
               <a:rPr lang="en-US" sz="1200" dirty="0" smtClean="0"/>
-              <a:t> Joystick </a:t>
-            </a:r>
-            <a:r>
-              <a:rPr lang="en-US" sz="1200" dirty="0" smtClean="0"/>
-              <a:t>to capture </a:t>
-            </a:r>
-            <a:r>
-              <a:rPr lang="en-US" sz="1200" dirty="0" smtClean="0"/>
-              <a:t>the image</a:t>
+              <a:t> Joystick to capture the image</a:t>
             </a:r>
           </a:p>
           <a:p>
@@ -9545,15 +9443,7 @@
                   <a:schemeClr val="tx1"/>
                 </a:solidFill>
               </a:rPr>
-              <a:t>However no damage is done! This mapping is only valid until you exit the </a:t>
-            </a:r>
-            <a:r>
-              <a:rPr lang="en-US" sz="1400" dirty="0" smtClean="0">
-                <a:solidFill>
-                  <a:schemeClr val="tx1"/>
-                </a:solidFill>
-              </a:rPr>
-              <a:t>game or type </a:t>
+              <a:t>However no damage is done! This mapping is only valid until you exit the game or type </a:t>
             </a:r>
             <a:r>
               <a:rPr lang="en-US" sz="1200" i="1" dirty="0" err="1" smtClean="0">
@@ -9571,11 +9461,6 @@
               </a:rPr>
               <a:t>   without a name</a:t>
             </a:r>
-            <a:endParaRPr lang="en-US" sz="1400" dirty="0" smtClean="0">
-              <a:solidFill>
-                <a:schemeClr val="tx1"/>
-              </a:solidFill>
-            </a:endParaRPr>
           </a:p>
           <a:p>
             <a:endParaRPr lang="en-US" sz="1400" dirty="0"/>
@@ -9596,11 +9481,7 @@
             </a:r>
             <a:r>
               <a:rPr lang="en-US" sz="1400" b="1" i="1" dirty="0" smtClean="0"/>
-              <a:t> – </a:t>
-            </a:r>
-            <a:r>
-              <a:rPr lang="en-US" sz="1400" b="1" i="1" dirty="0" smtClean="0"/>
-              <a:t>js1_y   </a:t>
+              <a:t> – js1_y   </a:t>
             </a:r>
             <a:r>
               <a:rPr lang="en-US" sz="1400" dirty="0" smtClean="0"/>
@@ -9612,21 +9493,8 @@
             </a:r>
             <a:r>
               <a:rPr lang="en-US" sz="1400" dirty="0" smtClean="0"/>
-              <a:t> (joystick per default) is rebound to the joystick </a:t>
-            </a:r>
-            <a:r>
-              <a:rPr lang="en-US" sz="1400" dirty="0" smtClean="0"/>
-              <a:t>1 (green) </a:t>
-            </a:r>
-            <a:r>
-              <a:rPr lang="en-US" sz="1400" dirty="0" smtClean="0"/>
-              <a:t>and there the Y-axis control</a:t>
-            </a:r>
-            <a:r>
-              <a:rPr lang="en-US" sz="1400" dirty="0" smtClean="0"/>
-              <a:t>.</a:t>
-            </a:r>
-            <a:endParaRPr lang="en-US" sz="1400" dirty="0" smtClean="0"/>
+              <a:t> (joystick per default) is rebound to the joystick 1 (green) and there the Y-axis control.</a:t>
+            </a:r>
           </a:p>
           <a:p>
             <a:r>
@@ -9790,7 +9658,7 @@
       </p:grpSpPr>
       <p:pic>
         <p:nvPicPr>
-          <p:cNvPr id="7" name="Grafik 6"/>
+          <p:cNvPr id="3" name="Grafik 2"/>
           <p:cNvPicPr>
             <a:picLocks noChangeAspect="1"/>
           </p:cNvPicPr>
@@ -9804,8 +9672,8 @@
         </p:blipFill>
         <p:spPr>
           <a:xfrm>
-            <a:off x="1403648" y="1124744"/>
-            <a:ext cx="6197377" cy="5577639"/>
+            <a:off x="1401835" y="1124744"/>
+            <a:ext cx="6197376" cy="5577639"/>
           </a:xfrm>
           <a:prstGeom prst="rect">
             <a:avLst/>
@@ -9843,7 +9711,7 @@
         </p:nvSpPr>
         <p:spPr>
           <a:xfrm flipV="1">
-            <a:off x="3275856" y="4347051"/>
+            <a:off x="3275856" y="4293097"/>
             <a:ext cx="1944216" cy="864096"/>
           </a:xfrm>
           <a:prstGeom prst="rect">
@@ -9883,8 +9751,8 @@
         </p:nvSpPr>
         <p:spPr>
           <a:xfrm>
-            <a:off x="457200" y="1340768"/>
-            <a:ext cx="8227719" cy="2952329"/>
+            <a:off x="457200" y="1340769"/>
+            <a:ext cx="8227719" cy="2880320"/>
           </a:xfrm>
           <a:prstGeom prst="rect">
             <a:avLst/>
@@ -9948,8 +9816,45 @@
           </a:p>
           <a:p>
             <a:r>
+              <a:rPr lang="en-US" sz="1200" dirty="0" smtClean="0">
+                <a:solidFill>
+                  <a:schemeClr val="accent6">
+                    <a:lumMod val="75000"/>
+                  </a:schemeClr>
+                </a:solidFill>
+              </a:rPr>
+              <a:t>V2: To make any axis a Throttle axis – check the ‘Throttle’ box ! It is often the Z-Axis but the Rhino has it e.g. on js2_y.</a:t>
+            </a:r>
+          </a:p>
+          <a:p>
+            <a:r>
+              <a:rPr lang="en-US" sz="1200" dirty="0" smtClean="0">
+                <a:solidFill>
+                  <a:schemeClr val="accent6">
+                    <a:lumMod val="75000"/>
+                  </a:schemeClr>
+                </a:solidFill>
+              </a:rPr>
+              <a:t>If you do so the control assigned in changed to a throttle control (here js1_throttlez)</a:t>
+            </a:r>
+          </a:p>
+          <a:p>
+            <a:endParaRPr lang="en-US" sz="1200" dirty="0">
+              <a:solidFill>
+                <a:schemeClr val="accent6">
+                  <a:lumMod val="75000"/>
+                </a:schemeClr>
+              </a:solidFill>
+            </a:endParaRPr>
+          </a:p>
+          <a:p>
+            <a:r>
               <a:rPr lang="en-US" sz="1200" dirty="0" smtClean="0"/>
-              <a:t>To clear a mapping – select it in the </a:t>
+              <a:t>To </a:t>
+            </a:r>
+            <a:r>
+              <a:rPr lang="en-US" sz="1200" dirty="0" smtClean="0"/>
+              <a:t>clear a mapping – select it in the </a:t>
             </a:r>
             <a:r>
               <a:rPr lang="en-US" sz="1200" dirty="0" err="1" smtClean="0"/>
@@ -9972,7 +9877,11 @@
           <a:p>
             <a:r>
               <a:rPr lang="en-US" sz="1200" dirty="0" smtClean="0"/>
-              <a:t>You may use “Find 1</a:t>
+              <a:t>You </a:t>
+            </a:r>
+            <a:r>
+              <a:rPr lang="en-US" sz="1200" dirty="0" smtClean="0"/>
+              <a:t>may use “Find 1</a:t>
             </a:r>
             <a:r>
               <a:rPr lang="en-US" sz="1200" baseline="30000" dirty="0" smtClean="0"/>
@@ -9984,7 +9893,21 @@
             </a:r>
             <a:r>
               <a:rPr lang="en-US" sz="1200" dirty="0" smtClean="0"/>
-              <a:t>js_button47) </a:t>
+              <a:t>js1_z </a:t>
+            </a:r>
+            <a:r>
+              <a:rPr lang="en-US" sz="1200" dirty="0" smtClean="0">
+                <a:solidFill>
+                  <a:schemeClr val="accent6">
+                    <a:lumMod val="75000"/>
+                  </a:schemeClr>
+                </a:solidFill>
+              </a:rPr>
+              <a:t>or if checked as shown js1_throttlez</a:t>
+            </a:r>
+            <a:r>
+              <a:rPr lang="en-US" sz="1200" dirty="0" smtClean="0"/>
+              <a:t>) </a:t>
             </a:r>
             <a:r>
               <a:rPr lang="en-US" sz="1200" dirty="0" smtClean="0"/>
@@ -9993,6 +9916,48 @@
           </a:p>
           <a:p>
             <a:endParaRPr lang="en-US" sz="1200" dirty="0" smtClean="0"/>
+          </a:p>
+        </p:txBody>
+      </p:sp>
+      <p:sp>
+        <p:nvSpPr>
+          <p:cNvPr id="8" name="Ellipse 7"/>
+          <p:cNvSpPr/>
+          <p:nvPr/>
+        </p:nvSpPr>
+        <p:spPr>
+          <a:xfrm>
+            <a:off x="1643736" y="5397280"/>
+            <a:ext cx="288032" cy="288032"/>
+          </a:xfrm>
+          <a:prstGeom prst="ellipse">
+            <a:avLst/>
+          </a:prstGeom>
+          <a:noFill/>
+          <a:ln w="57150"/>
+        </p:spPr>
+        <p:style>
+          <a:lnRef idx="2">
+            <a:schemeClr val="accent2">
+              <a:shade val="50000"/>
+            </a:schemeClr>
+          </a:lnRef>
+          <a:fillRef idx="1">
+            <a:schemeClr val="accent2"/>
+          </a:fillRef>
+          <a:effectRef idx="0">
+            <a:schemeClr val="accent2"/>
+          </a:effectRef>
+          <a:fontRef idx="minor">
+            <a:schemeClr val="lt1"/>
+          </a:fontRef>
+        </p:style>
+        <p:txBody>
+          <a:bodyPr rtlCol="0" anchor="ctr"/>
+          <a:lstStyle/>
+          <a:p>
+            <a:pPr algn="ctr"/>
+            <a:endParaRPr lang="de-CH"/>
           </a:p>
         </p:txBody>
       </p:sp>

--- a/doc/SCJMapper_QGuide.pptx
+++ b/doc/SCJMapper_QGuide.pptx
@@ -18,7 +18,8 @@
     <p:sldId id="269" r:id="rId12"/>
     <p:sldId id="270" r:id="rId13"/>
     <p:sldId id="268" r:id="rId14"/>
-    <p:sldId id="266" r:id="rId15"/>
+    <p:sldId id="271" r:id="rId15"/>
+    <p:sldId id="266" r:id="rId16"/>
   </p:sldIdLst>
   <p:sldSz cx="9144000" cy="6858000" type="screen4x3"/>
   <p:notesSz cx="6858000" cy="9144000"/>
@@ -317,7 +318,7 @@
           <a:p>
             <a:fld id="{1BA50D42-C9CD-4801-B293-61D1F53EC57E}" type="datetimeFigureOut">
               <a:rPr lang="de-DE" smtClean="0"/>
-              <a:t>03.07.2014</a:t>
+              <a:t>09.07.2014</a:t>
             </a:fld>
             <a:endParaRPr lang="de-DE"/>
           </a:p>
@@ -482,7 +483,7 @@
           <a:p>
             <a:fld id="{1BA50D42-C9CD-4801-B293-61D1F53EC57E}" type="datetimeFigureOut">
               <a:rPr lang="de-DE" smtClean="0"/>
-              <a:t>03.07.2014</a:t>
+              <a:t>09.07.2014</a:t>
             </a:fld>
             <a:endParaRPr lang="de-DE"/>
           </a:p>
@@ -657,7 +658,7 @@
           <a:p>
             <a:fld id="{1BA50D42-C9CD-4801-B293-61D1F53EC57E}" type="datetimeFigureOut">
               <a:rPr lang="de-DE" smtClean="0"/>
-              <a:t>03.07.2014</a:t>
+              <a:t>09.07.2014</a:t>
             </a:fld>
             <a:endParaRPr lang="de-DE"/>
           </a:p>
@@ -822,7 +823,7 @@
           <a:p>
             <a:fld id="{1BA50D42-C9CD-4801-B293-61D1F53EC57E}" type="datetimeFigureOut">
               <a:rPr lang="de-DE" smtClean="0"/>
-              <a:t>03.07.2014</a:t>
+              <a:t>09.07.2014</a:t>
             </a:fld>
             <a:endParaRPr lang="de-DE"/>
           </a:p>
@@ -1063,7 +1064,7 @@
           <a:p>
             <a:fld id="{1BA50D42-C9CD-4801-B293-61D1F53EC57E}" type="datetimeFigureOut">
               <a:rPr lang="de-DE" smtClean="0"/>
-              <a:t>03.07.2014</a:t>
+              <a:t>09.07.2014</a:t>
             </a:fld>
             <a:endParaRPr lang="de-DE"/>
           </a:p>
@@ -1346,7 +1347,7 @@
           <a:p>
             <a:fld id="{1BA50D42-C9CD-4801-B293-61D1F53EC57E}" type="datetimeFigureOut">
               <a:rPr lang="de-DE" smtClean="0"/>
-              <a:t>03.07.2014</a:t>
+              <a:t>09.07.2014</a:t>
             </a:fld>
             <a:endParaRPr lang="de-DE"/>
           </a:p>
@@ -1763,7 +1764,7 @@
           <a:p>
             <a:fld id="{1BA50D42-C9CD-4801-B293-61D1F53EC57E}" type="datetimeFigureOut">
               <a:rPr lang="de-DE" smtClean="0"/>
-              <a:t>03.07.2014</a:t>
+              <a:t>09.07.2014</a:t>
             </a:fld>
             <a:endParaRPr lang="de-DE"/>
           </a:p>
@@ -1876,7 +1877,7 @@
           <a:p>
             <a:fld id="{1BA50D42-C9CD-4801-B293-61D1F53EC57E}" type="datetimeFigureOut">
               <a:rPr lang="de-DE" smtClean="0"/>
-              <a:t>03.07.2014</a:t>
+              <a:t>09.07.2014</a:t>
             </a:fld>
             <a:endParaRPr lang="de-DE"/>
           </a:p>
@@ -1966,7 +1967,7 @@
           <a:p>
             <a:fld id="{1BA50D42-C9CD-4801-B293-61D1F53EC57E}" type="datetimeFigureOut">
               <a:rPr lang="de-DE" smtClean="0"/>
-              <a:t>03.07.2014</a:t>
+              <a:t>09.07.2014</a:t>
             </a:fld>
             <a:endParaRPr lang="de-DE"/>
           </a:p>
@@ -2238,7 +2239,7 @@
           <a:p>
             <a:fld id="{1BA50D42-C9CD-4801-B293-61D1F53EC57E}" type="datetimeFigureOut">
               <a:rPr lang="de-DE" smtClean="0"/>
-              <a:t>03.07.2014</a:t>
+              <a:t>09.07.2014</a:t>
             </a:fld>
             <a:endParaRPr lang="de-DE"/>
           </a:p>
@@ -2486,7 +2487,7 @@
           <a:p>
             <a:fld id="{1BA50D42-C9CD-4801-B293-61D1F53EC57E}" type="datetimeFigureOut">
               <a:rPr lang="de-DE" smtClean="0"/>
-              <a:t>03.07.2014</a:t>
+              <a:t>09.07.2014</a:t>
             </a:fld>
             <a:endParaRPr lang="de-DE"/>
           </a:p>
@@ -2694,7 +2695,7 @@
           <a:p>
             <a:fld id="{1BA50D42-C9CD-4801-B293-61D1F53EC57E}" type="datetimeFigureOut">
               <a:rPr lang="de-DE" smtClean="0"/>
-              <a:t>03.07.2014</a:t>
+              <a:t>09.07.2014</a:t>
             </a:fld>
             <a:endParaRPr lang="de-DE"/>
           </a:p>
@@ -3064,6 +3065,30 @@
           <a:chExt cx="0" cy="0"/>
         </a:xfrm>
       </p:grpSpPr>
+      <p:pic>
+        <p:nvPicPr>
+          <p:cNvPr id="6" name="Grafik 5"/>
+          <p:cNvPicPr>
+            <a:picLocks noChangeAspect="1"/>
+          </p:cNvPicPr>
+          <p:nvPr/>
+        </p:nvPicPr>
+        <p:blipFill>
+          <a:blip r:embed="rId2"/>
+          <a:stretch>
+            <a:fillRect/>
+          </a:stretch>
+        </p:blipFill>
+        <p:spPr>
+          <a:xfrm>
+            <a:off x="5818773" y="3774638"/>
+            <a:ext cx="3219109" cy="2897198"/>
+          </a:xfrm>
+          <a:prstGeom prst="rect">
+            <a:avLst/>
+          </a:prstGeom>
+        </p:spPr>
+      </p:pic>
       <p:sp>
         <p:nvSpPr>
           <p:cNvPr id="2" name="Titel 1"/>
@@ -3090,7 +3115,11 @@
             </a:br>
             <a:r>
               <a:rPr lang="en-US" sz="4000" dirty="0" smtClean="0"/>
-              <a:t>Quick Reference Guide  V 2.0</a:t>
+              <a:t>Quick Reference Guide  V </a:t>
+            </a:r>
+            <a:r>
+              <a:rPr lang="en-US" sz="4000" dirty="0" smtClean="0"/>
+              <a:t>2.1</a:t>
             </a:r>
             <a:endParaRPr lang="en-US" sz="4000" dirty="0"/>
           </a:p>
@@ -3120,7 +3149,11 @@
           <a:p>
             <a:r>
               <a:rPr lang="en-US" sz="900" dirty="0" smtClean="0"/>
-              <a:t>20140630 – Cassini</a:t>
+              <a:t>20140709 </a:t>
+            </a:r>
+            <a:r>
+              <a:rPr lang="en-US" sz="900" dirty="0" smtClean="0"/>
+              <a:t>– Cassini</a:t>
             </a:r>
           </a:p>
           <a:p>
@@ -3212,64 +3245,6 @@
               <a:t>Have fun in the verse …</a:t>
             </a:r>
             <a:endParaRPr lang="en-US" sz="1000" dirty="0"/>
-          </a:p>
-        </p:txBody>
-      </p:sp>
-      <p:pic>
-        <p:nvPicPr>
-          <p:cNvPr id="4" name="Grafik 3"/>
-          <p:cNvPicPr>
-            <a:picLocks noChangeAspect="1"/>
-          </p:cNvPicPr>
-          <p:nvPr/>
-        </p:nvPicPr>
-        <p:blipFill>
-          <a:blip r:embed="rId2"/>
-          <a:stretch>
-            <a:fillRect/>
-          </a:stretch>
-        </p:blipFill>
-        <p:spPr>
-          <a:xfrm>
-            <a:off x="5796136" y="3774638"/>
-            <a:ext cx="3219108" cy="2897198"/>
-          </a:xfrm>
-          <a:prstGeom prst="rect">
-            <a:avLst/>
-          </a:prstGeom>
-        </p:spPr>
-      </p:pic>
-      <p:sp>
-        <p:nvSpPr>
-          <p:cNvPr id="8" name="Textfeld 7"/>
-          <p:cNvSpPr txBox="1"/>
-          <p:nvPr/>
-        </p:nvSpPr>
-        <p:spPr>
-          <a:xfrm>
-            <a:off x="7260360" y="3898232"/>
-            <a:ext cx="864096" cy="107722"/>
-          </a:xfrm>
-          <a:prstGeom prst="rect">
-            <a:avLst/>
-          </a:prstGeom>
-          <a:solidFill>
-            <a:schemeClr val="bg1">
-              <a:lumMod val="95000"/>
-            </a:schemeClr>
-          </a:solidFill>
-        </p:spPr>
-        <p:txBody>
-          <a:bodyPr wrap="square" lIns="0" tIns="0" rIns="0" bIns="0" rtlCol="0">
-            <a:spAutoFit/>
-          </a:bodyPr>
-          <a:lstStyle/>
-          <a:p>
-            <a:r>
-              <a:rPr lang="en-US" sz="700" b="1" dirty="0" smtClean="0"/>
-              <a:t>2.0</a:t>
-            </a:r>
-            <a:endParaRPr lang="de-CH" sz="700" b="1" dirty="0"/>
           </a:p>
         </p:txBody>
       </p:sp>
@@ -3343,10 +3318,18 @@
           <a:lstStyle/>
           <a:p>
             <a:r>
-              <a:rPr lang="en-US" dirty="0" smtClean="0"/>
+              <a:rPr lang="en-US" dirty="0" smtClean="0">
+                <a:solidFill>
+                  <a:schemeClr val="accent6"/>
+                </a:solidFill>
+              </a:rPr>
               <a:t>V2 – Features - 1</a:t>
             </a:r>
-            <a:endParaRPr lang="en-US" dirty="0"/>
+            <a:endParaRPr lang="en-US" dirty="0">
+              <a:solidFill>
+                <a:schemeClr val="accent6"/>
+              </a:solidFill>
+            </a:endParaRPr>
           </a:p>
         </p:txBody>
       </p:sp>
@@ -3606,10 +3589,18 @@
           <a:lstStyle/>
           <a:p>
             <a:r>
-              <a:rPr lang="en-US" dirty="0" smtClean="0"/>
+              <a:rPr lang="en-US" dirty="0" smtClean="0">
+                <a:solidFill>
+                  <a:schemeClr val="accent6"/>
+                </a:solidFill>
+              </a:rPr>
               <a:t>V2 – Features - 2</a:t>
             </a:r>
-            <a:endParaRPr lang="en-US" dirty="0"/>
+            <a:endParaRPr lang="en-US" dirty="0">
+              <a:solidFill>
+                <a:schemeClr val="accent6"/>
+              </a:solidFill>
+            </a:endParaRPr>
           </a:p>
         </p:txBody>
       </p:sp>
@@ -3968,10 +3959,18 @@
           <a:lstStyle/>
           <a:p>
             <a:r>
-              <a:rPr lang="en-US" dirty="0" smtClean="0"/>
+              <a:rPr lang="en-US" dirty="0" smtClean="0">
+                <a:solidFill>
+                  <a:schemeClr val="accent6"/>
+                </a:solidFill>
+              </a:rPr>
               <a:t>V2 – Features - 3</a:t>
             </a:r>
-            <a:endParaRPr lang="en-US" dirty="0"/>
+            <a:endParaRPr lang="en-US" dirty="0">
+              <a:solidFill>
+                <a:schemeClr val="accent6"/>
+              </a:solidFill>
+            </a:endParaRPr>
           </a:p>
         </p:txBody>
       </p:sp>
@@ -4462,10 +4461,18 @@
           <a:lstStyle/>
           <a:p>
             <a:r>
-              <a:rPr lang="en-US" dirty="0" smtClean="0"/>
+              <a:rPr lang="en-US" dirty="0" smtClean="0">
+                <a:solidFill>
+                  <a:schemeClr val="accent6"/>
+                </a:solidFill>
+              </a:rPr>
               <a:t>V2 – Features - 4</a:t>
             </a:r>
-            <a:endParaRPr lang="en-US" dirty="0"/>
+            <a:endParaRPr lang="en-US" dirty="0">
+              <a:solidFill>
+                <a:schemeClr val="accent6"/>
+              </a:solidFill>
+            </a:endParaRPr>
           </a:p>
         </p:txBody>
       </p:sp>
@@ -4983,6 +4990,507 @@
           <a:chExt cx="0" cy="0"/>
         </a:xfrm>
       </p:grpSpPr>
+      <p:pic>
+        <p:nvPicPr>
+          <p:cNvPr id="7" name="Grafik 6"/>
+          <p:cNvPicPr>
+            <a:picLocks noChangeAspect="1"/>
+          </p:cNvPicPr>
+          <p:nvPr/>
+        </p:nvPicPr>
+        <p:blipFill>
+          <a:blip r:embed="rId2"/>
+          <a:stretch>
+            <a:fillRect/>
+          </a:stretch>
+        </p:blipFill>
+        <p:spPr>
+          <a:xfrm>
+            <a:off x="1406191" y="1124743"/>
+            <a:ext cx="6194833" cy="5575350"/>
+          </a:xfrm>
+          <a:prstGeom prst="rect">
+            <a:avLst/>
+          </a:prstGeom>
+        </p:spPr>
+      </p:pic>
+      <p:sp>
+        <p:nvSpPr>
+          <p:cNvPr id="2" name="Titel 1"/>
+          <p:cNvSpPr>
+            <a:spLocks noGrp="1"/>
+          </p:cNvSpPr>
+          <p:nvPr>
+            <p:ph type="title"/>
+          </p:nvPr>
+        </p:nvSpPr>
+        <p:spPr/>
+        <p:txBody>
+          <a:bodyPr/>
+          <a:lstStyle/>
+          <a:p>
+            <a:r>
+              <a:rPr lang="en-US" dirty="0" smtClean="0">
+                <a:solidFill>
+                  <a:schemeClr val="accent3"/>
+                </a:solidFill>
+              </a:rPr>
+              <a:t>V2.1 </a:t>
+            </a:r>
+            <a:r>
+              <a:rPr lang="en-US" dirty="0" smtClean="0">
+                <a:solidFill>
+                  <a:schemeClr val="accent3"/>
+                </a:solidFill>
+              </a:rPr>
+              <a:t>– </a:t>
+            </a:r>
+            <a:r>
+              <a:rPr lang="en-US" dirty="0" smtClean="0">
+                <a:solidFill>
+                  <a:schemeClr val="accent3"/>
+                </a:solidFill>
+              </a:rPr>
+              <a:t>Features</a:t>
+            </a:r>
+            <a:endParaRPr lang="en-US" dirty="0">
+              <a:solidFill>
+                <a:schemeClr val="accent3"/>
+              </a:solidFill>
+            </a:endParaRPr>
+          </a:p>
+        </p:txBody>
+      </p:sp>
+      <p:sp>
+        <p:nvSpPr>
+          <p:cNvPr id="14" name="Textfeld 13"/>
+          <p:cNvSpPr txBox="1"/>
+          <p:nvPr/>
+        </p:nvSpPr>
+        <p:spPr>
+          <a:xfrm>
+            <a:off x="4217976" y="1394912"/>
+            <a:ext cx="864096" cy="161583"/>
+          </a:xfrm>
+          <a:prstGeom prst="rect">
+            <a:avLst/>
+          </a:prstGeom>
+          <a:solidFill>
+            <a:schemeClr val="bg1">
+              <a:lumMod val="95000"/>
+            </a:schemeClr>
+          </a:solidFill>
+        </p:spPr>
+        <p:txBody>
+          <a:bodyPr wrap="square" lIns="0" tIns="0" rIns="0" bIns="0" rtlCol="0">
+            <a:spAutoFit/>
+          </a:bodyPr>
+          <a:lstStyle/>
+          <a:p>
+            <a:r>
+              <a:rPr lang="en-US" sz="1050" b="1" dirty="0" smtClean="0"/>
+              <a:t>2.0</a:t>
+            </a:r>
+            <a:endParaRPr lang="de-CH" sz="1050" b="1" dirty="0"/>
+          </a:p>
+        </p:txBody>
+      </p:sp>
+      <p:sp>
+        <p:nvSpPr>
+          <p:cNvPr id="17" name="Rechteck 16"/>
+          <p:cNvSpPr/>
+          <p:nvPr/>
+        </p:nvSpPr>
+        <p:spPr>
+          <a:xfrm flipV="1">
+            <a:off x="3275857" y="5988330"/>
+            <a:ext cx="942120" cy="500871"/>
+          </a:xfrm>
+          <a:prstGeom prst="rect">
+            <a:avLst/>
+          </a:prstGeom>
+          <a:noFill/>
+          <a:ln w="57150"/>
+        </p:spPr>
+        <p:style>
+          <a:lnRef idx="2">
+            <a:schemeClr val="accent3"/>
+          </a:lnRef>
+          <a:fillRef idx="1">
+            <a:schemeClr val="lt1"/>
+          </a:fillRef>
+          <a:effectRef idx="0">
+            <a:schemeClr val="accent3"/>
+          </a:effectRef>
+          <a:fontRef idx="minor">
+            <a:schemeClr val="dk1"/>
+          </a:fontRef>
+        </p:style>
+        <p:txBody>
+          <a:bodyPr rtlCol="0" anchor="ctr"/>
+          <a:lstStyle/>
+          <a:p>
+            <a:pPr algn="ctr"/>
+            <a:endParaRPr lang="de-CH"/>
+          </a:p>
+        </p:txBody>
+      </p:sp>
+      <p:sp>
+        <p:nvSpPr>
+          <p:cNvPr id="18" name="Rechteck 17"/>
+          <p:cNvSpPr/>
+          <p:nvPr/>
+        </p:nvSpPr>
+        <p:spPr>
+          <a:xfrm>
+            <a:off x="611560" y="1340768"/>
+            <a:ext cx="8075240" cy="4451857"/>
+          </a:xfrm>
+          <a:prstGeom prst="rect">
+            <a:avLst/>
+          </a:prstGeom>
+        </p:spPr>
+        <p:style>
+          <a:lnRef idx="2">
+            <a:schemeClr val="accent5"/>
+          </a:lnRef>
+          <a:fillRef idx="1">
+            <a:schemeClr val="lt1"/>
+          </a:fillRef>
+          <a:effectRef idx="0">
+            <a:schemeClr val="accent5"/>
+          </a:effectRef>
+          <a:fontRef idx="minor">
+            <a:schemeClr val="dk1"/>
+          </a:fontRef>
+        </p:style>
+        <p:txBody>
+          <a:bodyPr rtlCol="0" anchor="t" anchorCtr="0"/>
+          <a:lstStyle/>
+          <a:p>
+            <a:r>
+              <a:rPr lang="en-US" sz="1200" b="1" dirty="0" smtClean="0"/>
+              <a:t>New </a:t>
+            </a:r>
+            <a:r>
+              <a:rPr lang="en-US" sz="1200" b="1" dirty="0" smtClean="0"/>
+              <a:t>possibility to blend the unmapped joystick entries</a:t>
+            </a:r>
+            <a:endParaRPr lang="en-US" sz="1200" b="1" dirty="0" smtClean="0"/>
+          </a:p>
+          <a:p>
+            <a:endParaRPr lang="en-US" sz="1200" dirty="0"/>
+          </a:p>
+          <a:p>
+            <a:r>
+              <a:rPr lang="en-US" sz="1200" dirty="0" smtClean="0"/>
+              <a:t>If you wish to hide all the joystick actions that you don’t use – to make sure they are not active – check “Blend unmapped”</a:t>
+            </a:r>
+            <a:endParaRPr lang="en-US" sz="1200" dirty="0" smtClean="0"/>
+          </a:p>
+          <a:p>
+            <a:endParaRPr lang="en-US" sz="1200" dirty="0" smtClean="0"/>
+          </a:p>
+          <a:p>
+            <a:r>
+              <a:rPr lang="en-US" sz="1200" dirty="0" smtClean="0"/>
+              <a:t>The program will then map all unmapped actions with ‘</a:t>
+            </a:r>
+            <a:r>
+              <a:rPr lang="en-US" sz="1200" dirty="0" err="1" smtClean="0"/>
+              <a:t>jsx_reserved</a:t>
+            </a:r>
+            <a:r>
+              <a:rPr lang="en-US" sz="1200" dirty="0" smtClean="0"/>
+              <a:t>’ preventing any profile settings on the joystick.</a:t>
+            </a:r>
+          </a:p>
+          <a:p>
+            <a:r>
+              <a:rPr lang="en-US" sz="1200" dirty="0" smtClean="0"/>
+              <a:t>This is fully reversible – just uncheck the option and Dump the contents again.</a:t>
+            </a:r>
+            <a:endParaRPr lang="en-US" sz="1200" dirty="0"/>
+          </a:p>
+          <a:p>
+            <a:endParaRPr lang="en-US" sz="1200" b="1" dirty="0" smtClean="0"/>
+          </a:p>
+          <a:p>
+            <a:endParaRPr lang="en-US" sz="1200" b="1" dirty="0"/>
+          </a:p>
+          <a:p>
+            <a:r>
+              <a:rPr lang="en-US" sz="1200" b="1" dirty="0" smtClean="0"/>
+              <a:t>New Settings window</a:t>
+            </a:r>
+            <a:endParaRPr lang="en-US" sz="1200" b="1" dirty="0"/>
+          </a:p>
+          <a:p>
+            <a:r>
+              <a:rPr lang="en-US" sz="1200" dirty="0" smtClean="0"/>
+              <a:t>As many are concerned about steady ON buttons </a:t>
+            </a:r>
+            <a:r>
+              <a:rPr lang="en-US" sz="1200" dirty="0" smtClean="0"/>
+              <a:t>that might interfere with assigning the proper control to an action we included a setting to IGNORE specific buttons.</a:t>
+            </a:r>
+            <a:br>
+              <a:rPr lang="en-US" sz="1200" dirty="0" smtClean="0"/>
+            </a:br>
+            <a:r>
+              <a:rPr lang="en-US" sz="1200" dirty="0" smtClean="0"/>
+              <a:t>Just enter the button numbers to ignore separated by a Space.</a:t>
+            </a:r>
+          </a:p>
+          <a:p>
+            <a:r>
+              <a:rPr lang="en-US" sz="1200" dirty="0" smtClean="0"/>
+              <a:t>Make sure you enter the numbers for the right Joystick.</a:t>
+            </a:r>
+          </a:p>
+          <a:p>
+            <a:r>
+              <a:rPr lang="en-US" sz="1200" dirty="0" smtClean="0"/>
+              <a:t>Numbers are the same as in the main window.</a:t>
+            </a:r>
+          </a:p>
+          <a:p>
+            <a:endParaRPr lang="en-US" sz="1200" dirty="0" smtClean="0"/>
+          </a:p>
+          <a:p>
+            <a:endParaRPr lang="en-US" sz="1200" dirty="0"/>
+          </a:p>
+          <a:p>
+            <a:endParaRPr lang="en-US" sz="1200" dirty="0" smtClean="0"/>
+          </a:p>
+          <a:p>
+            <a:endParaRPr lang="en-US" sz="1200" dirty="0"/>
+          </a:p>
+          <a:p>
+            <a:endParaRPr lang="en-US" sz="1200" dirty="0"/>
+          </a:p>
+          <a:p>
+            <a:r>
+              <a:rPr lang="en-US" sz="1200" dirty="0" smtClean="0"/>
+              <a:t>There is also way to override the programs own detection of the </a:t>
+            </a:r>
+          </a:p>
+          <a:p>
+            <a:r>
+              <a:rPr lang="en-US" sz="1200" dirty="0" smtClean="0"/>
+              <a:t>Star Citizen install folder. </a:t>
+            </a:r>
+          </a:p>
+          <a:p>
+            <a:r>
+              <a:rPr lang="en-US" sz="1200" dirty="0" smtClean="0"/>
+              <a:t>Make sure to use the Checkbox if you want to override!</a:t>
+            </a:r>
+            <a:endParaRPr lang="en-US" sz="1200" dirty="0"/>
+          </a:p>
+        </p:txBody>
+      </p:sp>
+      <p:sp>
+        <p:nvSpPr>
+          <p:cNvPr id="9" name="Pfeil nach rechts 8"/>
+          <p:cNvSpPr/>
+          <p:nvPr/>
+        </p:nvSpPr>
+        <p:spPr>
+          <a:xfrm>
+            <a:off x="1154163" y="5878783"/>
+            <a:ext cx="504056" cy="285009"/>
+          </a:xfrm>
+          <a:prstGeom prst="rightArrow">
+            <a:avLst/>
+          </a:prstGeom>
+        </p:spPr>
+        <p:style>
+          <a:lnRef idx="1">
+            <a:schemeClr val="accent2"/>
+          </a:lnRef>
+          <a:fillRef idx="2">
+            <a:schemeClr val="accent2"/>
+          </a:fillRef>
+          <a:effectRef idx="1">
+            <a:schemeClr val="accent2"/>
+          </a:effectRef>
+          <a:fontRef idx="minor">
+            <a:schemeClr val="dk1"/>
+          </a:fontRef>
+        </p:style>
+        <p:txBody>
+          <a:bodyPr rtlCol="0" anchor="ctr"/>
+          <a:lstStyle/>
+          <a:p>
+            <a:pPr algn="ctr"/>
+            <a:endParaRPr lang="de-CH"/>
+          </a:p>
+        </p:txBody>
+      </p:sp>
+      <p:cxnSp>
+        <p:nvCxnSpPr>
+          <p:cNvPr id="10" name="Gerade Verbindung mit Pfeil 9"/>
+          <p:cNvCxnSpPr/>
+          <p:nvPr/>
+        </p:nvCxnSpPr>
+        <p:spPr>
+          <a:xfrm flipH="1">
+            <a:off x="2843808" y="6021288"/>
+            <a:ext cx="432049" cy="0"/>
+          </a:xfrm>
+          <a:prstGeom prst="straightConnector1">
+            <a:avLst/>
+          </a:prstGeom>
+          <a:ln>
+            <a:tailEnd type="triangle"/>
+          </a:ln>
+        </p:spPr>
+        <p:style>
+          <a:lnRef idx="2">
+            <a:schemeClr val="accent3"/>
+          </a:lnRef>
+          <a:fillRef idx="1">
+            <a:schemeClr val="lt1"/>
+          </a:fillRef>
+          <a:effectRef idx="0">
+            <a:schemeClr val="accent3"/>
+          </a:effectRef>
+          <a:fontRef idx="minor">
+            <a:schemeClr val="dk1"/>
+          </a:fontRef>
+        </p:style>
+      </p:cxnSp>
+      <p:pic>
+        <p:nvPicPr>
+          <p:cNvPr id="13" name="Grafik 12"/>
+          <p:cNvPicPr>
+            <a:picLocks noChangeAspect="1"/>
+          </p:cNvPicPr>
+          <p:nvPr/>
+        </p:nvPicPr>
+        <p:blipFill>
+          <a:blip r:embed="rId3"/>
+          <a:stretch>
+            <a:fillRect/>
+          </a:stretch>
+        </p:blipFill>
+        <p:spPr>
+          <a:xfrm>
+            <a:off x="5220072" y="3363672"/>
+            <a:ext cx="3395360" cy="2316079"/>
+          </a:xfrm>
+          <a:prstGeom prst="rect">
+            <a:avLst/>
+          </a:prstGeom>
+        </p:spPr>
+      </p:pic>
+      <p:sp>
+        <p:nvSpPr>
+          <p:cNvPr id="19" name="Pfeil nach rechts 18"/>
+          <p:cNvSpPr/>
+          <p:nvPr/>
+        </p:nvSpPr>
+        <p:spPr>
+          <a:xfrm>
+            <a:off x="4830044" y="5067136"/>
+            <a:ext cx="504056" cy="285009"/>
+          </a:xfrm>
+          <a:prstGeom prst="rightArrow">
+            <a:avLst/>
+          </a:prstGeom>
+        </p:spPr>
+        <p:style>
+          <a:lnRef idx="1">
+            <a:schemeClr val="accent2"/>
+          </a:lnRef>
+          <a:fillRef idx="2">
+            <a:schemeClr val="accent2"/>
+          </a:fillRef>
+          <a:effectRef idx="1">
+            <a:schemeClr val="accent2"/>
+          </a:effectRef>
+          <a:fontRef idx="minor">
+            <a:schemeClr val="dk1"/>
+          </a:fontRef>
+        </p:style>
+        <p:txBody>
+          <a:bodyPr rtlCol="0" anchor="ctr"/>
+          <a:lstStyle/>
+          <a:p>
+            <a:pPr algn="ctr"/>
+            <a:endParaRPr lang="de-CH"/>
+          </a:p>
+        </p:txBody>
+      </p:sp>
+      <p:sp>
+        <p:nvSpPr>
+          <p:cNvPr id="20" name="Pfeil nach rechts 19"/>
+          <p:cNvSpPr/>
+          <p:nvPr/>
+        </p:nvSpPr>
+        <p:spPr>
+          <a:xfrm>
+            <a:off x="4830044" y="3705038"/>
+            <a:ext cx="504056" cy="285009"/>
+          </a:xfrm>
+          <a:prstGeom prst="rightArrow">
+            <a:avLst/>
+          </a:prstGeom>
+        </p:spPr>
+        <p:style>
+          <a:lnRef idx="1">
+            <a:schemeClr val="accent2"/>
+          </a:lnRef>
+          <a:fillRef idx="2">
+            <a:schemeClr val="accent2"/>
+          </a:fillRef>
+          <a:effectRef idx="1">
+            <a:schemeClr val="accent2"/>
+          </a:effectRef>
+          <a:fontRef idx="minor">
+            <a:schemeClr val="dk1"/>
+          </a:fontRef>
+        </p:style>
+        <p:txBody>
+          <a:bodyPr rtlCol="0" anchor="ctr"/>
+          <a:lstStyle/>
+          <a:p>
+            <a:pPr algn="ctr"/>
+            <a:endParaRPr lang="de-CH"/>
+          </a:p>
+        </p:txBody>
+      </p:sp>
+    </p:spTree>
+    <p:extLst>
+      <p:ext uri="{BB962C8B-B14F-4D97-AF65-F5344CB8AC3E}">
+        <p14:creationId xmlns:p14="http://schemas.microsoft.com/office/powerpoint/2010/main" val="1926937733"/>
+      </p:ext>
+    </p:extLst>
+  </p:cSld>
+  <p:clrMapOvr>
+    <a:masterClrMapping/>
+  </p:clrMapOvr>
+</p:sld>
+</file>
+
+<file path=ppt/slides/slide15.xml><?xml version="1.0" encoding="utf-8"?>
+<p:sld xmlns:a="http://schemas.openxmlformats.org/drawingml/2006/main" xmlns:r="http://schemas.openxmlformats.org/officeDocument/2006/relationships" xmlns:p="http://schemas.openxmlformats.org/presentationml/2006/main">
+  <p:cSld>
+    <p:spTree>
+      <p:nvGrpSpPr>
+        <p:cNvPr id="1" name=""/>
+        <p:cNvGrpSpPr/>
+        <p:nvPr/>
+      </p:nvGrpSpPr>
+      <p:grpSpPr>
+        <a:xfrm>
+          <a:off x="0" y="0"/>
+          <a:ext cx="0" cy="0"/>
+          <a:chOff x="0" y="0"/>
+          <a:chExt cx="0" cy="0"/>
+        </a:xfrm>
+      </p:grpSpPr>
       <p:sp>
         <p:nvSpPr>
           <p:cNvPr id="4" name="Titel 3"/>
@@ -7716,7 +8224,19 @@
           <a:p>
             <a:r>
               <a:rPr lang="en-US" dirty="0" smtClean="0"/>
-              <a:t>Updating from V 1.x to V 2.0:</a:t>
+              <a:t>Updating from V </a:t>
+            </a:r>
+            <a:r>
+              <a:rPr lang="en-US" dirty="0" smtClean="0"/>
+              <a:t>2.0 </a:t>
+            </a:r>
+            <a:r>
+              <a:rPr lang="en-US" dirty="0" smtClean="0"/>
+              <a:t>to V </a:t>
+            </a:r>
+            <a:r>
+              <a:rPr lang="en-US" dirty="0" smtClean="0"/>
+              <a:t>2.1:</a:t>
             </a:r>
             <a:endParaRPr lang="de-CH" dirty="0"/>
           </a:p>
@@ -7735,64 +8255,179 @@
         <p:spPr/>
         <p:txBody>
           <a:bodyPr>
-            <a:normAutofit/>
+            <a:normAutofit lnSpcReduction="10000"/>
           </a:bodyPr>
           <a:lstStyle/>
           <a:p>
             <a:r>
               <a:rPr lang="en-US" sz="2400" dirty="0" smtClean="0"/>
-              <a:t>As the action list taken from the game assets (</a:t>
-            </a:r>
-            <a:r>
-              <a:rPr lang="en-US" sz="2400" dirty="0" err="1" smtClean="0"/>
-              <a:t>GameData.pak</a:t>
-            </a:r>
-            <a:r>
-              <a:rPr lang="en-US" sz="2400" dirty="0" smtClean="0"/>
-              <a:t>)</a:t>
+              <a:t>As there seems to be issues with Win 8.1 we included a debug log facility.</a:t>
             </a:r>
             <a:br>
               <a:rPr lang="en-US" sz="2400" dirty="0" smtClean="0"/>
             </a:br>
+            <a:endParaRPr lang="en-US" sz="2400" dirty="0" smtClean="0"/>
+          </a:p>
+          <a:p>
             <a:r>
               <a:rPr lang="en-US" sz="2400" dirty="0" smtClean="0"/>
-              <a:t>You have to </a:t>
-            </a:r>
-            <a:r>
-              <a:rPr lang="en-US" sz="2400" dirty="0" smtClean="0">
-                <a:solidFill>
-                  <a:srgbClr val="FF0000"/>
-                </a:solidFill>
-              </a:rPr>
-              <a:t>manually remove the ‘defaultProfile.xml’ file if it exists in the same folder as the program file</a:t>
+              <a:t>If you encounter an error or crash then read on…</a:t>
             </a:r>
             <a:r>
               <a:rPr lang="en-US" sz="2400" dirty="0" smtClean="0"/>
-              <a:t>.</a:t>
+              <a:t/>
             </a:r>
             <a:br>
               <a:rPr lang="en-US" sz="2400" dirty="0" smtClean="0"/>
             </a:br>
+            <a:endParaRPr lang="en-US" sz="2400" dirty="0" smtClean="0"/>
+          </a:p>
+          <a:p>
             <a:r>
               <a:rPr lang="en-US" sz="2400" dirty="0" smtClean="0"/>
-              <a:t>If the program finds it there it is taken before the one from the game (which is may be not what you wanted)</a:t>
-            </a:r>
-          </a:p>
-          <a:p>
-            <a:endParaRPr lang="en-US" sz="2400" dirty="0" smtClean="0"/>
-          </a:p>
-          <a:p>
+              <a:t>You </a:t>
+            </a:r>
+            <a:r>
+              <a:rPr lang="en-US" sz="2400" dirty="0"/>
+              <a:t>will find </a:t>
+            </a:r>
             <a:r>
               <a:rPr lang="en-US" sz="2400" dirty="0" smtClean="0"/>
-              <a:t>You may however use this priority for any purpose</a:t>
+              <a:t>‘</a:t>
+            </a:r>
+            <a:r>
+              <a:rPr lang="en-US" sz="1400" dirty="0" smtClean="0">
+                <a:latin typeface="Lucida Console" panose="020B0609040504020204" pitchFamily="49" charset="0"/>
+              </a:rPr>
+              <a:t>log4net.config.OFF</a:t>
+            </a:r>
+            <a:r>
+              <a:rPr lang="en-US" sz="2400" dirty="0" smtClean="0"/>
+              <a:t>’ in the distribution zip.</a:t>
             </a:r>
             <a:br>
               <a:rPr lang="en-US" sz="2400" dirty="0" smtClean="0"/>
             </a:br>
             <a:r>
               <a:rPr lang="en-US" sz="2400" dirty="0" smtClean="0"/>
-              <a:t>i.e. place a defaultProfile.xml file in the program directory and it will be taken as action list</a:t>
-            </a:r>
+              <a:t>Rename it to </a:t>
+            </a:r>
+            <a:r>
+              <a:rPr lang="en-US" sz="2400" dirty="0">
+                <a:solidFill>
+                  <a:prstClr val="black"/>
+                </a:solidFill>
+              </a:rPr>
+              <a:t>‘</a:t>
+            </a:r>
+            <a:r>
+              <a:rPr lang="en-US" sz="1400" dirty="0" smtClean="0">
+                <a:solidFill>
+                  <a:prstClr val="black"/>
+                </a:solidFill>
+                <a:latin typeface="Lucida Console" panose="020B0609040504020204" pitchFamily="49" charset="0"/>
+              </a:rPr>
+              <a:t>log4net.config</a:t>
+            </a:r>
+            <a:r>
+              <a:rPr lang="en-US" sz="2400" dirty="0" smtClean="0">
+                <a:solidFill>
+                  <a:prstClr val="black"/>
+                </a:solidFill>
+              </a:rPr>
+              <a:t>’ and run the program.</a:t>
+            </a:r>
+            <a:br>
+              <a:rPr lang="en-US" sz="2400" dirty="0" smtClean="0">
+                <a:solidFill>
+                  <a:prstClr val="black"/>
+                </a:solidFill>
+              </a:rPr>
+            </a:br>
+            <a:r>
+              <a:rPr lang="en-US" sz="2400" dirty="0" smtClean="0">
+                <a:solidFill>
+                  <a:prstClr val="black"/>
+                </a:solidFill>
+              </a:rPr>
+              <a:t>Then look for a file named ‘</a:t>
+            </a:r>
+            <a:r>
+              <a:rPr lang="en-US" sz="1400" dirty="0" smtClean="0">
+                <a:solidFill>
+                  <a:prstClr val="black"/>
+                </a:solidFill>
+                <a:latin typeface="Lucida Console" panose="020B0609040504020204" pitchFamily="49" charset="0"/>
+              </a:rPr>
+              <a:t>trace.log</a:t>
+            </a:r>
+            <a:r>
+              <a:rPr lang="en-US" sz="2400" dirty="0" smtClean="0">
+                <a:solidFill>
+                  <a:prstClr val="black"/>
+                </a:solidFill>
+              </a:rPr>
+              <a:t>’ in the program folder and send this to </a:t>
+            </a:r>
+            <a:r>
+              <a:rPr lang="en-US" sz="2400" dirty="0" smtClean="0">
+                <a:solidFill>
+                  <a:prstClr val="black"/>
+                </a:solidFill>
+                <a:hlinkClick r:id="rId2"/>
+              </a:rPr>
+              <a:t>cassini@burri-web.org</a:t>
+            </a:r>
+            <a:r>
+              <a:rPr lang="en-US" sz="2400" dirty="0" smtClean="0">
+                <a:solidFill>
+                  <a:prstClr val="black"/>
+                </a:solidFill>
+              </a:rPr>
+              <a:t> along with a description of the problem and your system </a:t>
+            </a:r>
+            <a:br>
+              <a:rPr lang="en-US" sz="2400" dirty="0" smtClean="0">
+                <a:solidFill>
+                  <a:prstClr val="black"/>
+                </a:solidFill>
+              </a:rPr>
+            </a:br>
+            <a:r>
+              <a:rPr lang="en-US" sz="2400" dirty="0" smtClean="0">
+                <a:solidFill>
+                  <a:prstClr val="black"/>
+                </a:solidFill>
+              </a:rPr>
+              <a:t>i.e. OS, CPU, Graphics card, Joystick(s) </a:t>
+            </a:r>
+            <a:br>
+              <a:rPr lang="en-US" sz="2400" dirty="0" smtClean="0">
+                <a:solidFill>
+                  <a:prstClr val="black"/>
+                </a:solidFill>
+              </a:rPr>
+            </a:br>
+            <a:r>
+              <a:rPr lang="en-US" sz="2400" dirty="0" smtClean="0">
+                <a:solidFill>
+                  <a:prstClr val="black"/>
+                </a:solidFill>
+              </a:rPr>
+              <a:t>we may then finally solve </a:t>
+            </a:r>
+            <a:r>
+              <a:rPr lang="en-US" sz="2400" smtClean="0">
+                <a:solidFill>
+                  <a:prstClr val="black"/>
+                </a:solidFill>
+              </a:rPr>
+              <a:t>the issue …</a:t>
+            </a:r>
+            <a:endParaRPr lang="en-US" sz="2400" dirty="0" smtClean="0"/>
+          </a:p>
+          <a:p>
+            <a:endParaRPr lang="en-US" sz="2400" dirty="0" smtClean="0"/>
           </a:p>
         </p:txBody>
       </p:sp>
@@ -8144,7 +8779,7 @@
       </p:grpSpPr>
       <p:pic>
         <p:nvPicPr>
-          <p:cNvPr id="3" name="Grafik 2"/>
+          <p:cNvPr id="4" name="Grafik 3"/>
           <p:cNvPicPr>
             <a:picLocks noChangeAspect="1"/>
           </p:cNvPicPr>
@@ -8158,8 +8793,8 @@
         </p:blipFill>
         <p:spPr>
           <a:xfrm>
-            <a:off x="1403648" y="1124744"/>
-            <a:ext cx="6197377" cy="5577639"/>
+            <a:off x="1398985" y="1134421"/>
+            <a:ext cx="6202040" cy="5581836"/>
           </a:xfrm>
           <a:prstGeom prst="rect">
             <a:avLst/>
@@ -8593,17 +9228,17 @@
         </p:nvSpPr>
         <p:spPr>
           <a:xfrm>
-            <a:off x="1475656" y="5178202"/>
+            <a:off x="1503349" y="4869160"/>
             <a:ext cx="1656184" cy="360040"/>
           </a:xfrm>
           <a:prstGeom prst="borderCallout2">
             <a:avLst>
-              <a:gd name="adj1" fmla="val 38801"/>
-              <a:gd name="adj2" fmla="val 102453"/>
-              <a:gd name="adj3" fmla="val 83913"/>
-              <a:gd name="adj4" fmla="val 107558"/>
-              <a:gd name="adj5" fmla="val 82423"/>
-              <a:gd name="adj6" fmla="val 152384"/>
+              <a:gd name="adj1" fmla="val 42143"/>
+              <a:gd name="adj2" fmla="val 102816"/>
+              <a:gd name="adj3" fmla="val 175811"/>
+              <a:gd name="adj4" fmla="val 115549"/>
+              <a:gd name="adj5" fmla="val 174321"/>
+              <a:gd name="adj6" fmla="val 153837"/>
             </a:avLst>
           </a:prstGeom>
         </p:spPr>
@@ -8641,16 +9276,16 @@
         </p:nvSpPr>
         <p:spPr>
           <a:xfrm>
-            <a:off x="1475656" y="5580252"/>
+            <a:off x="1503349" y="5335365"/>
             <a:ext cx="1656184" cy="360040"/>
           </a:xfrm>
           <a:prstGeom prst="borderCallout2">
             <a:avLst>
               <a:gd name="adj1" fmla="val 38801"/>
               <a:gd name="adj2" fmla="val 102453"/>
-              <a:gd name="adj3" fmla="val 39891"/>
-              <a:gd name="adj4" fmla="val 109766"/>
-              <a:gd name="adj5" fmla="val 19777"/>
+              <a:gd name="adj3" fmla="val 83334"/>
+              <a:gd name="adj4" fmla="val 111219"/>
+              <a:gd name="adj5" fmla="val 93295"/>
               <a:gd name="adj6" fmla="val 133612"/>
             </a:avLst>
           </a:prstGeom>
@@ -8689,17 +9324,17 @@
         </p:nvSpPr>
         <p:spPr>
           <a:xfrm>
-            <a:off x="3645883" y="5876456"/>
+            <a:off x="4203232" y="5605126"/>
             <a:ext cx="1436189" cy="360040"/>
           </a:xfrm>
           <a:prstGeom prst="borderCallout2">
             <a:avLst>
               <a:gd name="adj1" fmla="val 84649"/>
               <a:gd name="adj2" fmla="val 101885"/>
-              <a:gd name="adj3" fmla="val 204706"/>
-              <a:gd name="adj4" fmla="val 112323"/>
-              <a:gd name="adj5" fmla="val 206513"/>
-              <a:gd name="adj6" fmla="val 232124"/>
+              <a:gd name="adj3" fmla="val 284908"/>
+              <a:gd name="adj4" fmla="val 71274"/>
+              <a:gd name="adj5" fmla="val 285044"/>
+              <a:gd name="adj6" fmla="val 192750"/>
             </a:avLst>
           </a:prstGeom>
         </p:spPr>
@@ -8908,6 +9543,54 @@
             <a:r>
               <a:rPr lang="en-US" sz="1100" dirty="0" smtClean="0"/>
               <a:t>V2: Resize the window</a:t>
+            </a:r>
+            <a:endParaRPr lang="de-CH" sz="800" dirty="0"/>
+          </a:p>
+        </p:txBody>
+      </p:sp>
+      <p:sp>
+        <p:nvSpPr>
+          <p:cNvPr id="23" name="Legende mit Linie 2 22"/>
+          <p:cNvSpPr/>
+          <p:nvPr/>
+        </p:nvSpPr>
+        <p:spPr>
+          <a:xfrm>
+            <a:off x="143566" y="5492548"/>
+            <a:ext cx="1359783" cy="360040"/>
+          </a:xfrm>
+          <a:prstGeom prst="borderCallout2">
+            <a:avLst>
+              <a:gd name="adj1" fmla="val 88169"/>
+              <a:gd name="adj2" fmla="val 102100"/>
+              <a:gd name="adj3" fmla="val 143663"/>
+              <a:gd name="adj4" fmla="val 139313"/>
+              <a:gd name="adj5" fmla="val 180515"/>
+              <a:gd name="adj6" fmla="val 235168"/>
+            </a:avLst>
+          </a:prstGeom>
+        </p:spPr>
+        <p:style>
+          <a:lnRef idx="2">
+            <a:schemeClr val="accent3"/>
+          </a:lnRef>
+          <a:fillRef idx="1">
+            <a:schemeClr val="lt1"/>
+          </a:fillRef>
+          <a:effectRef idx="0">
+            <a:schemeClr val="accent3"/>
+          </a:effectRef>
+          <a:fontRef idx="minor">
+            <a:schemeClr val="dk1"/>
+          </a:fontRef>
+        </p:style>
+        <p:txBody>
+          <a:bodyPr rtlCol="0" anchor="ctr"/>
+          <a:lstStyle/>
+          <a:p>
+            <a:r>
+              <a:rPr lang="en-US" sz="1100" dirty="0" smtClean="0"/>
+              <a:t>V2.1: Blend unmapped option</a:t>
             </a:r>
             <a:endParaRPr lang="de-CH" sz="800" dirty="0"/>
           </a:p>
@@ -9850,11 +10533,7 @@
           <a:p>
             <a:r>
               <a:rPr lang="en-US" sz="1200" dirty="0" smtClean="0"/>
-              <a:t>To </a:t>
-            </a:r>
-            <a:r>
-              <a:rPr lang="en-US" sz="1200" dirty="0" smtClean="0"/>
-              <a:t>clear a mapping – select it in the </a:t>
+              <a:t>To clear a mapping – select it in the </a:t>
             </a:r>
             <a:r>
               <a:rPr lang="en-US" sz="1200" dirty="0" err="1" smtClean="0"/>
@@ -9877,11 +10556,7 @@
           <a:p>
             <a:r>
               <a:rPr lang="en-US" sz="1200" dirty="0" smtClean="0"/>
-              <a:t>You </a:t>
-            </a:r>
-            <a:r>
-              <a:rPr lang="en-US" sz="1200" dirty="0" smtClean="0"/>
-              <a:t>may use “Find 1</a:t>
+              <a:t>You may use “Find 1</a:t>
             </a:r>
             <a:r>
               <a:rPr lang="en-US" sz="1200" baseline="30000" dirty="0" smtClean="0"/>
@@ -9889,11 +10564,7 @@
             </a:r>
             <a:r>
               <a:rPr lang="en-US" sz="1200" dirty="0" smtClean="0"/>
-              <a:t>” to find the first action where the currently shown Ctrl. (</a:t>
-            </a:r>
-            <a:r>
-              <a:rPr lang="en-US" sz="1200" dirty="0" smtClean="0"/>
-              <a:t>js1_z </a:t>
+              <a:t>” to find the first action where the currently shown Ctrl. (js1_z </a:t>
             </a:r>
             <a:r>
               <a:rPr lang="en-US" sz="1200" dirty="0" smtClean="0">
@@ -9907,11 +10578,7 @@
             </a:r>
             <a:r>
               <a:rPr lang="en-US" sz="1200" dirty="0" smtClean="0"/>
-              <a:t>) </a:t>
-            </a:r>
-            <a:r>
-              <a:rPr lang="en-US" sz="1200" dirty="0" smtClean="0"/>
-              <a:t>is mapped.</a:t>
+              <a:t>) is mapped.</a:t>
             </a:r>
           </a:p>
           <a:p>

--- a/doc/SCJMapper_QGuide.pptx
+++ b/doc/SCJMapper_QGuide.pptx
@@ -7,19 +7,21 @@
   <p:sldIdLst>
     <p:sldId id="256" r:id="rId2"/>
     <p:sldId id="265" r:id="rId3"/>
-    <p:sldId id="262" r:id="rId4"/>
-    <p:sldId id="258" r:id="rId5"/>
-    <p:sldId id="259" r:id="rId6"/>
-    <p:sldId id="257" r:id="rId7"/>
-    <p:sldId id="260" r:id="rId8"/>
-    <p:sldId id="261" r:id="rId9"/>
-    <p:sldId id="264" r:id="rId10"/>
-    <p:sldId id="267" r:id="rId11"/>
-    <p:sldId id="269" r:id="rId12"/>
-    <p:sldId id="270" r:id="rId13"/>
-    <p:sldId id="268" r:id="rId14"/>
-    <p:sldId id="271" r:id="rId15"/>
-    <p:sldId id="266" r:id="rId16"/>
+    <p:sldId id="273" r:id="rId4"/>
+    <p:sldId id="262" r:id="rId5"/>
+    <p:sldId id="258" r:id="rId6"/>
+    <p:sldId id="259" r:id="rId7"/>
+    <p:sldId id="257" r:id="rId8"/>
+    <p:sldId id="260" r:id="rId9"/>
+    <p:sldId id="261" r:id="rId10"/>
+    <p:sldId id="264" r:id="rId11"/>
+    <p:sldId id="267" r:id="rId12"/>
+    <p:sldId id="269" r:id="rId13"/>
+    <p:sldId id="270" r:id="rId14"/>
+    <p:sldId id="268" r:id="rId15"/>
+    <p:sldId id="272" r:id="rId16"/>
+    <p:sldId id="271" r:id="rId17"/>
+    <p:sldId id="266" r:id="rId18"/>
   </p:sldIdLst>
   <p:sldSz cx="9144000" cy="6858000" type="screen4x3"/>
   <p:notesSz cx="6858000" cy="9144000"/>
@@ -318,7 +320,7 @@
           <a:p>
             <a:fld id="{1BA50D42-C9CD-4801-B293-61D1F53EC57E}" type="datetimeFigureOut">
               <a:rPr lang="de-DE" smtClean="0"/>
-              <a:t>09.07.2014</a:t>
+              <a:t>02.08.2014</a:t>
             </a:fld>
             <a:endParaRPr lang="de-DE"/>
           </a:p>
@@ -483,7 +485,7 @@
           <a:p>
             <a:fld id="{1BA50D42-C9CD-4801-B293-61D1F53EC57E}" type="datetimeFigureOut">
               <a:rPr lang="de-DE" smtClean="0"/>
-              <a:t>09.07.2014</a:t>
+              <a:t>02.08.2014</a:t>
             </a:fld>
             <a:endParaRPr lang="de-DE"/>
           </a:p>
@@ -658,7 +660,7 @@
           <a:p>
             <a:fld id="{1BA50D42-C9CD-4801-B293-61D1F53EC57E}" type="datetimeFigureOut">
               <a:rPr lang="de-DE" smtClean="0"/>
-              <a:t>09.07.2014</a:t>
+              <a:t>02.08.2014</a:t>
             </a:fld>
             <a:endParaRPr lang="de-DE"/>
           </a:p>
@@ -823,7 +825,7 @@
           <a:p>
             <a:fld id="{1BA50D42-C9CD-4801-B293-61D1F53EC57E}" type="datetimeFigureOut">
               <a:rPr lang="de-DE" smtClean="0"/>
-              <a:t>09.07.2014</a:t>
+              <a:t>02.08.2014</a:t>
             </a:fld>
             <a:endParaRPr lang="de-DE"/>
           </a:p>
@@ -1064,7 +1066,7 @@
           <a:p>
             <a:fld id="{1BA50D42-C9CD-4801-B293-61D1F53EC57E}" type="datetimeFigureOut">
               <a:rPr lang="de-DE" smtClean="0"/>
-              <a:t>09.07.2014</a:t>
+              <a:t>02.08.2014</a:t>
             </a:fld>
             <a:endParaRPr lang="de-DE"/>
           </a:p>
@@ -1347,7 +1349,7 @@
           <a:p>
             <a:fld id="{1BA50D42-C9CD-4801-B293-61D1F53EC57E}" type="datetimeFigureOut">
               <a:rPr lang="de-DE" smtClean="0"/>
-              <a:t>09.07.2014</a:t>
+              <a:t>02.08.2014</a:t>
             </a:fld>
             <a:endParaRPr lang="de-DE"/>
           </a:p>
@@ -1764,7 +1766,7 @@
           <a:p>
             <a:fld id="{1BA50D42-C9CD-4801-B293-61D1F53EC57E}" type="datetimeFigureOut">
               <a:rPr lang="de-DE" smtClean="0"/>
-              <a:t>09.07.2014</a:t>
+              <a:t>02.08.2014</a:t>
             </a:fld>
             <a:endParaRPr lang="de-DE"/>
           </a:p>
@@ -1877,7 +1879,7 @@
           <a:p>
             <a:fld id="{1BA50D42-C9CD-4801-B293-61D1F53EC57E}" type="datetimeFigureOut">
               <a:rPr lang="de-DE" smtClean="0"/>
-              <a:t>09.07.2014</a:t>
+              <a:t>02.08.2014</a:t>
             </a:fld>
             <a:endParaRPr lang="de-DE"/>
           </a:p>
@@ -1967,7 +1969,7 @@
           <a:p>
             <a:fld id="{1BA50D42-C9CD-4801-B293-61D1F53EC57E}" type="datetimeFigureOut">
               <a:rPr lang="de-DE" smtClean="0"/>
-              <a:t>09.07.2014</a:t>
+              <a:t>02.08.2014</a:t>
             </a:fld>
             <a:endParaRPr lang="de-DE"/>
           </a:p>
@@ -2239,7 +2241,7 @@
           <a:p>
             <a:fld id="{1BA50D42-C9CD-4801-B293-61D1F53EC57E}" type="datetimeFigureOut">
               <a:rPr lang="de-DE" smtClean="0"/>
-              <a:t>09.07.2014</a:t>
+              <a:t>02.08.2014</a:t>
             </a:fld>
             <a:endParaRPr lang="de-DE"/>
           </a:p>
@@ -2487,7 +2489,7 @@
           <a:p>
             <a:fld id="{1BA50D42-C9CD-4801-B293-61D1F53EC57E}" type="datetimeFigureOut">
               <a:rPr lang="de-DE" smtClean="0"/>
-              <a:t>09.07.2014</a:t>
+              <a:t>02.08.2014</a:t>
             </a:fld>
             <a:endParaRPr lang="de-DE"/>
           </a:p>
@@ -2695,7 +2697,7 @@
           <a:p>
             <a:fld id="{1BA50D42-C9CD-4801-B293-61D1F53EC57E}" type="datetimeFigureOut">
               <a:rPr lang="de-DE" smtClean="0"/>
-              <a:t>09.07.2014</a:t>
+              <a:t>02.08.2014</a:t>
             </a:fld>
             <a:endParaRPr lang="de-DE"/>
           </a:p>
@@ -3067,7 +3069,7 @@
       </p:grpSpPr>
       <p:pic>
         <p:nvPicPr>
-          <p:cNvPr id="6" name="Grafik 5"/>
+          <p:cNvPr id="4" name="Grafik 3"/>
           <p:cNvPicPr>
             <a:picLocks noChangeAspect="1"/>
           </p:cNvPicPr>
@@ -3081,8 +3083,8 @@
         </p:blipFill>
         <p:spPr>
           <a:xfrm>
-            <a:off x="5818773" y="3774638"/>
-            <a:ext cx="3219109" cy="2897198"/>
+            <a:off x="5818772" y="3774638"/>
+            <a:ext cx="3204865" cy="2897198"/>
           </a:xfrm>
           <a:prstGeom prst="rect">
             <a:avLst/>
@@ -3119,7 +3121,7 @@
             </a:r>
             <a:r>
               <a:rPr lang="en-US" sz="4000" dirty="0" smtClean="0"/>
-              <a:t>2.1</a:t>
+              <a:t>2.2</a:t>
             </a:r>
             <a:endParaRPr lang="en-US" sz="4000" dirty="0"/>
           </a:p>
@@ -3149,7 +3151,7 @@
           <a:p>
             <a:r>
               <a:rPr lang="en-US" sz="900" dirty="0" smtClean="0"/>
-              <a:t>20140709 </a:t>
+              <a:t>20140802 </a:t>
             </a:r>
             <a:r>
               <a:rPr lang="en-US" sz="900" dirty="0" smtClean="0"/>
@@ -3280,7 +3282,7 @@
       </p:grpSpPr>
       <p:pic>
         <p:nvPicPr>
-          <p:cNvPr id="3" name="Grafik 2"/>
+          <p:cNvPr id="4" name="Grafik 3"/>
           <p:cNvPicPr>
             <a:picLocks noChangeAspect="1"/>
           </p:cNvPicPr>
@@ -3294,8 +3296,8 @@
         </p:blipFill>
         <p:spPr>
           <a:xfrm>
-            <a:off x="1403648" y="1124743"/>
-            <a:ext cx="6197376" cy="5577639"/>
+            <a:off x="1592357" y="1107206"/>
+            <a:ext cx="6192688" cy="5573419"/>
           </a:xfrm>
           <a:prstGeom prst="rect">
             <a:avLst/>
@@ -3318,18 +3320,10 @@
           <a:lstStyle/>
           <a:p>
             <a:r>
-              <a:rPr lang="en-US" dirty="0" smtClean="0">
-                <a:solidFill>
-                  <a:schemeClr val="accent6"/>
-                </a:solidFill>
-              </a:rPr>
-              <a:t>V2 – Features - 1</a:t>
-            </a:r>
-            <a:endParaRPr lang="en-US" dirty="0">
-              <a:solidFill>
-                <a:schemeClr val="accent6"/>
-              </a:solidFill>
-            </a:endParaRPr>
+              <a:rPr lang="en-US" dirty="0" smtClean="0"/>
+              <a:t>The XML Area…</a:t>
+            </a:r>
+            <a:endParaRPr lang="en-US" dirty="0"/>
           </a:p>
         </p:txBody>
       </p:sp>
@@ -3341,20 +3335,14 @@
         </p:nvSpPr>
         <p:spPr>
           <a:xfrm flipV="1">
-            <a:off x="1437739" y="1772816"/>
-            <a:ext cx="1838117" cy="4680520"/>
+            <a:off x="5321144" y="1724144"/>
+            <a:ext cx="2467677" cy="4226304"/>
           </a:xfrm>
           <a:prstGeom prst="rect">
             <a:avLst/>
           </a:prstGeom>
           <a:noFill/>
-          <a:ln w="57150">
-            <a:solidFill>
-              <a:schemeClr val="accent6">
-                <a:lumMod val="75000"/>
-              </a:schemeClr>
-            </a:solidFill>
-          </a:ln>
+          <a:ln w="57150"/>
         </p:spPr>
         <p:style>
           <a:lnRef idx="2">
@@ -3387,8 +3375,8 @@
         </p:nvSpPr>
         <p:spPr>
           <a:xfrm>
-            <a:off x="3309947" y="1340768"/>
-            <a:ext cx="4895422" cy="3725804"/>
+            <a:off x="410281" y="1268760"/>
+            <a:ext cx="4895422" cy="3888432"/>
           </a:xfrm>
           <a:prstGeom prst="rect">
             <a:avLst/>
@@ -3414,7 +3402,7 @@
           <a:p>
             <a:r>
               <a:rPr lang="en-US" sz="1200" dirty="0" smtClean="0"/>
-              <a:t>You may filter the action tree now</a:t>
+              <a:t>If you hit “Dump List” a formatted list of the mapped actions is written into the XML area.</a:t>
             </a:r>
           </a:p>
           <a:p>
@@ -3423,53 +3411,18 @@
           <a:p>
             <a:r>
               <a:rPr lang="en-US" sz="1200" dirty="0" smtClean="0"/>
-              <a:t>Start typing and the tree is reduced to the actions and controls that contain the characters typed </a:t>
-            </a:r>
-          </a:p>
-          <a:p>
-            <a:endParaRPr lang="en-US" sz="1200" dirty="0"/>
-          </a:p>
-          <a:p>
-            <a:r>
-              <a:rPr lang="en-US" sz="1200" dirty="0" smtClean="0"/>
-              <a:t>e.g. I typed ‘</a:t>
-            </a:r>
-            <a:r>
-              <a:rPr lang="en-US" sz="1200" dirty="0" err="1" smtClean="0"/>
-              <a:t>thr</a:t>
-            </a:r>
-            <a:r>
-              <a:rPr lang="en-US" sz="1200" dirty="0" smtClean="0"/>
-              <a:t>’ to see my throttles only</a:t>
-            </a:r>
-          </a:p>
-          <a:p>
-            <a:r>
-              <a:rPr lang="en-US" sz="1200" dirty="0" smtClean="0"/>
-              <a:t>Try button and you get all your assigned buttons only etc.</a:t>
-            </a:r>
-          </a:p>
-          <a:p>
-            <a:endParaRPr lang="en-US" sz="1200" dirty="0"/>
-          </a:p>
-          <a:p>
-            <a:r>
-              <a:rPr lang="en-US" sz="1200" dirty="0" smtClean="0"/>
-              <a:t>Click ‘Clear Filter’ to get back to the complete list again.</a:t>
-            </a:r>
-          </a:p>
-          <a:p>
-            <a:endParaRPr lang="en-US" sz="1200" dirty="0"/>
-          </a:p>
-          <a:p>
-            <a:r>
-              <a:rPr lang="en-US" sz="1200" dirty="0" smtClean="0"/>
-              <a:t>Note: this will not change, remove or modify any of your mappings, it just reduces the tree to the ones you are interested in.</a:t>
-            </a:r>
-            <a:endParaRPr lang="en-US" sz="1200" dirty="0"/>
+              <a:t>You may use the “Save As..” menu to save it e.g. as TXT file.</a:t>
+            </a:r>
           </a:p>
           <a:p>
             <a:endParaRPr lang="en-US" sz="1200" dirty="0" smtClean="0"/>
+          </a:p>
+          <a:p>
+            <a:endParaRPr lang="en-US" sz="1200" dirty="0">
+              <a:solidFill>
+                <a:srgbClr val="FF0000"/>
+              </a:solidFill>
+            </a:endParaRPr>
           </a:p>
         </p:txBody>
       </p:sp>
@@ -3481,20 +3434,14 @@
         </p:nvSpPr>
         <p:spPr>
           <a:xfrm flipV="1">
-            <a:off x="3275856" y="5517231"/>
-            <a:ext cx="1050403" cy="432048"/>
+            <a:off x="3419872" y="5281108"/>
+            <a:ext cx="997998" cy="305338"/>
           </a:xfrm>
           <a:prstGeom prst="rect">
             <a:avLst/>
           </a:prstGeom>
           <a:noFill/>
-          <a:ln w="57150">
-            <a:solidFill>
-              <a:schemeClr val="accent6">
-                <a:lumMod val="75000"/>
-              </a:schemeClr>
-            </a:solidFill>
-          </a:ln>
+          <a:ln w="57150"/>
         </p:spPr>
         <p:style>
           <a:lnRef idx="2">
@@ -3519,10 +3466,74 @@
           </a:p>
         </p:txBody>
       </p:sp>
+      <p:pic>
+        <p:nvPicPr>
+          <p:cNvPr id="5" name="Grafik 4"/>
+          <p:cNvPicPr>
+            <a:picLocks noChangeAspect="1"/>
+          </p:cNvPicPr>
+          <p:nvPr/>
+        </p:nvPicPr>
+        <p:blipFill>
+          <a:blip r:embed="rId3"/>
+          <a:stretch>
+            <a:fillRect/>
+          </a:stretch>
+        </p:blipFill>
+        <p:spPr>
+          <a:xfrm>
+            <a:off x="1331640" y="2489232"/>
+            <a:ext cx="3618438" cy="2225977"/>
+          </a:xfrm>
+          <a:prstGeom prst="rect">
+            <a:avLst/>
+          </a:prstGeom>
+        </p:spPr>
+      </p:pic>
+      <p:sp>
+        <p:nvSpPr>
+          <p:cNvPr id="10" name="Rechteck 9"/>
+          <p:cNvSpPr/>
+          <p:nvPr/>
+        </p:nvSpPr>
+        <p:spPr>
+          <a:xfrm flipV="1">
+            <a:off x="1698361" y="4077072"/>
+            <a:ext cx="1172260" cy="432048"/>
+          </a:xfrm>
+          <a:prstGeom prst="rect">
+            <a:avLst/>
+          </a:prstGeom>
+          <a:noFill/>
+          <a:ln w="57150"/>
+        </p:spPr>
+        <p:style>
+          <a:lnRef idx="2">
+            <a:schemeClr val="accent2"/>
+          </a:lnRef>
+          <a:fillRef idx="1">
+            <a:schemeClr val="lt1"/>
+          </a:fillRef>
+          <a:effectRef idx="0">
+            <a:schemeClr val="accent2"/>
+          </a:effectRef>
+          <a:fontRef idx="minor">
+            <a:schemeClr val="dk1"/>
+          </a:fontRef>
+        </p:style>
+        <p:txBody>
+          <a:bodyPr rtlCol="0" anchor="ctr"/>
+          <a:lstStyle/>
+          <a:p>
+            <a:pPr algn="ctr"/>
+            <a:endParaRPr lang="de-CH"/>
+          </a:p>
+        </p:txBody>
+      </p:sp>
     </p:spTree>
     <p:extLst>
       <p:ext uri="{BB962C8B-B14F-4D97-AF65-F5344CB8AC3E}">
-        <p14:creationId xmlns:p14="http://schemas.microsoft.com/office/powerpoint/2010/main" val="2139159529"/>
+        <p14:creationId xmlns:p14="http://schemas.microsoft.com/office/powerpoint/2010/main" val="2212032178"/>
       </p:ext>
     </p:extLst>
   </p:cSld>
@@ -3594,7 +3605,7 @@
                   <a:schemeClr val="accent6"/>
                 </a:solidFill>
               </a:rPr>
-              <a:t>V2 – Features - 2</a:t>
+              <a:t>V2 – Features - 1</a:t>
             </a:r>
             <a:endParaRPr lang="en-US" dirty="0">
               <a:solidFill>
@@ -3612,8 +3623,8 @@
         </p:nvSpPr>
         <p:spPr>
           <a:xfrm flipV="1">
-            <a:off x="1403648" y="6399938"/>
-            <a:ext cx="2592288" cy="314612"/>
+            <a:off x="1437739" y="1772816"/>
+            <a:ext cx="1838117" cy="4680520"/>
           </a:xfrm>
           <a:prstGeom prst="rect">
             <a:avLst/>
@@ -3658,8 +3669,8 @@
         </p:nvSpPr>
         <p:spPr>
           <a:xfrm>
-            <a:off x="1259632" y="1340768"/>
-            <a:ext cx="6912768" cy="4968552"/>
+            <a:off x="3309947" y="1340768"/>
+            <a:ext cx="4895422" cy="3725804"/>
           </a:xfrm>
           <a:prstGeom prst="rect">
             <a:avLst/>
@@ -3684,8 +3695,8 @@
           <a:lstStyle/>
           <a:p>
             <a:r>
-              <a:rPr lang="en-US" sz="1200" b="1" dirty="0" smtClean="0"/>
-              <a:t>New working with profiles.</a:t>
+              <a:rPr lang="en-US" sz="1200" dirty="0" smtClean="0"/>
+              <a:t>You may filter the action tree now</a:t>
             </a:r>
           </a:p>
           <a:p>
@@ -3694,7 +3705,7 @@
           <a:p>
             <a:r>
               <a:rPr lang="en-US" sz="1200" dirty="0" smtClean="0"/>
-              <a:t>The program gets the actions from the real game asset – so you are always up to the actual values.</a:t>
+              <a:t>Start typing and the tree is reduced to the actions and controls that contain the characters typed </a:t>
             </a:r>
           </a:p>
           <a:p>
@@ -3703,177 +3714,78 @@
           <a:p>
             <a:r>
               <a:rPr lang="en-US" sz="1200" dirty="0" smtClean="0"/>
-              <a:t>From here you may Reset the action list to the following</a:t>
-            </a:r>
-          </a:p>
-          <a:p>
-            <a:pPr marL="171450" indent="-171450">
-              <a:buFontTx/>
-              <a:buChar char="-"/>
-            </a:pPr>
+              <a:t>e.g. I typed ‘</a:t>
+            </a:r>
+            <a:r>
+              <a:rPr lang="en-US" sz="1200" dirty="0" err="1" smtClean="0"/>
+              <a:t>thr</a:t>
+            </a:r>
             <a:r>
               <a:rPr lang="en-US" sz="1200" dirty="0" smtClean="0"/>
-              <a:t>RESET EMPTY         reverts to just an action list without any mappings</a:t>
-            </a:r>
-          </a:p>
-          <a:p>
-            <a:pPr marL="171450" indent="-171450">
-              <a:buFontTx/>
-              <a:buChar char="-"/>
-            </a:pPr>
+              <a:t>’ to see my throttles only</a:t>
+            </a:r>
+          </a:p>
+          <a:p>
             <a:r>
               <a:rPr lang="en-US" sz="1200" dirty="0" smtClean="0"/>
-              <a:t>RESET DEFAULTS    loads the Joystick actions mapped with what CIG is providing</a:t>
-            </a:r>
-          </a:p>
-          <a:p>
-            <a:pPr marL="171450" indent="-171450">
-              <a:buFontTx/>
-              <a:buChar char="-"/>
-            </a:pPr>
+              <a:t>Try button and you get all your assigned buttons only etc.</a:t>
+            </a:r>
+          </a:p>
+          <a:p>
             <a:endParaRPr lang="en-US" sz="1200" dirty="0"/>
           </a:p>
           <a:p>
-            <a:pPr marL="171450" indent="-171450">
-              <a:buFontTx/>
-              <a:buChar char="-"/>
-            </a:pPr>
+            <a:r>
+              <a:rPr lang="en-US" sz="1200" dirty="0" smtClean="0"/>
+              <a:t>Click ‘Clear Filter’ to get back to the complete list again.</a:t>
+            </a:r>
+          </a:p>
+          <a:p>
+            <a:endParaRPr lang="en-US" sz="1200" dirty="0"/>
+          </a:p>
+          <a:p>
+            <a:r>
+              <a:rPr lang="en-US" sz="1200" dirty="0" smtClean="0"/>
+              <a:t>Note: this will not change, remove or modify any of your mappings, it just reduces the tree to the ones you are interested in.</a:t>
+            </a:r>
+            <a:endParaRPr lang="en-US" sz="1200" dirty="0"/>
+          </a:p>
+          <a:p>
             <a:endParaRPr lang="en-US" sz="1200" dirty="0" smtClean="0"/>
           </a:p>
-          <a:p>
-            <a:pPr marL="171450" indent="-171450">
-              <a:buFontTx/>
-              <a:buChar char="-"/>
-            </a:pPr>
-            <a:endParaRPr lang="en-US" sz="1200" dirty="0"/>
-          </a:p>
-          <a:p>
-            <a:pPr marL="171450" indent="-171450">
-              <a:buFontTx/>
-              <a:buChar char="-"/>
-            </a:pPr>
-            <a:endParaRPr lang="en-US" sz="1200" dirty="0" smtClean="0"/>
-          </a:p>
-          <a:p>
-            <a:pPr marL="171450" indent="-171450">
-              <a:buFontTx/>
-              <a:buChar char="-"/>
-            </a:pPr>
-            <a:endParaRPr lang="en-US" sz="1200" dirty="0"/>
-          </a:p>
-          <a:p>
-            <a:pPr marL="171450" indent="-171450">
-              <a:buFontTx/>
-              <a:buChar char="-"/>
-            </a:pPr>
-            <a:endParaRPr lang="en-US" sz="1200" dirty="0" smtClean="0"/>
-          </a:p>
-          <a:p>
-            <a:pPr marL="171450" indent="-171450">
-              <a:buFontTx/>
-              <a:buChar char="-"/>
-            </a:pPr>
-            <a:endParaRPr lang="en-US" sz="1200" dirty="0"/>
-          </a:p>
-          <a:p>
-            <a:pPr marL="171450" indent="-171450">
-              <a:buFontTx/>
-              <a:buChar char="-"/>
-            </a:pPr>
-            <a:endParaRPr lang="en-US" sz="1200" dirty="0" smtClean="0"/>
-          </a:p>
-          <a:p>
-            <a:pPr marL="171450" indent="-171450">
-              <a:buFontTx/>
-              <a:buChar char="-"/>
-            </a:pPr>
-            <a:endParaRPr lang="en-US" sz="1200" dirty="0" smtClean="0"/>
-          </a:p>
-          <a:p>
-            <a:pPr marL="171450" indent="-171450">
-              <a:buFontTx/>
-              <a:buChar char="-"/>
-            </a:pPr>
-            <a:endParaRPr lang="en-US" sz="1200" dirty="0"/>
-          </a:p>
-          <a:p>
-            <a:r>
-              <a:rPr lang="en-US" sz="1200" dirty="0" smtClean="0"/>
-              <a:t>Note: as CIG is providing a number of </a:t>
-            </a:r>
-            <a:r>
-              <a:rPr lang="en-US" sz="1200" dirty="0" err="1" smtClean="0"/>
-              <a:t>defaultProfiles</a:t>
-            </a:r>
-            <a:r>
-              <a:rPr lang="en-US" sz="1200" dirty="0" smtClean="0"/>
-              <a:t> you may chose one of those – however using the </a:t>
-            </a:r>
-            <a:r>
-              <a:rPr lang="en-US" sz="1200" b="1" dirty="0" err="1" smtClean="0"/>
-              <a:t>defaultProfile</a:t>
-            </a:r>
-            <a:r>
-              <a:rPr lang="en-US" sz="1200" dirty="0" smtClean="0"/>
-              <a:t> is usually the best option</a:t>
-            </a:r>
-            <a:br>
-              <a:rPr lang="en-US" sz="1200" dirty="0" smtClean="0"/>
-            </a:br>
-            <a:r>
-              <a:rPr lang="en-US" sz="1200" dirty="0" smtClean="0"/>
-              <a:t>(This may be work in progress by CIG…)</a:t>
-            </a:r>
-          </a:p>
-        </p:txBody>
-      </p:sp>
-      <p:pic>
-        <p:nvPicPr>
-          <p:cNvPr id="7" name="Grafik 6"/>
-          <p:cNvPicPr>
-            <a:picLocks noChangeAspect="1"/>
-          </p:cNvPicPr>
-          <p:nvPr/>
-        </p:nvPicPr>
-        <p:blipFill>
-          <a:blip r:embed="rId3"/>
-          <a:stretch>
-            <a:fillRect/>
-          </a:stretch>
-        </p:blipFill>
-        <p:spPr>
-          <a:xfrm>
-            <a:off x="5310166" y="3284984"/>
-            <a:ext cx="2563322" cy="858443"/>
+        </p:txBody>
+      </p:sp>
+      <p:sp>
+        <p:nvSpPr>
+          <p:cNvPr id="8" name="Rechteck 7"/>
+          <p:cNvSpPr/>
+          <p:nvPr/>
+        </p:nvSpPr>
+        <p:spPr>
+          <a:xfrm flipV="1">
+            <a:off x="3275856" y="5517231"/>
+            <a:ext cx="1050403" cy="432048"/>
           </a:xfrm>
           <a:prstGeom prst="rect">
             <a:avLst/>
           </a:prstGeom>
-        </p:spPr>
-      </p:pic>
-      <p:sp>
-        <p:nvSpPr>
-          <p:cNvPr id="9" name="Pfeil nach rechts 8"/>
-          <p:cNvSpPr/>
-          <p:nvPr/>
-        </p:nvSpPr>
-        <p:spPr>
-          <a:xfrm rot="2267429" flipH="1">
-            <a:off x="7361420" y="3987461"/>
-            <a:ext cx="504056" cy="285009"/>
-          </a:xfrm>
-          <a:prstGeom prst="rightArrow">
-            <a:avLst/>
-          </a:prstGeom>
+          <a:noFill/>
+          <a:ln w="57150">
+            <a:solidFill>
+              <a:schemeClr val="accent6">
+                <a:lumMod val="75000"/>
+              </a:schemeClr>
+            </a:solidFill>
+          </a:ln>
         </p:spPr>
         <p:style>
-          <a:lnRef idx="1">
+          <a:lnRef idx="2">
             <a:schemeClr val="accent2"/>
           </a:lnRef>
-          <a:fillRef idx="2">
-            <a:schemeClr val="accent2"/>
+          <a:fillRef idx="1">
+            <a:schemeClr val="lt1"/>
           </a:fillRef>
-          <a:effectRef idx="1">
+          <a:effectRef idx="0">
             <a:schemeClr val="accent2"/>
           </a:effectRef>
           <a:fontRef idx="minor">
@@ -3892,7 +3804,7 @@
     </p:spTree>
     <p:extLst>
       <p:ext uri="{BB962C8B-B14F-4D97-AF65-F5344CB8AC3E}">
-        <p14:creationId xmlns:p14="http://schemas.microsoft.com/office/powerpoint/2010/main" val="2830852375"/>
+        <p14:creationId xmlns:p14="http://schemas.microsoft.com/office/powerpoint/2010/main" val="2139159529"/>
       </p:ext>
     </p:extLst>
   </p:cSld>
@@ -3964,7 +3876,7 @@
                   <a:schemeClr val="accent6"/>
                 </a:solidFill>
               </a:rPr>
-              <a:t>V2 – Features - 3</a:t>
+              <a:t>V2 – Features - 2</a:t>
             </a:r>
             <a:endParaRPr lang="en-US" dirty="0">
               <a:solidFill>
@@ -3982,7 +3894,7 @@
         </p:nvSpPr>
         <p:spPr>
           <a:xfrm flipV="1">
-            <a:off x="4502336" y="6398298"/>
+            <a:off x="1403648" y="6399938"/>
             <a:ext cx="2592288" cy="314612"/>
           </a:xfrm>
           <a:prstGeom prst="rect">
@@ -4028,8 +3940,8 @@
         </p:nvSpPr>
         <p:spPr>
           <a:xfrm>
-            <a:off x="1043608" y="1340768"/>
-            <a:ext cx="7643192" cy="4824536"/>
+            <a:off x="1259632" y="1340768"/>
+            <a:ext cx="6912768" cy="4968552"/>
           </a:xfrm>
           <a:prstGeom prst="rect">
             <a:avLst/>
@@ -4055,15 +3967,7 @@
           <a:p>
             <a:r>
               <a:rPr lang="en-US" sz="1200" b="1" dirty="0" smtClean="0"/>
-              <a:t>New working with </a:t>
-            </a:r>
-            <a:r>
-              <a:rPr lang="en-US" sz="1200" b="1" dirty="0" err="1" smtClean="0"/>
-              <a:t>actionmaps</a:t>
-            </a:r>
-            <a:r>
-              <a:rPr lang="en-US" sz="1200" b="1" dirty="0" smtClean="0"/>
-              <a:t> (Maps, Mapping etc..)</a:t>
+              <a:t>New working with profiles.</a:t>
             </a:r>
           </a:p>
           <a:p>
@@ -4072,72 +3976,16 @@
           <a:p>
             <a:r>
               <a:rPr lang="en-US" sz="1200" dirty="0" smtClean="0"/>
-              <a:t>The program gets the </a:t>
-            </a:r>
-            <a:r>
-              <a:rPr lang="en-US" sz="1200" dirty="0" err="1" smtClean="0"/>
-              <a:t>actionsmaps</a:t>
-            </a:r>
+              <a:t>The program gets the actions from the real game asset – so you are always up to the actual values.</a:t>
+            </a:r>
+          </a:p>
+          <a:p>
+            <a:endParaRPr lang="en-US" sz="1200" dirty="0"/>
+          </a:p>
+          <a:p>
             <a:r>
               <a:rPr lang="en-US" sz="1200" dirty="0" smtClean="0"/>
-              <a:t> from the real game asset – so you are always up to the actual values.</a:t>
-            </a:r>
-          </a:p>
-          <a:p>
-            <a:r>
-              <a:rPr lang="en-US" sz="700" dirty="0" smtClean="0"/>
-              <a:t>(</a:t>
-            </a:r>
-            <a:r>
-              <a:rPr lang="en-US" sz="700" dirty="0" smtClean="0">
-                <a:latin typeface="Lucida Console" panose="020B0609040504020204" pitchFamily="49" charset="0"/>
-              </a:rPr>
-              <a:t>…\</a:t>
-            </a:r>
-            <a:r>
-              <a:rPr lang="en-US" sz="700" dirty="0" err="1" smtClean="0">
-                <a:latin typeface="Lucida Console" panose="020B0609040504020204" pitchFamily="49" charset="0"/>
-              </a:rPr>
-              <a:t>StarCitizen</a:t>
-            </a:r>
-            <a:r>
-              <a:rPr lang="en-US" sz="700" dirty="0" smtClean="0">
-                <a:latin typeface="Lucida Console" panose="020B0609040504020204" pitchFamily="49" charset="0"/>
-              </a:rPr>
-              <a:t>\</a:t>
-            </a:r>
-            <a:r>
-              <a:rPr lang="en-US" sz="700" dirty="0" err="1" smtClean="0">
-                <a:latin typeface="Lucida Console" panose="020B0609040504020204" pitchFamily="49" charset="0"/>
-              </a:rPr>
-              <a:t>CitizenClient</a:t>
-            </a:r>
-            <a:r>
-              <a:rPr lang="en-US" sz="700" dirty="0" smtClean="0">
-                <a:latin typeface="Lucida Console" panose="020B0609040504020204" pitchFamily="49" charset="0"/>
-              </a:rPr>
-              <a:t>\Data\Controls\Mappings</a:t>
-            </a:r>
-            <a:r>
-              <a:rPr lang="en-US" sz="700" dirty="0" smtClean="0"/>
-              <a:t>)</a:t>
-            </a:r>
-          </a:p>
-          <a:p>
-            <a:endParaRPr lang="en-US" sz="1200" dirty="0"/>
-          </a:p>
-          <a:p>
-            <a:r>
-              <a:rPr lang="en-US" sz="1200" dirty="0" smtClean="0"/>
-              <a:t>From here you may first chose a map, then ‘Load’ the </a:t>
-            </a:r>
-            <a:r>
-              <a:rPr lang="en-US" sz="1200" dirty="0" err="1" smtClean="0"/>
-              <a:t>actionmap</a:t>
-            </a:r>
-            <a:r>
-              <a:rPr lang="en-US" sz="1200" dirty="0" smtClean="0"/>
-              <a:t> – this will overwrite you XML window in any case</a:t>
+              <a:t>From here you may Reset the action list to the following</a:t>
             </a:r>
           </a:p>
           <a:p>
@@ -4146,8 +3994,8 @@
               <a:buChar char="-"/>
             </a:pPr>
             <a:r>
-              <a:rPr lang="en-US" sz="1200" dirty="0"/>
-              <a:t>LOAD    loads the map into the XML window only</a:t>
+              <a:rPr lang="en-US" sz="1200" dirty="0" smtClean="0"/>
+              <a:t>RESET EMPTY         reverts to just an action list without any mappings</a:t>
             </a:r>
           </a:p>
           <a:p>
@@ -4156,68 +4004,8 @@
               <a:buChar char="-"/>
             </a:pPr>
             <a:r>
-              <a:rPr lang="en-US" sz="1200" dirty="0"/>
-              <a:t>LOAD </a:t>
-            </a:r>
-            <a:r>
               <a:rPr lang="en-US" sz="1200" dirty="0" smtClean="0"/>
-              <a:t>and GRAB   </a:t>
-            </a:r>
-            <a:r>
-              <a:rPr lang="en-US" sz="1200" dirty="0"/>
-              <a:t>loads the map into the XML window </a:t>
-            </a:r>
-            <a:r>
-              <a:rPr lang="en-US" sz="1200" dirty="0" smtClean="0"/>
-              <a:t>and clicks Grab i.e. merges the existing mapping with the one loaded</a:t>
-            </a:r>
-          </a:p>
-          <a:p>
-            <a:pPr marL="171450" indent="-171450">
-              <a:buFontTx/>
-              <a:buChar char="-"/>
-            </a:pPr>
-            <a:r>
-              <a:rPr lang="en-US" sz="1200" dirty="0"/>
-              <a:t>RESET, LOAD and GRAB  first Reset (empty) the action list (all mappings cleared) then it loads and grabs the new </a:t>
-            </a:r>
-            <a:r>
-              <a:rPr lang="en-US" sz="1200" dirty="0" smtClean="0"/>
-              <a:t>map</a:t>
-            </a:r>
-          </a:p>
-          <a:p>
-            <a:pPr marL="171450" indent="-171450">
-              <a:buFontTx/>
-              <a:buChar char="-"/>
-            </a:pPr>
-            <a:r>
-              <a:rPr lang="en-US" sz="1200" dirty="0" smtClean="0"/>
-              <a:t>DEFAULT, </a:t>
-            </a:r>
-            <a:r>
-              <a:rPr lang="en-US" sz="1200" dirty="0"/>
-              <a:t>LOAD and GRAB  first Reset </a:t>
-            </a:r>
-            <a:r>
-              <a:rPr lang="en-US" sz="1200" dirty="0" smtClean="0"/>
-              <a:t>(defaults) </a:t>
-            </a:r>
-            <a:r>
-              <a:rPr lang="en-US" sz="1200" dirty="0"/>
-              <a:t>the action list </a:t>
-            </a:r>
-            <a:r>
-              <a:rPr lang="en-US" sz="1200" dirty="0" smtClean="0"/>
-              <a:t>then </a:t>
-            </a:r>
-            <a:r>
-              <a:rPr lang="en-US" sz="1200" dirty="0"/>
-              <a:t>it loads and grabs the new </a:t>
-            </a:r>
-            <a:r>
-              <a:rPr lang="en-US" sz="1200" dirty="0" smtClean="0"/>
-              <a:t>map and merges them with the defaults</a:t>
+              <a:t>RESET DEFAULTS    loads the Joystick actions mapped with what CIG is providing</a:t>
             </a:r>
           </a:p>
           <a:p>
@@ -4228,35 +4016,11 @@
             <a:endParaRPr lang="en-US" sz="1200" dirty="0"/>
           </a:p>
           <a:p>
-            <a:r>
-              <a:rPr lang="en-US" sz="1200" dirty="0" smtClean="0">
-                <a:solidFill>
-                  <a:schemeClr val="accent6">
-                    <a:lumMod val="75000"/>
-                  </a:schemeClr>
-                </a:solidFill>
-              </a:rPr>
-              <a:t>See last page for some common workflows</a:t>
-            </a:r>
-          </a:p>
-          <a:p>
-            <a:r>
-              <a:rPr lang="en-US" sz="1200" dirty="0" smtClean="0">
-                <a:solidFill>
-                  <a:schemeClr val="accent6">
-                    <a:lumMod val="75000"/>
-                  </a:schemeClr>
-                </a:solidFill>
-              </a:rPr>
-              <a:t>And how to handle them easily</a:t>
-            </a:r>
-            <a:endParaRPr lang="en-US" sz="1200" dirty="0">
-              <a:solidFill>
-                <a:schemeClr val="accent6">
-                  <a:lumMod val="75000"/>
-                </a:schemeClr>
-              </a:solidFill>
-            </a:endParaRPr>
+            <a:pPr marL="171450" indent="-171450">
+              <a:buFontTx/>
+              <a:buChar char="-"/>
+            </a:pPr>
+            <a:endParaRPr lang="en-US" sz="1200" dirty="0" smtClean="0"/>
           </a:p>
           <a:p>
             <a:pPr marL="171450" indent="-171450">
@@ -4265,11 +4029,89 @@
             </a:pPr>
             <a:endParaRPr lang="en-US" sz="1200" dirty="0"/>
           </a:p>
+          <a:p>
+            <a:pPr marL="171450" indent="-171450">
+              <a:buFontTx/>
+              <a:buChar char="-"/>
+            </a:pPr>
+            <a:endParaRPr lang="en-US" sz="1200" dirty="0" smtClean="0"/>
+          </a:p>
+          <a:p>
+            <a:pPr marL="171450" indent="-171450">
+              <a:buFontTx/>
+              <a:buChar char="-"/>
+            </a:pPr>
+            <a:endParaRPr lang="en-US" sz="1200" dirty="0"/>
+          </a:p>
+          <a:p>
+            <a:pPr marL="171450" indent="-171450">
+              <a:buFontTx/>
+              <a:buChar char="-"/>
+            </a:pPr>
+            <a:endParaRPr lang="en-US" sz="1200" dirty="0" smtClean="0"/>
+          </a:p>
+          <a:p>
+            <a:pPr marL="171450" indent="-171450">
+              <a:buFontTx/>
+              <a:buChar char="-"/>
+            </a:pPr>
+            <a:endParaRPr lang="en-US" sz="1200" dirty="0"/>
+          </a:p>
+          <a:p>
+            <a:pPr marL="171450" indent="-171450">
+              <a:buFontTx/>
+              <a:buChar char="-"/>
+            </a:pPr>
+            <a:endParaRPr lang="en-US" sz="1200" dirty="0" smtClean="0"/>
+          </a:p>
+          <a:p>
+            <a:pPr marL="171450" indent="-171450">
+              <a:buFontTx/>
+              <a:buChar char="-"/>
+            </a:pPr>
+            <a:endParaRPr lang="en-US" sz="1200" dirty="0" smtClean="0"/>
+          </a:p>
+          <a:p>
+            <a:pPr marL="171450" indent="-171450">
+              <a:buFontTx/>
+              <a:buChar char="-"/>
+            </a:pPr>
+            <a:endParaRPr lang="en-US" sz="1200" dirty="0"/>
+          </a:p>
+          <a:p>
+            <a:r>
+              <a:rPr lang="en-US" sz="1200" dirty="0" smtClean="0"/>
+              <a:t>Note: as CIG is providing a number of </a:t>
+            </a:r>
+            <a:r>
+              <a:rPr lang="en-US" sz="1200" dirty="0" err="1" smtClean="0"/>
+              <a:t>defaultProfiles</a:t>
+            </a:r>
+            <a:r>
+              <a:rPr lang="en-US" sz="1200" dirty="0" smtClean="0"/>
+              <a:t> you may chose one of those – however using the </a:t>
+            </a:r>
+            <a:r>
+              <a:rPr lang="en-US" sz="1200" b="1" dirty="0" err="1" smtClean="0"/>
+              <a:t>defaultProfile</a:t>
+            </a:r>
+            <a:r>
+              <a:rPr lang="en-US" sz="1200" dirty="0" smtClean="0"/>
+              <a:t> is usually the best option</a:t>
+            </a:r>
+            <a:br>
+              <a:rPr lang="en-US" sz="1200" dirty="0" smtClean="0"/>
+            </a:br>
+            <a:r>
+              <a:rPr lang="en-US" sz="1200" dirty="0" smtClean="0"/>
+              <a:t>(This may be work in progress by CIG…)</a:t>
+            </a:r>
+          </a:p>
         </p:txBody>
       </p:sp>
       <p:pic>
         <p:nvPicPr>
-          <p:cNvPr id="10" name="Grafik 9"/>
+          <p:cNvPr id="7" name="Grafik 6"/>
           <p:cNvPicPr>
             <a:picLocks noChangeAspect="1"/>
           </p:cNvPicPr>
@@ -4283,8 +4125,8 @@
         </p:blipFill>
         <p:spPr>
           <a:xfrm>
-            <a:off x="5325138" y="4250723"/>
-            <a:ext cx="3347117" cy="830581"/>
+            <a:off x="5310166" y="3284984"/>
+            <a:ext cx="2563322" cy="858443"/>
           </a:xfrm>
           <a:prstGeom prst="rect">
             <a:avLst/>
@@ -4299,7 +4141,7 @@
         </p:nvSpPr>
         <p:spPr>
           <a:xfrm rot="2267429" flipH="1">
-            <a:off x="7729364" y="5016543"/>
+            <a:off x="7361420" y="3987461"/>
             <a:ext cx="504056" cy="285009"/>
           </a:xfrm>
           <a:prstGeom prst="rightArrow">
@@ -4329,72 +4171,10 @@
           </a:p>
         </p:txBody>
       </p:sp>
-      <p:pic>
-        <p:nvPicPr>
-          <p:cNvPr id="8" name="Grafik 7"/>
-          <p:cNvPicPr>
-            <a:picLocks noChangeAspect="1"/>
-          </p:cNvPicPr>
-          <p:nvPr/>
-        </p:nvPicPr>
-        <p:blipFill>
-          <a:blip r:embed="rId4"/>
-          <a:stretch>
-            <a:fillRect/>
-          </a:stretch>
-        </p:blipFill>
-        <p:spPr>
-          <a:xfrm>
-            <a:off x="2208654" y="4386549"/>
-            <a:ext cx="2398715" cy="1347462"/>
-          </a:xfrm>
-          <a:prstGeom prst="rect">
-            <a:avLst/>
-          </a:prstGeom>
-        </p:spPr>
-      </p:pic>
-      <p:sp>
-        <p:nvSpPr>
-          <p:cNvPr id="11" name="Pfeil nach rechts 10"/>
-          <p:cNvSpPr/>
-          <p:nvPr/>
-        </p:nvSpPr>
-        <p:spPr>
-          <a:xfrm rot="2267429" flipH="1">
-            <a:off x="3963818" y="5617351"/>
-            <a:ext cx="504056" cy="285009"/>
-          </a:xfrm>
-          <a:prstGeom prst="rightArrow">
-            <a:avLst/>
-          </a:prstGeom>
-        </p:spPr>
-        <p:style>
-          <a:lnRef idx="1">
-            <a:schemeClr val="accent2"/>
-          </a:lnRef>
-          <a:fillRef idx="2">
-            <a:schemeClr val="accent2"/>
-          </a:fillRef>
-          <a:effectRef idx="1">
-            <a:schemeClr val="accent2"/>
-          </a:effectRef>
-          <a:fontRef idx="minor">
-            <a:schemeClr val="dk1"/>
-          </a:fontRef>
-        </p:style>
-        <p:txBody>
-          <a:bodyPr rtlCol="0" anchor="ctr"/>
-          <a:lstStyle/>
-          <a:p>
-            <a:pPr algn="ctr"/>
-            <a:endParaRPr lang="de-CH"/>
-          </a:p>
-        </p:txBody>
-      </p:sp>
     </p:spTree>
     <p:extLst>
       <p:ext uri="{BB962C8B-B14F-4D97-AF65-F5344CB8AC3E}">
-        <p14:creationId xmlns:p14="http://schemas.microsoft.com/office/powerpoint/2010/main" val="680139644"/>
+        <p14:creationId xmlns:p14="http://schemas.microsoft.com/office/powerpoint/2010/main" val="2830852375"/>
       </p:ext>
     </p:extLst>
   </p:cSld>
@@ -4466,7 +4246,7 @@
                   <a:schemeClr val="accent6"/>
                 </a:solidFill>
               </a:rPr>
-              <a:t>V2 – Features - 4</a:t>
+              <a:t>V2 – Features - 3</a:t>
             </a:r>
             <a:endParaRPr lang="en-US" dirty="0">
               <a:solidFill>
@@ -4478,48 +4258,14 @@
       </p:sp>
       <p:sp>
         <p:nvSpPr>
-          <p:cNvPr id="14" name="Textfeld 13"/>
-          <p:cNvSpPr txBox="1"/>
-          <p:nvPr/>
-        </p:nvSpPr>
-        <p:spPr>
-          <a:xfrm>
-            <a:off x="4217976" y="1394912"/>
-            <a:ext cx="864096" cy="161583"/>
-          </a:xfrm>
-          <a:prstGeom prst="rect">
-            <a:avLst/>
-          </a:prstGeom>
-          <a:solidFill>
-            <a:schemeClr val="bg1">
-              <a:lumMod val="95000"/>
-            </a:schemeClr>
-          </a:solidFill>
-        </p:spPr>
-        <p:txBody>
-          <a:bodyPr wrap="square" lIns="0" tIns="0" rIns="0" bIns="0" rtlCol="0">
-            <a:spAutoFit/>
-          </a:bodyPr>
-          <a:lstStyle/>
-          <a:p>
-            <a:r>
-              <a:rPr lang="en-US" sz="1050" b="1" dirty="0" smtClean="0"/>
-              <a:t>2.0</a:t>
-            </a:r>
-            <a:endParaRPr lang="de-CH" sz="1050" b="1" dirty="0"/>
-          </a:p>
-        </p:txBody>
-      </p:sp>
-      <p:sp>
-        <p:nvSpPr>
           <p:cNvPr id="17" name="Rechteck 16"/>
           <p:cNvSpPr/>
           <p:nvPr/>
         </p:nvSpPr>
         <p:spPr>
           <a:xfrm flipV="1">
-            <a:off x="5436095" y="5952462"/>
-            <a:ext cx="2164929" cy="500871"/>
+            <a:off x="4502336" y="6398298"/>
+            <a:ext cx="2592288" cy="314612"/>
           </a:xfrm>
           <a:prstGeom prst="rect">
             <a:avLst/>
@@ -4564,8 +4310,8 @@
         </p:nvSpPr>
         <p:spPr>
           <a:xfrm>
-            <a:off x="611560" y="1340768"/>
-            <a:ext cx="8075240" cy="4451857"/>
+            <a:off x="1043608" y="1340768"/>
+            <a:ext cx="7643192" cy="4824536"/>
           </a:xfrm>
           <a:prstGeom prst="rect">
             <a:avLst/>
@@ -4591,13 +4337,16 @@
           <a:p>
             <a:r>
               <a:rPr lang="en-US" sz="1200" b="1" dirty="0" smtClean="0"/>
-              <a:t>New working with your own </a:t>
+              <a:t>New working with </a:t>
             </a:r>
             <a:r>
               <a:rPr lang="en-US" sz="1200" b="1" dirty="0" err="1" smtClean="0"/>
               <a:t>actionmaps</a:t>
             </a:r>
-            <a:endParaRPr lang="en-US" sz="1200" b="1" dirty="0" smtClean="0"/>
+            <a:r>
+              <a:rPr lang="en-US" sz="1200" b="1" dirty="0" smtClean="0"/>
+              <a:t> (Maps, Mapping etc..)</a:t>
+            </a:r>
           </a:p>
           <a:p>
             <a:endParaRPr lang="en-US" sz="1200" dirty="0"/>
@@ -4605,7 +4354,7 @@
           <a:p>
             <a:r>
               <a:rPr lang="en-US" sz="1200" dirty="0" smtClean="0"/>
-              <a:t>The program not only gets the </a:t>
+              <a:t>The program gets the </a:t>
             </a:r>
             <a:r>
               <a:rPr lang="en-US" sz="1200" dirty="0" err="1" smtClean="0"/>
@@ -4613,7 +4362,7 @@
             </a:r>
             <a:r>
               <a:rPr lang="en-US" sz="1200" dirty="0" smtClean="0"/>
-              <a:t> from the real game asset – but also can save your maps there.</a:t>
+              <a:t> from the real game asset – so you are always up to the actual values.</a:t>
             </a:r>
           </a:p>
           <a:p>
@@ -4660,161 +4409,149 @@
             <a:endParaRPr lang="en-US" sz="1200" dirty="0"/>
           </a:p>
           <a:p>
-            <a:pPr marL="228600" indent="-228600">
-              <a:buAutoNum type="arabicPeriod"/>
+            <a:r>
+              <a:rPr lang="en-US" sz="1200" dirty="0" smtClean="0"/>
+              <a:t>From here you may first chose a map, then ‘Load’ the </a:t>
+            </a:r>
+            <a:r>
+              <a:rPr lang="en-US" sz="1200" dirty="0" err="1" smtClean="0"/>
+              <a:t>actionmap</a:t>
+            </a:r>
+            <a:r>
+              <a:rPr lang="en-US" sz="1200" dirty="0" smtClean="0"/>
+              <a:t> – this will overwrite you XML window in any case</a:t>
+            </a:r>
+          </a:p>
+          <a:p>
+            <a:pPr marL="171450" indent="-171450">
+              <a:buFontTx/>
+              <a:buChar char="-"/>
             </a:pPr>
             <a:r>
+              <a:rPr lang="en-US" sz="1200" dirty="0"/>
+              <a:t>LOAD    loads the map into the XML window only</a:t>
+            </a:r>
+          </a:p>
+          <a:p>
+            <a:pPr marL="171450" indent="-171450">
+              <a:buFontTx/>
+              <a:buChar char="-"/>
+            </a:pPr>
+            <a:r>
+              <a:rPr lang="en-US" sz="1200" dirty="0"/>
+              <a:t>LOAD </a:t>
+            </a:r>
+            <a:r>
               <a:rPr lang="en-US" sz="1200" dirty="0" smtClean="0"/>
-              <a:t>Type a name  (limitations see note)</a:t>
-            </a:r>
-          </a:p>
-          <a:p>
-            <a:pPr marL="228600" indent="-228600">
-              <a:buAutoNum type="arabicPeriod"/>
+              <a:t>and GRAB   </a:t>
+            </a:r>
+            <a:r>
+              <a:rPr lang="en-US" sz="1200" dirty="0"/>
+              <a:t>loads the map into the XML window </a:t>
+            </a:r>
+            <a:r>
+              <a:rPr lang="en-US" sz="1200" dirty="0" smtClean="0"/>
+              <a:t>and clicks Grab i.e. merges the existing mapping with the one loaded</a:t>
+            </a:r>
+          </a:p>
+          <a:p>
+            <a:pPr marL="171450" indent="-171450">
+              <a:buFontTx/>
+              <a:buChar char="-"/>
             </a:pPr>
             <a:r>
+              <a:rPr lang="en-US" sz="1200" dirty="0"/>
+              <a:t>RESET, LOAD and GRAB  first Reset (empty) the action list (all mappings cleared) then it loads and grabs the new </a:t>
+            </a:r>
+            <a:r>
               <a:rPr lang="en-US" sz="1200" dirty="0" smtClean="0"/>
-              <a:t>Hit the button – it will then Dump and Save your map into the game folder (well asking you to overwrite it if it exists)</a:t>
-            </a:r>
-          </a:p>
-          <a:p>
-            <a:pPr marL="228600" indent="-228600">
-              <a:buAutoNum type="arabicPeriod"/>
+              <a:t>map</a:t>
+            </a:r>
+          </a:p>
+          <a:p>
+            <a:pPr marL="171450" indent="-171450">
+              <a:buFontTx/>
+              <a:buChar char="-"/>
+            </a:pPr>
+            <a:r>
+              <a:rPr lang="en-US" sz="1200" dirty="0" smtClean="0"/>
+              <a:t>DEFAULT, </a:t>
+            </a:r>
+            <a:r>
+              <a:rPr lang="en-US" sz="1200" dirty="0"/>
+              <a:t>LOAD and GRAB  first Reset </a:t>
+            </a:r>
+            <a:r>
+              <a:rPr lang="en-US" sz="1200" dirty="0" smtClean="0"/>
+              <a:t>(defaults) </a:t>
+            </a:r>
+            <a:r>
+              <a:rPr lang="en-US" sz="1200" dirty="0"/>
+              <a:t>the action list </a:t>
+            </a:r>
+            <a:r>
+              <a:rPr lang="en-US" sz="1200" dirty="0" smtClean="0"/>
+              <a:t>then </a:t>
+            </a:r>
+            <a:r>
+              <a:rPr lang="en-US" sz="1200" dirty="0"/>
+              <a:t>it loads and grabs the new </a:t>
+            </a:r>
+            <a:r>
+              <a:rPr lang="en-US" sz="1200" dirty="0" smtClean="0"/>
+              <a:t>map and merges them with the defaults</a:t>
+            </a:r>
+          </a:p>
+          <a:p>
+            <a:pPr marL="171450" indent="-171450">
+              <a:buFontTx/>
+              <a:buChar char="-"/>
             </a:pPr>
             <a:endParaRPr lang="en-US" sz="1200" dirty="0"/>
           </a:p>
           <a:p>
             <a:r>
-              <a:rPr lang="en-US" sz="1200" dirty="0" smtClean="0"/>
-              <a:t>NOTE: your map name has always to start with ‘</a:t>
-            </a:r>
-            <a:r>
-              <a:rPr lang="en-US" sz="1200" dirty="0" err="1" smtClean="0"/>
-              <a:t>layout_my</a:t>
-            </a:r>
-            <a:r>
-              <a:rPr lang="en-US" sz="1200" dirty="0" smtClean="0"/>
-              <a:t>_’   to prevent modifying CIGs own </a:t>
-            </a:r>
-            <a:r>
-              <a:rPr lang="en-US" sz="1200" dirty="0" err="1" smtClean="0"/>
-              <a:t>actionmaps</a:t>
-            </a:r>
-            <a:endParaRPr lang="en-US" sz="1200" dirty="0" smtClean="0"/>
-          </a:p>
-          <a:p>
-            <a:r>
-              <a:rPr lang="en-US" sz="1200" dirty="0" smtClean="0"/>
-              <a:t>Lowercase only, no spaces, tabs allowed else you see the red flag ..</a:t>
-            </a:r>
-          </a:p>
-          <a:p>
-            <a:endParaRPr lang="en-US" sz="1200" dirty="0" smtClean="0"/>
-          </a:p>
-          <a:p>
-            <a:r>
-              <a:rPr lang="en-US" sz="1200" dirty="0" smtClean="0"/>
-              <a:t>A successful Save will show the green flag</a:t>
-            </a:r>
-          </a:p>
-          <a:p>
-            <a:endParaRPr lang="en-US" sz="1200" dirty="0"/>
-          </a:p>
-          <a:p>
-            <a:endParaRPr lang="en-US" sz="1200" dirty="0" smtClean="0"/>
-          </a:p>
-          <a:p>
-            <a:endParaRPr lang="en-US" sz="1200" dirty="0" smtClean="0"/>
-          </a:p>
-          <a:p>
-            <a:endParaRPr lang="en-US" sz="1200" dirty="0"/>
-          </a:p>
-          <a:p>
-            <a:r>
-              <a:rPr lang="en-US" sz="1200" dirty="0" smtClean="0"/>
-              <a:t>Your own maps will then show up like the game provided maps</a:t>
-            </a:r>
-          </a:p>
-          <a:p>
-            <a:r>
-              <a:rPr lang="en-US" sz="800" dirty="0" err="1">
-                <a:latin typeface="Lucida Console" panose="020B0609040504020204" pitchFamily="49" charset="0"/>
+              <a:rPr lang="en-US" sz="1200" dirty="0" smtClean="0">
+                <a:solidFill>
+                  <a:schemeClr val="accent6">
+                    <a:lumMod val="75000"/>
+                  </a:schemeClr>
+                </a:solidFill>
               </a:rPr>
-              <a:t>pp_rebindkeys</a:t>
-            </a:r>
-            <a:r>
-              <a:rPr lang="en-US" sz="800" dirty="0">
-                <a:latin typeface="Lucida Console" panose="020B0609040504020204" pitchFamily="49" charset="0"/>
+              <a:t>See last page for some common workflows</a:t>
+            </a:r>
+          </a:p>
+          <a:p>
+            <a:r>
+              <a:rPr lang="en-US" sz="1200" dirty="0" smtClean="0">
+                <a:solidFill>
+                  <a:schemeClr val="accent6">
+                    <a:lumMod val="75000"/>
+                  </a:schemeClr>
+                </a:solidFill>
               </a:rPr>
-              <a:t> </a:t>
-            </a:r>
-            <a:r>
-              <a:rPr lang="en-US" sz="800" dirty="0" err="1">
-                <a:latin typeface="Lucida Console" panose="020B0609040504020204" pitchFamily="49" charset="0"/>
-              </a:rPr>
-              <a:t>layout_my_joystick</a:t>
-            </a:r>
-            <a:r>
-              <a:rPr lang="en-US" sz="800" dirty="0">
-                <a:latin typeface="Lucida Console" panose="020B0609040504020204" pitchFamily="49" charset="0"/>
-              </a:rPr>
-              <a:t>   </a:t>
-            </a:r>
-            <a:r>
-              <a:rPr lang="en-US" sz="1200" dirty="0" smtClean="0"/>
-              <a:t>should load it into the game</a:t>
-            </a:r>
-            <a:endParaRPr lang="en-US" sz="1200" dirty="0"/>
-          </a:p>
-          <a:p>
-            <a:endParaRPr lang="en-US" sz="1200" dirty="0" smtClean="0"/>
-          </a:p>
-          <a:p>
-            <a:r>
-              <a:rPr lang="en-US" sz="1200" dirty="0" smtClean="0"/>
-              <a:t>Note: For your convenience each Save also makes a copy of into your personal</a:t>
-            </a:r>
-          </a:p>
-          <a:p>
-            <a:r>
-              <a:rPr lang="en-US" sz="1100" dirty="0" smtClean="0">
-                <a:latin typeface="Lucida Console" panose="020B0609040504020204" pitchFamily="49" charset="0"/>
-              </a:rPr>
-              <a:t>“My Documents\</a:t>
-            </a:r>
-            <a:r>
-              <a:rPr lang="en-US" sz="1100" dirty="0" err="1" smtClean="0">
-                <a:latin typeface="Lucida Console" panose="020B0609040504020204" pitchFamily="49" charset="0"/>
-              </a:rPr>
-              <a:t>SCJMapper</a:t>
-            </a:r>
-            <a:r>
-              <a:rPr lang="en-US" sz="1100" dirty="0" smtClean="0">
-                <a:latin typeface="Lucida Console" panose="020B0609040504020204" pitchFamily="49" charset="0"/>
-              </a:rPr>
-              <a:t>” </a:t>
-            </a:r>
-            <a:r>
-              <a:rPr lang="en-US" sz="1200" dirty="0"/>
-              <a:t>folder </a:t>
-            </a:r>
-            <a:r>
-              <a:rPr lang="en-US" sz="1200" dirty="0" smtClean="0"/>
-              <a:t>– no work is lost if there is an update </a:t>
-            </a:r>
-          </a:p>
-          <a:p>
-            <a:r>
-              <a:rPr lang="en-US" sz="1200" dirty="0" smtClean="0"/>
-              <a:t>that cleans the Mappings folder.</a:t>
-            </a:r>
+              <a:t>And how to handle them easily</a:t>
+            </a:r>
+            <a:endParaRPr lang="en-US" sz="1200" dirty="0">
+              <a:solidFill>
+                <a:schemeClr val="accent6">
+                  <a:lumMod val="75000"/>
+                </a:schemeClr>
+              </a:solidFill>
+            </a:endParaRPr>
+          </a:p>
+          <a:p>
+            <a:pPr marL="171450" indent="-171450">
+              <a:buFontTx/>
+              <a:buChar char="-"/>
+            </a:pPr>
             <a:endParaRPr lang="en-US" sz="1200" dirty="0"/>
           </a:p>
         </p:txBody>
       </p:sp>
       <p:pic>
         <p:nvPicPr>
-          <p:cNvPr id="4" name="Grafik 3"/>
+          <p:cNvPr id="10" name="Grafik 9"/>
           <p:cNvPicPr>
             <a:picLocks noChangeAspect="1"/>
           </p:cNvPicPr>
@@ -4828,8 +4565,8 @@
         </p:blipFill>
         <p:spPr>
           <a:xfrm>
-            <a:off x="6104534" y="3651568"/>
-            <a:ext cx="2398715" cy="1347462"/>
+            <a:off x="5325138" y="4250723"/>
+            <a:ext cx="3347117" cy="830581"/>
           </a:xfrm>
           <a:prstGeom prst="rect">
             <a:avLst/>
@@ -4844,7 +4581,7 @@
         </p:nvSpPr>
         <p:spPr>
           <a:xfrm rot="2267429" flipH="1">
-            <a:off x="7872439" y="4874899"/>
+            <a:off x="7729364" y="5016543"/>
             <a:ext cx="504056" cy="285009"/>
           </a:xfrm>
           <a:prstGeom prst="rightArrow">
@@ -4874,6 +4611,30 @@
           </a:p>
         </p:txBody>
       </p:sp>
+      <p:pic>
+        <p:nvPicPr>
+          <p:cNvPr id="8" name="Grafik 7"/>
+          <p:cNvPicPr>
+            <a:picLocks noChangeAspect="1"/>
+          </p:cNvPicPr>
+          <p:nvPr/>
+        </p:nvPicPr>
+        <p:blipFill>
+          <a:blip r:embed="rId4"/>
+          <a:stretch>
+            <a:fillRect/>
+          </a:stretch>
+        </p:blipFill>
+        <p:spPr>
+          <a:xfrm>
+            <a:off x="2208654" y="4386549"/>
+            <a:ext cx="2398715" cy="1347462"/>
+          </a:xfrm>
+          <a:prstGeom prst="rect">
+            <a:avLst/>
+          </a:prstGeom>
+        </p:spPr>
+      </p:pic>
       <p:sp>
         <p:nvSpPr>
           <p:cNvPr id="11" name="Pfeil nach rechts 10"/>
@@ -4881,8 +4642,8 @@
           <p:nvPr/>
         </p:nvSpPr>
         <p:spPr>
-          <a:xfrm rot="10800000" flipH="1">
-            <a:off x="6104534" y="4354143"/>
+          <a:xfrm rot="2267429" flipH="1">
+            <a:off x="3963818" y="5617351"/>
             <a:ext cx="504056" cy="285009"/>
           </a:xfrm>
           <a:prstGeom prst="rightArrow">
@@ -4912,58 +4673,10 @@
           </a:p>
         </p:txBody>
       </p:sp>
-      <p:pic>
-        <p:nvPicPr>
-          <p:cNvPr id="5" name="Grafik 4"/>
-          <p:cNvPicPr>
-            <a:picLocks noChangeAspect="1"/>
-          </p:cNvPicPr>
-          <p:nvPr/>
-        </p:nvPicPr>
-        <p:blipFill>
-          <a:blip r:embed="rId4"/>
-          <a:stretch>
-            <a:fillRect/>
-          </a:stretch>
-        </p:blipFill>
-        <p:spPr>
-          <a:xfrm>
-            <a:off x="4914917" y="2949651"/>
-            <a:ext cx="2106221" cy="193747"/>
-          </a:xfrm>
-          <a:prstGeom prst="rect">
-            <a:avLst/>
-          </a:prstGeom>
-        </p:spPr>
-      </p:pic>
-      <p:pic>
-        <p:nvPicPr>
-          <p:cNvPr id="6" name="Grafik 5"/>
-          <p:cNvPicPr>
-            <a:picLocks noChangeAspect="1"/>
-          </p:cNvPicPr>
-          <p:nvPr/>
-        </p:nvPicPr>
-        <p:blipFill>
-          <a:blip r:embed="rId5"/>
-          <a:stretch>
-            <a:fillRect/>
-          </a:stretch>
-        </p:blipFill>
-        <p:spPr>
-          <a:xfrm>
-            <a:off x="3439925" y="3278206"/>
-            <a:ext cx="2124822" cy="376785"/>
-          </a:xfrm>
-          <a:prstGeom prst="rect">
-            <a:avLst/>
-          </a:prstGeom>
-        </p:spPr>
-      </p:pic>
     </p:spTree>
     <p:extLst>
       <p:ext uri="{BB962C8B-B14F-4D97-AF65-F5344CB8AC3E}">
-        <p14:creationId xmlns:p14="http://schemas.microsoft.com/office/powerpoint/2010/main" val="607392062"/>
+        <p14:creationId xmlns:p14="http://schemas.microsoft.com/office/powerpoint/2010/main" val="680139644"/>
       </p:ext>
     </p:extLst>
   </p:cSld>
@@ -4992,7 +4705,7 @@
       </p:grpSpPr>
       <p:pic>
         <p:nvPicPr>
-          <p:cNvPr id="7" name="Grafik 6"/>
+          <p:cNvPr id="3" name="Grafik 2"/>
           <p:cNvPicPr>
             <a:picLocks noChangeAspect="1"/>
           </p:cNvPicPr>
@@ -5006,8 +4719,8 @@
         </p:blipFill>
         <p:spPr>
           <a:xfrm>
-            <a:off x="1406191" y="1124743"/>
-            <a:ext cx="6194833" cy="5575350"/>
+            <a:off x="1403648" y="1124743"/>
+            <a:ext cx="6197376" cy="5577639"/>
           </a:xfrm>
           <a:prstGeom prst="rect">
             <a:avLst/>
@@ -5032,26 +4745,579 @@
             <a:r>
               <a:rPr lang="en-US" dirty="0" smtClean="0">
                 <a:solidFill>
-                  <a:schemeClr val="accent3"/>
+                  <a:schemeClr val="accent6"/>
                 </a:solidFill>
               </a:rPr>
-              <a:t>V2.1 </a:t>
-            </a:r>
+              <a:t>V2 – Features - 4</a:t>
+            </a:r>
+            <a:endParaRPr lang="en-US" dirty="0">
+              <a:solidFill>
+                <a:schemeClr val="accent6"/>
+              </a:solidFill>
+            </a:endParaRPr>
+          </a:p>
+        </p:txBody>
+      </p:sp>
+      <p:sp>
+        <p:nvSpPr>
+          <p:cNvPr id="14" name="Textfeld 13"/>
+          <p:cNvSpPr txBox="1"/>
+          <p:nvPr/>
+        </p:nvSpPr>
+        <p:spPr>
+          <a:xfrm>
+            <a:off x="4217976" y="1394912"/>
+            <a:ext cx="864096" cy="161583"/>
+          </a:xfrm>
+          <a:prstGeom prst="rect">
+            <a:avLst/>
+          </a:prstGeom>
+          <a:solidFill>
+            <a:schemeClr val="bg1">
+              <a:lumMod val="95000"/>
+            </a:schemeClr>
+          </a:solidFill>
+        </p:spPr>
+        <p:txBody>
+          <a:bodyPr wrap="square" lIns="0" tIns="0" rIns="0" bIns="0" rtlCol="0">
+            <a:spAutoFit/>
+          </a:bodyPr>
+          <a:lstStyle/>
+          <a:p>
+            <a:r>
+              <a:rPr lang="en-US" sz="1050" b="1" dirty="0" smtClean="0"/>
+              <a:t>2.0</a:t>
+            </a:r>
+            <a:endParaRPr lang="de-CH" sz="1050" b="1" dirty="0"/>
+          </a:p>
+        </p:txBody>
+      </p:sp>
+      <p:sp>
+        <p:nvSpPr>
+          <p:cNvPr id="17" name="Rechteck 16"/>
+          <p:cNvSpPr/>
+          <p:nvPr/>
+        </p:nvSpPr>
+        <p:spPr>
+          <a:xfrm flipV="1">
+            <a:off x="5436095" y="5952462"/>
+            <a:ext cx="2164929" cy="500871"/>
+          </a:xfrm>
+          <a:prstGeom prst="rect">
+            <a:avLst/>
+          </a:prstGeom>
+          <a:noFill/>
+          <a:ln w="57150">
+            <a:solidFill>
+              <a:schemeClr val="accent6">
+                <a:lumMod val="75000"/>
+              </a:schemeClr>
+            </a:solidFill>
+          </a:ln>
+        </p:spPr>
+        <p:style>
+          <a:lnRef idx="2">
+            <a:schemeClr val="accent2"/>
+          </a:lnRef>
+          <a:fillRef idx="1">
+            <a:schemeClr val="lt1"/>
+          </a:fillRef>
+          <a:effectRef idx="0">
+            <a:schemeClr val="accent2"/>
+          </a:effectRef>
+          <a:fontRef idx="minor">
+            <a:schemeClr val="dk1"/>
+          </a:fontRef>
+        </p:style>
+        <p:txBody>
+          <a:bodyPr rtlCol="0" anchor="ctr"/>
+          <a:lstStyle/>
+          <a:p>
+            <a:pPr algn="ctr"/>
+            <a:endParaRPr lang="de-CH"/>
+          </a:p>
+        </p:txBody>
+      </p:sp>
+      <p:sp>
+        <p:nvSpPr>
+          <p:cNvPr id="18" name="Rechteck 17"/>
+          <p:cNvSpPr/>
+          <p:nvPr/>
+        </p:nvSpPr>
+        <p:spPr>
+          <a:xfrm>
+            <a:off x="611560" y="1340768"/>
+            <a:ext cx="8075240" cy="4451857"/>
+          </a:xfrm>
+          <a:prstGeom prst="rect">
+            <a:avLst/>
+          </a:prstGeom>
+        </p:spPr>
+        <p:style>
+          <a:lnRef idx="2">
+            <a:schemeClr val="accent5"/>
+          </a:lnRef>
+          <a:fillRef idx="1">
+            <a:schemeClr val="lt1"/>
+          </a:fillRef>
+          <a:effectRef idx="0">
+            <a:schemeClr val="accent5"/>
+          </a:effectRef>
+          <a:fontRef idx="minor">
+            <a:schemeClr val="dk1"/>
+          </a:fontRef>
+        </p:style>
+        <p:txBody>
+          <a:bodyPr rtlCol="0" anchor="t" anchorCtr="0"/>
+          <a:lstStyle/>
+          <a:p>
+            <a:r>
+              <a:rPr lang="en-US" sz="1200" b="1" dirty="0" smtClean="0"/>
+              <a:t>New working with your own </a:t>
+            </a:r>
+            <a:r>
+              <a:rPr lang="en-US" sz="1200" b="1" dirty="0" err="1" smtClean="0"/>
+              <a:t>actionmaps</a:t>
+            </a:r>
+            <a:endParaRPr lang="en-US" sz="1200" b="1" dirty="0" smtClean="0"/>
+          </a:p>
+          <a:p>
+            <a:endParaRPr lang="en-US" sz="1200" dirty="0"/>
+          </a:p>
+          <a:p>
+            <a:r>
+              <a:rPr lang="en-US" sz="1200" dirty="0" smtClean="0"/>
+              <a:t>The program not only gets the </a:t>
+            </a:r>
+            <a:r>
+              <a:rPr lang="en-US" sz="1200" dirty="0" err="1" smtClean="0"/>
+              <a:t>actionsmaps</a:t>
+            </a:r>
+            <a:r>
+              <a:rPr lang="en-US" sz="1200" dirty="0" smtClean="0"/>
+              <a:t> from the real game asset – but also can save your maps there.</a:t>
+            </a:r>
+          </a:p>
+          <a:p>
+            <a:r>
+              <a:rPr lang="en-US" sz="700" dirty="0" smtClean="0"/>
+              <a:t>(</a:t>
+            </a:r>
+            <a:r>
+              <a:rPr lang="en-US" sz="700" dirty="0" smtClean="0">
+                <a:latin typeface="Lucida Console" panose="020B0609040504020204" pitchFamily="49" charset="0"/>
+              </a:rPr>
+              <a:t>…\</a:t>
+            </a:r>
+            <a:r>
+              <a:rPr lang="en-US" sz="700" dirty="0" err="1" smtClean="0">
+                <a:latin typeface="Lucida Console" panose="020B0609040504020204" pitchFamily="49" charset="0"/>
+              </a:rPr>
+              <a:t>StarCitizen</a:t>
+            </a:r>
+            <a:r>
+              <a:rPr lang="en-US" sz="700" dirty="0" smtClean="0">
+                <a:latin typeface="Lucida Console" panose="020B0609040504020204" pitchFamily="49" charset="0"/>
+              </a:rPr>
+              <a:t>\</a:t>
+            </a:r>
+            <a:r>
+              <a:rPr lang="en-US" sz="700" dirty="0" err="1" smtClean="0">
+                <a:latin typeface="Lucida Console" panose="020B0609040504020204" pitchFamily="49" charset="0"/>
+              </a:rPr>
+              <a:t>CitizenClient</a:t>
+            </a:r>
+            <a:r>
+              <a:rPr lang="en-US" sz="700" dirty="0" smtClean="0">
+                <a:latin typeface="Lucida Console" panose="020B0609040504020204" pitchFamily="49" charset="0"/>
+              </a:rPr>
+              <a:t>\Data\Controls\Mappings</a:t>
+            </a:r>
+            <a:r>
+              <a:rPr lang="en-US" sz="700" dirty="0" smtClean="0"/>
+              <a:t>)</a:t>
+            </a:r>
+          </a:p>
+          <a:p>
+            <a:endParaRPr lang="en-US" sz="1200" dirty="0"/>
+          </a:p>
+          <a:p>
+            <a:pPr marL="228600" indent="-228600">
+              <a:buAutoNum type="arabicPeriod"/>
+            </a:pPr>
+            <a:r>
+              <a:rPr lang="en-US" sz="1200" dirty="0" smtClean="0"/>
+              <a:t>Type a name  (limitations see note)</a:t>
+            </a:r>
+          </a:p>
+          <a:p>
+            <a:pPr marL="228600" indent="-228600">
+              <a:buAutoNum type="arabicPeriod"/>
+            </a:pPr>
+            <a:r>
+              <a:rPr lang="en-US" sz="1200" dirty="0" smtClean="0"/>
+              <a:t>Hit the button – it will then Dump and Save your map into the game folder (well asking you to overwrite it if it exists)</a:t>
+            </a:r>
+          </a:p>
+          <a:p>
+            <a:pPr marL="228600" indent="-228600">
+              <a:buAutoNum type="arabicPeriod"/>
+            </a:pPr>
+            <a:endParaRPr lang="en-US" sz="1200" dirty="0"/>
+          </a:p>
+          <a:p>
+            <a:r>
+              <a:rPr lang="en-US" sz="1200" dirty="0" smtClean="0"/>
+              <a:t>NOTE: your map name has always to start with ‘</a:t>
+            </a:r>
+            <a:r>
+              <a:rPr lang="en-US" sz="1200" dirty="0" err="1" smtClean="0"/>
+              <a:t>layout_my</a:t>
+            </a:r>
+            <a:r>
+              <a:rPr lang="en-US" sz="1200" dirty="0" smtClean="0"/>
+              <a:t>_’   to prevent modifying CIGs own </a:t>
+            </a:r>
+            <a:r>
+              <a:rPr lang="en-US" sz="1200" dirty="0" err="1" smtClean="0"/>
+              <a:t>actionmaps</a:t>
+            </a:r>
+            <a:endParaRPr lang="en-US" sz="1200" dirty="0" smtClean="0"/>
+          </a:p>
+          <a:p>
+            <a:r>
+              <a:rPr lang="en-US" sz="1200" dirty="0" smtClean="0"/>
+              <a:t>Lowercase only, no spaces, tabs allowed else you see the red flag ..</a:t>
+            </a:r>
+          </a:p>
+          <a:p>
+            <a:endParaRPr lang="en-US" sz="1200" dirty="0" smtClean="0"/>
+          </a:p>
+          <a:p>
+            <a:r>
+              <a:rPr lang="en-US" sz="1200" dirty="0" smtClean="0"/>
+              <a:t>A successful Save will show the green flag</a:t>
+            </a:r>
+          </a:p>
+          <a:p>
+            <a:endParaRPr lang="en-US" sz="1200" dirty="0"/>
+          </a:p>
+          <a:p>
+            <a:endParaRPr lang="en-US" sz="1200" dirty="0" smtClean="0"/>
+          </a:p>
+          <a:p>
+            <a:endParaRPr lang="en-US" sz="1200" dirty="0" smtClean="0"/>
+          </a:p>
+          <a:p>
+            <a:endParaRPr lang="en-US" sz="1200" dirty="0"/>
+          </a:p>
+          <a:p>
+            <a:r>
+              <a:rPr lang="en-US" sz="1200" dirty="0" smtClean="0"/>
+              <a:t>Your own maps will then show up like the game provided maps</a:t>
+            </a:r>
+          </a:p>
+          <a:p>
+            <a:r>
+              <a:rPr lang="en-US" sz="800" dirty="0" err="1">
+                <a:latin typeface="Lucida Console" panose="020B0609040504020204" pitchFamily="49" charset="0"/>
+              </a:rPr>
+              <a:t>pp_rebindkeys</a:t>
+            </a:r>
+            <a:r>
+              <a:rPr lang="en-US" sz="800" dirty="0">
+                <a:latin typeface="Lucida Console" panose="020B0609040504020204" pitchFamily="49" charset="0"/>
+              </a:rPr>
+              <a:t> </a:t>
+            </a:r>
+            <a:r>
+              <a:rPr lang="en-US" sz="800" dirty="0" err="1">
+                <a:latin typeface="Lucida Console" panose="020B0609040504020204" pitchFamily="49" charset="0"/>
+              </a:rPr>
+              <a:t>layout_my_joystick</a:t>
+            </a:r>
+            <a:r>
+              <a:rPr lang="en-US" sz="800" dirty="0">
+                <a:latin typeface="Lucida Console" panose="020B0609040504020204" pitchFamily="49" charset="0"/>
+              </a:rPr>
+              <a:t>   </a:t>
+            </a:r>
+            <a:r>
+              <a:rPr lang="en-US" sz="1200" dirty="0" smtClean="0"/>
+              <a:t>should load it into the game</a:t>
+            </a:r>
+            <a:endParaRPr lang="en-US" sz="1200" dirty="0"/>
+          </a:p>
+          <a:p>
+            <a:endParaRPr lang="en-US" sz="1200" dirty="0" smtClean="0"/>
+          </a:p>
+          <a:p>
+            <a:r>
+              <a:rPr lang="en-US" sz="1200" dirty="0" smtClean="0"/>
+              <a:t>Note: For your convenience each Save also makes a copy of into your personal</a:t>
+            </a:r>
+          </a:p>
+          <a:p>
+            <a:r>
+              <a:rPr lang="en-US" sz="1100" dirty="0" smtClean="0">
+                <a:latin typeface="Lucida Console" panose="020B0609040504020204" pitchFamily="49" charset="0"/>
+              </a:rPr>
+              <a:t>“My Documents\</a:t>
+            </a:r>
+            <a:r>
+              <a:rPr lang="en-US" sz="1100" dirty="0" err="1" smtClean="0">
+                <a:latin typeface="Lucida Console" panose="020B0609040504020204" pitchFamily="49" charset="0"/>
+              </a:rPr>
+              <a:t>SCJMapper</a:t>
+            </a:r>
+            <a:r>
+              <a:rPr lang="en-US" sz="1100" dirty="0" smtClean="0">
+                <a:latin typeface="Lucida Console" panose="020B0609040504020204" pitchFamily="49" charset="0"/>
+              </a:rPr>
+              <a:t>” </a:t>
+            </a:r>
+            <a:r>
+              <a:rPr lang="en-US" sz="1200" dirty="0"/>
+              <a:t>folder </a:t>
+            </a:r>
+            <a:r>
+              <a:rPr lang="en-US" sz="1200" dirty="0" smtClean="0"/>
+              <a:t>– no work is lost if there is an update </a:t>
+            </a:r>
+          </a:p>
+          <a:p>
+            <a:r>
+              <a:rPr lang="en-US" sz="1200" dirty="0" smtClean="0"/>
+              <a:t>that cleans the Mappings folder.</a:t>
+            </a:r>
+            <a:endParaRPr lang="en-US" sz="1200" dirty="0"/>
+          </a:p>
+        </p:txBody>
+      </p:sp>
+      <p:pic>
+        <p:nvPicPr>
+          <p:cNvPr id="4" name="Grafik 3"/>
+          <p:cNvPicPr>
+            <a:picLocks noChangeAspect="1"/>
+          </p:cNvPicPr>
+          <p:nvPr/>
+        </p:nvPicPr>
+        <p:blipFill>
+          <a:blip r:embed="rId3"/>
+          <a:stretch>
+            <a:fillRect/>
+          </a:stretch>
+        </p:blipFill>
+        <p:spPr>
+          <a:xfrm>
+            <a:off x="6104534" y="3651568"/>
+            <a:ext cx="2398715" cy="1347462"/>
+          </a:xfrm>
+          <a:prstGeom prst="rect">
+            <a:avLst/>
+          </a:prstGeom>
+        </p:spPr>
+      </p:pic>
+      <p:sp>
+        <p:nvSpPr>
+          <p:cNvPr id="9" name="Pfeil nach rechts 8"/>
+          <p:cNvSpPr/>
+          <p:nvPr/>
+        </p:nvSpPr>
+        <p:spPr>
+          <a:xfrm rot="2267429" flipH="1">
+            <a:off x="7872439" y="4874899"/>
+            <a:ext cx="504056" cy="285009"/>
+          </a:xfrm>
+          <a:prstGeom prst="rightArrow">
+            <a:avLst/>
+          </a:prstGeom>
+        </p:spPr>
+        <p:style>
+          <a:lnRef idx="1">
+            <a:schemeClr val="accent2"/>
+          </a:lnRef>
+          <a:fillRef idx="2">
+            <a:schemeClr val="accent2"/>
+          </a:fillRef>
+          <a:effectRef idx="1">
+            <a:schemeClr val="accent2"/>
+          </a:effectRef>
+          <a:fontRef idx="minor">
+            <a:schemeClr val="dk1"/>
+          </a:fontRef>
+        </p:style>
+        <p:txBody>
+          <a:bodyPr rtlCol="0" anchor="ctr"/>
+          <a:lstStyle/>
+          <a:p>
+            <a:pPr algn="ctr"/>
+            <a:endParaRPr lang="de-CH"/>
+          </a:p>
+        </p:txBody>
+      </p:sp>
+      <p:sp>
+        <p:nvSpPr>
+          <p:cNvPr id="11" name="Pfeil nach rechts 10"/>
+          <p:cNvSpPr/>
+          <p:nvPr/>
+        </p:nvSpPr>
+        <p:spPr>
+          <a:xfrm rot="10800000" flipH="1">
+            <a:off x="6104534" y="4354143"/>
+            <a:ext cx="504056" cy="285009"/>
+          </a:xfrm>
+          <a:prstGeom prst="rightArrow">
+            <a:avLst/>
+          </a:prstGeom>
+        </p:spPr>
+        <p:style>
+          <a:lnRef idx="1">
+            <a:schemeClr val="accent2"/>
+          </a:lnRef>
+          <a:fillRef idx="2">
+            <a:schemeClr val="accent2"/>
+          </a:fillRef>
+          <a:effectRef idx="1">
+            <a:schemeClr val="accent2"/>
+          </a:effectRef>
+          <a:fontRef idx="minor">
+            <a:schemeClr val="dk1"/>
+          </a:fontRef>
+        </p:style>
+        <p:txBody>
+          <a:bodyPr rtlCol="0" anchor="ctr"/>
+          <a:lstStyle/>
+          <a:p>
+            <a:pPr algn="ctr"/>
+            <a:endParaRPr lang="de-CH"/>
+          </a:p>
+        </p:txBody>
+      </p:sp>
+      <p:pic>
+        <p:nvPicPr>
+          <p:cNvPr id="5" name="Grafik 4"/>
+          <p:cNvPicPr>
+            <a:picLocks noChangeAspect="1"/>
+          </p:cNvPicPr>
+          <p:nvPr/>
+        </p:nvPicPr>
+        <p:blipFill>
+          <a:blip r:embed="rId4"/>
+          <a:stretch>
+            <a:fillRect/>
+          </a:stretch>
+        </p:blipFill>
+        <p:spPr>
+          <a:xfrm>
+            <a:off x="4914917" y="2949651"/>
+            <a:ext cx="2106221" cy="193747"/>
+          </a:xfrm>
+          <a:prstGeom prst="rect">
+            <a:avLst/>
+          </a:prstGeom>
+        </p:spPr>
+      </p:pic>
+      <p:pic>
+        <p:nvPicPr>
+          <p:cNvPr id="6" name="Grafik 5"/>
+          <p:cNvPicPr>
+            <a:picLocks noChangeAspect="1"/>
+          </p:cNvPicPr>
+          <p:nvPr/>
+        </p:nvPicPr>
+        <p:blipFill>
+          <a:blip r:embed="rId5"/>
+          <a:stretch>
+            <a:fillRect/>
+          </a:stretch>
+        </p:blipFill>
+        <p:spPr>
+          <a:xfrm>
+            <a:off x="3439925" y="3278206"/>
+            <a:ext cx="2124822" cy="376785"/>
+          </a:xfrm>
+          <a:prstGeom prst="rect">
+            <a:avLst/>
+          </a:prstGeom>
+        </p:spPr>
+      </p:pic>
+    </p:spTree>
+    <p:extLst>
+      <p:ext uri="{BB962C8B-B14F-4D97-AF65-F5344CB8AC3E}">
+        <p14:creationId xmlns:p14="http://schemas.microsoft.com/office/powerpoint/2010/main" val="607392062"/>
+      </p:ext>
+    </p:extLst>
+  </p:cSld>
+  <p:clrMapOvr>
+    <a:masterClrMapping/>
+  </p:clrMapOvr>
+</p:sld>
+</file>
+
+<file path=ppt/slides/slide15.xml><?xml version="1.0" encoding="utf-8"?>
+<p:sld xmlns:a="http://schemas.openxmlformats.org/drawingml/2006/main" xmlns:r="http://schemas.openxmlformats.org/officeDocument/2006/relationships" xmlns:p="http://schemas.openxmlformats.org/presentationml/2006/main">
+  <p:cSld>
+    <p:spTree>
+      <p:nvGrpSpPr>
+        <p:cNvPr id="1" name=""/>
+        <p:cNvGrpSpPr/>
+        <p:nvPr/>
+      </p:nvGrpSpPr>
+      <p:grpSpPr>
+        <a:xfrm>
+          <a:off x="0" y="0"/>
+          <a:ext cx="0" cy="0"/>
+          <a:chOff x="0" y="0"/>
+          <a:chExt cx="0" cy="0"/>
+        </a:xfrm>
+      </p:grpSpPr>
+      <p:pic>
+        <p:nvPicPr>
+          <p:cNvPr id="7" name="Grafik 6"/>
+          <p:cNvPicPr>
+            <a:picLocks noChangeAspect="1"/>
+          </p:cNvPicPr>
+          <p:nvPr/>
+        </p:nvPicPr>
+        <p:blipFill>
+          <a:blip r:embed="rId2"/>
+          <a:stretch>
+            <a:fillRect/>
+          </a:stretch>
+        </p:blipFill>
+        <p:spPr>
+          <a:xfrm>
+            <a:off x="1406191" y="1124743"/>
+            <a:ext cx="6194833" cy="5575350"/>
+          </a:xfrm>
+          <a:prstGeom prst="rect">
+            <a:avLst/>
+          </a:prstGeom>
+        </p:spPr>
+      </p:pic>
+      <p:sp>
+        <p:nvSpPr>
+          <p:cNvPr id="2" name="Titel 1"/>
+          <p:cNvSpPr>
+            <a:spLocks noGrp="1"/>
+          </p:cNvSpPr>
+          <p:nvPr>
+            <p:ph type="title"/>
+          </p:nvPr>
+        </p:nvSpPr>
+        <p:spPr/>
+        <p:txBody>
+          <a:bodyPr/>
+          <a:lstStyle/>
+          <a:p>
             <a:r>
               <a:rPr lang="en-US" dirty="0" smtClean="0">
                 <a:solidFill>
                   <a:schemeClr val="accent3"/>
                 </a:solidFill>
               </a:rPr>
-              <a:t>– </a:t>
-            </a:r>
-            <a:r>
-              <a:rPr lang="en-US" dirty="0" smtClean="0">
-                <a:solidFill>
-                  <a:schemeClr val="accent3"/>
-                </a:solidFill>
-              </a:rPr>
-              <a:t>Features</a:t>
+              <a:t>V2.1 – Features</a:t>
             </a:r>
             <a:endParaRPr lang="en-US" dirty="0">
               <a:solidFill>
@@ -5144,7 +5410,7 @@
         <p:spPr>
           <a:xfrm>
             <a:off x="611560" y="1340768"/>
-            <a:ext cx="8075240" cy="4451857"/>
+            <a:ext cx="8352928" cy="4451857"/>
           </a:xfrm>
           <a:prstGeom prst="rect">
             <a:avLst/>
@@ -5170,13 +5436,8 @@
           <a:p>
             <a:r>
               <a:rPr lang="en-US" sz="1200" b="1" dirty="0" smtClean="0"/>
-              <a:t>New </a:t>
-            </a:r>
-            <a:r>
-              <a:rPr lang="en-US" sz="1200" b="1" dirty="0" smtClean="0"/>
-              <a:t>possibility to blend the unmapped joystick entries</a:t>
-            </a:r>
-            <a:endParaRPr lang="en-US" sz="1200" b="1" dirty="0" smtClean="0"/>
+              <a:t>New possibility to blend the unmapped joystick entries</a:t>
+            </a:r>
           </a:p>
           <a:p>
             <a:endParaRPr lang="en-US" sz="1200" dirty="0"/>
@@ -5186,7 +5447,6 @@
               <a:rPr lang="en-US" sz="1200" dirty="0" smtClean="0"/>
               <a:t>If you wish to hide all the joystick actions that you don’t use – to make sure they are not active – check “Blend unmapped”</a:t>
             </a:r>
-            <a:endParaRPr lang="en-US" sz="1200" dirty="0" smtClean="0"/>
           </a:p>
           <a:p>
             <a:endParaRPr lang="en-US" sz="1200" dirty="0" smtClean="0"/>
@@ -5228,11 +5488,7 @@
           <a:p>
             <a:r>
               <a:rPr lang="en-US" sz="1200" dirty="0" smtClean="0"/>
-              <a:t>As many are concerned about steady ON buttons </a:t>
-            </a:r>
-            <a:r>
-              <a:rPr lang="en-US" sz="1200" dirty="0" smtClean="0"/>
-              <a:t>that might interfere with assigning the proper control to an action we included a setting to IGNORE specific buttons.</a:t>
+              <a:t>As many are concerned about steady ON buttons that might interfere with assigning the proper control to an action we included a setting to IGNORE specific buttons.</a:t>
             </a:r>
             <a:br>
               <a:rPr lang="en-US" sz="1200" dirty="0" smtClean="0"/>
@@ -5272,13 +5528,22 @@
           <a:p>
             <a:r>
               <a:rPr lang="en-US" sz="1200" dirty="0" smtClean="0"/>
-              <a:t>There is also way to override the programs own detection of the </a:t>
-            </a:r>
-          </a:p>
-          <a:p>
+              <a:t>There is also way to override the programs own detection of </a:t>
+            </a:r>
             <a:r>
               <a:rPr lang="en-US" sz="1200" dirty="0" smtClean="0"/>
-              <a:t>Star Citizen install folder. </a:t>
+              <a:t/>
+            </a:r>
+            <a:br>
+              <a:rPr lang="en-US" sz="1200" dirty="0" smtClean="0"/>
+            </a:br>
+            <a:r>
+              <a:rPr lang="en-US" sz="1200" dirty="0" smtClean="0"/>
+              <a:t>the Star </a:t>
+            </a:r>
+            <a:r>
+              <a:rPr lang="en-US" sz="1200" dirty="0" smtClean="0"/>
+              <a:t>Citizen install folder. </a:t>
             </a:r>
           </a:p>
           <a:p>
@@ -5363,7 +5628,7 @@
       </p:cxnSp>
       <p:pic>
         <p:nvPicPr>
-          <p:cNvPr id="13" name="Grafik 12"/>
+          <p:cNvPr id="12" name="Grafik 11"/>
           <p:cNvPicPr>
             <a:picLocks noChangeAspect="1"/>
           </p:cNvPicPr>
@@ -5377,8 +5642,8 @@
         </p:blipFill>
         <p:spPr>
           <a:xfrm>
-            <a:off x="5220072" y="3363672"/>
-            <a:ext cx="3395360" cy="2316079"/>
+            <a:off x="4592055" y="3689181"/>
+            <a:ext cx="4302570" cy="2035994"/>
           </a:xfrm>
           <a:prstGeom prst="rect">
             <a:avLst/>
@@ -5387,13 +5652,13 @@
       </p:pic>
       <p:sp>
         <p:nvSpPr>
-          <p:cNvPr id="19" name="Pfeil nach rechts 18"/>
+          <p:cNvPr id="20" name="Pfeil nach rechts 19"/>
           <p:cNvSpPr/>
           <p:nvPr/>
         </p:nvSpPr>
         <p:spPr>
           <a:xfrm>
-            <a:off x="4830044" y="5067136"/>
+            <a:off x="4217976" y="3904908"/>
             <a:ext cx="504056" cy="285009"/>
           </a:xfrm>
           <a:prstGeom prst="rightArrow">
@@ -5425,13 +5690,13 @@
       </p:sp>
       <p:sp>
         <p:nvSpPr>
-          <p:cNvPr id="20" name="Pfeil nach rechts 19"/>
+          <p:cNvPr id="19" name="Pfeil nach rechts 18"/>
           <p:cNvSpPr/>
           <p:nvPr/>
         </p:nvSpPr>
         <p:spPr>
           <a:xfrm>
-            <a:off x="4830044" y="3705038"/>
+            <a:off x="4152988" y="5157192"/>
             <a:ext cx="504056" cy="285009"/>
           </a:xfrm>
           <a:prstGeom prst="rightArrow">
@@ -5464,6 +5729,454 @@
     </p:spTree>
     <p:extLst>
       <p:ext uri="{BB962C8B-B14F-4D97-AF65-F5344CB8AC3E}">
+        <p14:creationId xmlns:p14="http://schemas.microsoft.com/office/powerpoint/2010/main" val="3207302669"/>
+      </p:ext>
+    </p:extLst>
+  </p:cSld>
+  <p:clrMapOvr>
+    <a:masterClrMapping/>
+  </p:clrMapOvr>
+</p:sld>
+</file>
+
+<file path=ppt/slides/slide16.xml><?xml version="1.0" encoding="utf-8"?>
+<p:sld xmlns:a="http://schemas.openxmlformats.org/drawingml/2006/main" xmlns:r="http://schemas.openxmlformats.org/officeDocument/2006/relationships" xmlns:p="http://schemas.openxmlformats.org/presentationml/2006/main">
+  <p:cSld>
+    <p:spTree>
+      <p:nvGrpSpPr>
+        <p:cNvPr id="1" name=""/>
+        <p:cNvGrpSpPr/>
+        <p:nvPr/>
+      </p:nvGrpSpPr>
+      <p:grpSpPr>
+        <a:xfrm>
+          <a:off x="0" y="0"/>
+          <a:ext cx="0" cy="0"/>
+          <a:chOff x="0" y="0"/>
+          <a:chExt cx="0" cy="0"/>
+        </a:xfrm>
+      </p:grpSpPr>
+      <p:pic>
+        <p:nvPicPr>
+          <p:cNvPr id="7" name="Grafik 6"/>
+          <p:cNvPicPr>
+            <a:picLocks noChangeAspect="1"/>
+          </p:cNvPicPr>
+          <p:nvPr/>
+        </p:nvPicPr>
+        <p:blipFill>
+          <a:blip r:embed="rId2"/>
+          <a:stretch>
+            <a:fillRect/>
+          </a:stretch>
+        </p:blipFill>
+        <p:spPr>
+          <a:xfrm>
+            <a:off x="1406191" y="1124743"/>
+            <a:ext cx="6194833" cy="5575350"/>
+          </a:xfrm>
+          <a:prstGeom prst="rect">
+            <a:avLst/>
+          </a:prstGeom>
+        </p:spPr>
+      </p:pic>
+      <p:sp>
+        <p:nvSpPr>
+          <p:cNvPr id="2" name="Titel 1"/>
+          <p:cNvSpPr>
+            <a:spLocks noGrp="1"/>
+          </p:cNvSpPr>
+          <p:nvPr>
+            <p:ph type="title"/>
+          </p:nvPr>
+        </p:nvSpPr>
+        <p:spPr/>
+        <p:txBody>
+          <a:bodyPr/>
+          <a:lstStyle/>
+          <a:p>
+            <a:r>
+              <a:rPr lang="en-US" dirty="0" smtClean="0">
+                <a:solidFill>
+                  <a:schemeClr val="accent4"/>
+                </a:solidFill>
+              </a:rPr>
+              <a:t>V2.2 </a:t>
+            </a:r>
+            <a:r>
+              <a:rPr lang="en-US" dirty="0" smtClean="0">
+                <a:solidFill>
+                  <a:schemeClr val="accent4"/>
+                </a:solidFill>
+              </a:rPr>
+              <a:t>– Features</a:t>
+            </a:r>
+            <a:endParaRPr lang="en-US" dirty="0">
+              <a:solidFill>
+                <a:schemeClr val="accent4"/>
+              </a:solidFill>
+            </a:endParaRPr>
+          </a:p>
+        </p:txBody>
+      </p:sp>
+      <p:sp>
+        <p:nvSpPr>
+          <p:cNvPr id="14" name="Textfeld 13"/>
+          <p:cNvSpPr txBox="1"/>
+          <p:nvPr/>
+        </p:nvSpPr>
+        <p:spPr>
+          <a:xfrm>
+            <a:off x="4217976" y="1394912"/>
+            <a:ext cx="864096" cy="161583"/>
+          </a:xfrm>
+          <a:prstGeom prst="rect">
+            <a:avLst/>
+          </a:prstGeom>
+          <a:solidFill>
+            <a:schemeClr val="bg1">
+              <a:lumMod val="95000"/>
+            </a:schemeClr>
+          </a:solidFill>
+        </p:spPr>
+        <p:txBody>
+          <a:bodyPr wrap="square" lIns="0" tIns="0" rIns="0" bIns="0" rtlCol="0">
+            <a:spAutoFit/>
+          </a:bodyPr>
+          <a:lstStyle/>
+          <a:p>
+            <a:r>
+              <a:rPr lang="en-US" sz="1050" b="1" dirty="0" smtClean="0"/>
+              <a:t>2.0</a:t>
+            </a:r>
+            <a:endParaRPr lang="de-CH" sz="1050" b="1" dirty="0"/>
+          </a:p>
+        </p:txBody>
+      </p:sp>
+      <p:sp>
+        <p:nvSpPr>
+          <p:cNvPr id="17" name="Rechteck 16"/>
+          <p:cNvSpPr/>
+          <p:nvPr/>
+        </p:nvSpPr>
+        <p:spPr>
+          <a:xfrm flipV="1">
+            <a:off x="3275857" y="6163790"/>
+            <a:ext cx="942120" cy="289545"/>
+          </a:xfrm>
+          <a:prstGeom prst="rect">
+            <a:avLst/>
+          </a:prstGeom>
+          <a:noFill/>
+          <a:ln w="57150">
+            <a:solidFill>
+              <a:schemeClr val="accent4"/>
+            </a:solidFill>
+          </a:ln>
+        </p:spPr>
+        <p:style>
+          <a:lnRef idx="2">
+            <a:schemeClr val="accent3"/>
+          </a:lnRef>
+          <a:fillRef idx="1">
+            <a:schemeClr val="lt1"/>
+          </a:fillRef>
+          <a:effectRef idx="0">
+            <a:schemeClr val="accent3"/>
+          </a:effectRef>
+          <a:fontRef idx="minor">
+            <a:schemeClr val="dk1"/>
+          </a:fontRef>
+        </p:style>
+        <p:txBody>
+          <a:bodyPr rtlCol="0" anchor="ctr"/>
+          <a:lstStyle/>
+          <a:p>
+            <a:pPr algn="ctr"/>
+            <a:endParaRPr lang="de-CH"/>
+          </a:p>
+        </p:txBody>
+      </p:sp>
+      <p:sp>
+        <p:nvSpPr>
+          <p:cNvPr id="18" name="Rechteck 17"/>
+          <p:cNvSpPr/>
+          <p:nvPr/>
+        </p:nvSpPr>
+        <p:spPr>
+          <a:xfrm>
+            <a:off x="611560" y="1340768"/>
+            <a:ext cx="8075240" cy="4451857"/>
+          </a:xfrm>
+          <a:prstGeom prst="rect">
+            <a:avLst/>
+          </a:prstGeom>
+        </p:spPr>
+        <p:style>
+          <a:lnRef idx="2">
+            <a:schemeClr val="accent5"/>
+          </a:lnRef>
+          <a:fillRef idx="1">
+            <a:schemeClr val="lt1"/>
+          </a:fillRef>
+          <a:effectRef idx="0">
+            <a:schemeClr val="accent5"/>
+          </a:effectRef>
+          <a:fontRef idx="minor">
+            <a:schemeClr val="dk1"/>
+          </a:fontRef>
+        </p:style>
+        <p:txBody>
+          <a:bodyPr rtlCol="0" anchor="t" anchorCtr="0"/>
+          <a:lstStyle/>
+          <a:p>
+            <a:r>
+              <a:rPr lang="en-US" sz="1200" b="1" dirty="0" smtClean="0"/>
+              <a:t>New possibility to </a:t>
+            </a:r>
+            <a:r>
+              <a:rPr lang="en-US" sz="1200" b="1" dirty="0" smtClean="0"/>
+              <a:t>ignore unwanted </a:t>
+            </a:r>
+            <a:r>
+              <a:rPr lang="en-US" sz="1200" b="1" dirty="0" err="1" smtClean="0"/>
+              <a:t>actionmaps</a:t>
+            </a:r>
+            <a:endParaRPr lang="en-US" sz="1200" b="1" dirty="0" smtClean="0"/>
+          </a:p>
+          <a:p>
+            <a:endParaRPr lang="en-US" sz="1200" dirty="0"/>
+          </a:p>
+          <a:p>
+            <a:r>
+              <a:rPr lang="en-US" sz="1200" dirty="0" smtClean="0"/>
+              <a:t>If you wish to </a:t>
+            </a:r>
+            <a:r>
+              <a:rPr lang="en-US" sz="1200" dirty="0" smtClean="0"/>
+              <a:t>ignore some maps to unclutter the GUI</a:t>
+            </a:r>
+          </a:p>
+          <a:p>
+            <a:r>
+              <a:rPr lang="en-US" sz="1200" dirty="0" smtClean="0"/>
+              <a:t>If you with to use the default ignored new </a:t>
+            </a:r>
+            <a:r>
+              <a:rPr lang="en-US" sz="1200" dirty="0" err="1" smtClean="0"/>
+              <a:t>actionmaps</a:t>
+            </a:r>
+            <a:r>
+              <a:rPr lang="en-US" sz="1200" dirty="0" smtClean="0"/>
+              <a:t> </a:t>
+            </a:r>
+            <a:r>
+              <a:rPr lang="en-US" sz="1200" i="1" dirty="0" smtClean="0"/>
+              <a:t>multiplayer, </a:t>
+            </a:r>
+            <a:r>
+              <a:rPr lang="en-US" sz="1200" i="1" dirty="0" err="1" smtClean="0"/>
+              <a:t>singleplayer</a:t>
+            </a:r>
+            <a:r>
+              <a:rPr lang="en-US" sz="1200" i="1" dirty="0" smtClean="0"/>
+              <a:t>, player</a:t>
+            </a:r>
+            <a:endParaRPr lang="en-US" sz="1200" i="1" dirty="0" smtClean="0"/>
+          </a:p>
+          <a:p>
+            <a:endParaRPr lang="en-US" sz="1200" dirty="0" smtClean="0"/>
+          </a:p>
+          <a:p>
+            <a:r>
+              <a:rPr lang="en-US" sz="1200" dirty="0" smtClean="0"/>
+              <a:t>The </a:t>
+            </a:r>
+            <a:r>
+              <a:rPr lang="en-US" sz="1200" dirty="0" smtClean="0"/>
+              <a:t>program will </a:t>
+            </a:r>
+            <a:r>
+              <a:rPr lang="en-US" sz="1200" dirty="0" smtClean="0"/>
+              <a:t>ignore all </a:t>
+            </a:r>
+            <a:r>
+              <a:rPr lang="en-US" sz="1200" dirty="0" err="1" smtClean="0"/>
+              <a:t>actionmaps</a:t>
+            </a:r>
+            <a:r>
+              <a:rPr lang="en-US" sz="1200" dirty="0" smtClean="0"/>
+              <a:t> </a:t>
+            </a:r>
+            <a:r>
+              <a:rPr lang="en-US" sz="1200" dirty="0" smtClean="0"/>
+              <a:t>that are </a:t>
+            </a:r>
+            <a:r>
+              <a:rPr lang="en-US" sz="1200" b="1" dirty="0" smtClean="0"/>
+              <a:t>checked</a:t>
+            </a:r>
+            <a:endParaRPr lang="en-US" sz="1200" b="1" dirty="0" smtClean="0"/>
+          </a:p>
+          <a:p>
+            <a:r>
+              <a:rPr lang="en-US" sz="1200" dirty="0" smtClean="0"/>
+              <a:t>In the example </a:t>
+            </a:r>
+            <a:r>
+              <a:rPr lang="en-US" sz="1200" i="1" dirty="0"/>
+              <a:t>multiplayer, </a:t>
+            </a:r>
+            <a:r>
+              <a:rPr lang="en-US" sz="1200" i="1" dirty="0" err="1"/>
+              <a:t>singleplayer</a:t>
+            </a:r>
+            <a:r>
+              <a:rPr lang="en-US" sz="1200" i="1" dirty="0"/>
+              <a:t>, </a:t>
+            </a:r>
+            <a:r>
+              <a:rPr lang="en-US" sz="1200" i="1" dirty="0" smtClean="0"/>
+              <a:t>player and </a:t>
+            </a:r>
+            <a:r>
+              <a:rPr lang="en-US" sz="1200" i="1" dirty="0" err="1" smtClean="0"/>
+              <a:t>IFCS_controls</a:t>
+            </a:r>
+            <a:r>
+              <a:rPr lang="en-US" sz="1200" dirty="0" smtClean="0"/>
+              <a:t>  are completely ignored and will not show up.</a:t>
+            </a:r>
+          </a:p>
+          <a:p>
+            <a:endParaRPr lang="en-US" sz="1200" dirty="0" smtClean="0"/>
+          </a:p>
+          <a:p>
+            <a:r>
+              <a:rPr lang="en-US" sz="1200" dirty="0" smtClean="0"/>
+              <a:t>Just uncheck any to </a:t>
+            </a:r>
+            <a:r>
+              <a:rPr lang="en-US" sz="1200" smtClean="0"/>
+              <a:t>use it again</a:t>
+            </a:r>
+            <a:r>
+              <a:rPr lang="en-US" sz="1200" dirty="0" smtClean="0"/>
+              <a:t>.</a:t>
+            </a:r>
+            <a:endParaRPr lang="en-US" sz="1200" dirty="0"/>
+          </a:p>
+        </p:txBody>
+      </p:sp>
+      <p:pic>
+        <p:nvPicPr>
+          <p:cNvPr id="3" name="Grafik 2"/>
+          <p:cNvPicPr>
+            <a:picLocks noChangeAspect="1"/>
+          </p:cNvPicPr>
+          <p:nvPr/>
+        </p:nvPicPr>
+        <p:blipFill>
+          <a:blip r:embed="rId3"/>
+          <a:stretch>
+            <a:fillRect/>
+          </a:stretch>
+        </p:blipFill>
+        <p:spPr>
+          <a:xfrm>
+            <a:off x="4067944" y="3558886"/>
+            <a:ext cx="4536753" cy="2146810"/>
+          </a:xfrm>
+          <a:prstGeom prst="rect">
+            <a:avLst/>
+          </a:prstGeom>
+        </p:spPr>
+      </p:pic>
+      <p:sp>
+        <p:nvSpPr>
+          <p:cNvPr id="15" name="Rechteck 14"/>
+          <p:cNvSpPr/>
+          <p:nvPr/>
+        </p:nvSpPr>
+        <p:spPr>
+          <a:xfrm flipV="1">
+            <a:off x="7020271" y="3717031"/>
+            <a:ext cx="1529743" cy="1729705"/>
+          </a:xfrm>
+          <a:prstGeom prst="rect">
+            <a:avLst/>
+          </a:prstGeom>
+          <a:noFill/>
+          <a:ln w="57150">
+            <a:solidFill>
+              <a:schemeClr val="accent4"/>
+            </a:solidFill>
+          </a:ln>
+        </p:spPr>
+        <p:style>
+          <a:lnRef idx="2">
+            <a:schemeClr val="accent3"/>
+          </a:lnRef>
+          <a:fillRef idx="1">
+            <a:schemeClr val="lt1"/>
+          </a:fillRef>
+          <a:effectRef idx="0">
+            <a:schemeClr val="accent3"/>
+          </a:effectRef>
+          <a:fontRef idx="minor">
+            <a:schemeClr val="dk1"/>
+          </a:fontRef>
+        </p:style>
+        <p:txBody>
+          <a:bodyPr rtlCol="0" anchor="ctr"/>
+          <a:lstStyle/>
+          <a:p>
+            <a:pPr algn="ctr"/>
+            <a:endParaRPr lang="de-CH"/>
+          </a:p>
+        </p:txBody>
+      </p:sp>
+      <p:sp>
+        <p:nvSpPr>
+          <p:cNvPr id="20" name="Pfeil nach rechts 19"/>
+          <p:cNvSpPr/>
+          <p:nvPr/>
+        </p:nvSpPr>
+        <p:spPr>
+          <a:xfrm rot="2892402">
+            <a:off x="6682412" y="3522592"/>
+            <a:ext cx="504056" cy="285009"/>
+          </a:xfrm>
+          <a:prstGeom prst="rightArrow">
+            <a:avLst/>
+          </a:prstGeom>
+        </p:spPr>
+        <p:style>
+          <a:lnRef idx="1">
+            <a:schemeClr val="accent2"/>
+          </a:lnRef>
+          <a:fillRef idx="2">
+            <a:schemeClr val="accent2"/>
+          </a:fillRef>
+          <a:effectRef idx="1">
+            <a:schemeClr val="accent2"/>
+          </a:effectRef>
+          <a:fontRef idx="minor">
+            <a:schemeClr val="dk1"/>
+          </a:fontRef>
+        </p:style>
+        <p:txBody>
+          <a:bodyPr rtlCol="0" anchor="ctr"/>
+          <a:lstStyle/>
+          <a:p>
+            <a:pPr algn="ctr"/>
+            <a:endParaRPr lang="de-CH"/>
+          </a:p>
+        </p:txBody>
+      </p:sp>
+    </p:spTree>
+    <p:extLst>
+      <p:ext uri="{BB962C8B-B14F-4D97-AF65-F5344CB8AC3E}">
         <p14:creationId xmlns:p14="http://schemas.microsoft.com/office/powerpoint/2010/main" val="1926937733"/>
       </p:ext>
     </p:extLst>
@@ -5474,7 +6187,7 @@
 </p:sld>
 </file>
 
-<file path=ppt/slides/slide15.xml><?xml version="1.0" encoding="utf-8"?>
+<file path=ppt/slides/slide17.xml><?xml version="1.0" encoding="utf-8"?>
 <p:sld xmlns:a="http://schemas.openxmlformats.org/drawingml/2006/main" xmlns:r="http://schemas.openxmlformats.org/officeDocument/2006/relationships" xmlns:p="http://schemas.openxmlformats.org/presentationml/2006/main">
   <p:cSld>
     <p:spTree>
@@ -8228,7 +8941,7 @@
             </a:r>
             <a:r>
               <a:rPr lang="en-US" dirty="0" smtClean="0"/>
-              <a:t>2.0 </a:t>
+              <a:t>2.1 </a:t>
             </a:r>
             <a:r>
               <a:rPr lang="en-US" dirty="0" smtClean="0"/>
@@ -8236,7 +8949,7 @@
             </a:r>
             <a:r>
               <a:rPr lang="en-US" dirty="0" smtClean="0"/>
-              <a:t>2.1:</a:t>
+              <a:t>2.2:</a:t>
             </a:r>
             <a:endParaRPr lang="de-CH" dirty="0"/>
           </a:p>
@@ -8261,21 +8974,23 @@
           <a:p>
             <a:r>
               <a:rPr lang="en-US" sz="2400" dirty="0" smtClean="0"/>
-              <a:t>As there seems to be issues with Win 8.1 we included a debug log facility.</a:t>
-            </a:r>
-            <a:br>
+              <a:t>No specifi</a:t>
+            </a:r>
+            <a:r>
               <a:rPr lang="en-US" sz="2400" dirty="0" smtClean="0"/>
-            </a:br>
+              <a:t>c things to do</a:t>
+            </a:r>
+          </a:p>
+          <a:p>
+            <a:endParaRPr lang="en-US" sz="2400" dirty="0"/>
+          </a:p>
+          <a:p>
             <a:endParaRPr lang="en-US" sz="2400" dirty="0" smtClean="0"/>
           </a:p>
           <a:p>
             <a:r>
               <a:rPr lang="en-US" sz="2400" dirty="0" smtClean="0"/>
               <a:t>If you encounter an error or crash then read on…</a:t>
-            </a:r>
-            <a:r>
-              <a:rPr lang="en-US" sz="2400" dirty="0" smtClean="0"/>
-              <a:t/>
             </a:r>
             <a:br>
               <a:rPr lang="en-US" sz="2400" dirty="0" smtClean="0"/>
@@ -8414,15 +9129,7 @@
                   <a:prstClr val="black"/>
                 </a:solidFill>
               </a:rPr>
-              <a:t>we may then finally solve </a:t>
-            </a:r>
-            <a:r>
-              <a:rPr lang="en-US" sz="2400" smtClean="0">
-                <a:solidFill>
-                  <a:prstClr val="black"/>
-                </a:solidFill>
-              </a:rPr>
-              <a:t>the issue …</a:t>
+              <a:t>we may then finally solve the issue …</a:t>
             </a:r>
             <a:endParaRPr lang="en-US" sz="2400" dirty="0" smtClean="0"/>
           </a:p>
@@ -8478,7 +9185,7 @@
           <a:p>
             <a:r>
               <a:rPr lang="en-US" dirty="0" smtClean="0"/>
-              <a:t>Workflow</a:t>
+              <a:t>Contents</a:t>
             </a:r>
             <a:endParaRPr lang="de-CH" dirty="0"/>
           </a:p>
@@ -8497,56 +9204,50 @@
         <p:spPr/>
         <p:txBody>
           <a:bodyPr>
-            <a:normAutofit fontScale="77500" lnSpcReduction="20000"/>
+            <a:normAutofit/>
           </a:bodyPr>
           <a:lstStyle/>
           <a:p>
             <a:r>
               <a:rPr lang="en-US" sz="2400" dirty="0" smtClean="0"/>
-              <a:t>Connect the joystick devices to the PC</a:t>
-            </a:r>
-          </a:p>
-          <a:p>
+              <a:t>Page 2 </a:t>
+            </a:r>
+            <a:r>
+              <a:rPr lang="en-US" sz="2400" dirty="0"/>
+              <a:t>		</a:t>
+            </a:r>
             <a:r>
               <a:rPr lang="en-US" sz="2400" dirty="0" smtClean="0"/>
-              <a:t>Start from scratch or load an existing map from a file</a:t>
+              <a:t>Version Upgrade and Issue Handling</a:t>
+            </a:r>
+            <a:endParaRPr lang="en-US" sz="2400" dirty="0"/>
+          </a:p>
+          <a:p>
+            <a:r>
+              <a:rPr lang="en-US" sz="2400" dirty="0"/>
+              <a:t>Page 3 		Contents (this one…)</a:t>
             </a:r>
           </a:p>
           <a:p>
             <a:r>
               <a:rPr lang="en-US" sz="2400" dirty="0" smtClean="0"/>
-              <a:t>Make or refine mappings</a:t>
-            </a:r>
-          </a:p>
-          <a:p>
+              <a:t>Page 4..10 		General GUI and how </a:t>
+            </a:r>
+            <a:r>
+              <a:rPr lang="en-US" sz="2400" dirty="0" err="1" smtClean="0"/>
+              <a:t>to’s</a:t>
+            </a:r>
+            <a:endParaRPr lang="en-US" sz="2400" dirty="0" smtClean="0"/>
+          </a:p>
+          <a:p>
+            <a:r>
+              <a:rPr lang="en-US" sz="2400" dirty="0"/>
+              <a:t>Page 11</a:t>
+            </a:r>
             <a:r>
               <a:rPr lang="en-US" sz="2400" dirty="0" smtClean="0"/>
-              <a:t>Save the new map to an XML file</a:t>
-            </a:r>
-          </a:p>
-          <a:p>
-            <a:r>
-              <a:rPr lang="en-US" sz="2400" dirty="0" smtClean="0"/>
-              <a:t>Use it in </a:t>
-            </a:r>
-            <a:r>
-              <a:rPr lang="en-US" sz="2400" dirty="0"/>
-              <a:t>the game: </a:t>
-            </a:r>
-            <a:r>
-              <a:rPr lang="en-US" sz="2400" dirty="0" smtClean="0"/>
-              <a:t>e.g. </a:t>
-            </a:r>
-            <a:r>
-              <a:rPr lang="en-US" sz="1500" dirty="0" err="1" smtClean="0"/>
-              <a:t>pp_rebindkeys</a:t>
-            </a:r>
-            <a:r>
-              <a:rPr lang="en-US" sz="1500" dirty="0" smtClean="0"/>
-              <a:t> C:\maps\layout_my_joystick</a:t>
-            </a:r>
-          </a:p>
-          <a:p>
+              <a:t>..14 	</a:t>
+            </a:r>
             <a:r>
               <a:rPr lang="en-US" sz="2400" dirty="0" smtClean="0">
                 <a:solidFill>
@@ -8555,26 +9256,7 @@
                   </a:schemeClr>
                 </a:solidFill>
               </a:rPr>
-              <a:t>V 2.0: You may load and save the map directly from your game folders</a:t>
-            </a:r>
-            <a:br>
-              <a:rPr lang="en-US" sz="2400" dirty="0" smtClean="0">
-                <a:solidFill>
-                  <a:schemeClr val="accent6">
-                    <a:lumMod val="75000"/>
-                  </a:schemeClr>
-                </a:solidFill>
-              </a:rPr>
-            </a:br>
-            <a:r>
-              <a:rPr lang="en-US" sz="2400" dirty="0" smtClean="0">
-                <a:solidFill>
-                  <a:schemeClr val="accent6">
-                    <a:lumMod val="75000"/>
-                  </a:schemeClr>
-                </a:solidFill>
-              </a:rPr>
-              <a:t>so next time you just use  </a:t>
+              <a:t>V2.0 </a:t>
             </a:r>
             <a:r>
               <a:rPr lang="en-US" sz="2400" dirty="0">
@@ -8584,173 +9266,77 @@
                   </a:schemeClr>
                 </a:solidFill>
               </a:rPr>
-              <a:t> </a:t>
-            </a:r>
-            <a:r>
-              <a:rPr lang="en-US" sz="1500" dirty="0" err="1">
+              <a:t>new features</a:t>
+            </a:r>
+          </a:p>
+          <a:p>
+            <a:r>
+              <a:rPr lang="en-US" sz="2400" dirty="0"/>
+              <a:t>Page </a:t>
+            </a:r>
+            <a:r>
+              <a:rPr lang="en-US" sz="2400" dirty="0" smtClean="0"/>
+              <a:t>15	 	</a:t>
+            </a:r>
+            <a:r>
+              <a:rPr lang="en-US" sz="2400" dirty="0" smtClean="0">
                 <a:solidFill>
-                  <a:schemeClr val="accent6">
-                    <a:lumMod val="75000"/>
-                  </a:schemeClr>
+                  <a:schemeClr val="accent3"/>
                 </a:solidFill>
               </a:rPr>
-              <a:t>pp_rebindkeys</a:t>
-            </a:r>
-            <a:r>
-              <a:rPr lang="en-US" sz="1500" dirty="0">
+              <a:t>V2.1 </a:t>
+            </a:r>
+            <a:r>
+              <a:rPr lang="en-US" sz="2400" dirty="0">
                 <a:solidFill>
-                  <a:schemeClr val="accent6">
-                    <a:lumMod val="75000"/>
-                  </a:schemeClr>
+                  <a:schemeClr val="accent3"/>
                 </a:solidFill>
               </a:rPr>
-              <a:t> </a:t>
-            </a:r>
-            <a:r>
-              <a:rPr lang="en-US" sz="1500" dirty="0" err="1" smtClean="0">
+              <a:t>new features</a:t>
+            </a:r>
+          </a:p>
+          <a:p>
+            <a:r>
+              <a:rPr lang="en-US" sz="2400" dirty="0"/>
+              <a:t>Page </a:t>
+            </a:r>
+            <a:r>
+              <a:rPr lang="en-US" sz="2400" dirty="0" smtClean="0"/>
+              <a:t>16 		</a:t>
+            </a:r>
+            <a:r>
+              <a:rPr lang="en-US" sz="2400" dirty="0" smtClean="0">
                 <a:solidFill>
-                  <a:schemeClr val="accent6">
-                    <a:lumMod val="75000"/>
-                  </a:schemeClr>
+                  <a:schemeClr val="accent4"/>
                 </a:solidFill>
               </a:rPr>
-              <a:t>layout_my_joystick</a:t>
-            </a:r>
-            <a:endParaRPr lang="en-US" sz="2400" dirty="0">
-              <a:solidFill>
-                <a:schemeClr val="accent6">
-                  <a:lumMod val="75000"/>
-                </a:schemeClr>
-              </a:solidFill>
-            </a:endParaRPr>
-          </a:p>
-          <a:p>
-            <a:pPr marL="0" indent="0">
-              <a:buNone/>
-            </a:pPr>
-            <a:endParaRPr lang="en-US" sz="1800" dirty="0"/>
-          </a:p>
-          <a:p>
-            <a:pPr marL="0" indent="0">
-              <a:buNone/>
-            </a:pPr>
-            <a:r>
-              <a:rPr lang="en-US" sz="1800" dirty="0" smtClean="0"/>
-              <a:t>Note: the predefined actions are the ones found in the AC game default profile – it is likely that some of them will not work at all as the game is not finished. There is no proper description for which one does what – you may get help in SC Forums.</a:t>
-            </a:r>
-          </a:p>
-          <a:p>
-            <a:pPr marL="0" indent="0">
-              <a:buNone/>
-            </a:pPr>
-            <a:endParaRPr lang="en-US" sz="1800" dirty="0"/>
-          </a:p>
-          <a:p>
-            <a:pPr marL="0" indent="0">
-              <a:buNone/>
-            </a:pPr>
-            <a:r>
-              <a:rPr lang="en-US" sz="1800" dirty="0" smtClean="0"/>
-              <a:t>As I had my issues with missiles here a finding..</a:t>
-            </a:r>
-          </a:p>
-          <a:p>
-            <a:pPr marL="0" indent="0">
-              <a:buNone/>
-            </a:pPr>
-            <a:r>
-              <a:rPr lang="en-US" sz="1800" dirty="0" smtClean="0"/>
-              <a:t>To reallocate the missile fire command you should map the following 2 actions to the same joystick button</a:t>
-            </a:r>
-            <a:r>
-              <a:rPr lang="en-US" sz="1800" dirty="0"/>
-              <a:t>: </a:t>
-            </a:r>
-            <a:endParaRPr lang="en-US" sz="1800" dirty="0" smtClean="0"/>
-          </a:p>
-          <a:p>
-            <a:r>
-              <a:rPr lang="de-CH" sz="1400" i="1" dirty="0" err="1" smtClean="0"/>
-              <a:t>v_target_missile_lock_selected</a:t>
-            </a:r>
-            <a:r>
-              <a:rPr lang="de-CH" sz="1400" i="1" dirty="0" smtClean="0"/>
-              <a:t> </a:t>
-            </a:r>
-          </a:p>
-          <a:p>
-            <a:r>
-              <a:rPr lang="de-CH" sz="1400" i="1" dirty="0" err="1" smtClean="0"/>
-              <a:t>v_weapon_launch_missile</a:t>
-            </a:r>
-            <a:endParaRPr lang="de-CH" sz="1400" i="1" dirty="0" smtClean="0"/>
-          </a:p>
-          <a:p>
-            <a:pPr marL="0" indent="0">
-              <a:buNone/>
-            </a:pPr>
-            <a:endParaRPr lang="de-CH" sz="1800" dirty="0" smtClean="0"/>
-          </a:p>
-          <a:p>
-            <a:pPr marL="0" indent="0">
-              <a:buNone/>
-            </a:pPr>
-            <a:r>
-              <a:rPr lang="de-CH" sz="1800" dirty="0" smtClean="0"/>
-              <a:t>BTW: </a:t>
-            </a:r>
-            <a:r>
-              <a:rPr lang="de-CH" sz="1800" dirty="0" err="1" smtClean="0"/>
-              <a:t>if</a:t>
-            </a:r>
-            <a:r>
-              <a:rPr lang="de-CH" sz="1800" dirty="0" smtClean="0"/>
-              <a:t> </a:t>
-            </a:r>
-            <a:r>
-              <a:rPr lang="de-CH" sz="1800" dirty="0" err="1" smtClean="0"/>
-              <a:t>you</a:t>
-            </a:r>
-            <a:r>
-              <a:rPr lang="de-CH" sz="1800" dirty="0" smtClean="0"/>
-              <a:t> </a:t>
-            </a:r>
-            <a:r>
-              <a:rPr lang="de-CH" sz="1800" dirty="0" err="1" smtClean="0"/>
-              <a:t>copy</a:t>
-            </a:r>
-            <a:r>
-              <a:rPr lang="de-CH" sz="1800" dirty="0" smtClean="0"/>
-              <a:t> </a:t>
-            </a:r>
-            <a:r>
-              <a:rPr lang="en-US" sz="1800" dirty="0" smtClean="0"/>
-              <a:t>e.g. “</a:t>
-            </a:r>
-            <a:r>
-              <a:rPr lang="en-US" sz="1800" dirty="0" err="1" smtClean="0"/>
-              <a:t>pp_rebindkeys</a:t>
-            </a:r>
-            <a:r>
-              <a:rPr lang="en-US" sz="1800" dirty="0" smtClean="0"/>
-              <a:t> </a:t>
-            </a:r>
-            <a:r>
-              <a:rPr lang="en-US" sz="1800" dirty="0"/>
-              <a:t>C:\</a:t>
-            </a:r>
-            <a:r>
-              <a:rPr lang="en-US" sz="1800" dirty="0" smtClean="0"/>
-              <a:t>maps\layout_my_joystick” from notepad you may use Ctrl-V to paste it in-game into the console – saves you some typing…</a:t>
-            </a:r>
-            <a:endParaRPr lang="de-CH" sz="1800" dirty="0"/>
+              <a:t>V2.2 </a:t>
+            </a:r>
+            <a:r>
+              <a:rPr lang="en-US" sz="2400" dirty="0">
+                <a:solidFill>
+                  <a:schemeClr val="accent4"/>
+                </a:solidFill>
+              </a:rPr>
+              <a:t>new features</a:t>
+            </a:r>
+          </a:p>
+          <a:p>
+            <a:r>
+              <a:rPr lang="en-US" sz="2400" dirty="0" smtClean="0"/>
+              <a:t>Last Page 		Common Workflows - Cheat sheet</a:t>
+            </a:r>
+            <a:endParaRPr lang="en-US" sz="2400" dirty="0"/>
+          </a:p>
+          <a:p>
+            <a:endParaRPr lang="de-CH" sz="2400" dirty="0"/>
           </a:p>
         </p:txBody>
       </p:sp>
     </p:spTree>
     <p:extLst>
       <p:ext uri="{BB962C8B-B14F-4D97-AF65-F5344CB8AC3E}">
-        <p14:creationId xmlns:p14="http://schemas.microsoft.com/office/powerpoint/2010/main" val="150598319"/>
+        <p14:creationId xmlns:p14="http://schemas.microsoft.com/office/powerpoint/2010/main" val="2924806099"/>
       </p:ext>
     </p:extLst>
   </p:cSld>
@@ -8777,30 +9363,6 @@
           <a:chExt cx="0" cy="0"/>
         </a:xfrm>
       </p:grpSpPr>
-      <p:pic>
-        <p:nvPicPr>
-          <p:cNvPr id="4" name="Grafik 3"/>
-          <p:cNvPicPr>
-            <a:picLocks noChangeAspect="1"/>
-          </p:cNvPicPr>
-          <p:nvPr/>
-        </p:nvPicPr>
-        <p:blipFill>
-          <a:blip r:embed="rId2"/>
-          <a:stretch>
-            <a:fillRect/>
-          </a:stretch>
-        </p:blipFill>
-        <p:spPr>
-          <a:xfrm>
-            <a:off x="1398985" y="1134421"/>
-            <a:ext cx="6202040" cy="5581836"/>
-          </a:xfrm>
-          <a:prstGeom prst="rect">
-            <a:avLst/>
-          </a:prstGeom>
-        </p:spPr>
-      </p:pic>
       <p:sp>
         <p:nvSpPr>
           <p:cNvPr id="2" name="Titel 1"/>
@@ -8818,788 +9380,279 @@
           <a:p>
             <a:r>
               <a:rPr lang="en-US" dirty="0" smtClean="0"/>
-              <a:t>The GUI …</a:t>
-            </a:r>
-            <a:endParaRPr lang="en-US" dirty="0"/>
-          </a:p>
-        </p:txBody>
-      </p:sp>
-      <p:sp>
-        <p:nvSpPr>
-          <p:cNvPr id="6" name="Legende mit Linie 2 5"/>
-          <p:cNvSpPr/>
-          <p:nvPr/>
-        </p:nvSpPr>
-        <p:spPr>
-          <a:xfrm>
-            <a:off x="251520" y="591679"/>
-            <a:ext cx="1656184" cy="360040"/>
-          </a:xfrm>
-          <a:prstGeom prst="borderCallout2">
-            <a:avLst>
-              <a:gd name="adj1" fmla="val 113989"/>
-              <a:gd name="adj2" fmla="val 50511"/>
-              <a:gd name="adj3" fmla="val 269380"/>
-              <a:gd name="adj4" fmla="val 50531"/>
-              <a:gd name="adj5" fmla="val 523533"/>
-              <a:gd name="adj6" fmla="val 105890"/>
-            </a:avLst>
-          </a:prstGeom>
-        </p:spPr>
-        <p:style>
-          <a:lnRef idx="2">
-            <a:schemeClr val="accent5"/>
-          </a:lnRef>
-          <a:fillRef idx="1">
-            <a:schemeClr val="lt1"/>
-          </a:fillRef>
-          <a:effectRef idx="0">
-            <a:schemeClr val="accent5"/>
-          </a:effectRef>
-          <a:fontRef idx="minor">
-            <a:schemeClr val="dk1"/>
-          </a:fontRef>
-        </p:style>
-        <p:txBody>
-          <a:bodyPr rtlCol="0" anchor="ctr"/>
-          <a:lstStyle/>
-          <a:p>
-            <a:r>
-              <a:rPr lang="en-US" sz="1100" dirty="0" smtClean="0"/>
-              <a:t>Action tree and mappings</a:t>
-            </a:r>
-            <a:endParaRPr lang="de-CH" sz="1100" dirty="0"/>
-          </a:p>
-        </p:txBody>
-      </p:sp>
-      <p:sp>
-        <p:nvSpPr>
-          <p:cNvPr id="7" name="Legende mit Linie 2 6"/>
-          <p:cNvSpPr/>
-          <p:nvPr/>
-        </p:nvSpPr>
-        <p:spPr>
-          <a:xfrm>
-            <a:off x="6660232" y="591679"/>
-            <a:ext cx="1656184" cy="360040"/>
-          </a:xfrm>
-          <a:prstGeom prst="borderCallout2">
-            <a:avLst>
-              <a:gd name="adj1" fmla="val 113989"/>
-              <a:gd name="adj2" fmla="val 50511"/>
-              <a:gd name="adj3" fmla="val 269380"/>
-              <a:gd name="adj4" fmla="val 50531"/>
-              <a:gd name="adj5" fmla="val 561963"/>
-              <a:gd name="adj6" fmla="val 2369"/>
-            </a:avLst>
-          </a:prstGeom>
-        </p:spPr>
-        <p:style>
-          <a:lnRef idx="2">
-            <a:schemeClr val="accent5"/>
-          </a:lnRef>
-          <a:fillRef idx="1">
-            <a:schemeClr val="lt1"/>
-          </a:fillRef>
-          <a:effectRef idx="0">
-            <a:schemeClr val="accent5"/>
-          </a:effectRef>
-          <a:fontRef idx="minor">
-            <a:schemeClr val="dk1"/>
-          </a:fontRef>
-        </p:style>
-        <p:txBody>
-          <a:bodyPr rtlCol="0" anchor="ctr"/>
-          <a:lstStyle/>
-          <a:p>
-            <a:r>
-              <a:rPr lang="en-US" sz="1100" dirty="0" smtClean="0"/>
-              <a:t>XML dump of the mappings used</a:t>
-            </a:r>
-            <a:endParaRPr lang="de-CH" sz="1100" dirty="0"/>
-          </a:p>
-        </p:txBody>
-      </p:sp>
-      <p:sp>
-        <p:nvSpPr>
-          <p:cNvPr id="9" name="Legende mit Linie 2 8"/>
-          <p:cNvSpPr/>
-          <p:nvPr/>
-        </p:nvSpPr>
-        <p:spPr>
-          <a:xfrm>
-            <a:off x="5220072" y="2852936"/>
-            <a:ext cx="1656184" cy="360040"/>
-          </a:xfrm>
-          <a:prstGeom prst="borderCallout2">
-            <a:avLst>
-              <a:gd name="adj1" fmla="val 18750"/>
-              <a:gd name="adj2" fmla="val -2884"/>
-              <a:gd name="adj3" fmla="val 17079"/>
-              <a:gd name="adj4" fmla="val -13761"/>
-              <a:gd name="adj5" fmla="val -12815"/>
-              <a:gd name="adj6" fmla="val -36133"/>
-            </a:avLst>
-          </a:prstGeom>
-        </p:spPr>
-        <p:style>
-          <a:lnRef idx="2">
-            <a:schemeClr val="accent5"/>
-          </a:lnRef>
-          <a:fillRef idx="1">
-            <a:schemeClr val="lt1"/>
-          </a:fillRef>
-          <a:effectRef idx="0">
-            <a:schemeClr val="accent5"/>
-          </a:effectRef>
-          <a:fontRef idx="minor">
-            <a:schemeClr val="dk1"/>
-          </a:fontRef>
-        </p:style>
-        <p:txBody>
-          <a:bodyPr rtlCol="0" anchor="ctr"/>
-          <a:lstStyle/>
-          <a:p>
-            <a:r>
-              <a:rPr lang="en-US" sz="1100" dirty="0" smtClean="0"/>
-              <a:t>Joystick properties</a:t>
-            </a:r>
-          </a:p>
-          <a:p>
-            <a:r>
-              <a:rPr lang="en-US" sz="800" dirty="0" smtClean="0"/>
-              <a:t>(greyed out ones are not available)</a:t>
-            </a:r>
-            <a:endParaRPr lang="de-CH" sz="800" dirty="0"/>
-          </a:p>
-        </p:txBody>
-      </p:sp>
-      <p:sp>
-        <p:nvSpPr>
-          <p:cNvPr id="10" name="Legende mit Linie 2 9"/>
-          <p:cNvSpPr/>
-          <p:nvPr/>
-        </p:nvSpPr>
-        <p:spPr>
-          <a:xfrm>
-            <a:off x="5292080" y="3419197"/>
-            <a:ext cx="1656184" cy="360040"/>
-          </a:xfrm>
-          <a:prstGeom prst="borderCallout2">
-            <a:avLst>
-              <a:gd name="adj1" fmla="val 18750"/>
-              <a:gd name="adj2" fmla="val -2884"/>
-              <a:gd name="adj3" fmla="val 17079"/>
-              <a:gd name="adj4" fmla="val -13761"/>
-              <a:gd name="adj5" fmla="val 109158"/>
-              <a:gd name="adj6" fmla="val -56474"/>
-            </a:avLst>
-          </a:prstGeom>
-        </p:spPr>
-        <p:style>
-          <a:lnRef idx="2">
-            <a:schemeClr val="accent5"/>
-          </a:lnRef>
-          <a:fillRef idx="1">
-            <a:schemeClr val="lt1"/>
-          </a:fillRef>
-          <a:effectRef idx="0">
-            <a:schemeClr val="accent5"/>
-          </a:effectRef>
-          <a:fontRef idx="minor">
-            <a:schemeClr val="dk1"/>
-          </a:fontRef>
-        </p:style>
-        <p:txBody>
-          <a:bodyPr rtlCol="0" anchor="ctr"/>
-          <a:lstStyle/>
-          <a:p>
-            <a:r>
-              <a:rPr lang="en-US" sz="1100" dirty="0" smtClean="0"/>
-              <a:t>Joystick device map</a:t>
-            </a:r>
-          </a:p>
-          <a:p>
-            <a:r>
-              <a:rPr lang="en-US" sz="800" dirty="0" smtClean="0"/>
-              <a:t>(the default is usually OK)</a:t>
-            </a:r>
-            <a:endParaRPr lang="de-CH" sz="800" dirty="0"/>
-          </a:p>
-        </p:txBody>
-      </p:sp>
-      <p:sp>
-        <p:nvSpPr>
-          <p:cNvPr id="11" name="Legende mit Linie 2 10"/>
-          <p:cNvSpPr/>
-          <p:nvPr/>
-        </p:nvSpPr>
-        <p:spPr>
-          <a:xfrm>
-            <a:off x="5303112" y="4169828"/>
-            <a:ext cx="1656184" cy="360040"/>
-          </a:xfrm>
-          <a:prstGeom prst="borderCallout2">
-            <a:avLst>
-              <a:gd name="adj1" fmla="val 18750"/>
-              <a:gd name="adj2" fmla="val -2884"/>
-              <a:gd name="adj3" fmla="val 17079"/>
-              <a:gd name="adj4" fmla="val -13761"/>
-              <a:gd name="adj5" fmla="val 109158"/>
-              <a:gd name="adj6" fmla="val -56474"/>
-            </a:avLst>
-          </a:prstGeom>
-        </p:spPr>
-        <p:style>
-          <a:lnRef idx="2">
-            <a:schemeClr val="accent5"/>
-          </a:lnRef>
-          <a:fillRef idx="1">
-            <a:schemeClr val="lt1"/>
-          </a:fillRef>
-          <a:effectRef idx="0">
-            <a:schemeClr val="accent5"/>
-          </a:effectRef>
-          <a:fontRef idx="minor">
-            <a:schemeClr val="dk1"/>
-          </a:fontRef>
-        </p:style>
-        <p:txBody>
-          <a:bodyPr rtlCol="0" anchor="ctr"/>
-          <a:lstStyle/>
-          <a:p>
-            <a:r>
-              <a:rPr lang="en-US" sz="1100" dirty="0" smtClean="0"/>
-              <a:t>Current mapping</a:t>
-            </a:r>
-            <a:endParaRPr lang="de-CH" sz="800" dirty="0"/>
-          </a:p>
-        </p:txBody>
-      </p:sp>
-      <p:sp>
-        <p:nvSpPr>
-          <p:cNvPr id="12" name="Legende mit Linie 2 11"/>
-          <p:cNvSpPr/>
-          <p:nvPr/>
-        </p:nvSpPr>
-        <p:spPr>
-          <a:xfrm>
-            <a:off x="5639421" y="4809397"/>
-            <a:ext cx="1656184" cy="360040"/>
-          </a:xfrm>
-          <a:prstGeom prst="borderCallout2">
-            <a:avLst>
-              <a:gd name="adj1" fmla="val 18750"/>
-              <a:gd name="adj2" fmla="val -2884"/>
-              <a:gd name="adj3" fmla="val 47154"/>
-              <a:gd name="adj4" fmla="val -9402"/>
-              <a:gd name="adj5" fmla="val 49006"/>
-              <a:gd name="adj6" fmla="val -129484"/>
-            </a:avLst>
-          </a:prstGeom>
-        </p:spPr>
-        <p:style>
-          <a:lnRef idx="2">
-            <a:schemeClr val="accent5"/>
-          </a:lnRef>
-          <a:fillRef idx="1">
-            <a:schemeClr val="lt1"/>
-          </a:fillRef>
-          <a:effectRef idx="0">
-            <a:schemeClr val="accent5"/>
-          </a:effectRef>
-          <a:fontRef idx="minor">
-            <a:schemeClr val="dk1"/>
-          </a:fontRef>
-        </p:style>
-        <p:txBody>
-          <a:bodyPr rtlCol="0" anchor="ctr"/>
-          <a:lstStyle/>
-          <a:p>
-            <a:r>
-              <a:rPr lang="en-US" sz="1100" dirty="0" smtClean="0"/>
-              <a:t>Action Mapping Buttons </a:t>
-            </a:r>
-            <a:endParaRPr lang="de-CH" sz="800" dirty="0"/>
-          </a:p>
-        </p:txBody>
-      </p:sp>
-      <p:sp>
-        <p:nvSpPr>
-          <p:cNvPr id="15" name="Legende mit Linie 2 14"/>
-          <p:cNvSpPr/>
-          <p:nvPr/>
-        </p:nvSpPr>
-        <p:spPr>
-          <a:xfrm>
-            <a:off x="5639421" y="5155345"/>
-            <a:ext cx="1656184" cy="360040"/>
-          </a:xfrm>
-          <a:prstGeom prst="borderCallout2">
-            <a:avLst>
-              <a:gd name="adj1" fmla="val 18750"/>
-              <a:gd name="adj2" fmla="val -2884"/>
-              <a:gd name="adj3" fmla="val 38800"/>
-              <a:gd name="adj4" fmla="val -16667"/>
-              <a:gd name="adj5" fmla="val 37310"/>
-              <a:gd name="adj6" fmla="val -131300"/>
-            </a:avLst>
-          </a:prstGeom>
-        </p:spPr>
-        <p:style>
-          <a:lnRef idx="2">
-            <a:schemeClr val="accent5"/>
-          </a:lnRef>
-          <a:fillRef idx="1">
-            <a:schemeClr val="lt1"/>
-          </a:fillRef>
-          <a:effectRef idx="0">
-            <a:schemeClr val="accent5"/>
-          </a:effectRef>
-          <a:fontRef idx="minor">
-            <a:schemeClr val="dk1"/>
-          </a:fontRef>
-        </p:style>
-        <p:txBody>
-          <a:bodyPr rtlCol="0" anchor="ctr"/>
-          <a:lstStyle/>
-          <a:p>
-            <a:r>
-              <a:rPr lang="en-US" sz="1100" dirty="0" smtClean="0"/>
-              <a:t>XML Area Buttons</a:t>
-            </a:r>
-            <a:endParaRPr lang="de-CH" sz="800" dirty="0"/>
-          </a:p>
-        </p:txBody>
-      </p:sp>
-      <p:sp>
-        <p:nvSpPr>
-          <p:cNvPr id="16" name="Legende mit Linie 2 15"/>
-          <p:cNvSpPr/>
-          <p:nvPr/>
-        </p:nvSpPr>
-        <p:spPr>
-          <a:xfrm>
-            <a:off x="7684409" y="5588760"/>
-            <a:ext cx="1359783" cy="360040"/>
-          </a:xfrm>
-          <a:prstGeom prst="borderCallout2">
-            <a:avLst>
-              <a:gd name="adj1" fmla="val 74624"/>
-              <a:gd name="adj2" fmla="val -3252"/>
-              <a:gd name="adj3" fmla="val 213082"/>
-              <a:gd name="adj4" fmla="val -14456"/>
-              <a:gd name="adj5" fmla="val 211548"/>
-              <a:gd name="adj6" fmla="val -94055"/>
-            </a:avLst>
-          </a:prstGeom>
-        </p:spPr>
-        <p:style>
-          <a:lnRef idx="2">
-            <a:schemeClr val="accent6"/>
-          </a:lnRef>
-          <a:fillRef idx="1">
-            <a:schemeClr val="lt1"/>
-          </a:fillRef>
-          <a:effectRef idx="0">
-            <a:schemeClr val="accent6"/>
-          </a:effectRef>
-          <a:fontRef idx="minor">
-            <a:schemeClr val="dk1"/>
-          </a:fontRef>
-        </p:style>
-        <p:txBody>
-          <a:bodyPr rtlCol="0" anchor="ctr"/>
-          <a:lstStyle/>
-          <a:p>
-            <a:r>
-              <a:rPr lang="en-US" sz="1100" dirty="0" smtClean="0"/>
-              <a:t>V2: Save into game folders</a:t>
-            </a:r>
-            <a:endParaRPr lang="de-CH" sz="800" dirty="0"/>
-          </a:p>
-        </p:txBody>
-      </p:sp>
-      <p:sp>
-        <p:nvSpPr>
-          <p:cNvPr id="17" name="Legende mit Linie 2 16"/>
-          <p:cNvSpPr/>
-          <p:nvPr/>
-        </p:nvSpPr>
-        <p:spPr>
-          <a:xfrm>
-            <a:off x="1503349" y="4869160"/>
-            <a:ext cx="1656184" cy="360040"/>
-          </a:xfrm>
-          <a:prstGeom prst="borderCallout2">
-            <a:avLst>
-              <a:gd name="adj1" fmla="val 42143"/>
-              <a:gd name="adj2" fmla="val 102816"/>
-              <a:gd name="adj3" fmla="val 175811"/>
-              <a:gd name="adj4" fmla="val 115549"/>
-              <a:gd name="adj5" fmla="val 174321"/>
-              <a:gd name="adj6" fmla="val 153837"/>
-            </a:avLst>
-          </a:prstGeom>
-        </p:spPr>
-        <p:style>
-          <a:lnRef idx="2">
-            <a:schemeClr val="accent5"/>
-          </a:lnRef>
-          <a:fillRef idx="1">
-            <a:schemeClr val="lt1"/>
-          </a:fillRef>
-          <a:effectRef idx="0">
-            <a:schemeClr val="accent5"/>
-          </a:effectRef>
-          <a:fontRef idx="minor">
-            <a:schemeClr val="dk1"/>
-          </a:fontRef>
-        </p:style>
-        <p:txBody>
-          <a:bodyPr rtlCol="0" anchor="ctr"/>
-          <a:lstStyle/>
-          <a:p>
-            <a:r>
-              <a:rPr lang="en-US" sz="1100" dirty="0" smtClean="0"/>
-              <a:t>Dump nice List</a:t>
-            </a:r>
-            <a:endParaRPr lang="de-CH" sz="800" dirty="0"/>
-          </a:p>
-        </p:txBody>
-      </p:sp>
-      <p:sp>
-        <p:nvSpPr>
-          <p:cNvPr id="18" name="Legende mit Linie 2 17"/>
-          <p:cNvSpPr/>
-          <p:nvPr/>
-        </p:nvSpPr>
-        <p:spPr>
-          <a:xfrm>
-            <a:off x="1503349" y="5335365"/>
-            <a:ext cx="1656184" cy="360040"/>
-          </a:xfrm>
-          <a:prstGeom prst="borderCallout2">
-            <a:avLst>
-              <a:gd name="adj1" fmla="val 38801"/>
-              <a:gd name="adj2" fmla="val 102453"/>
-              <a:gd name="adj3" fmla="val 83334"/>
-              <a:gd name="adj4" fmla="val 111219"/>
-              <a:gd name="adj5" fmla="val 93295"/>
-              <a:gd name="adj6" fmla="val 133612"/>
-            </a:avLst>
-          </a:prstGeom>
-        </p:spPr>
-        <p:style>
-          <a:lnRef idx="2">
-            <a:schemeClr val="accent6"/>
-          </a:lnRef>
-          <a:fillRef idx="1">
-            <a:schemeClr val="lt1"/>
-          </a:fillRef>
-          <a:effectRef idx="0">
-            <a:schemeClr val="accent6"/>
-          </a:effectRef>
-          <a:fontRef idx="minor">
-            <a:schemeClr val="dk1"/>
-          </a:fontRef>
-        </p:style>
-        <p:txBody>
-          <a:bodyPr rtlCol="0" anchor="ctr"/>
-          <a:lstStyle/>
-          <a:p>
-            <a:r>
-              <a:rPr lang="en-US" sz="1100" dirty="0" smtClean="0"/>
-              <a:t>V2: filter the action tree</a:t>
-            </a:r>
-            <a:endParaRPr lang="de-CH" sz="800" dirty="0"/>
-          </a:p>
-        </p:txBody>
-      </p:sp>
-      <p:sp>
-        <p:nvSpPr>
-          <p:cNvPr id="19" name="Legende mit Linie 2 18"/>
-          <p:cNvSpPr/>
-          <p:nvPr/>
-        </p:nvSpPr>
-        <p:spPr>
-          <a:xfrm>
-            <a:off x="4203232" y="5605126"/>
-            <a:ext cx="1436189" cy="360040"/>
-          </a:xfrm>
-          <a:prstGeom prst="borderCallout2">
-            <a:avLst>
-              <a:gd name="adj1" fmla="val 84649"/>
-              <a:gd name="adj2" fmla="val 101885"/>
-              <a:gd name="adj3" fmla="val 284908"/>
-              <a:gd name="adj4" fmla="val 71274"/>
-              <a:gd name="adj5" fmla="val 285044"/>
-              <a:gd name="adj6" fmla="val 192750"/>
-            </a:avLst>
-          </a:prstGeom>
-        </p:spPr>
-        <p:style>
-          <a:lnRef idx="2">
-            <a:schemeClr val="accent6"/>
-          </a:lnRef>
-          <a:fillRef idx="1">
-            <a:schemeClr val="lt1"/>
-          </a:fillRef>
-          <a:effectRef idx="0">
-            <a:schemeClr val="accent6"/>
-          </a:effectRef>
-          <a:fontRef idx="minor">
-            <a:schemeClr val="dk1"/>
-          </a:fontRef>
-        </p:style>
-        <p:txBody>
-          <a:bodyPr rtlCol="0" anchor="ctr"/>
-          <a:lstStyle/>
-          <a:p>
-            <a:r>
-              <a:rPr lang="en-US" sz="1100" dirty="0" smtClean="0"/>
-              <a:t>V2: Load from game folders</a:t>
-            </a:r>
-            <a:endParaRPr lang="de-CH" sz="800" dirty="0"/>
-          </a:p>
-        </p:txBody>
-      </p:sp>
-      <p:sp>
-        <p:nvSpPr>
-          <p:cNvPr id="20" name="Legende mit Linie 2 19"/>
-          <p:cNvSpPr/>
-          <p:nvPr/>
-        </p:nvSpPr>
-        <p:spPr>
-          <a:xfrm>
-            <a:off x="115873" y="6122133"/>
-            <a:ext cx="1359783" cy="360040"/>
-          </a:xfrm>
-          <a:prstGeom prst="borderCallout2">
-            <a:avLst>
-              <a:gd name="adj1" fmla="val 88169"/>
-              <a:gd name="adj2" fmla="val 102100"/>
-              <a:gd name="adj3" fmla="val 143663"/>
-              <a:gd name="adj4" fmla="val 139313"/>
-              <a:gd name="adj5" fmla="val 138743"/>
-              <a:gd name="adj6" fmla="val 281178"/>
-            </a:avLst>
-          </a:prstGeom>
-        </p:spPr>
-        <p:style>
-          <a:lnRef idx="2">
-            <a:schemeClr val="accent6"/>
-          </a:lnRef>
-          <a:fillRef idx="1">
-            <a:schemeClr val="lt1"/>
-          </a:fillRef>
-          <a:effectRef idx="0">
-            <a:schemeClr val="accent6"/>
-          </a:effectRef>
-          <a:fontRef idx="minor">
-            <a:schemeClr val="dk1"/>
-          </a:fontRef>
-        </p:style>
-        <p:txBody>
-          <a:bodyPr rtlCol="0" anchor="ctr"/>
-          <a:lstStyle/>
-          <a:p>
-            <a:r>
-              <a:rPr lang="en-US" sz="1100" dirty="0" smtClean="0"/>
-              <a:t>V2: New Reset with options</a:t>
-            </a:r>
-            <a:endParaRPr lang="de-CH" sz="800" dirty="0"/>
-          </a:p>
-        </p:txBody>
-      </p:sp>
-      <p:sp>
-        <p:nvSpPr>
-          <p:cNvPr id="21" name="Textfeld 20"/>
-          <p:cNvSpPr txBox="1"/>
-          <p:nvPr/>
-        </p:nvSpPr>
-        <p:spPr>
-          <a:xfrm>
-            <a:off x="4217976" y="1394912"/>
-            <a:ext cx="864096" cy="161583"/>
-          </a:xfrm>
-          <a:prstGeom prst="rect">
-            <a:avLst/>
-          </a:prstGeom>
-          <a:solidFill>
-            <a:schemeClr val="bg1">
-              <a:lumMod val="95000"/>
-            </a:schemeClr>
-          </a:solidFill>
-        </p:spPr>
-        <p:txBody>
-          <a:bodyPr wrap="square" lIns="0" tIns="0" rIns="0" bIns="0" rtlCol="0">
-            <a:spAutoFit/>
+              <a:t>Workflow</a:t>
+            </a:r>
+            <a:endParaRPr lang="de-CH" dirty="0"/>
+          </a:p>
+        </p:txBody>
+      </p:sp>
+      <p:sp>
+        <p:nvSpPr>
+          <p:cNvPr id="3" name="Inhaltsplatzhalter 2"/>
+          <p:cNvSpPr>
+            <a:spLocks noGrp="1"/>
+          </p:cNvSpPr>
+          <p:nvPr>
+            <p:ph idx="1"/>
+          </p:nvPr>
+        </p:nvSpPr>
+        <p:spPr/>
+        <p:txBody>
+          <a:bodyPr>
+            <a:normAutofit fontScale="77500" lnSpcReduction="20000"/>
           </a:bodyPr>
           <a:lstStyle/>
           <a:p>
             <a:r>
-              <a:rPr lang="en-US" sz="1050" b="1" dirty="0" smtClean="0"/>
-              <a:t>2.0</a:t>
-            </a:r>
-            <a:endParaRPr lang="de-CH" sz="1050" b="1" dirty="0"/>
-          </a:p>
-        </p:txBody>
-      </p:sp>
-      <p:sp>
-        <p:nvSpPr>
-          <p:cNvPr id="8" name="Legende mit Linie 2 7"/>
-          <p:cNvSpPr/>
-          <p:nvPr/>
-        </p:nvSpPr>
-        <p:spPr>
-          <a:xfrm>
-            <a:off x="4391980" y="1124744"/>
-            <a:ext cx="1656184" cy="360040"/>
-          </a:xfrm>
-          <a:prstGeom prst="borderCallout2">
-            <a:avLst>
-              <a:gd name="adj1" fmla="val 113989"/>
-              <a:gd name="adj2" fmla="val 50511"/>
-              <a:gd name="adj3" fmla="val 149078"/>
-              <a:gd name="adj4" fmla="val 50531"/>
-              <a:gd name="adj5" fmla="val 192702"/>
-              <a:gd name="adj6" fmla="val 3822"/>
-            </a:avLst>
-          </a:prstGeom>
-        </p:spPr>
-        <p:style>
-          <a:lnRef idx="2">
-            <a:schemeClr val="accent5"/>
-          </a:lnRef>
-          <a:fillRef idx="1">
-            <a:schemeClr val="lt1"/>
-          </a:fillRef>
-          <a:effectRef idx="0">
-            <a:schemeClr val="accent5"/>
-          </a:effectRef>
-          <a:fontRef idx="minor">
-            <a:schemeClr val="dk1"/>
-          </a:fontRef>
-        </p:style>
-        <p:txBody>
-          <a:bodyPr rtlCol="0" anchor="ctr"/>
-          <a:lstStyle/>
-          <a:p>
-            <a:r>
-              <a:rPr lang="en-US" sz="1100" dirty="0" smtClean="0"/>
-              <a:t>Detected Joystick devices</a:t>
-            </a:r>
-          </a:p>
-          <a:p>
-            <a:r>
-              <a:rPr lang="en-US" sz="800" dirty="0" smtClean="0"/>
-              <a:t>(up to 8 are shown)</a:t>
-            </a:r>
-            <a:endParaRPr lang="de-CH" sz="800" dirty="0"/>
-          </a:p>
-        </p:txBody>
-      </p:sp>
-      <p:sp>
-        <p:nvSpPr>
-          <p:cNvPr id="22" name="Legende mit Linie 2 21"/>
-          <p:cNvSpPr/>
-          <p:nvPr/>
-        </p:nvSpPr>
-        <p:spPr>
-          <a:xfrm>
-            <a:off x="7750475" y="6236496"/>
-            <a:ext cx="1359783" cy="360040"/>
-          </a:xfrm>
-          <a:prstGeom prst="borderCallout2">
-            <a:avLst>
-              <a:gd name="adj1" fmla="val 74624"/>
-              <a:gd name="adj2" fmla="val -3252"/>
-              <a:gd name="adj3" fmla="val 99463"/>
-              <a:gd name="adj4" fmla="val -6050"/>
-              <a:gd name="adj5" fmla="val 102941"/>
-              <a:gd name="adj6" fmla="val -16191"/>
-            </a:avLst>
-          </a:prstGeom>
-        </p:spPr>
-        <p:style>
-          <a:lnRef idx="2">
-            <a:schemeClr val="accent6"/>
-          </a:lnRef>
-          <a:fillRef idx="1">
-            <a:schemeClr val="lt1"/>
-          </a:fillRef>
-          <a:effectRef idx="0">
-            <a:schemeClr val="accent6"/>
-          </a:effectRef>
-          <a:fontRef idx="minor">
-            <a:schemeClr val="dk1"/>
-          </a:fontRef>
-        </p:style>
-        <p:txBody>
-          <a:bodyPr rtlCol="0" anchor="ctr"/>
-          <a:lstStyle/>
-          <a:p>
-            <a:r>
-              <a:rPr lang="en-US" sz="1100" dirty="0" smtClean="0"/>
-              <a:t>V2: Resize the window</a:t>
-            </a:r>
-            <a:endParaRPr lang="de-CH" sz="800" dirty="0"/>
-          </a:p>
-        </p:txBody>
-      </p:sp>
-      <p:sp>
-        <p:nvSpPr>
-          <p:cNvPr id="23" name="Legende mit Linie 2 22"/>
-          <p:cNvSpPr/>
-          <p:nvPr/>
-        </p:nvSpPr>
-        <p:spPr>
-          <a:xfrm>
-            <a:off x="143566" y="5492548"/>
-            <a:ext cx="1359783" cy="360040"/>
-          </a:xfrm>
-          <a:prstGeom prst="borderCallout2">
-            <a:avLst>
-              <a:gd name="adj1" fmla="val 88169"/>
-              <a:gd name="adj2" fmla="val 102100"/>
-              <a:gd name="adj3" fmla="val 143663"/>
-              <a:gd name="adj4" fmla="val 139313"/>
-              <a:gd name="adj5" fmla="val 180515"/>
-              <a:gd name="adj6" fmla="val 235168"/>
-            </a:avLst>
-          </a:prstGeom>
-        </p:spPr>
-        <p:style>
-          <a:lnRef idx="2">
-            <a:schemeClr val="accent3"/>
-          </a:lnRef>
-          <a:fillRef idx="1">
-            <a:schemeClr val="lt1"/>
-          </a:fillRef>
-          <a:effectRef idx="0">
-            <a:schemeClr val="accent3"/>
-          </a:effectRef>
-          <a:fontRef idx="minor">
-            <a:schemeClr val="dk1"/>
-          </a:fontRef>
-        </p:style>
-        <p:txBody>
-          <a:bodyPr rtlCol="0" anchor="ctr"/>
-          <a:lstStyle/>
-          <a:p>
-            <a:r>
-              <a:rPr lang="en-US" sz="1100" dirty="0" smtClean="0"/>
-              <a:t>V2.1: Blend unmapped option</a:t>
-            </a:r>
-            <a:endParaRPr lang="de-CH" sz="800" dirty="0"/>
+              <a:rPr lang="en-US" sz="2400" dirty="0" smtClean="0"/>
+              <a:t>Connect the joystick devices to the PC</a:t>
+            </a:r>
+          </a:p>
+          <a:p>
+            <a:r>
+              <a:rPr lang="en-US" sz="2400" dirty="0" smtClean="0"/>
+              <a:t>Start from scratch or load an existing map from a file</a:t>
+            </a:r>
+          </a:p>
+          <a:p>
+            <a:r>
+              <a:rPr lang="en-US" sz="2400" dirty="0" smtClean="0"/>
+              <a:t>Make or refine mappings</a:t>
+            </a:r>
+          </a:p>
+          <a:p>
+            <a:r>
+              <a:rPr lang="en-US" sz="2400" dirty="0" smtClean="0"/>
+              <a:t>Save the new map to an XML file</a:t>
+            </a:r>
+          </a:p>
+          <a:p>
+            <a:r>
+              <a:rPr lang="en-US" sz="2400" dirty="0" smtClean="0"/>
+              <a:t>Use it in </a:t>
+            </a:r>
+            <a:r>
+              <a:rPr lang="en-US" sz="2400" dirty="0"/>
+              <a:t>the game: </a:t>
+            </a:r>
+            <a:r>
+              <a:rPr lang="en-US" sz="2400" dirty="0" smtClean="0"/>
+              <a:t>e.g. </a:t>
+            </a:r>
+            <a:r>
+              <a:rPr lang="en-US" sz="1500" dirty="0" err="1" smtClean="0"/>
+              <a:t>pp_rebindkeys</a:t>
+            </a:r>
+            <a:r>
+              <a:rPr lang="en-US" sz="1500" dirty="0" smtClean="0"/>
+              <a:t> C:\maps\layout_my_joystick</a:t>
+            </a:r>
+          </a:p>
+          <a:p>
+            <a:r>
+              <a:rPr lang="en-US" sz="2400" dirty="0" smtClean="0">
+                <a:solidFill>
+                  <a:schemeClr val="accent6">
+                    <a:lumMod val="75000"/>
+                  </a:schemeClr>
+                </a:solidFill>
+              </a:rPr>
+              <a:t>V 2.0: You may load and save the map directly from your game folders</a:t>
+            </a:r>
+            <a:br>
+              <a:rPr lang="en-US" sz="2400" dirty="0" smtClean="0">
+                <a:solidFill>
+                  <a:schemeClr val="accent6">
+                    <a:lumMod val="75000"/>
+                  </a:schemeClr>
+                </a:solidFill>
+              </a:rPr>
+            </a:br>
+            <a:r>
+              <a:rPr lang="en-US" sz="2400" dirty="0" smtClean="0">
+                <a:solidFill>
+                  <a:schemeClr val="accent6">
+                    <a:lumMod val="75000"/>
+                  </a:schemeClr>
+                </a:solidFill>
+              </a:rPr>
+              <a:t>so next time you just use  </a:t>
+            </a:r>
+            <a:r>
+              <a:rPr lang="en-US" sz="2400" dirty="0">
+                <a:solidFill>
+                  <a:schemeClr val="accent6">
+                    <a:lumMod val="75000"/>
+                  </a:schemeClr>
+                </a:solidFill>
+              </a:rPr>
+              <a:t> </a:t>
+            </a:r>
+            <a:r>
+              <a:rPr lang="en-US" sz="1500" dirty="0" err="1">
+                <a:solidFill>
+                  <a:schemeClr val="accent6">
+                    <a:lumMod val="75000"/>
+                  </a:schemeClr>
+                </a:solidFill>
+              </a:rPr>
+              <a:t>pp_rebindkeys</a:t>
+            </a:r>
+            <a:r>
+              <a:rPr lang="en-US" sz="1500" dirty="0">
+                <a:solidFill>
+                  <a:schemeClr val="accent6">
+                    <a:lumMod val="75000"/>
+                  </a:schemeClr>
+                </a:solidFill>
+              </a:rPr>
+              <a:t> </a:t>
+            </a:r>
+            <a:r>
+              <a:rPr lang="en-US" sz="1500" dirty="0" err="1" smtClean="0">
+                <a:solidFill>
+                  <a:schemeClr val="accent6">
+                    <a:lumMod val="75000"/>
+                  </a:schemeClr>
+                </a:solidFill>
+              </a:rPr>
+              <a:t>layout_my_joystick</a:t>
+            </a:r>
+            <a:endParaRPr lang="en-US" sz="2400" dirty="0">
+              <a:solidFill>
+                <a:schemeClr val="accent6">
+                  <a:lumMod val="75000"/>
+                </a:schemeClr>
+              </a:solidFill>
+            </a:endParaRPr>
+          </a:p>
+          <a:p>
+            <a:pPr marL="0" indent="0">
+              <a:buNone/>
+            </a:pPr>
+            <a:endParaRPr lang="en-US" sz="1800" dirty="0"/>
+          </a:p>
+          <a:p>
+            <a:pPr marL="0" indent="0">
+              <a:buNone/>
+            </a:pPr>
+            <a:r>
+              <a:rPr lang="en-US" sz="1800" dirty="0" smtClean="0"/>
+              <a:t>Note: the predefined actions are the ones found in the AC game default profile – it is likely that some of them will not work at all as the game is not finished. There is no proper description for which one does what – you may get help in SC Forums.</a:t>
+            </a:r>
+          </a:p>
+          <a:p>
+            <a:pPr marL="0" indent="0">
+              <a:buNone/>
+            </a:pPr>
+            <a:endParaRPr lang="en-US" sz="1800" dirty="0"/>
+          </a:p>
+          <a:p>
+            <a:pPr marL="0" indent="0">
+              <a:buNone/>
+            </a:pPr>
+            <a:r>
+              <a:rPr lang="en-US" sz="1800" dirty="0" smtClean="0"/>
+              <a:t>As I had my issues with missiles here a finding..</a:t>
+            </a:r>
+          </a:p>
+          <a:p>
+            <a:pPr marL="0" indent="0">
+              <a:buNone/>
+            </a:pPr>
+            <a:r>
+              <a:rPr lang="en-US" sz="1800" dirty="0" smtClean="0"/>
+              <a:t>To reallocate the missile fire command you should map the following 2 actions to the same joystick button</a:t>
+            </a:r>
+            <a:r>
+              <a:rPr lang="en-US" sz="1800" dirty="0"/>
+              <a:t>: </a:t>
+            </a:r>
+            <a:endParaRPr lang="en-US" sz="1800" dirty="0" smtClean="0"/>
+          </a:p>
+          <a:p>
+            <a:r>
+              <a:rPr lang="de-CH" sz="1400" i="1" dirty="0" err="1" smtClean="0"/>
+              <a:t>v_target_missile_lock_selected</a:t>
+            </a:r>
+            <a:r>
+              <a:rPr lang="de-CH" sz="1400" i="1" dirty="0" smtClean="0"/>
+              <a:t> </a:t>
+            </a:r>
+          </a:p>
+          <a:p>
+            <a:r>
+              <a:rPr lang="de-CH" sz="1400" i="1" dirty="0" err="1" smtClean="0"/>
+              <a:t>v_weapon_launch_missile</a:t>
+            </a:r>
+            <a:endParaRPr lang="de-CH" sz="1400" i="1" dirty="0" smtClean="0"/>
+          </a:p>
+          <a:p>
+            <a:pPr marL="0" indent="0">
+              <a:buNone/>
+            </a:pPr>
+            <a:endParaRPr lang="de-CH" sz="1800" dirty="0" smtClean="0"/>
+          </a:p>
+          <a:p>
+            <a:pPr marL="0" indent="0">
+              <a:buNone/>
+            </a:pPr>
+            <a:r>
+              <a:rPr lang="de-CH" sz="1800" dirty="0" smtClean="0"/>
+              <a:t>BTW: </a:t>
+            </a:r>
+            <a:r>
+              <a:rPr lang="de-CH" sz="1800" dirty="0" err="1" smtClean="0"/>
+              <a:t>if</a:t>
+            </a:r>
+            <a:r>
+              <a:rPr lang="de-CH" sz="1800" dirty="0" smtClean="0"/>
+              <a:t> </a:t>
+            </a:r>
+            <a:r>
+              <a:rPr lang="de-CH" sz="1800" dirty="0" err="1" smtClean="0"/>
+              <a:t>you</a:t>
+            </a:r>
+            <a:r>
+              <a:rPr lang="de-CH" sz="1800" dirty="0" smtClean="0"/>
+              <a:t> </a:t>
+            </a:r>
+            <a:r>
+              <a:rPr lang="de-CH" sz="1800" dirty="0" err="1" smtClean="0"/>
+              <a:t>copy</a:t>
+            </a:r>
+            <a:r>
+              <a:rPr lang="de-CH" sz="1800" dirty="0" smtClean="0"/>
+              <a:t> </a:t>
+            </a:r>
+            <a:r>
+              <a:rPr lang="en-US" sz="1800" dirty="0" smtClean="0"/>
+              <a:t>e.g. “</a:t>
+            </a:r>
+            <a:r>
+              <a:rPr lang="en-US" sz="1800" dirty="0" err="1" smtClean="0"/>
+              <a:t>pp_rebindkeys</a:t>
+            </a:r>
+            <a:r>
+              <a:rPr lang="en-US" sz="1800" dirty="0" smtClean="0"/>
+              <a:t> </a:t>
+            </a:r>
+            <a:r>
+              <a:rPr lang="en-US" sz="1800" dirty="0"/>
+              <a:t>C:\</a:t>
+            </a:r>
+            <a:r>
+              <a:rPr lang="en-US" sz="1800" dirty="0" smtClean="0"/>
+              <a:t>maps\layout_my_joystick” from notepad you may use Ctrl-V to paste it in-game into the console – saves you some typing…</a:t>
+            </a:r>
+            <a:endParaRPr lang="de-CH" sz="1800" dirty="0"/>
           </a:p>
         </p:txBody>
       </p:sp>
     </p:spTree>
     <p:extLst>
       <p:ext uri="{BB962C8B-B14F-4D97-AF65-F5344CB8AC3E}">
-        <p14:creationId xmlns:p14="http://schemas.microsoft.com/office/powerpoint/2010/main" val="1631155290"/>
+        <p14:creationId xmlns:p14="http://schemas.microsoft.com/office/powerpoint/2010/main" val="150598319"/>
       </p:ext>
     </p:extLst>
   </p:cSld>
@@ -9628,7 +9681,7 @@
       </p:grpSpPr>
       <p:pic>
         <p:nvPicPr>
-          <p:cNvPr id="8" name="Grafik 7"/>
+          <p:cNvPr id="4" name="Grafik 3"/>
           <p:cNvPicPr>
             <a:picLocks noChangeAspect="1"/>
           </p:cNvPicPr>
@@ -9642,8 +9695,8 @@
         </p:blipFill>
         <p:spPr>
           <a:xfrm>
-            <a:off x="1403648" y="1124744"/>
-            <a:ext cx="6197377" cy="5577639"/>
+            <a:off x="1398985" y="1134421"/>
+            <a:ext cx="6202040" cy="5581836"/>
           </a:xfrm>
           <a:prstGeom prst="rect">
             <a:avLst/>
@@ -9667,7 +9720,7 @@
           <a:p>
             <a:r>
               <a:rPr lang="en-US" dirty="0" smtClean="0"/>
-              <a:t>The Joystick Area…</a:t>
+              <a:t>The GUI …</a:t>
             </a:r>
             <a:endParaRPr lang="en-US" dirty="0"/>
           </a:p>
@@ -9675,57 +9728,24 @@
       </p:sp>
       <p:sp>
         <p:nvSpPr>
-          <p:cNvPr id="17" name="Rechteck 16"/>
+          <p:cNvPr id="6" name="Legende mit Linie 2 5"/>
           <p:cNvSpPr/>
           <p:nvPr/>
         </p:nvSpPr>
         <p:spPr>
           <a:xfrm>
-            <a:off x="3275856" y="1772816"/>
-            <a:ext cx="1984909" cy="2664296"/>
-          </a:xfrm>
-          <a:prstGeom prst="rect">
-            <a:avLst/>
-          </a:prstGeom>
-          <a:noFill/>
-          <a:ln w="57150"/>
-        </p:spPr>
-        <p:style>
-          <a:lnRef idx="2">
-            <a:schemeClr val="accent2"/>
-          </a:lnRef>
-          <a:fillRef idx="1">
-            <a:schemeClr val="lt1"/>
-          </a:fillRef>
-          <a:effectRef idx="0">
-            <a:schemeClr val="accent2"/>
-          </a:effectRef>
-          <a:fontRef idx="minor">
-            <a:schemeClr val="dk1"/>
-          </a:fontRef>
-        </p:style>
-        <p:txBody>
-          <a:bodyPr rtlCol="0" anchor="ctr"/>
-          <a:lstStyle/>
-          <a:p>
-            <a:pPr algn="ctr"/>
-            <a:endParaRPr lang="de-CH"/>
-          </a:p>
-        </p:txBody>
-      </p:sp>
-      <p:sp>
-        <p:nvSpPr>
-          <p:cNvPr id="18" name="Rechteck 17"/>
-          <p:cNvSpPr/>
-          <p:nvPr/>
-        </p:nvSpPr>
-        <p:spPr>
-          <a:xfrm>
-            <a:off x="304721" y="4494307"/>
-            <a:ext cx="8227719" cy="2208075"/>
-          </a:xfrm>
-          <a:prstGeom prst="rect">
-            <a:avLst/>
+            <a:off x="251520" y="591679"/>
+            <a:ext cx="1656184" cy="360040"/>
+          </a:xfrm>
+          <a:prstGeom prst="borderCallout2">
+            <a:avLst>
+              <a:gd name="adj1" fmla="val 113989"/>
+              <a:gd name="adj2" fmla="val 50511"/>
+              <a:gd name="adj3" fmla="val 269380"/>
+              <a:gd name="adj4" fmla="val 50531"/>
+              <a:gd name="adj5" fmla="val 523533"/>
+              <a:gd name="adj6" fmla="val 105890"/>
+            </a:avLst>
           </a:prstGeom>
         </p:spPr>
         <p:style>
@@ -9743,78 +9763,37 @@
           </a:fontRef>
         </p:style>
         <p:txBody>
-          <a:bodyPr rtlCol="0" anchor="t" anchorCtr="0"/>
-          <a:lstStyle/>
-          <a:p>
-            <a:r>
-              <a:rPr lang="en-US" sz="1200" dirty="0" smtClean="0"/>
-              <a:t>The tabs represent the joystick devices found connected to the PC also the number 1..8 shows the order the PC reports them which is crucial to the mapping as this will result in the js_1, js_2 .. Names used to build the command name.</a:t>
-            </a:r>
-          </a:p>
-          <a:p>
-            <a:r>
-              <a:rPr lang="en-US" sz="1200" dirty="0" smtClean="0"/>
-              <a:t>The elements are the ones the joystick seems to support – greyed ones are not available for this device.</a:t>
-            </a:r>
-          </a:p>
-          <a:p>
-            <a:endParaRPr lang="en-US" sz="1200" dirty="0" smtClean="0"/>
-          </a:p>
-          <a:p>
-            <a:r>
-              <a:rPr lang="en-US" sz="1200" dirty="0" smtClean="0"/>
-              <a:t>The </a:t>
-            </a:r>
-            <a:r>
-              <a:rPr lang="en-US" sz="1200" i="1" dirty="0" smtClean="0"/>
-              <a:t>SC-Device to Joystick Mapping </a:t>
-            </a:r>
-            <a:r>
-              <a:rPr lang="en-US" sz="1200" dirty="0" smtClean="0"/>
-              <a:t>can be used if the default assignment “Joystick 1 -&gt; js_1” does not match what the </a:t>
-            </a:r>
-            <a:r>
-              <a:rPr lang="en-US" sz="1200" dirty="0" err="1" smtClean="0"/>
-              <a:t>CryEngine</a:t>
-            </a:r>
-            <a:r>
-              <a:rPr lang="en-US" sz="1200" dirty="0" smtClean="0"/>
-              <a:t> is using. – Usually the default should work. You may only remap js1..js3 - 4..8 will remain as detected.</a:t>
-            </a:r>
-          </a:p>
-          <a:p>
-            <a:endParaRPr lang="en-US" sz="1200" dirty="0" smtClean="0"/>
-          </a:p>
-          <a:p>
-            <a:r>
-              <a:rPr lang="en-US" sz="1200" dirty="0" smtClean="0">
-                <a:solidFill>
-                  <a:srgbClr val="FF0000"/>
-                </a:solidFill>
-              </a:rPr>
-              <a:t>Just hit any button, Axis and see how things are changing.</a:t>
-            </a:r>
-            <a:endParaRPr lang="de-CH" sz="1200" dirty="0">
-              <a:solidFill>
-                <a:srgbClr val="FF0000"/>
-              </a:solidFill>
-            </a:endParaRPr>
-          </a:p>
-        </p:txBody>
-      </p:sp>
-      <p:sp>
-        <p:nvSpPr>
-          <p:cNvPr id="4" name="Rechteck 3"/>
+          <a:bodyPr rtlCol="0" anchor="ctr"/>
+          <a:lstStyle/>
+          <a:p>
+            <a:r>
+              <a:rPr lang="en-US" sz="1100" dirty="0" smtClean="0"/>
+              <a:t>Action tree and mappings</a:t>
+            </a:r>
+            <a:endParaRPr lang="de-CH" sz="1100" dirty="0"/>
+          </a:p>
+        </p:txBody>
+      </p:sp>
+      <p:sp>
+        <p:nvSpPr>
+          <p:cNvPr id="7" name="Legende mit Linie 2 6"/>
           <p:cNvSpPr/>
           <p:nvPr/>
         </p:nvSpPr>
         <p:spPr>
           <a:xfrm>
-            <a:off x="5317742" y="1340768"/>
-            <a:ext cx="3214698" cy="3153539"/>
-          </a:xfrm>
-          <a:prstGeom prst="rect">
-            <a:avLst/>
+            <a:off x="6660232" y="591679"/>
+            <a:ext cx="1656184" cy="360040"/>
+          </a:xfrm>
+          <a:prstGeom prst="borderCallout2">
+            <a:avLst>
+              <a:gd name="adj1" fmla="val 113989"/>
+              <a:gd name="adj2" fmla="val 50511"/>
+              <a:gd name="adj3" fmla="val 269380"/>
+              <a:gd name="adj4" fmla="val 50531"/>
+              <a:gd name="adj5" fmla="val 561963"/>
+              <a:gd name="adj6" fmla="val 2369"/>
+            </a:avLst>
           </a:prstGeom>
         </p:spPr>
         <p:style>
@@ -9832,60 +9811,512 @@
           </a:fontRef>
         </p:style>
         <p:txBody>
-          <a:bodyPr rtlCol="0" anchor="b" anchorCtr="0"/>
-          <a:lstStyle/>
-          <a:p>
-            <a:pPr algn="ctr"/>
-            <a:r>
-              <a:rPr lang="en-US" sz="1200" dirty="0" smtClean="0"/>
-              <a:t>Here I pressed the Button 8 on the Cyborg </a:t>
-            </a:r>
-            <a:r>
-              <a:rPr lang="en-US" sz="1200" dirty="0" err="1" smtClean="0"/>
-              <a:t>Evo</a:t>
-            </a:r>
-            <a:r>
-              <a:rPr lang="en-US" sz="1200" dirty="0" smtClean="0"/>
-              <a:t> Joystick to capture the image</a:t>
-            </a:r>
-          </a:p>
-          <a:p>
-            <a:pPr algn="ctr"/>
-            <a:endParaRPr lang="en-US" sz="1200" dirty="0"/>
-          </a:p>
-          <a:p>
-            <a:pPr algn="ctr"/>
-            <a:endParaRPr lang="de-CH" sz="1200" dirty="0"/>
-          </a:p>
-        </p:txBody>
-      </p:sp>
-      <p:pic>
-        <p:nvPicPr>
-          <p:cNvPr id="5" name="Grafik 4"/>
-          <p:cNvPicPr>
-            <a:picLocks noChangeAspect="1"/>
-          </p:cNvPicPr>
-          <p:nvPr/>
-        </p:nvPicPr>
-        <p:blipFill>
-          <a:blip r:embed="rId3"/>
-          <a:stretch>
-            <a:fillRect/>
-          </a:stretch>
-        </p:blipFill>
-        <p:spPr>
-          <a:xfrm>
-            <a:off x="5796136" y="1809035"/>
-            <a:ext cx="2160240" cy="1767469"/>
-          </a:xfrm>
-          <a:prstGeom prst="rect">
-            <a:avLst/>
-          </a:prstGeom>
-        </p:spPr>
-      </p:pic>
-      <p:sp>
-        <p:nvSpPr>
-          <p:cNvPr id="10" name="Textfeld 9"/>
+          <a:bodyPr rtlCol="0" anchor="ctr"/>
+          <a:lstStyle/>
+          <a:p>
+            <a:r>
+              <a:rPr lang="en-US" sz="1100" dirty="0" smtClean="0"/>
+              <a:t>XML dump of the mappings used</a:t>
+            </a:r>
+            <a:endParaRPr lang="de-CH" sz="1100" dirty="0"/>
+          </a:p>
+        </p:txBody>
+      </p:sp>
+      <p:sp>
+        <p:nvSpPr>
+          <p:cNvPr id="9" name="Legende mit Linie 2 8"/>
+          <p:cNvSpPr/>
+          <p:nvPr/>
+        </p:nvSpPr>
+        <p:spPr>
+          <a:xfrm>
+            <a:off x="5220072" y="2852936"/>
+            <a:ext cx="1656184" cy="360040"/>
+          </a:xfrm>
+          <a:prstGeom prst="borderCallout2">
+            <a:avLst>
+              <a:gd name="adj1" fmla="val 18750"/>
+              <a:gd name="adj2" fmla="val -2884"/>
+              <a:gd name="adj3" fmla="val 17079"/>
+              <a:gd name="adj4" fmla="val -13761"/>
+              <a:gd name="adj5" fmla="val -12815"/>
+              <a:gd name="adj6" fmla="val -36133"/>
+            </a:avLst>
+          </a:prstGeom>
+        </p:spPr>
+        <p:style>
+          <a:lnRef idx="2">
+            <a:schemeClr val="accent5"/>
+          </a:lnRef>
+          <a:fillRef idx="1">
+            <a:schemeClr val="lt1"/>
+          </a:fillRef>
+          <a:effectRef idx="0">
+            <a:schemeClr val="accent5"/>
+          </a:effectRef>
+          <a:fontRef idx="minor">
+            <a:schemeClr val="dk1"/>
+          </a:fontRef>
+        </p:style>
+        <p:txBody>
+          <a:bodyPr rtlCol="0" anchor="ctr"/>
+          <a:lstStyle/>
+          <a:p>
+            <a:r>
+              <a:rPr lang="en-US" sz="1100" dirty="0" smtClean="0"/>
+              <a:t>Joystick properties</a:t>
+            </a:r>
+          </a:p>
+          <a:p>
+            <a:r>
+              <a:rPr lang="en-US" sz="800" dirty="0" smtClean="0"/>
+              <a:t>(greyed out ones are not available)</a:t>
+            </a:r>
+            <a:endParaRPr lang="de-CH" sz="800" dirty="0"/>
+          </a:p>
+        </p:txBody>
+      </p:sp>
+      <p:sp>
+        <p:nvSpPr>
+          <p:cNvPr id="10" name="Legende mit Linie 2 9"/>
+          <p:cNvSpPr/>
+          <p:nvPr/>
+        </p:nvSpPr>
+        <p:spPr>
+          <a:xfrm>
+            <a:off x="5292080" y="3419197"/>
+            <a:ext cx="1656184" cy="360040"/>
+          </a:xfrm>
+          <a:prstGeom prst="borderCallout2">
+            <a:avLst>
+              <a:gd name="adj1" fmla="val 18750"/>
+              <a:gd name="adj2" fmla="val -2884"/>
+              <a:gd name="adj3" fmla="val 17079"/>
+              <a:gd name="adj4" fmla="val -13761"/>
+              <a:gd name="adj5" fmla="val 109158"/>
+              <a:gd name="adj6" fmla="val -56474"/>
+            </a:avLst>
+          </a:prstGeom>
+        </p:spPr>
+        <p:style>
+          <a:lnRef idx="2">
+            <a:schemeClr val="accent5"/>
+          </a:lnRef>
+          <a:fillRef idx="1">
+            <a:schemeClr val="lt1"/>
+          </a:fillRef>
+          <a:effectRef idx="0">
+            <a:schemeClr val="accent5"/>
+          </a:effectRef>
+          <a:fontRef idx="minor">
+            <a:schemeClr val="dk1"/>
+          </a:fontRef>
+        </p:style>
+        <p:txBody>
+          <a:bodyPr rtlCol="0" anchor="ctr"/>
+          <a:lstStyle/>
+          <a:p>
+            <a:r>
+              <a:rPr lang="en-US" sz="1100" dirty="0" smtClean="0"/>
+              <a:t>Joystick device map</a:t>
+            </a:r>
+          </a:p>
+          <a:p>
+            <a:r>
+              <a:rPr lang="en-US" sz="800" dirty="0" smtClean="0"/>
+              <a:t>(the default is usually OK)</a:t>
+            </a:r>
+            <a:endParaRPr lang="de-CH" sz="800" dirty="0"/>
+          </a:p>
+        </p:txBody>
+      </p:sp>
+      <p:sp>
+        <p:nvSpPr>
+          <p:cNvPr id="11" name="Legende mit Linie 2 10"/>
+          <p:cNvSpPr/>
+          <p:nvPr/>
+        </p:nvSpPr>
+        <p:spPr>
+          <a:xfrm>
+            <a:off x="5303112" y="4169828"/>
+            <a:ext cx="1656184" cy="360040"/>
+          </a:xfrm>
+          <a:prstGeom prst="borderCallout2">
+            <a:avLst>
+              <a:gd name="adj1" fmla="val 18750"/>
+              <a:gd name="adj2" fmla="val -2884"/>
+              <a:gd name="adj3" fmla="val 17079"/>
+              <a:gd name="adj4" fmla="val -13761"/>
+              <a:gd name="adj5" fmla="val 109158"/>
+              <a:gd name="adj6" fmla="val -56474"/>
+            </a:avLst>
+          </a:prstGeom>
+        </p:spPr>
+        <p:style>
+          <a:lnRef idx="2">
+            <a:schemeClr val="accent5"/>
+          </a:lnRef>
+          <a:fillRef idx="1">
+            <a:schemeClr val="lt1"/>
+          </a:fillRef>
+          <a:effectRef idx="0">
+            <a:schemeClr val="accent5"/>
+          </a:effectRef>
+          <a:fontRef idx="minor">
+            <a:schemeClr val="dk1"/>
+          </a:fontRef>
+        </p:style>
+        <p:txBody>
+          <a:bodyPr rtlCol="0" anchor="ctr"/>
+          <a:lstStyle/>
+          <a:p>
+            <a:r>
+              <a:rPr lang="en-US" sz="1100" dirty="0" smtClean="0"/>
+              <a:t>Current mapping</a:t>
+            </a:r>
+            <a:endParaRPr lang="de-CH" sz="800" dirty="0"/>
+          </a:p>
+        </p:txBody>
+      </p:sp>
+      <p:sp>
+        <p:nvSpPr>
+          <p:cNvPr id="12" name="Legende mit Linie 2 11"/>
+          <p:cNvSpPr/>
+          <p:nvPr/>
+        </p:nvSpPr>
+        <p:spPr>
+          <a:xfrm>
+            <a:off x="5639421" y="4809397"/>
+            <a:ext cx="1656184" cy="360040"/>
+          </a:xfrm>
+          <a:prstGeom prst="borderCallout2">
+            <a:avLst>
+              <a:gd name="adj1" fmla="val 18750"/>
+              <a:gd name="adj2" fmla="val -2884"/>
+              <a:gd name="adj3" fmla="val 47154"/>
+              <a:gd name="adj4" fmla="val -9402"/>
+              <a:gd name="adj5" fmla="val 49006"/>
+              <a:gd name="adj6" fmla="val -129484"/>
+            </a:avLst>
+          </a:prstGeom>
+        </p:spPr>
+        <p:style>
+          <a:lnRef idx="2">
+            <a:schemeClr val="accent5"/>
+          </a:lnRef>
+          <a:fillRef idx="1">
+            <a:schemeClr val="lt1"/>
+          </a:fillRef>
+          <a:effectRef idx="0">
+            <a:schemeClr val="accent5"/>
+          </a:effectRef>
+          <a:fontRef idx="minor">
+            <a:schemeClr val="dk1"/>
+          </a:fontRef>
+        </p:style>
+        <p:txBody>
+          <a:bodyPr rtlCol="0" anchor="ctr"/>
+          <a:lstStyle/>
+          <a:p>
+            <a:r>
+              <a:rPr lang="en-US" sz="1100" dirty="0" smtClean="0"/>
+              <a:t>Action Mapping Buttons </a:t>
+            </a:r>
+            <a:endParaRPr lang="de-CH" sz="800" dirty="0"/>
+          </a:p>
+        </p:txBody>
+      </p:sp>
+      <p:sp>
+        <p:nvSpPr>
+          <p:cNvPr id="15" name="Legende mit Linie 2 14"/>
+          <p:cNvSpPr/>
+          <p:nvPr/>
+        </p:nvSpPr>
+        <p:spPr>
+          <a:xfrm>
+            <a:off x="5639421" y="5155345"/>
+            <a:ext cx="1656184" cy="360040"/>
+          </a:xfrm>
+          <a:prstGeom prst="borderCallout2">
+            <a:avLst>
+              <a:gd name="adj1" fmla="val 18750"/>
+              <a:gd name="adj2" fmla="val -2884"/>
+              <a:gd name="adj3" fmla="val 38800"/>
+              <a:gd name="adj4" fmla="val -16667"/>
+              <a:gd name="adj5" fmla="val 37310"/>
+              <a:gd name="adj6" fmla="val -131300"/>
+            </a:avLst>
+          </a:prstGeom>
+        </p:spPr>
+        <p:style>
+          <a:lnRef idx="2">
+            <a:schemeClr val="accent5"/>
+          </a:lnRef>
+          <a:fillRef idx="1">
+            <a:schemeClr val="lt1"/>
+          </a:fillRef>
+          <a:effectRef idx="0">
+            <a:schemeClr val="accent5"/>
+          </a:effectRef>
+          <a:fontRef idx="minor">
+            <a:schemeClr val="dk1"/>
+          </a:fontRef>
+        </p:style>
+        <p:txBody>
+          <a:bodyPr rtlCol="0" anchor="ctr"/>
+          <a:lstStyle/>
+          <a:p>
+            <a:r>
+              <a:rPr lang="en-US" sz="1100" dirty="0" smtClean="0"/>
+              <a:t>XML Area Buttons</a:t>
+            </a:r>
+            <a:endParaRPr lang="de-CH" sz="800" dirty="0"/>
+          </a:p>
+        </p:txBody>
+      </p:sp>
+      <p:sp>
+        <p:nvSpPr>
+          <p:cNvPr id="16" name="Legende mit Linie 2 15"/>
+          <p:cNvSpPr/>
+          <p:nvPr/>
+        </p:nvSpPr>
+        <p:spPr>
+          <a:xfrm>
+            <a:off x="7684409" y="5588760"/>
+            <a:ext cx="1359783" cy="360040"/>
+          </a:xfrm>
+          <a:prstGeom prst="borderCallout2">
+            <a:avLst>
+              <a:gd name="adj1" fmla="val 74624"/>
+              <a:gd name="adj2" fmla="val -3252"/>
+              <a:gd name="adj3" fmla="val 213082"/>
+              <a:gd name="adj4" fmla="val -14456"/>
+              <a:gd name="adj5" fmla="val 211548"/>
+              <a:gd name="adj6" fmla="val -94055"/>
+            </a:avLst>
+          </a:prstGeom>
+        </p:spPr>
+        <p:style>
+          <a:lnRef idx="2">
+            <a:schemeClr val="accent6"/>
+          </a:lnRef>
+          <a:fillRef idx="1">
+            <a:schemeClr val="lt1"/>
+          </a:fillRef>
+          <a:effectRef idx="0">
+            <a:schemeClr val="accent6"/>
+          </a:effectRef>
+          <a:fontRef idx="minor">
+            <a:schemeClr val="dk1"/>
+          </a:fontRef>
+        </p:style>
+        <p:txBody>
+          <a:bodyPr rtlCol="0" anchor="ctr"/>
+          <a:lstStyle/>
+          <a:p>
+            <a:r>
+              <a:rPr lang="en-US" sz="1100" dirty="0" smtClean="0"/>
+              <a:t>V2: Save into game folders</a:t>
+            </a:r>
+            <a:endParaRPr lang="de-CH" sz="800" dirty="0"/>
+          </a:p>
+        </p:txBody>
+      </p:sp>
+      <p:sp>
+        <p:nvSpPr>
+          <p:cNvPr id="17" name="Legende mit Linie 2 16"/>
+          <p:cNvSpPr/>
+          <p:nvPr/>
+        </p:nvSpPr>
+        <p:spPr>
+          <a:xfrm>
+            <a:off x="1503349" y="4869160"/>
+            <a:ext cx="1656184" cy="360040"/>
+          </a:xfrm>
+          <a:prstGeom prst="borderCallout2">
+            <a:avLst>
+              <a:gd name="adj1" fmla="val 42143"/>
+              <a:gd name="adj2" fmla="val 102816"/>
+              <a:gd name="adj3" fmla="val 175811"/>
+              <a:gd name="adj4" fmla="val 115549"/>
+              <a:gd name="adj5" fmla="val 174321"/>
+              <a:gd name="adj6" fmla="val 153837"/>
+            </a:avLst>
+          </a:prstGeom>
+        </p:spPr>
+        <p:style>
+          <a:lnRef idx="2">
+            <a:schemeClr val="accent5"/>
+          </a:lnRef>
+          <a:fillRef idx="1">
+            <a:schemeClr val="lt1"/>
+          </a:fillRef>
+          <a:effectRef idx="0">
+            <a:schemeClr val="accent5"/>
+          </a:effectRef>
+          <a:fontRef idx="minor">
+            <a:schemeClr val="dk1"/>
+          </a:fontRef>
+        </p:style>
+        <p:txBody>
+          <a:bodyPr rtlCol="0" anchor="ctr"/>
+          <a:lstStyle/>
+          <a:p>
+            <a:r>
+              <a:rPr lang="en-US" sz="1100" dirty="0" smtClean="0"/>
+              <a:t>Dump nice List</a:t>
+            </a:r>
+            <a:endParaRPr lang="de-CH" sz="800" dirty="0"/>
+          </a:p>
+        </p:txBody>
+      </p:sp>
+      <p:sp>
+        <p:nvSpPr>
+          <p:cNvPr id="18" name="Legende mit Linie 2 17"/>
+          <p:cNvSpPr/>
+          <p:nvPr/>
+        </p:nvSpPr>
+        <p:spPr>
+          <a:xfrm>
+            <a:off x="1503349" y="5335365"/>
+            <a:ext cx="1656184" cy="360040"/>
+          </a:xfrm>
+          <a:prstGeom prst="borderCallout2">
+            <a:avLst>
+              <a:gd name="adj1" fmla="val 38801"/>
+              <a:gd name="adj2" fmla="val 102453"/>
+              <a:gd name="adj3" fmla="val 83334"/>
+              <a:gd name="adj4" fmla="val 111219"/>
+              <a:gd name="adj5" fmla="val 93295"/>
+              <a:gd name="adj6" fmla="val 133612"/>
+            </a:avLst>
+          </a:prstGeom>
+        </p:spPr>
+        <p:style>
+          <a:lnRef idx="2">
+            <a:schemeClr val="accent6"/>
+          </a:lnRef>
+          <a:fillRef idx="1">
+            <a:schemeClr val="lt1"/>
+          </a:fillRef>
+          <a:effectRef idx="0">
+            <a:schemeClr val="accent6"/>
+          </a:effectRef>
+          <a:fontRef idx="minor">
+            <a:schemeClr val="dk1"/>
+          </a:fontRef>
+        </p:style>
+        <p:txBody>
+          <a:bodyPr rtlCol="0" anchor="ctr"/>
+          <a:lstStyle/>
+          <a:p>
+            <a:r>
+              <a:rPr lang="en-US" sz="1100" dirty="0" smtClean="0"/>
+              <a:t>V2: filter the action tree</a:t>
+            </a:r>
+            <a:endParaRPr lang="de-CH" sz="800" dirty="0"/>
+          </a:p>
+        </p:txBody>
+      </p:sp>
+      <p:sp>
+        <p:nvSpPr>
+          <p:cNvPr id="19" name="Legende mit Linie 2 18"/>
+          <p:cNvSpPr/>
+          <p:nvPr/>
+        </p:nvSpPr>
+        <p:spPr>
+          <a:xfrm>
+            <a:off x="4203232" y="5605126"/>
+            <a:ext cx="1436189" cy="360040"/>
+          </a:xfrm>
+          <a:prstGeom prst="borderCallout2">
+            <a:avLst>
+              <a:gd name="adj1" fmla="val 84649"/>
+              <a:gd name="adj2" fmla="val 101885"/>
+              <a:gd name="adj3" fmla="val 284908"/>
+              <a:gd name="adj4" fmla="val 71274"/>
+              <a:gd name="adj5" fmla="val 285044"/>
+              <a:gd name="adj6" fmla="val 192750"/>
+            </a:avLst>
+          </a:prstGeom>
+        </p:spPr>
+        <p:style>
+          <a:lnRef idx="2">
+            <a:schemeClr val="accent6"/>
+          </a:lnRef>
+          <a:fillRef idx="1">
+            <a:schemeClr val="lt1"/>
+          </a:fillRef>
+          <a:effectRef idx="0">
+            <a:schemeClr val="accent6"/>
+          </a:effectRef>
+          <a:fontRef idx="minor">
+            <a:schemeClr val="dk1"/>
+          </a:fontRef>
+        </p:style>
+        <p:txBody>
+          <a:bodyPr rtlCol="0" anchor="ctr"/>
+          <a:lstStyle/>
+          <a:p>
+            <a:r>
+              <a:rPr lang="en-US" sz="1100" dirty="0" smtClean="0"/>
+              <a:t>V2: Load from game folders</a:t>
+            </a:r>
+            <a:endParaRPr lang="de-CH" sz="800" dirty="0"/>
+          </a:p>
+        </p:txBody>
+      </p:sp>
+      <p:sp>
+        <p:nvSpPr>
+          <p:cNvPr id="20" name="Legende mit Linie 2 19"/>
+          <p:cNvSpPr/>
+          <p:nvPr/>
+        </p:nvSpPr>
+        <p:spPr>
+          <a:xfrm>
+            <a:off x="115873" y="6122133"/>
+            <a:ext cx="1359783" cy="360040"/>
+          </a:xfrm>
+          <a:prstGeom prst="borderCallout2">
+            <a:avLst>
+              <a:gd name="adj1" fmla="val 88169"/>
+              <a:gd name="adj2" fmla="val 102100"/>
+              <a:gd name="adj3" fmla="val 143663"/>
+              <a:gd name="adj4" fmla="val 139313"/>
+              <a:gd name="adj5" fmla="val 138743"/>
+              <a:gd name="adj6" fmla="val 281178"/>
+            </a:avLst>
+          </a:prstGeom>
+        </p:spPr>
+        <p:style>
+          <a:lnRef idx="2">
+            <a:schemeClr val="accent6"/>
+          </a:lnRef>
+          <a:fillRef idx="1">
+            <a:schemeClr val="lt1"/>
+          </a:fillRef>
+          <a:effectRef idx="0">
+            <a:schemeClr val="accent6"/>
+          </a:effectRef>
+          <a:fontRef idx="minor">
+            <a:schemeClr val="dk1"/>
+          </a:fontRef>
+        </p:style>
+        <p:txBody>
+          <a:bodyPr rtlCol="0" anchor="ctr"/>
+          <a:lstStyle/>
+          <a:p>
+            <a:r>
+              <a:rPr lang="en-US" sz="1100" dirty="0" smtClean="0"/>
+              <a:t>V2: New Reset with options</a:t>
+            </a:r>
+            <a:endParaRPr lang="de-CH" sz="800" dirty="0"/>
+          </a:p>
+        </p:txBody>
+      </p:sp>
+      <p:sp>
+        <p:nvSpPr>
+          <p:cNvPr id="21" name="Textfeld 20"/>
           <p:cNvSpPr txBox="1"/>
           <p:nvPr/>
         </p:nvSpPr>
@@ -9917,10 +10348,160 @@
           </a:p>
         </p:txBody>
       </p:sp>
+      <p:sp>
+        <p:nvSpPr>
+          <p:cNvPr id="8" name="Legende mit Linie 2 7"/>
+          <p:cNvSpPr/>
+          <p:nvPr/>
+        </p:nvSpPr>
+        <p:spPr>
+          <a:xfrm>
+            <a:off x="4391980" y="1124744"/>
+            <a:ext cx="1656184" cy="360040"/>
+          </a:xfrm>
+          <a:prstGeom prst="borderCallout2">
+            <a:avLst>
+              <a:gd name="adj1" fmla="val 113989"/>
+              <a:gd name="adj2" fmla="val 50511"/>
+              <a:gd name="adj3" fmla="val 149078"/>
+              <a:gd name="adj4" fmla="val 50531"/>
+              <a:gd name="adj5" fmla="val 192702"/>
+              <a:gd name="adj6" fmla="val 3822"/>
+            </a:avLst>
+          </a:prstGeom>
+        </p:spPr>
+        <p:style>
+          <a:lnRef idx="2">
+            <a:schemeClr val="accent5"/>
+          </a:lnRef>
+          <a:fillRef idx="1">
+            <a:schemeClr val="lt1"/>
+          </a:fillRef>
+          <a:effectRef idx="0">
+            <a:schemeClr val="accent5"/>
+          </a:effectRef>
+          <a:fontRef idx="minor">
+            <a:schemeClr val="dk1"/>
+          </a:fontRef>
+        </p:style>
+        <p:txBody>
+          <a:bodyPr rtlCol="0" anchor="ctr"/>
+          <a:lstStyle/>
+          <a:p>
+            <a:r>
+              <a:rPr lang="en-US" sz="1100" dirty="0" smtClean="0"/>
+              <a:t>Detected Joystick devices</a:t>
+            </a:r>
+          </a:p>
+          <a:p>
+            <a:r>
+              <a:rPr lang="en-US" sz="800" dirty="0" smtClean="0"/>
+              <a:t>(up to 8 are shown)</a:t>
+            </a:r>
+            <a:endParaRPr lang="de-CH" sz="800" dirty="0"/>
+          </a:p>
+        </p:txBody>
+      </p:sp>
+      <p:sp>
+        <p:nvSpPr>
+          <p:cNvPr id="22" name="Legende mit Linie 2 21"/>
+          <p:cNvSpPr/>
+          <p:nvPr/>
+        </p:nvSpPr>
+        <p:spPr>
+          <a:xfrm>
+            <a:off x="7750475" y="6236496"/>
+            <a:ext cx="1359783" cy="360040"/>
+          </a:xfrm>
+          <a:prstGeom prst="borderCallout2">
+            <a:avLst>
+              <a:gd name="adj1" fmla="val 74624"/>
+              <a:gd name="adj2" fmla="val -3252"/>
+              <a:gd name="adj3" fmla="val 99463"/>
+              <a:gd name="adj4" fmla="val -6050"/>
+              <a:gd name="adj5" fmla="val 102941"/>
+              <a:gd name="adj6" fmla="val -16191"/>
+            </a:avLst>
+          </a:prstGeom>
+        </p:spPr>
+        <p:style>
+          <a:lnRef idx="2">
+            <a:schemeClr val="accent6"/>
+          </a:lnRef>
+          <a:fillRef idx="1">
+            <a:schemeClr val="lt1"/>
+          </a:fillRef>
+          <a:effectRef idx="0">
+            <a:schemeClr val="accent6"/>
+          </a:effectRef>
+          <a:fontRef idx="minor">
+            <a:schemeClr val="dk1"/>
+          </a:fontRef>
+        </p:style>
+        <p:txBody>
+          <a:bodyPr rtlCol="0" anchor="ctr"/>
+          <a:lstStyle/>
+          <a:p>
+            <a:r>
+              <a:rPr lang="en-US" sz="1100" dirty="0" smtClean="0"/>
+              <a:t>V2: Resize the window</a:t>
+            </a:r>
+            <a:endParaRPr lang="de-CH" sz="800" dirty="0"/>
+          </a:p>
+        </p:txBody>
+      </p:sp>
+      <p:sp>
+        <p:nvSpPr>
+          <p:cNvPr id="23" name="Legende mit Linie 2 22"/>
+          <p:cNvSpPr/>
+          <p:nvPr/>
+        </p:nvSpPr>
+        <p:spPr>
+          <a:xfrm>
+            <a:off x="143566" y="5492548"/>
+            <a:ext cx="1359783" cy="360040"/>
+          </a:xfrm>
+          <a:prstGeom prst="borderCallout2">
+            <a:avLst>
+              <a:gd name="adj1" fmla="val 88169"/>
+              <a:gd name="adj2" fmla="val 102100"/>
+              <a:gd name="adj3" fmla="val 143663"/>
+              <a:gd name="adj4" fmla="val 139313"/>
+              <a:gd name="adj5" fmla="val 180515"/>
+              <a:gd name="adj6" fmla="val 235168"/>
+            </a:avLst>
+          </a:prstGeom>
+        </p:spPr>
+        <p:style>
+          <a:lnRef idx="2">
+            <a:schemeClr val="accent3"/>
+          </a:lnRef>
+          <a:fillRef idx="1">
+            <a:schemeClr val="lt1"/>
+          </a:fillRef>
+          <a:effectRef idx="0">
+            <a:schemeClr val="accent3"/>
+          </a:effectRef>
+          <a:fontRef idx="minor">
+            <a:schemeClr val="dk1"/>
+          </a:fontRef>
+        </p:style>
+        <p:txBody>
+          <a:bodyPr rtlCol="0" anchor="ctr"/>
+          <a:lstStyle/>
+          <a:p>
+            <a:r>
+              <a:rPr lang="en-US" sz="1100" dirty="0" smtClean="0"/>
+              <a:t>V2.1: Blend unmapped option</a:t>
+            </a:r>
+            <a:endParaRPr lang="de-CH" sz="800" dirty="0"/>
+          </a:p>
+        </p:txBody>
+      </p:sp>
     </p:spTree>
     <p:extLst>
       <p:ext uri="{BB962C8B-B14F-4D97-AF65-F5344CB8AC3E}">
-        <p14:creationId xmlns:p14="http://schemas.microsoft.com/office/powerpoint/2010/main" val="147240574"/>
+        <p14:creationId xmlns:p14="http://schemas.microsoft.com/office/powerpoint/2010/main" val="1631155290"/>
       </p:ext>
     </p:extLst>
   </p:cSld>
@@ -9949,7 +10530,7 @@
       </p:grpSpPr>
       <p:pic>
         <p:nvPicPr>
-          <p:cNvPr id="9" name="Grafik 8"/>
+          <p:cNvPr id="8" name="Grafik 7"/>
           <p:cNvPicPr>
             <a:picLocks noChangeAspect="1"/>
           </p:cNvPicPr>
@@ -9988,7 +10569,7 @@
           <a:p>
             <a:r>
               <a:rPr lang="en-US" dirty="0" smtClean="0"/>
-              <a:t>The Action Tree …</a:t>
+              <a:t>The Joystick Area…</a:t>
             </a:r>
             <a:endParaRPr lang="en-US" dirty="0"/>
           </a:p>
@@ -10002,8 +10583,8 @@
         </p:nvSpPr>
         <p:spPr>
           <a:xfrm>
-            <a:off x="1475656" y="1772816"/>
-            <a:ext cx="1764196" cy="4685726"/>
+            <a:off x="3275856" y="1772816"/>
+            <a:ext cx="1984909" cy="2664296"/>
           </a:xfrm>
           <a:prstGeom prst="rect">
             <a:avLst/>
@@ -10042,8 +10623,8 @@
         </p:nvSpPr>
         <p:spPr>
           <a:xfrm>
-            <a:off x="3316625" y="1326265"/>
-            <a:ext cx="5338935" cy="5376117"/>
+            <a:off x="304721" y="4494307"/>
+            <a:ext cx="8227719" cy="2208075"/>
           </a:xfrm>
           <a:prstGeom prst="rect">
             <a:avLst/>
@@ -10068,226 +10649,121 @@
           <a:lstStyle/>
           <a:p>
             <a:r>
-              <a:rPr lang="en-US" sz="1400" dirty="0" smtClean="0"/>
-              <a:t>The tree is initially built from the known actions which are grouped along ‘</a:t>
-            </a:r>
-            <a:r>
-              <a:rPr lang="en-US" sz="1400" dirty="0" err="1" smtClean="0"/>
-              <a:t>actionmaps</a:t>
-            </a:r>
-            <a:r>
-              <a:rPr lang="en-US" sz="1400" dirty="0" smtClean="0"/>
-              <a:t>’ e.g. ‘</a:t>
-            </a:r>
-            <a:r>
-              <a:rPr lang="en-US" sz="1400" i="1" dirty="0" err="1" smtClean="0"/>
-              <a:t>spaceship_movement</a:t>
-            </a:r>
-            <a:r>
-              <a:rPr lang="en-US" sz="1400" dirty="0" smtClean="0"/>
-              <a:t>. </a:t>
-            </a:r>
-          </a:p>
-          <a:p>
-            <a:r>
-              <a:rPr lang="en-US" sz="1400" dirty="0" smtClean="0"/>
-              <a:t>Each action is either a predefined joystick or keyboard action – this is given by the SC default profile.</a:t>
-            </a:r>
-          </a:p>
-          <a:p>
-            <a:endParaRPr lang="en-US" sz="1400" dirty="0" smtClean="0"/>
-          </a:p>
-          <a:p>
-            <a:r>
-              <a:rPr lang="en-US" sz="1400" dirty="0" smtClean="0"/>
-              <a:t>By ‘rebinding’ or mapping and action with a different controls one does </a:t>
-            </a:r>
-            <a:r>
-              <a:rPr lang="en-US" sz="1400" b="1" dirty="0" smtClean="0"/>
-              <a:t>replace</a:t>
-            </a:r>
-            <a:r>
-              <a:rPr lang="en-US" sz="1400" dirty="0" smtClean="0"/>
-              <a:t> the default one i.e. </a:t>
-            </a:r>
-            <a:r>
-              <a:rPr lang="en-US" sz="1400" dirty="0" smtClean="0">
+              <a:rPr lang="en-US" sz="1200" dirty="0" smtClean="0"/>
+              <a:t>The tabs represent the joystick devices found connected to the PC also the number 1..8 shows the order the PC reports them which is crucial to the mapping as this will result in the js_1, js_2 .. Names used to build the command name.</a:t>
+            </a:r>
+          </a:p>
+          <a:p>
+            <a:r>
+              <a:rPr lang="en-US" sz="1200" dirty="0" smtClean="0"/>
+              <a:t>The elements are the ones the joystick seems to support – greyed ones are not available for this device.</a:t>
+            </a:r>
+          </a:p>
+          <a:p>
+            <a:endParaRPr lang="en-US" sz="1200" dirty="0" smtClean="0"/>
+          </a:p>
+          <a:p>
+            <a:r>
+              <a:rPr lang="en-US" sz="1200" dirty="0" smtClean="0"/>
+              <a:t>The </a:t>
+            </a:r>
+            <a:r>
+              <a:rPr lang="en-US" sz="1200" i="1" dirty="0" smtClean="0"/>
+              <a:t>SC-Device to Joystick Mapping </a:t>
+            </a:r>
+            <a:r>
+              <a:rPr lang="en-US" sz="1200" dirty="0" smtClean="0"/>
+              <a:t>can be used if the default assignment “Joystick 1 -&gt; js_1” does not match what the </a:t>
+            </a:r>
+            <a:r>
+              <a:rPr lang="en-US" sz="1200" dirty="0" err="1" smtClean="0"/>
+              <a:t>CryEngine</a:t>
+            </a:r>
+            <a:r>
+              <a:rPr lang="en-US" sz="1200" dirty="0" smtClean="0"/>
+              <a:t> is using. – Usually the default should work. You may only remap js1..js3 - 4..8 will remain as detected.</a:t>
+            </a:r>
+          </a:p>
+          <a:p>
+            <a:endParaRPr lang="en-US" sz="1200" dirty="0" smtClean="0"/>
+          </a:p>
+          <a:p>
+            <a:r>
+              <a:rPr lang="en-US" sz="1200" dirty="0" smtClean="0">
                 <a:solidFill>
                   <a:srgbClr val="FF0000"/>
                 </a:solidFill>
               </a:rPr>
-              <a:t>overwriting keyboard actions will result in not having them available on the keyboard once you load the map in the game! </a:t>
-            </a:r>
-          </a:p>
-          <a:p>
-            <a:r>
-              <a:rPr lang="en-US" sz="1400" dirty="0" smtClean="0">
-                <a:solidFill>
-                  <a:schemeClr val="tx1"/>
-                </a:solidFill>
-              </a:rPr>
-              <a:t>However no damage is done! This mapping is only valid until you exit the game or type </a:t>
-            </a:r>
-            <a:r>
-              <a:rPr lang="en-US" sz="1200" i="1" dirty="0" err="1" smtClean="0">
-                <a:solidFill>
-                  <a:schemeClr val="tx1"/>
-                </a:solidFill>
-              </a:rPr>
-              <a:t>pp_rebindkeys</a:t>
-            </a:r>
-            <a:r>
-              <a:rPr lang="en-US" sz="1400" dirty="0" smtClean="0">
-                <a:solidFill>
-                  <a:schemeClr val="tx1"/>
-                </a:solidFill>
-              </a:rPr>
-              <a:t>   without a name</a:t>
-            </a:r>
-          </a:p>
-          <a:p>
-            <a:endParaRPr lang="en-US" sz="1400" dirty="0"/>
-          </a:p>
-          <a:p>
-            <a:r>
-              <a:rPr lang="en-US" sz="1400" dirty="0" smtClean="0"/>
-              <a:t>If actions are mapped (as shown) the color indicates to which joystick the mapping goes. </a:t>
-            </a:r>
-          </a:p>
-          <a:p>
-            <a:endParaRPr lang="en-US" sz="1400" dirty="0"/>
-          </a:p>
-          <a:p>
-            <a:r>
-              <a:rPr lang="en-US" sz="1400" b="1" i="1" dirty="0" err="1" smtClean="0"/>
-              <a:t>v_pitch</a:t>
-            </a:r>
-            <a:r>
-              <a:rPr lang="en-US" sz="1400" b="1" i="1" dirty="0" smtClean="0"/>
-              <a:t> – js1_y   </a:t>
-            </a:r>
-            <a:r>
-              <a:rPr lang="en-US" sz="1400" dirty="0" smtClean="0"/>
-              <a:t>then means that the action </a:t>
-            </a:r>
-            <a:r>
-              <a:rPr lang="en-US" sz="1400" dirty="0" err="1" smtClean="0"/>
-              <a:t>v_pitch</a:t>
-            </a:r>
-            <a:r>
-              <a:rPr lang="en-US" sz="1400" dirty="0" smtClean="0"/>
-              <a:t> (joystick per default) is rebound to the joystick 1 (green) and there the Y-axis control.</a:t>
-            </a:r>
-          </a:p>
-          <a:p>
-            <a:r>
-              <a:rPr lang="en-US" sz="1400" dirty="0" smtClean="0"/>
-              <a:t>If the background is white - there is no current mapping given.</a:t>
-            </a:r>
-          </a:p>
-          <a:p>
-            <a:r>
-              <a:rPr lang="en-US" sz="1400" dirty="0" smtClean="0"/>
-              <a:t>Unmapped actions are ignored.</a:t>
-            </a:r>
-          </a:p>
-          <a:p>
-            <a:endParaRPr lang="en-US" sz="1400" dirty="0"/>
-          </a:p>
-          <a:p>
-            <a:r>
-              <a:rPr lang="en-US" sz="1400" dirty="0" smtClean="0"/>
-              <a:t>Click on any action to make it the used action in the mapping area. Once selected it is marked with the green arrow.</a:t>
-            </a:r>
-          </a:p>
-          <a:p>
-            <a:endParaRPr lang="de-CH" sz="1400" dirty="0"/>
-          </a:p>
-        </p:txBody>
-      </p:sp>
-      <p:sp>
-        <p:nvSpPr>
-          <p:cNvPr id="19" name="Ellipse 18"/>
+              <a:t>Just hit any button, Axis and see how things are changing.</a:t>
+            </a:r>
+            <a:endParaRPr lang="de-CH" sz="1200" dirty="0">
+              <a:solidFill>
+                <a:srgbClr val="FF0000"/>
+              </a:solidFill>
+            </a:endParaRPr>
+          </a:p>
+        </p:txBody>
+      </p:sp>
+      <p:sp>
+        <p:nvSpPr>
+          <p:cNvPr id="4" name="Rechteck 3"/>
           <p:cNvSpPr/>
           <p:nvPr/>
         </p:nvSpPr>
         <p:spPr>
           <a:xfrm>
-            <a:off x="1641139" y="4917104"/>
-            <a:ext cx="288032" cy="288032"/>
-          </a:xfrm>
-          <a:prstGeom prst="ellipse">
-            <a:avLst/>
-          </a:prstGeom>
-          <a:noFill/>
-          <a:ln w="57150"/>
+            <a:off x="5317742" y="1340768"/>
+            <a:ext cx="3214698" cy="3153539"/>
+          </a:xfrm>
+          <a:prstGeom prst="rect">
+            <a:avLst/>
+          </a:prstGeom>
         </p:spPr>
         <p:style>
           <a:lnRef idx="2">
-            <a:schemeClr val="accent2">
-              <a:shade val="50000"/>
-            </a:schemeClr>
+            <a:schemeClr val="accent5"/>
           </a:lnRef>
           <a:fillRef idx="1">
-            <a:schemeClr val="accent2"/>
+            <a:schemeClr val="lt1"/>
           </a:fillRef>
           <a:effectRef idx="0">
-            <a:schemeClr val="accent2"/>
+            <a:schemeClr val="accent5"/>
           </a:effectRef>
           <a:fontRef idx="minor">
-            <a:schemeClr val="lt1"/>
+            <a:schemeClr val="dk1"/>
           </a:fontRef>
         </p:style>
         <p:txBody>
-          <a:bodyPr rtlCol="0" anchor="ctr"/>
+          <a:bodyPr rtlCol="0" anchor="b" anchorCtr="0"/>
           <a:lstStyle/>
           <a:p>
             <a:pPr algn="ctr"/>
-            <a:endParaRPr lang="de-CH"/>
-          </a:p>
-        </p:txBody>
-      </p:sp>
-      <p:sp>
-        <p:nvSpPr>
-          <p:cNvPr id="20" name="Pfeil nach rechts 19"/>
-          <p:cNvSpPr/>
-          <p:nvPr/>
-        </p:nvSpPr>
-        <p:spPr>
-          <a:xfrm rot="10800000">
-            <a:off x="2370847" y="2594984"/>
-            <a:ext cx="216024" cy="144016"/>
-          </a:xfrm>
-          <a:prstGeom prst="rightArrow">
-            <a:avLst/>
-          </a:prstGeom>
-        </p:spPr>
-        <p:style>
-          <a:lnRef idx="1">
-            <a:schemeClr val="accent2"/>
-          </a:lnRef>
-          <a:fillRef idx="3">
-            <a:schemeClr val="accent2"/>
-          </a:fillRef>
-          <a:effectRef idx="2">
-            <a:schemeClr val="accent2"/>
-          </a:effectRef>
-          <a:fontRef idx="minor">
-            <a:schemeClr val="lt1"/>
-          </a:fontRef>
-        </p:style>
-        <p:txBody>
-          <a:bodyPr rtlCol="0" anchor="ctr"/>
-          <a:lstStyle/>
+            <a:r>
+              <a:rPr lang="en-US" sz="1200" dirty="0" smtClean="0"/>
+              <a:t>Here I pressed the Button 8 on the Cyborg </a:t>
+            </a:r>
+            <a:r>
+              <a:rPr lang="en-US" sz="1200" dirty="0" err="1" smtClean="0"/>
+              <a:t>Evo</a:t>
+            </a:r>
+            <a:r>
+              <a:rPr lang="en-US" sz="1200" dirty="0" smtClean="0"/>
+              <a:t> Joystick to capture the image</a:t>
+            </a:r>
+          </a:p>
           <a:p>
             <a:pPr algn="ctr"/>
-            <a:endParaRPr lang="de-CH"/>
+            <a:endParaRPr lang="en-US" sz="1200" dirty="0"/>
+          </a:p>
+          <a:p>
+            <a:pPr algn="ctr"/>
+            <a:endParaRPr lang="de-CH" sz="1200" dirty="0"/>
           </a:p>
         </p:txBody>
       </p:sp>
       <p:pic>
         <p:nvPicPr>
-          <p:cNvPr id="21" name="Grafik 20"/>
+          <p:cNvPr id="5" name="Grafik 4"/>
           <p:cNvPicPr>
             <a:picLocks noChangeAspect="1"/>
           </p:cNvPicPr>
@@ -10301,18 +10777,52 @@
         </p:blipFill>
         <p:spPr>
           <a:xfrm>
-            <a:off x="7020272" y="6093296"/>
-            <a:ext cx="504825" cy="285750"/>
+            <a:off x="5796136" y="1809035"/>
+            <a:ext cx="2160240" cy="1767469"/>
           </a:xfrm>
           <a:prstGeom prst="rect">
             <a:avLst/>
           </a:prstGeom>
         </p:spPr>
       </p:pic>
+      <p:sp>
+        <p:nvSpPr>
+          <p:cNvPr id="10" name="Textfeld 9"/>
+          <p:cNvSpPr txBox="1"/>
+          <p:nvPr/>
+        </p:nvSpPr>
+        <p:spPr>
+          <a:xfrm>
+            <a:off x="4217976" y="1394912"/>
+            <a:ext cx="864096" cy="161583"/>
+          </a:xfrm>
+          <a:prstGeom prst="rect">
+            <a:avLst/>
+          </a:prstGeom>
+          <a:solidFill>
+            <a:schemeClr val="bg1">
+              <a:lumMod val="95000"/>
+            </a:schemeClr>
+          </a:solidFill>
+        </p:spPr>
+        <p:txBody>
+          <a:bodyPr wrap="square" lIns="0" tIns="0" rIns="0" bIns="0" rtlCol="0">
+            <a:spAutoFit/>
+          </a:bodyPr>
+          <a:lstStyle/>
+          <a:p>
+            <a:r>
+              <a:rPr lang="en-US" sz="1050" b="1" dirty="0" smtClean="0"/>
+              <a:t>2.0</a:t>
+            </a:r>
+            <a:endParaRPr lang="de-CH" sz="1050" b="1" dirty="0"/>
+          </a:p>
+        </p:txBody>
+      </p:sp>
     </p:spTree>
     <p:extLst>
       <p:ext uri="{BB962C8B-B14F-4D97-AF65-F5344CB8AC3E}">
-        <p14:creationId xmlns:p14="http://schemas.microsoft.com/office/powerpoint/2010/main" val="1837206826"/>
+        <p14:creationId xmlns:p14="http://schemas.microsoft.com/office/powerpoint/2010/main" val="147240574"/>
       </p:ext>
     </p:extLst>
   </p:cSld>
@@ -10341,7 +10851,7 @@
       </p:grpSpPr>
       <p:pic>
         <p:nvPicPr>
-          <p:cNvPr id="3" name="Grafik 2"/>
+          <p:cNvPr id="9" name="Grafik 8"/>
           <p:cNvPicPr>
             <a:picLocks noChangeAspect="1"/>
           </p:cNvPicPr>
@@ -10355,8 +10865,8 @@
         </p:blipFill>
         <p:spPr>
           <a:xfrm>
-            <a:off x="1401835" y="1124744"/>
-            <a:ext cx="6197376" cy="5577639"/>
+            <a:off x="1403648" y="1124744"/>
+            <a:ext cx="6197377" cy="5577639"/>
           </a:xfrm>
           <a:prstGeom prst="rect">
             <a:avLst/>
@@ -10380,7 +10890,7 @@
           <a:p>
             <a:r>
               <a:rPr lang="en-US" dirty="0" smtClean="0"/>
-              <a:t>The Mapping Area…</a:t>
+              <a:t>The Action Tree …</a:t>
             </a:r>
             <a:endParaRPr lang="en-US" dirty="0"/>
           </a:p>
@@ -10393,9 +10903,9 @@
           <p:nvPr/>
         </p:nvSpPr>
         <p:spPr>
-          <a:xfrm flipV="1">
-            <a:off x="3275856" y="4293097"/>
-            <a:ext cx="1944216" cy="864096"/>
+          <a:xfrm>
+            <a:off x="1475656" y="1772816"/>
+            <a:ext cx="1764196" cy="4685726"/>
           </a:xfrm>
           <a:prstGeom prst="rect">
             <a:avLst/>
@@ -10434,8 +10944,8 @@
         </p:nvSpPr>
         <p:spPr>
           <a:xfrm>
-            <a:off x="457200" y="1340769"/>
-            <a:ext cx="8227719" cy="2880320"/>
+            <a:off x="3316625" y="1326265"/>
+            <a:ext cx="5338935" cy="5376117"/>
           </a:xfrm>
           <a:prstGeom prst="rect">
             <a:avLst/>
@@ -10460,141 +10970,152 @@
           <a:lstStyle/>
           <a:p>
             <a:r>
-              <a:rPr lang="en-US" sz="1200" dirty="0" smtClean="0"/>
-              <a:t>Whenever you click on an action in the Action Tree it is copied into Cmd. and can be mapped to a Control.</a:t>
-            </a:r>
-          </a:p>
-          <a:p>
-            <a:endParaRPr lang="en-US" sz="1200" dirty="0" smtClean="0"/>
-          </a:p>
-          <a:p>
-            <a:r>
-              <a:rPr lang="en-US" sz="1200" dirty="0" smtClean="0"/>
-              <a:t>The Control (Ctrl.) is the last joystick item you activated on the currently shown joystick tab. </a:t>
-            </a:r>
-          </a:p>
-          <a:p>
-            <a:r>
-              <a:rPr lang="en-US" sz="1200" dirty="0" smtClean="0"/>
-              <a:t>I.e. if you want to map it for a control on the second joystick you have to select the “Joystick 2” Tab first.</a:t>
-            </a:r>
-          </a:p>
-          <a:p>
-            <a:endParaRPr lang="en-US" sz="1200" dirty="0" smtClean="0"/>
-          </a:p>
-          <a:p>
-            <a:r>
-              <a:rPr lang="en-US" sz="1200" dirty="0" smtClean="0"/>
-              <a:t>Once you have a mapping that should be used, hit the “Assign” button.</a:t>
-            </a:r>
-          </a:p>
-          <a:p>
-            <a:r>
-              <a:rPr lang="en-US" sz="1200" dirty="0" smtClean="0"/>
-              <a:t>The new mapping will be shown in the Action Tree – where it gets the back color of the joystick it is assigned to.</a:t>
-            </a:r>
-          </a:p>
-          <a:p>
-            <a:endParaRPr lang="en-US" sz="1200" dirty="0"/>
-          </a:p>
-          <a:p>
-            <a:r>
-              <a:rPr lang="en-US" sz="1200" dirty="0" smtClean="0">
+              <a:rPr lang="en-US" sz="1400" dirty="0" smtClean="0"/>
+              <a:t>The tree is initially built from the known actions which are grouped along ‘</a:t>
+            </a:r>
+            <a:r>
+              <a:rPr lang="en-US" sz="1400" dirty="0" err="1" smtClean="0"/>
+              <a:t>actionmaps</a:t>
+            </a:r>
+            <a:r>
+              <a:rPr lang="en-US" sz="1400" dirty="0" smtClean="0"/>
+              <a:t>’ e.g. ‘</a:t>
+            </a:r>
+            <a:r>
+              <a:rPr lang="en-US" sz="1400" i="1" dirty="0" err="1" smtClean="0"/>
+              <a:t>spaceship_movement</a:t>
+            </a:r>
+            <a:r>
+              <a:rPr lang="en-US" sz="1400" dirty="0" smtClean="0"/>
+              <a:t>. </a:t>
+            </a:r>
+          </a:p>
+          <a:p>
+            <a:r>
+              <a:rPr lang="en-US" sz="1400" dirty="0" smtClean="0"/>
+              <a:t>Each action is either a predefined joystick or keyboard action – this is given by the SC default profile.</a:t>
+            </a:r>
+          </a:p>
+          <a:p>
+            <a:endParaRPr lang="en-US" sz="1400" dirty="0" smtClean="0"/>
+          </a:p>
+          <a:p>
+            <a:r>
+              <a:rPr lang="en-US" sz="1400" dirty="0" smtClean="0"/>
+              <a:t>By ‘rebinding’ or mapping and action with a different controls one does </a:t>
+            </a:r>
+            <a:r>
+              <a:rPr lang="en-US" sz="1400" b="1" dirty="0" smtClean="0"/>
+              <a:t>replace</a:t>
+            </a:r>
+            <a:r>
+              <a:rPr lang="en-US" sz="1400" dirty="0" smtClean="0"/>
+              <a:t> the default one i.e. </a:t>
+            </a:r>
+            <a:r>
+              <a:rPr lang="en-US" sz="1400" dirty="0" smtClean="0">
                 <a:solidFill>
-                  <a:schemeClr val="accent6">
-                    <a:lumMod val="75000"/>
-                  </a:schemeClr>
+                  <a:srgbClr val="FF0000"/>
                 </a:solidFill>
               </a:rPr>
-              <a:t>V2: To make any axis a Throttle axis – check the ‘Throttle’ box ! It is often the Z-Axis but the Rhino has it e.g. on js2_y.</a:t>
-            </a:r>
-          </a:p>
-          <a:p>
-            <a:r>
-              <a:rPr lang="en-US" sz="1200" dirty="0" smtClean="0">
+              <a:t>overwriting keyboard actions will result in not having them available on the keyboard once you load the map in the game! </a:t>
+            </a:r>
+          </a:p>
+          <a:p>
+            <a:r>
+              <a:rPr lang="en-US" sz="1400" dirty="0" smtClean="0">
                 <a:solidFill>
-                  <a:schemeClr val="accent6">
-                    <a:lumMod val="75000"/>
-                  </a:schemeClr>
+                  <a:schemeClr val="tx1"/>
                 </a:solidFill>
               </a:rPr>
-              <a:t>If you do so the control assigned in changed to a throttle control (here js1_throttlez)</a:t>
-            </a:r>
-          </a:p>
-          <a:p>
-            <a:endParaRPr lang="en-US" sz="1200" dirty="0">
-              <a:solidFill>
-                <a:schemeClr val="accent6">
-                  <a:lumMod val="75000"/>
-                </a:schemeClr>
-              </a:solidFill>
-            </a:endParaRPr>
-          </a:p>
-          <a:p>
-            <a:r>
-              <a:rPr lang="en-US" sz="1200" dirty="0" smtClean="0"/>
-              <a:t>To clear a mapping – select it in the </a:t>
-            </a:r>
-            <a:r>
-              <a:rPr lang="en-US" sz="1200" dirty="0" err="1" smtClean="0"/>
-              <a:t>ActionTree</a:t>
-            </a:r>
-            <a:r>
-              <a:rPr lang="en-US" sz="1200" dirty="0" smtClean="0"/>
-              <a:t> and Click “Clear” - it gets a neutral color and no control in the </a:t>
-            </a:r>
-            <a:r>
-              <a:rPr lang="en-US" sz="1200" dirty="0" err="1" smtClean="0"/>
-              <a:t>ActionTree</a:t>
-            </a:r>
-            <a:r>
-              <a:rPr lang="en-US" sz="1200" dirty="0" smtClean="0"/>
-              <a:t> – it is now unmapped.</a:t>
-            </a:r>
-            <a:endParaRPr lang="en-US" sz="1200" dirty="0"/>
-          </a:p>
-          <a:p>
-            <a:r>
-              <a:rPr lang="en-US" sz="1200" dirty="0" smtClean="0"/>
-              <a:t>You may use “Find 1</a:t>
-            </a:r>
-            <a:r>
-              <a:rPr lang="en-US" sz="1200" baseline="30000" dirty="0" smtClean="0"/>
-              <a:t>st</a:t>
-            </a:r>
-            <a:r>
-              <a:rPr lang="en-US" sz="1200" dirty="0" smtClean="0"/>
-              <a:t>” to find the first action where the currently shown Ctrl. (js1_z </a:t>
-            </a:r>
-            <a:r>
-              <a:rPr lang="en-US" sz="1200" dirty="0" smtClean="0">
+              <a:t>However no damage is done! This mapping is only valid until you exit the game or type </a:t>
+            </a:r>
+            <a:r>
+              <a:rPr lang="en-US" sz="1200" i="1" dirty="0" err="1" smtClean="0">
                 <a:solidFill>
-                  <a:schemeClr val="accent6">
-                    <a:lumMod val="75000"/>
-                  </a:schemeClr>
+                  <a:schemeClr val="tx1"/>
                 </a:solidFill>
               </a:rPr>
-              <a:t>or if checked as shown js1_throttlez</a:t>
-            </a:r>
-            <a:r>
-              <a:rPr lang="en-US" sz="1200" dirty="0" smtClean="0"/>
-              <a:t>) is mapped.</a:t>
-            </a:r>
-          </a:p>
-          <a:p>
-            <a:endParaRPr lang="en-US" sz="1200" dirty="0" smtClean="0"/>
-          </a:p>
-        </p:txBody>
-      </p:sp>
-      <p:sp>
-        <p:nvSpPr>
-          <p:cNvPr id="8" name="Ellipse 7"/>
+              <a:t>pp_rebindkeys</a:t>
+            </a:r>
+            <a:r>
+              <a:rPr lang="en-US" sz="1400" dirty="0" smtClean="0">
+                <a:solidFill>
+                  <a:schemeClr val="tx1"/>
+                </a:solidFill>
+              </a:rPr>
+              <a:t>   without a name</a:t>
+            </a:r>
+          </a:p>
+          <a:p>
+            <a:endParaRPr lang="en-US" sz="1400" dirty="0"/>
+          </a:p>
+          <a:p>
+            <a:r>
+              <a:rPr lang="en-US" sz="1400" dirty="0" smtClean="0"/>
+              <a:t>If actions are mapped (as shown) the color indicates to which joystick the mapping goes. </a:t>
+            </a:r>
+          </a:p>
+          <a:p>
+            <a:endParaRPr lang="en-US" sz="1400" dirty="0"/>
+          </a:p>
+          <a:p>
+            <a:r>
+              <a:rPr lang="en-US" sz="1400" b="1" i="1" dirty="0" err="1" smtClean="0"/>
+              <a:t>v_pitch</a:t>
+            </a:r>
+            <a:r>
+              <a:rPr lang="en-US" sz="1400" b="1" i="1" dirty="0" smtClean="0"/>
+              <a:t> – js1_y   </a:t>
+            </a:r>
+            <a:r>
+              <a:rPr lang="en-US" sz="1400" dirty="0" smtClean="0"/>
+              <a:t>then means that the action </a:t>
+            </a:r>
+            <a:r>
+              <a:rPr lang="en-US" sz="1400" dirty="0" err="1" smtClean="0"/>
+              <a:t>v_pitch</a:t>
+            </a:r>
+            <a:r>
+              <a:rPr lang="en-US" sz="1400" dirty="0" smtClean="0"/>
+              <a:t> (joystick per default) is rebound to the joystick 1 (green) and there the Y-axis control.</a:t>
+            </a:r>
+          </a:p>
+          <a:p>
+            <a:r>
+              <a:rPr lang="en-US" sz="1400" dirty="0" smtClean="0"/>
+              <a:t>If the background is white - there is no current mapping given.</a:t>
+            </a:r>
+          </a:p>
+          <a:p>
+            <a:r>
+              <a:rPr lang="en-US" sz="1400" dirty="0" smtClean="0"/>
+              <a:t>Unmapped actions are ignored.</a:t>
+            </a:r>
+          </a:p>
+          <a:p>
+            <a:endParaRPr lang="en-US" sz="1400" dirty="0"/>
+          </a:p>
+          <a:p>
+            <a:r>
+              <a:rPr lang="en-US" sz="1400" dirty="0" smtClean="0"/>
+              <a:t>Click on any action to make it the used action in the mapping area. Once selected it is marked with the green arrow.</a:t>
+            </a:r>
+          </a:p>
+          <a:p>
+            <a:endParaRPr lang="de-CH" sz="1400" dirty="0"/>
+          </a:p>
+        </p:txBody>
+      </p:sp>
+      <p:sp>
+        <p:nvSpPr>
+          <p:cNvPr id="19" name="Ellipse 18"/>
           <p:cNvSpPr/>
           <p:nvPr/>
         </p:nvSpPr>
         <p:spPr>
           <a:xfrm>
-            <a:off x="1643736" y="5397280"/>
+            <a:off x="1641139" y="4917104"/>
             <a:ext cx="288032" cy="288032"/>
           </a:xfrm>
           <a:prstGeom prst="ellipse">
@@ -10628,10 +11149,72 @@
           </a:p>
         </p:txBody>
       </p:sp>
+      <p:sp>
+        <p:nvSpPr>
+          <p:cNvPr id="20" name="Pfeil nach rechts 19"/>
+          <p:cNvSpPr/>
+          <p:nvPr/>
+        </p:nvSpPr>
+        <p:spPr>
+          <a:xfrm rot="10800000">
+            <a:off x="2370847" y="2594984"/>
+            <a:ext cx="216024" cy="144016"/>
+          </a:xfrm>
+          <a:prstGeom prst="rightArrow">
+            <a:avLst/>
+          </a:prstGeom>
+        </p:spPr>
+        <p:style>
+          <a:lnRef idx="1">
+            <a:schemeClr val="accent2"/>
+          </a:lnRef>
+          <a:fillRef idx="3">
+            <a:schemeClr val="accent2"/>
+          </a:fillRef>
+          <a:effectRef idx="2">
+            <a:schemeClr val="accent2"/>
+          </a:effectRef>
+          <a:fontRef idx="minor">
+            <a:schemeClr val="lt1"/>
+          </a:fontRef>
+        </p:style>
+        <p:txBody>
+          <a:bodyPr rtlCol="0" anchor="ctr"/>
+          <a:lstStyle/>
+          <a:p>
+            <a:pPr algn="ctr"/>
+            <a:endParaRPr lang="de-CH"/>
+          </a:p>
+        </p:txBody>
+      </p:sp>
+      <p:pic>
+        <p:nvPicPr>
+          <p:cNvPr id="21" name="Grafik 20"/>
+          <p:cNvPicPr>
+            <a:picLocks noChangeAspect="1"/>
+          </p:cNvPicPr>
+          <p:nvPr/>
+        </p:nvPicPr>
+        <p:blipFill>
+          <a:blip r:embed="rId3"/>
+          <a:stretch>
+            <a:fillRect/>
+          </a:stretch>
+        </p:blipFill>
+        <p:spPr>
+          <a:xfrm>
+            <a:off x="7020272" y="6093296"/>
+            <a:ext cx="504825" cy="285750"/>
+          </a:xfrm>
+          <a:prstGeom prst="rect">
+            <a:avLst/>
+          </a:prstGeom>
+        </p:spPr>
+      </p:pic>
     </p:spTree>
     <p:extLst>
       <p:ext uri="{BB962C8B-B14F-4D97-AF65-F5344CB8AC3E}">
-        <p14:creationId xmlns:p14="http://schemas.microsoft.com/office/powerpoint/2010/main" val="2305829835"/>
+        <p14:creationId xmlns:p14="http://schemas.microsoft.com/office/powerpoint/2010/main" val="1837206826"/>
       </p:ext>
     </p:extLst>
   </p:cSld>
@@ -10660,7 +11243,7 @@
       </p:grpSpPr>
       <p:pic>
         <p:nvPicPr>
-          <p:cNvPr id="9" name="Grafik 8"/>
+          <p:cNvPr id="3" name="Grafik 2"/>
           <p:cNvPicPr>
             <a:picLocks noChangeAspect="1"/>
           </p:cNvPicPr>
@@ -10674,8 +11257,8 @@
         </p:blipFill>
         <p:spPr>
           <a:xfrm>
-            <a:off x="1403648" y="1124744"/>
-            <a:ext cx="6197377" cy="5577639"/>
+            <a:off x="1401835" y="1124744"/>
+            <a:ext cx="6197376" cy="5577639"/>
           </a:xfrm>
           <a:prstGeom prst="rect">
             <a:avLst/>
@@ -10699,7 +11282,7 @@
           <a:p>
             <a:r>
               <a:rPr lang="en-US" dirty="0" smtClean="0"/>
-              <a:t>The XML Area…</a:t>
+              <a:t>The Mapping Area…</a:t>
             </a:r>
             <a:endParaRPr lang="en-US" dirty="0"/>
           </a:p>
@@ -10713,8 +11296,8 @@
         </p:nvSpPr>
         <p:spPr>
           <a:xfrm flipV="1">
-            <a:off x="5220073" y="1769332"/>
-            <a:ext cx="2380952" cy="4251956"/>
+            <a:off x="3275856" y="4293097"/>
+            <a:ext cx="1944216" cy="864096"/>
           </a:xfrm>
           <a:prstGeom prst="rect">
             <a:avLst/>
@@ -10753,8 +11336,8 @@
         </p:nvSpPr>
         <p:spPr>
           <a:xfrm>
-            <a:off x="288157" y="1340768"/>
-            <a:ext cx="4895422" cy="3702612"/>
+            <a:off x="457200" y="1340769"/>
+            <a:ext cx="8227719" cy="2880320"/>
           </a:xfrm>
           <a:prstGeom prst="rect">
             <a:avLst/>
@@ -10780,73 +11363,41 @@
           <a:p>
             <a:r>
               <a:rPr lang="en-US" sz="1200" dirty="0" smtClean="0"/>
-              <a:t>Mappings are sent to the game using XML formatted files.</a:t>
-            </a:r>
+              <a:t>Whenever you click on an action in the Action Tree it is copied into Cmd. and can be mapped to a Control.</a:t>
+            </a:r>
+          </a:p>
+          <a:p>
+            <a:endParaRPr lang="en-US" sz="1200" dirty="0" smtClean="0"/>
           </a:p>
           <a:p>
             <a:r>
               <a:rPr lang="en-US" sz="1200" dirty="0" smtClean="0"/>
-              <a:t>The XML Area is where you may find the mapping after hitting the ‘Dump’ button.</a:t>
-            </a:r>
-          </a:p>
-          <a:p>
-            <a:r>
-              <a:rPr lang="en-US" sz="1200" dirty="0" err="1" smtClean="0"/>
-              <a:t>Rightclick</a:t>
-            </a:r>
+              <a:t>The Control (Ctrl.) is the last joystick item you activated on the currently shown joystick tab. </a:t>
+            </a:r>
+          </a:p>
+          <a:p>
             <a:r>
               <a:rPr lang="en-US" sz="1200" dirty="0" smtClean="0"/>
-              <a:t> opens a menu where you may choose from:</a:t>
-            </a:r>
+              <a:t>I.e. if you want to map it for a control on the second joystick you have to select the “Joystick 2” Tab first.</a:t>
+            </a:r>
+          </a:p>
+          <a:p>
+            <a:endParaRPr lang="en-US" sz="1200" dirty="0" smtClean="0"/>
           </a:p>
           <a:p>
             <a:r>
               <a:rPr lang="en-US" sz="1200" dirty="0" smtClean="0"/>
-              <a:t>Copy, Paste, </a:t>
-            </a:r>
-            <a:r>
-              <a:rPr lang="en-US" sz="1200" dirty="0" err="1" smtClean="0"/>
-              <a:t>PasteAll</a:t>
-            </a:r>
+              <a:t>Once you have a mapping that should be used, hit the “Assign” button.</a:t>
+            </a:r>
+          </a:p>
+          <a:p>
             <a:r>
               <a:rPr lang="en-US" sz="1200" dirty="0" smtClean="0"/>
-              <a:t>, Select All,  Open…, Save As…</a:t>
-            </a:r>
-          </a:p>
-          <a:p>
-            <a:endParaRPr lang="en-US" sz="1200" dirty="0" smtClean="0"/>
-          </a:p>
-          <a:p>
-            <a:r>
-              <a:rPr lang="en-US" sz="1200" dirty="0" smtClean="0"/>
-              <a:t>The usage is rather common here. Once you dumped the mapping you want to “Save” it as “filename.xml” somewhere.</a:t>
+              <a:t>The new mapping will be shown in the Action Tree – where it gets the back color of the joystick it is assigned to.</a:t>
             </a:r>
           </a:p>
           <a:p>
             <a:endParaRPr lang="en-US" sz="1200" dirty="0"/>
-          </a:p>
-          <a:p>
-            <a:r>
-              <a:rPr lang="en-US" sz="1200" dirty="0" smtClean="0"/>
-              <a:t>To refine any mapping “Open” the file – the content is shown in the XML Area, then “Grab” it into the </a:t>
-            </a:r>
-            <a:r>
-              <a:rPr lang="en-US" sz="1200" dirty="0" err="1" smtClean="0"/>
-              <a:t>ActionTree</a:t>
-            </a:r>
-            <a:r>
-              <a:rPr lang="en-US" sz="1200" dirty="0" smtClean="0"/>
-              <a:t>.</a:t>
-            </a:r>
-          </a:p>
-          <a:p>
-            <a:r>
-              <a:rPr lang="en-US" sz="1200" dirty="0" smtClean="0"/>
-              <a:t>Once the refinement is finished – again Save it to a file.</a:t>
-            </a:r>
-          </a:p>
-          <a:p>
-            <a:endParaRPr lang="en-US" sz="1200" dirty="0" smtClean="0"/>
           </a:p>
           <a:p>
             <a:r>
@@ -10857,8 +11408,22 @@
                   </a:schemeClr>
                 </a:solidFill>
               </a:rPr>
-              <a:t>Load and Save much easier …  read V2 Feature pages</a:t>
-            </a:r>
+              <a:t>V2: To make any axis a Throttle axis – check the ‘Throttle’ box ! It is often the Z-Axis but the Rhino has it e.g. on js2_y.</a:t>
+            </a:r>
+          </a:p>
+          <a:p>
+            <a:r>
+              <a:rPr lang="en-US" sz="1200" dirty="0" smtClean="0">
+                <a:solidFill>
+                  <a:schemeClr val="accent6">
+                    <a:lumMod val="75000"/>
+                  </a:schemeClr>
+                </a:solidFill>
+              </a:rPr>
+              <a:t>If you do so the control assigned in changed to a throttle control (here js1_throttlez)</a:t>
+            </a:r>
+          </a:p>
+          <a:p>
             <a:endParaRPr lang="en-US" sz="1200" dirty="0">
               <a:solidFill>
                 <a:schemeClr val="accent6">
@@ -10868,48 +11433,73 @@
             </a:endParaRPr>
           </a:p>
           <a:p>
+            <a:r>
+              <a:rPr lang="en-US" sz="1200" dirty="0" smtClean="0"/>
+              <a:t>To clear a mapping – select it in the </a:t>
+            </a:r>
+            <a:r>
+              <a:rPr lang="en-US" sz="1200" dirty="0" err="1" smtClean="0"/>
+              <a:t>ActionTree</a:t>
+            </a:r>
+            <a:r>
+              <a:rPr lang="en-US" sz="1200" dirty="0" smtClean="0"/>
+              <a:t> and Click “Clear” - it gets a neutral color and no control in the </a:t>
+            </a:r>
+            <a:r>
+              <a:rPr lang="en-US" sz="1200" dirty="0" err="1" smtClean="0"/>
+              <a:t>ActionTree</a:t>
+            </a:r>
+            <a:r>
+              <a:rPr lang="en-US" sz="1200" dirty="0" smtClean="0"/>
+              <a:t> – it is now unmapped.</a:t>
+            </a:r>
             <a:endParaRPr lang="en-US" sz="1200" dirty="0"/>
           </a:p>
           <a:p>
+            <a:r>
+              <a:rPr lang="en-US" sz="1200" dirty="0" smtClean="0"/>
+              <a:t>You may use “Find 1</a:t>
+            </a:r>
+            <a:r>
+              <a:rPr lang="en-US" sz="1200" baseline="30000" dirty="0" smtClean="0"/>
+              <a:t>st</a:t>
+            </a:r>
+            <a:r>
+              <a:rPr lang="en-US" sz="1200" dirty="0" smtClean="0"/>
+              <a:t>” to find the first action where the currently shown Ctrl. (js1_z </a:t>
+            </a:r>
             <a:r>
               <a:rPr lang="en-US" sz="1200" dirty="0" smtClean="0">
                 <a:solidFill>
-                  <a:srgbClr val="FF0000"/>
+                  <a:schemeClr val="accent6">
+                    <a:lumMod val="75000"/>
+                  </a:schemeClr>
                 </a:solidFill>
               </a:rPr>
-              <a:t>Note: only use properly formatted </a:t>
-            </a:r>
-            <a:r>
-              <a:rPr lang="en-US" sz="1200" dirty="0" err="1" smtClean="0">
-                <a:solidFill>
-                  <a:srgbClr val="FF0000"/>
-                </a:solidFill>
-              </a:rPr>
-              <a:t>ActionMaps</a:t>
-            </a:r>
-            <a:r>
-              <a:rPr lang="en-US" sz="1200" dirty="0" smtClean="0">
-                <a:solidFill>
-                  <a:srgbClr val="FF0000"/>
-                </a:solidFill>
-              </a:rPr>
-              <a:t> here. The program may just break if it encounters something unexpected!</a:t>
-            </a:r>
-          </a:p>
-        </p:txBody>
-      </p:sp>
-      <p:sp>
-        <p:nvSpPr>
-          <p:cNvPr id="8" name="Rechteck 7"/>
+              <a:t>or if checked as shown js1_throttlez</a:t>
+            </a:r>
+            <a:r>
+              <a:rPr lang="en-US" sz="1200" dirty="0" smtClean="0"/>
+              <a:t>) is mapped.</a:t>
+            </a:r>
+          </a:p>
+          <a:p>
+            <a:endParaRPr lang="en-US" sz="1200" dirty="0" smtClean="0"/>
+          </a:p>
+        </p:txBody>
+      </p:sp>
+      <p:sp>
+        <p:nvSpPr>
+          <p:cNvPr id="8" name="Ellipse 7"/>
           <p:cNvSpPr/>
           <p:nvPr/>
         </p:nvSpPr>
         <p:spPr>
-          <a:xfrm flipV="1">
-            <a:off x="3203849" y="5085184"/>
-            <a:ext cx="2016224" cy="307525"/>
-          </a:xfrm>
-          <a:prstGeom prst="rect">
+          <a:xfrm>
+            <a:off x="1643736" y="5397280"/>
+            <a:ext cx="288032" cy="288032"/>
+          </a:xfrm>
+          <a:prstGeom prst="ellipse">
             <a:avLst/>
           </a:prstGeom>
           <a:noFill/>
@@ -10917,16 +11507,18 @@
         </p:spPr>
         <p:style>
           <a:lnRef idx="2">
-            <a:schemeClr val="accent2"/>
+            <a:schemeClr val="accent2">
+              <a:shade val="50000"/>
+            </a:schemeClr>
           </a:lnRef>
           <a:fillRef idx="1">
-            <a:schemeClr val="lt1"/>
+            <a:schemeClr val="accent2"/>
           </a:fillRef>
           <a:effectRef idx="0">
             <a:schemeClr val="accent2"/>
           </a:effectRef>
           <a:fontRef idx="minor">
-            <a:schemeClr val="dk1"/>
+            <a:schemeClr val="lt1"/>
           </a:fontRef>
         </p:style>
         <p:txBody>
@@ -10941,7 +11533,7 @@
     </p:spTree>
     <p:extLst>
       <p:ext uri="{BB962C8B-B14F-4D97-AF65-F5344CB8AC3E}">
-        <p14:creationId xmlns:p14="http://schemas.microsoft.com/office/powerpoint/2010/main" val="1960487479"/>
+        <p14:creationId xmlns:p14="http://schemas.microsoft.com/office/powerpoint/2010/main" val="2305829835"/>
       </p:ext>
     </p:extLst>
   </p:cSld>
@@ -10970,7 +11562,7 @@
       </p:grpSpPr>
       <p:pic>
         <p:nvPicPr>
-          <p:cNvPr id="4" name="Grafik 3"/>
+          <p:cNvPr id="9" name="Grafik 8"/>
           <p:cNvPicPr>
             <a:picLocks noChangeAspect="1"/>
           </p:cNvPicPr>
@@ -10984,8 +11576,8 @@
         </p:blipFill>
         <p:spPr>
           <a:xfrm>
-            <a:off x="1592357" y="1107206"/>
-            <a:ext cx="6192688" cy="5573419"/>
+            <a:off x="1403648" y="1124744"/>
+            <a:ext cx="6197377" cy="5577639"/>
           </a:xfrm>
           <a:prstGeom prst="rect">
             <a:avLst/>
@@ -11023,8 +11615,8 @@
         </p:nvSpPr>
         <p:spPr>
           <a:xfrm flipV="1">
-            <a:off x="5321144" y="1724144"/>
-            <a:ext cx="2467677" cy="4226304"/>
+            <a:off x="5220073" y="1769332"/>
+            <a:ext cx="2380952" cy="4251956"/>
           </a:xfrm>
           <a:prstGeom prst="rect">
             <a:avLst/>
@@ -11063,8 +11655,8 @@
         </p:nvSpPr>
         <p:spPr>
           <a:xfrm>
-            <a:off x="410281" y="1268760"/>
-            <a:ext cx="4895422" cy="3888432"/>
+            <a:off x="288157" y="1340768"/>
+            <a:ext cx="4895422" cy="3702612"/>
           </a:xfrm>
           <a:prstGeom prst="rect">
             <a:avLst/>
@@ -11090,7 +11682,46 @@
           <a:p>
             <a:r>
               <a:rPr lang="en-US" sz="1200" dirty="0" smtClean="0"/>
-              <a:t>If you hit “Dump List” a formatted list of the mapped actions is written into the XML area.</a:t>
+              <a:t>Mappings are sent to the game using XML formatted files.</a:t>
+            </a:r>
+          </a:p>
+          <a:p>
+            <a:r>
+              <a:rPr lang="en-US" sz="1200" dirty="0" smtClean="0"/>
+              <a:t>The XML Area is where you may find the mapping after hitting the ‘Dump’ button.</a:t>
+            </a:r>
+          </a:p>
+          <a:p>
+            <a:r>
+              <a:rPr lang="en-US" sz="1200" dirty="0" err="1" smtClean="0"/>
+              <a:t>Rightclick</a:t>
+            </a:r>
+            <a:r>
+              <a:rPr lang="en-US" sz="1200" dirty="0" smtClean="0"/>
+              <a:t> opens a menu where you may choose from:</a:t>
+            </a:r>
+          </a:p>
+          <a:p>
+            <a:r>
+              <a:rPr lang="en-US" sz="1200" dirty="0" smtClean="0"/>
+              <a:t>Copy, Paste, </a:t>
+            </a:r>
+            <a:r>
+              <a:rPr lang="en-US" sz="1200" dirty="0" err="1" smtClean="0"/>
+              <a:t>PasteAll</a:t>
+            </a:r>
+            <a:r>
+              <a:rPr lang="en-US" sz="1200" dirty="0" smtClean="0"/>
+              <a:t>, Select All,  Open…, Save As…</a:t>
+            </a:r>
+          </a:p>
+          <a:p>
+            <a:endParaRPr lang="en-US" sz="1200" dirty="0" smtClean="0"/>
+          </a:p>
+          <a:p>
+            <a:r>
+              <a:rPr lang="en-US" sz="1200" dirty="0" smtClean="0"/>
+              <a:t>The usage is rather common here. Once you dumped the mapping you want to “Save” it as “filename.xml” somewhere.</a:t>
             </a:r>
           </a:p>
           <a:p>
@@ -11099,19 +11730,74 @@
           <a:p>
             <a:r>
               <a:rPr lang="en-US" sz="1200" dirty="0" smtClean="0"/>
-              <a:t>You may use the “Save As..” menu to save it e.g. as TXT file.</a:t>
+              <a:t>To refine any mapping “Open” the file – the content is shown in the XML Area, then “Grab” it into the </a:t>
+            </a:r>
+            <a:r>
+              <a:rPr lang="en-US" sz="1200" dirty="0" err="1" smtClean="0"/>
+              <a:t>ActionTree</a:t>
+            </a:r>
+            <a:r>
+              <a:rPr lang="en-US" sz="1200" dirty="0" smtClean="0"/>
+              <a:t>.</a:t>
+            </a:r>
+          </a:p>
+          <a:p>
+            <a:r>
+              <a:rPr lang="en-US" sz="1200" dirty="0" smtClean="0"/>
+              <a:t>Once the refinement is finished – again Save it to a file.</a:t>
             </a:r>
           </a:p>
           <a:p>
             <a:endParaRPr lang="en-US" sz="1200" dirty="0" smtClean="0"/>
           </a:p>
           <a:p>
+            <a:r>
+              <a:rPr lang="en-US" sz="1200" dirty="0" smtClean="0">
+                <a:solidFill>
+                  <a:schemeClr val="accent6">
+                    <a:lumMod val="75000"/>
+                  </a:schemeClr>
+                </a:solidFill>
+              </a:rPr>
+              <a:t>Load and Save much easier …  read V2 Feature pages</a:t>
+            </a:r>
             <a:endParaRPr lang="en-US" sz="1200" dirty="0">
               <a:solidFill>
-                <a:srgbClr val="FF0000"/>
+                <a:schemeClr val="accent6">
+                  <a:lumMod val="75000"/>
+                </a:schemeClr>
               </a:solidFill>
             </a:endParaRPr>
           </a:p>
+          <a:p>
+            <a:endParaRPr lang="en-US" sz="1200" dirty="0"/>
+          </a:p>
+          <a:p>
+            <a:r>
+              <a:rPr lang="en-US" sz="1200" dirty="0" smtClean="0">
+                <a:solidFill>
+                  <a:srgbClr val="FF0000"/>
+                </a:solidFill>
+              </a:rPr>
+              <a:t>Note: only use properly formatted </a:t>
+            </a:r>
+            <a:r>
+              <a:rPr lang="en-US" sz="1200" dirty="0" err="1" smtClean="0">
+                <a:solidFill>
+                  <a:srgbClr val="FF0000"/>
+                </a:solidFill>
+              </a:rPr>
+              <a:t>ActionMaps</a:t>
+            </a:r>
+            <a:r>
+              <a:rPr lang="en-US" sz="1200" dirty="0" smtClean="0">
+                <a:solidFill>
+                  <a:srgbClr val="FF0000"/>
+                </a:solidFill>
+              </a:rPr>
+              <a:t> here. The program may just break if it encounters something unexpected!</a:t>
+            </a:r>
+          </a:p>
         </p:txBody>
       </p:sp>
       <p:sp>
@@ -11122,8 +11808,8 @@
         </p:nvSpPr>
         <p:spPr>
           <a:xfrm flipV="1">
-            <a:off x="3419872" y="5281108"/>
-            <a:ext cx="997998" cy="305338"/>
+            <a:off x="3203849" y="5085184"/>
+            <a:ext cx="2016224" cy="307525"/>
           </a:xfrm>
           <a:prstGeom prst="rect">
             <a:avLst/>
@@ -11154,74 +11840,10 @@
           </a:p>
         </p:txBody>
       </p:sp>
-      <p:pic>
-        <p:nvPicPr>
-          <p:cNvPr id="5" name="Grafik 4"/>
-          <p:cNvPicPr>
-            <a:picLocks noChangeAspect="1"/>
-          </p:cNvPicPr>
-          <p:nvPr/>
-        </p:nvPicPr>
-        <p:blipFill>
-          <a:blip r:embed="rId3"/>
-          <a:stretch>
-            <a:fillRect/>
-          </a:stretch>
-        </p:blipFill>
-        <p:spPr>
-          <a:xfrm>
-            <a:off x="1331640" y="2489232"/>
-            <a:ext cx="3618438" cy="2225977"/>
-          </a:xfrm>
-          <a:prstGeom prst="rect">
-            <a:avLst/>
-          </a:prstGeom>
-        </p:spPr>
-      </p:pic>
-      <p:sp>
-        <p:nvSpPr>
-          <p:cNvPr id="10" name="Rechteck 9"/>
-          <p:cNvSpPr/>
-          <p:nvPr/>
-        </p:nvSpPr>
-        <p:spPr>
-          <a:xfrm flipV="1">
-            <a:off x="1698361" y="4077072"/>
-            <a:ext cx="1172260" cy="432048"/>
-          </a:xfrm>
-          <a:prstGeom prst="rect">
-            <a:avLst/>
-          </a:prstGeom>
-          <a:noFill/>
-          <a:ln w="57150"/>
-        </p:spPr>
-        <p:style>
-          <a:lnRef idx="2">
-            <a:schemeClr val="accent2"/>
-          </a:lnRef>
-          <a:fillRef idx="1">
-            <a:schemeClr val="lt1"/>
-          </a:fillRef>
-          <a:effectRef idx="0">
-            <a:schemeClr val="accent2"/>
-          </a:effectRef>
-          <a:fontRef idx="minor">
-            <a:schemeClr val="dk1"/>
-          </a:fontRef>
-        </p:style>
-        <p:txBody>
-          <a:bodyPr rtlCol="0" anchor="ctr"/>
-          <a:lstStyle/>
-          <a:p>
-            <a:pPr algn="ctr"/>
-            <a:endParaRPr lang="de-CH"/>
-          </a:p>
-        </p:txBody>
-      </p:sp>
     </p:spTree>
     <p:extLst>
       <p:ext uri="{BB962C8B-B14F-4D97-AF65-F5344CB8AC3E}">
-        <p14:creationId xmlns:p14="http://schemas.microsoft.com/office/powerpoint/2010/main" val="2212032178"/>
+        <p14:creationId xmlns:p14="http://schemas.microsoft.com/office/powerpoint/2010/main" val="1960487479"/>
       </p:ext>
     </p:extLst>
   </p:cSld>

--- a/doc/SCJMapper_QGuide.pptx
+++ b/doc/SCJMapper_QGuide.pptx
@@ -320,7 +320,7 @@
           <a:p>
             <a:fld id="{1BA50D42-C9CD-4801-B293-61D1F53EC57E}" type="datetimeFigureOut">
               <a:rPr lang="de-DE" smtClean="0"/>
-              <a:t>02.08.2014</a:t>
+              <a:t>03.08.2014</a:t>
             </a:fld>
             <a:endParaRPr lang="de-DE"/>
           </a:p>
@@ -485,7 +485,7 @@
           <a:p>
             <a:fld id="{1BA50D42-C9CD-4801-B293-61D1F53EC57E}" type="datetimeFigureOut">
               <a:rPr lang="de-DE" smtClean="0"/>
-              <a:t>02.08.2014</a:t>
+              <a:t>03.08.2014</a:t>
             </a:fld>
             <a:endParaRPr lang="de-DE"/>
           </a:p>
@@ -660,7 +660,7 @@
           <a:p>
             <a:fld id="{1BA50D42-C9CD-4801-B293-61D1F53EC57E}" type="datetimeFigureOut">
               <a:rPr lang="de-DE" smtClean="0"/>
-              <a:t>02.08.2014</a:t>
+              <a:t>03.08.2014</a:t>
             </a:fld>
             <a:endParaRPr lang="de-DE"/>
           </a:p>
@@ -825,7 +825,7 @@
           <a:p>
             <a:fld id="{1BA50D42-C9CD-4801-B293-61D1F53EC57E}" type="datetimeFigureOut">
               <a:rPr lang="de-DE" smtClean="0"/>
-              <a:t>02.08.2014</a:t>
+              <a:t>03.08.2014</a:t>
             </a:fld>
             <a:endParaRPr lang="de-DE"/>
           </a:p>
@@ -1066,7 +1066,7 @@
           <a:p>
             <a:fld id="{1BA50D42-C9CD-4801-B293-61D1F53EC57E}" type="datetimeFigureOut">
               <a:rPr lang="de-DE" smtClean="0"/>
-              <a:t>02.08.2014</a:t>
+              <a:t>03.08.2014</a:t>
             </a:fld>
             <a:endParaRPr lang="de-DE"/>
           </a:p>
@@ -1349,7 +1349,7 @@
           <a:p>
             <a:fld id="{1BA50D42-C9CD-4801-B293-61D1F53EC57E}" type="datetimeFigureOut">
               <a:rPr lang="de-DE" smtClean="0"/>
-              <a:t>02.08.2014</a:t>
+              <a:t>03.08.2014</a:t>
             </a:fld>
             <a:endParaRPr lang="de-DE"/>
           </a:p>
@@ -1766,7 +1766,7 @@
           <a:p>
             <a:fld id="{1BA50D42-C9CD-4801-B293-61D1F53EC57E}" type="datetimeFigureOut">
               <a:rPr lang="de-DE" smtClean="0"/>
-              <a:t>02.08.2014</a:t>
+              <a:t>03.08.2014</a:t>
             </a:fld>
             <a:endParaRPr lang="de-DE"/>
           </a:p>
@@ -1879,7 +1879,7 @@
           <a:p>
             <a:fld id="{1BA50D42-C9CD-4801-B293-61D1F53EC57E}" type="datetimeFigureOut">
               <a:rPr lang="de-DE" smtClean="0"/>
-              <a:t>02.08.2014</a:t>
+              <a:t>03.08.2014</a:t>
             </a:fld>
             <a:endParaRPr lang="de-DE"/>
           </a:p>
@@ -1969,7 +1969,7 @@
           <a:p>
             <a:fld id="{1BA50D42-C9CD-4801-B293-61D1F53EC57E}" type="datetimeFigureOut">
               <a:rPr lang="de-DE" smtClean="0"/>
-              <a:t>02.08.2014</a:t>
+              <a:t>03.08.2014</a:t>
             </a:fld>
             <a:endParaRPr lang="de-DE"/>
           </a:p>
@@ -2241,7 +2241,7 @@
           <a:p>
             <a:fld id="{1BA50D42-C9CD-4801-B293-61D1F53EC57E}" type="datetimeFigureOut">
               <a:rPr lang="de-DE" smtClean="0"/>
-              <a:t>02.08.2014</a:t>
+              <a:t>03.08.2014</a:t>
             </a:fld>
             <a:endParaRPr lang="de-DE"/>
           </a:p>
@@ -2489,7 +2489,7 @@
           <a:p>
             <a:fld id="{1BA50D42-C9CD-4801-B293-61D1F53EC57E}" type="datetimeFigureOut">
               <a:rPr lang="de-DE" smtClean="0"/>
-              <a:t>02.08.2014</a:t>
+              <a:t>03.08.2014</a:t>
             </a:fld>
             <a:endParaRPr lang="de-DE"/>
           </a:p>
@@ -2697,7 +2697,7 @@
           <a:p>
             <a:fld id="{1BA50D42-C9CD-4801-B293-61D1F53EC57E}" type="datetimeFigureOut">
               <a:rPr lang="de-DE" smtClean="0"/>
-              <a:t>02.08.2014</a:t>
+              <a:t>03.08.2014</a:t>
             </a:fld>
             <a:endParaRPr lang="de-DE"/>
           </a:p>
@@ -3117,11 +3117,7 @@
             </a:br>
             <a:r>
               <a:rPr lang="en-US" sz="4000" dirty="0" smtClean="0"/>
-              <a:t>Quick Reference Guide  V </a:t>
-            </a:r>
-            <a:r>
-              <a:rPr lang="en-US" sz="4000" dirty="0" smtClean="0"/>
-              <a:t>2.2</a:t>
+              <a:t>Quick Reference Guide  V 2.2</a:t>
             </a:r>
             <a:endParaRPr lang="en-US" sz="4000" dirty="0"/>
           </a:p>
@@ -3151,11 +3147,7 @@
           <a:p>
             <a:r>
               <a:rPr lang="en-US" sz="900" dirty="0" smtClean="0"/>
-              <a:t>20140802 </a:t>
-            </a:r>
-            <a:r>
-              <a:rPr lang="en-US" sz="900" dirty="0" smtClean="0"/>
-              <a:t>– Cassini</a:t>
+              <a:t>20140802 – Cassini</a:t>
             </a:r>
           </a:p>
           <a:p>
@@ -5528,22 +5520,26 @@
           <a:p>
             <a:r>
               <a:rPr lang="en-US" sz="1200" dirty="0" smtClean="0"/>
-              <a:t>There is also way to override the programs own detection of </a:t>
+              <a:t>There is also way to override the programs </a:t>
+            </a:r>
+            <a:r>
+              <a:rPr lang="en-US" sz="1200" smtClean="0"/>
+              <a:t>own </a:t>
+            </a:r>
+            <a:r>
+              <a:rPr lang="en-US" sz="1200" smtClean="0"/>
+              <a:t>detection</a:t>
+            </a:r>
+            <a:br>
+              <a:rPr lang="en-US" sz="1200" smtClean="0"/>
+            </a:br>
+            <a:r>
+              <a:rPr lang="en-US" sz="1200" smtClean="0"/>
+              <a:t>of the </a:t>
             </a:r>
             <a:r>
               <a:rPr lang="en-US" sz="1200" dirty="0" smtClean="0"/>
-              <a:t/>
-            </a:r>
-            <a:br>
-              <a:rPr lang="en-US" sz="1200" dirty="0" smtClean="0"/>
-            </a:br>
-            <a:r>
-              <a:rPr lang="en-US" sz="1200" dirty="0" smtClean="0"/>
-              <a:t>the Star </a:t>
-            </a:r>
-            <a:r>
-              <a:rPr lang="en-US" sz="1200" dirty="0" smtClean="0"/>
-              <a:t>Citizen install folder. </a:t>
+              <a:t>Star Citizen install folder. </a:t>
             </a:r>
           </a:p>
           <a:p>
@@ -5628,7 +5624,7 @@
       </p:cxnSp>
       <p:pic>
         <p:nvPicPr>
-          <p:cNvPr id="12" name="Grafik 11"/>
+          <p:cNvPr id="13" name="Grafik 12"/>
           <p:cNvPicPr>
             <a:picLocks noChangeAspect="1"/>
           </p:cNvPicPr>
@@ -5642,8 +5638,8 @@
         </p:blipFill>
         <p:spPr>
           <a:xfrm>
-            <a:off x="4592055" y="3689181"/>
-            <a:ext cx="4302570" cy="2035994"/>
+            <a:off x="4405016" y="3595779"/>
+            <a:ext cx="4511326" cy="2134778"/>
           </a:xfrm>
           <a:prstGeom prst="rect">
             <a:avLst/>
@@ -5801,15 +5797,7 @@
                   <a:schemeClr val="accent4"/>
                 </a:solidFill>
               </a:rPr>
-              <a:t>V2.2 </a:t>
-            </a:r>
-            <a:r>
-              <a:rPr lang="en-US" dirty="0" smtClean="0">
-                <a:solidFill>
-                  <a:schemeClr val="accent4"/>
-                </a:solidFill>
-              </a:rPr>
-              <a:t>– Features</a:t>
+              <a:t>V2.2 – Features</a:t>
             </a:r>
             <a:endParaRPr lang="en-US" dirty="0">
               <a:solidFill>
@@ -5932,11 +5920,7 @@
           <a:p>
             <a:r>
               <a:rPr lang="en-US" sz="1200" b="1" dirty="0" smtClean="0"/>
-              <a:t>New possibility to </a:t>
-            </a:r>
-            <a:r>
-              <a:rPr lang="en-US" sz="1200" b="1" dirty="0" smtClean="0"/>
-              <a:t>ignore unwanted </a:t>
+              <a:t>New possibility to ignore unwanted </a:t>
             </a:r>
             <a:r>
               <a:rPr lang="en-US" sz="1200" b="1" dirty="0" err="1" smtClean="0"/>
@@ -5950,11 +5934,7 @@
           <a:p>
             <a:r>
               <a:rPr lang="en-US" sz="1200" dirty="0" smtClean="0"/>
-              <a:t>If you wish to </a:t>
-            </a:r>
-            <a:r>
-              <a:rPr lang="en-US" sz="1200" dirty="0" smtClean="0"/>
-              <a:t>ignore some maps to unclutter the GUI</a:t>
+              <a:t>If you wish to ignore some maps to unclutter the GUI</a:t>
             </a:r>
           </a:p>
           <a:p>
@@ -5982,7 +5962,6 @@
               <a:rPr lang="en-US" sz="1200" i="1" dirty="0" smtClean="0"/>
               <a:t>, player</a:t>
             </a:r>
-            <a:endParaRPr lang="en-US" sz="1200" i="1" dirty="0" smtClean="0"/>
           </a:p>
           <a:p>
             <a:endParaRPr lang="en-US" sz="1200" dirty="0" smtClean="0"/>
@@ -5990,15 +5969,7 @@
           <a:p>
             <a:r>
               <a:rPr lang="en-US" sz="1200" dirty="0" smtClean="0"/>
-              <a:t>The </a:t>
-            </a:r>
-            <a:r>
-              <a:rPr lang="en-US" sz="1200" dirty="0" smtClean="0"/>
-              <a:t>program will </a:t>
-            </a:r>
-            <a:r>
-              <a:rPr lang="en-US" sz="1200" dirty="0" smtClean="0"/>
-              <a:t>ignore all </a:t>
+              <a:t>The program will ignore all </a:t>
             </a:r>
             <a:r>
               <a:rPr lang="en-US" sz="1200" dirty="0" err="1" smtClean="0"/>
@@ -6006,17 +5977,12 @@
             </a:r>
             <a:r>
               <a:rPr lang="en-US" sz="1200" dirty="0" smtClean="0"/>
-              <a:t> </a:t>
-            </a:r>
-            <a:r>
-              <a:rPr lang="en-US" sz="1200" dirty="0" smtClean="0"/>
-              <a:t>that are </a:t>
+              <a:t> that are </a:t>
             </a:r>
             <a:r>
               <a:rPr lang="en-US" sz="1200" b="1" dirty="0" smtClean="0"/>
               <a:t>checked</a:t>
             </a:r>
-            <a:endParaRPr lang="en-US" sz="1200" b="1" dirty="0" smtClean="0"/>
           </a:p>
           <a:p>
             <a:r>
@@ -6070,7 +6036,7 @@
       </p:sp>
       <p:pic>
         <p:nvPicPr>
-          <p:cNvPr id="3" name="Grafik 2"/>
+          <p:cNvPr id="4" name="Grafik 3"/>
           <p:cNvPicPr>
             <a:picLocks noChangeAspect="1"/>
           </p:cNvPicPr>
@@ -6084,8 +6050,8 @@
         </p:blipFill>
         <p:spPr>
           <a:xfrm>
-            <a:off x="4067944" y="3558886"/>
-            <a:ext cx="4536753" cy="2146810"/>
+            <a:off x="4088988" y="3558886"/>
+            <a:ext cx="4511326" cy="2134778"/>
           </a:xfrm>
           <a:prstGeom prst="rect">
             <a:avLst/>
@@ -8937,19 +8903,7 @@
           <a:p>
             <a:r>
               <a:rPr lang="en-US" dirty="0" smtClean="0"/>
-              <a:t>Updating from V </a:t>
-            </a:r>
-            <a:r>
-              <a:rPr lang="en-US" dirty="0" smtClean="0"/>
-              <a:t>2.1 </a:t>
-            </a:r>
-            <a:r>
-              <a:rPr lang="en-US" dirty="0" smtClean="0"/>
-              <a:t>to V </a:t>
-            </a:r>
-            <a:r>
-              <a:rPr lang="en-US" dirty="0" smtClean="0"/>
-              <a:t>2.2:</a:t>
+              <a:t>Updating from V 2.1 to V 2.2:</a:t>
             </a:r>
             <a:endParaRPr lang="de-CH" dirty="0"/>
           </a:p>
@@ -8974,11 +8928,7 @@
           <a:p>
             <a:r>
               <a:rPr lang="en-US" sz="2400" dirty="0" smtClean="0"/>
-              <a:t>No specifi</a:t>
-            </a:r>
-            <a:r>
-              <a:rPr lang="en-US" sz="2400" dirty="0" smtClean="0"/>
-              <a:t>c things to do</a:t>
+              <a:t>No specific things to do</a:t>
             </a:r>
           </a:p>
           <a:p>

--- a/doc/SCJMapper_QGuide.pptx
+++ b/doc/SCJMapper_QGuide.pptx
@@ -21,7 +21,8 @@
     <p:sldId id="268" r:id="rId15"/>
     <p:sldId id="272" r:id="rId16"/>
     <p:sldId id="271" r:id="rId17"/>
-    <p:sldId id="266" r:id="rId18"/>
+    <p:sldId id="274" r:id="rId18"/>
+    <p:sldId id="266" r:id="rId19"/>
   </p:sldIdLst>
   <p:sldSz cx="9144000" cy="6858000" type="screen4x3"/>
   <p:notesSz cx="6858000" cy="9144000"/>
@@ -320,7 +321,7 @@
           <a:p>
             <a:fld id="{1BA50D42-C9CD-4801-B293-61D1F53EC57E}" type="datetimeFigureOut">
               <a:rPr lang="de-DE" smtClean="0"/>
-              <a:t>03.08.2014</a:t>
+              <a:t>31.08.2014</a:t>
             </a:fld>
             <a:endParaRPr lang="de-DE"/>
           </a:p>
@@ -485,7 +486,7 @@
           <a:p>
             <a:fld id="{1BA50D42-C9CD-4801-B293-61D1F53EC57E}" type="datetimeFigureOut">
               <a:rPr lang="de-DE" smtClean="0"/>
-              <a:t>03.08.2014</a:t>
+              <a:t>31.08.2014</a:t>
             </a:fld>
             <a:endParaRPr lang="de-DE"/>
           </a:p>
@@ -660,7 +661,7 @@
           <a:p>
             <a:fld id="{1BA50D42-C9CD-4801-B293-61D1F53EC57E}" type="datetimeFigureOut">
               <a:rPr lang="de-DE" smtClean="0"/>
-              <a:t>03.08.2014</a:t>
+              <a:t>31.08.2014</a:t>
             </a:fld>
             <a:endParaRPr lang="de-DE"/>
           </a:p>
@@ -825,7 +826,7 @@
           <a:p>
             <a:fld id="{1BA50D42-C9CD-4801-B293-61D1F53EC57E}" type="datetimeFigureOut">
               <a:rPr lang="de-DE" smtClean="0"/>
-              <a:t>03.08.2014</a:t>
+              <a:t>31.08.2014</a:t>
             </a:fld>
             <a:endParaRPr lang="de-DE"/>
           </a:p>
@@ -1066,7 +1067,7 @@
           <a:p>
             <a:fld id="{1BA50D42-C9CD-4801-B293-61D1F53EC57E}" type="datetimeFigureOut">
               <a:rPr lang="de-DE" smtClean="0"/>
-              <a:t>03.08.2014</a:t>
+              <a:t>31.08.2014</a:t>
             </a:fld>
             <a:endParaRPr lang="de-DE"/>
           </a:p>
@@ -1349,7 +1350,7 @@
           <a:p>
             <a:fld id="{1BA50D42-C9CD-4801-B293-61D1F53EC57E}" type="datetimeFigureOut">
               <a:rPr lang="de-DE" smtClean="0"/>
-              <a:t>03.08.2014</a:t>
+              <a:t>31.08.2014</a:t>
             </a:fld>
             <a:endParaRPr lang="de-DE"/>
           </a:p>
@@ -1766,7 +1767,7 @@
           <a:p>
             <a:fld id="{1BA50D42-C9CD-4801-B293-61D1F53EC57E}" type="datetimeFigureOut">
               <a:rPr lang="de-DE" smtClean="0"/>
-              <a:t>03.08.2014</a:t>
+              <a:t>31.08.2014</a:t>
             </a:fld>
             <a:endParaRPr lang="de-DE"/>
           </a:p>
@@ -1879,7 +1880,7 @@
           <a:p>
             <a:fld id="{1BA50D42-C9CD-4801-B293-61D1F53EC57E}" type="datetimeFigureOut">
               <a:rPr lang="de-DE" smtClean="0"/>
-              <a:t>03.08.2014</a:t>
+              <a:t>31.08.2014</a:t>
             </a:fld>
             <a:endParaRPr lang="de-DE"/>
           </a:p>
@@ -1969,7 +1970,7 @@
           <a:p>
             <a:fld id="{1BA50D42-C9CD-4801-B293-61D1F53EC57E}" type="datetimeFigureOut">
               <a:rPr lang="de-DE" smtClean="0"/>
-              <a:t>03.08.2014</a:t>
+              <a:t>31.08.2014</a:t>
             </a:fld>
             <a:endParaRPr lang="de-DE"/>
           </a:p>
@@ -2241,7 +2242,7 @@
           <a:p>
             <a:fld id="{1BA50D42-C9CD-4801-B293-61D1F53EC57E}" type="datetimeFigureOut">
               <a:rPr lang="de-DE" smtClean="0"/>
-              <a:t>03.08.2014</a:t>
+              <a:t>31.08.2014</a:t>
             </a:fld>
             <a:endParaRPr lang="de-DE"/>
           </a:p>
@@ -2489,7 +2490,7 @@
           <a:p>
             <a:fld id="{1BA50D42-C9CD-4801-B293-61D1F53EC57E}" type="datetimeFigureOut">
               <a:rPr lang="de-DE" smtClean="0"/>
-              <a:t>03.08.2014</a:t>
+              <a:t>31.08.2014</a:t>
             </a:fld>
             <a:endParaRPr lang="de-DE"/>
           </a:p>
@@ -2697,7 +2698,7 @@
           <a:p>
             <a:fld id="{1BA50D42-C9CD-4801-B293-61D1F53EC57E}" type="datetimeFigureOut">
               <a:rPr lang="de-DE" smtClean="0"/>
-              <a:t>03.08.2014</a:t>
+              <a:t>31.08.2014</a:t>
             </a:fld>
             <a:endParaRPr lang="de-DE"/>
           </a:p>
@@ -3069,7 +3070,7 @@
       </p:grpSpPr>
       <p:pic>
         <p:nvPicPr>
-          <p:cNvPr id="4" name="Grafik 3"/>
+          <p:cNvPr id="6" name="Grafik 5"/>
           <p:cNvPicPr>
             <a:picLocks noChangeAspect="1"/>
           </p:cNvPicPr>
@@ -3083,8 +3084,8 @@
         </p:blipFill>
         <p:spPr>
           <a:xfrm>
-            <a:off x="5818772" y="3774638"/>
-            <a:ext cx="3204865" cy="2897198"/>
+            <a:off x="5800926" y="3774638"/>
+            <a:ext cx="3219109" cy="2897198"/>
           </a:xfrm>
           <a:prstGeom prst="rect">
             <a:avLst/>
@@ -3117,7 +3118,11 @@
             </a:br>
             <a:r>
               <a:rPr lang="en-US" sz="4000" dirty="0" smtClean="0"/>
-              <a:t>Quick Reference Guide  V 2.2</a:t>
+              <a:t>Quick Reference Guide  V </a:t>
+            </a:r>
+            <a:r>
+              <a:rPr lang="en-US" sz="4000" dirty="0" smtClean="0"/>
+              <a:t>2.3</a:t>
             </a:r>
             <a:endParaRPr lang="en-US" sz="4000" dirty="0"/>
           </a:p>
@@ -3147,7 +3152,11 @@
           <a:p>
             <a:r>
               <a:rPr lang="en-US" sz="900" dirty="0" smtClean="0"/>
-              <a:t>20140802 – Cassini</a:t>
+              <a:t>20140831 </a:t>
+            </a:r>
+            <a:r>
+              <a:rPr lang="en-US" sz="900" dirty="0" smtClean="0"/>
+              <a:t>– Cassini</a:t>
             </a:r>
           </a:p>
           <a:p>
@@ -3274,7 +3283,7 @@
       </p:grpSpPr>
       <p:pic>
         <p:nvPicPr>
-          <p:cNvPr id="4" name="Grafik 3"/>
+          <p:cNvPr id="3" name="Grafik 2"/>
           <p:cNvPicPr>
             <a:picLocks noChangeAspect="1"/>
           </p:cNvPicPr>
@@ -3288,8 +3297,8 @@
         </p:blipFill>
         <p:spPr>
           <a:xfrm>
-            <a:off x="1592357" y="1107206"/>
-            <a:ext cx="6192688" cy="5573419"/>
+            <a:off x="1580563" y="1107206"/>
+            <a:ext cx="6197377" cy="5577639"/>
           </a:xfrm>
           <a:prstGeom prst="rect">
             <a:avLst/>
@@ -3328,7 +3337,7 @@
         <p:spPr>
           <a:xfrm flipV="1">
             <a:off x="5321144" y="1724144"/>
-            <a:ext cx="2467677" cy="4226304"/>
+            <a:ext cx="2467677" cy="4153128"/>
           </a:xfrm>
           <a:prstGeom prst="rect">
             <a:avLst/>
@@ -3368,7 +3377,7 @@
         <p:spPr>
           <a:xfrm>
             <a:off x="410281" y="1268760"/>
-            <a:ext cx="4895422" cy="3888432"/>
+            <a:ext cx="4895422" cy="3744416"/>
           </a:xfrm>
           <a:prstGeom prst="rect">
             <a:avLst/>
@@ -3426,7 +3435,7 @@
         </p:nvSpPr>
         <p:spPr>
           <a:xfrm flipV="1">
-            <a:off x="3419872" y="5281108"/>
+            <a:off x="3414286" y="5022061"/>
             <a:ext cx="997998" cy="305338"/>
           </a:xfrm>
           <a:prstGeom prst="rect">
@@ -3554,7 +3563,7 @@
       </p:grpSpPr>
       <p:pic>
         <p:nvPicPr>
-          <p:cNvPr id="3" name="Grafik 2"/>
+          <p:cNvPr id="4" name="Grafik 3"/>
           <p:cNvPicPr>
             <a:picLocks noChangeAspect="1"/>
           </p:cNvPicPr>
@@ -3568,7 +3577,7 @@
         </p:blipFill>
         <p:spPr>
           <a:xfrm>
-            <a:off x="1403648" y="1124743"/>
+            <a:off x="1403612" y="1124743"/>
             <a:ext cx="6197376" cy="5577639"/>
           </a:xfrm>
           <a:prstGeom prst="rect">
@@ -3755,7 +3764,7 @@
         </p:nvSpPr>
         <p:spPr>
           <a:xfrm flipV="1">
-            <a:off x="3275856" y="5517231"/>
+            <a:off x="3275856" y="5253264"/>
             <a:ext cx="1050403" cy="432048"/>
           </a:xfrm>
           <a:prstGeom prst="rect">
@@ -3825,7 +3834,7 @@
       </p:grpSpPr>
       <p:pic>
         <p:nvPicPr>
-          <p:cNvPr id="3" name="Grafik 2"/>
+          <p:cNvPr id="8" name="Grafik 7"/>
           <p:cNvPicPr>
             <a:picLocks noChangeAspect="1"/>
           </p:cNvPicPr>
@@ -3839,7 +3848,7 @@
         </p:blipFill>
         <p:spPr>
           <a:xfrm>
-            <a:off x="1403648" y="1124743"/>
+            <a:off x="1403648" y="1105855"/>
             <a:ext cx="6197376" cy="5577639"/>
           </a:xfrm>
           <a:prstGeom prst="rect">
@@ -4195,7 +4204,7 @@
       </p:grpSpPr>
       <p:pic>
         <p:nvPicPr>
-          <p:cNvPr id="3" name="Grafik 2"/>
+          <p:cNvPr id="12" name="Grafik 11"/>
           <p:cNvPicPr>
             <a:picLocks noChangeAspect="1"/>
           </p:cNvPicPr>
@@ -4209,7 +4218,7 @@
         </p:blipFill>
         <p:spPr>
           <a:xfrm>
-            <a:off x="1403648" y="1124743"/>
+            <a:off x="1403612" y="1124743"/>
             <a:ext cx="6197376" cy="5577639"/>
           </a:xfrm>
           <a:prstGeom prst="rect">
@@ -4697,7 +4706,7 @@
       </p:grpSpPr>
       <p:pic>
         <p:nvPicPr>
-          <p:cNvPr id="3" name="Grafik 2"/>
+          <p:cNvPr id="12" name="Grafik 11"/>
           <p:cNvPicPr>
             <a:picLocks noChangeAspect="1"/>
           </p:cNvPicPr>
@@ -4711,7 +4720,7 @@
         </p:blipFill>
         <p:spPr>
           <a:xfrm>
-            <a:off x="1403648" y="1124743"/>
+            <a:off x="1403612" y="1124743"/>
             <a:ext cx="6197376" cy="5577639"/>
           </a:xfrm>
           <a:prstGeom prst="rect">
@@ -5266,7 +5275,7 @@
       </p:grpSpPr>
       <p:pic>
         <p:nvPicPr>
-          <p:cNvPr id="7" name="Grafik 6"/>
+          <p:cNvPr id="3" name="Grafik 2"/>
           <p:cNvPicPr>
             <a:picLocks noChangeAspect="1"/>
           </p:cNvPicPr>
@@ -5280,8 +5289,8 @@
         </p:blipFill>
         <p:spPr>
           <a:xfrm>
-            <a:off x="1406191" y="1124743"/>
-            <a:ext cx="6194833" cy="5575350"/>
+            <a:off x="1403611" y="1124742"/>
+            <a:ext cx="6197378" cy="5577640"/>
           </a:xfrm>
           <a:prstGeom prst="rect">
             <a:avLst/>
@@ -5321,48 +5330,14 @@
       </p:sp>
       <p:sp>
         <p:nvSpPr>
-          <p:cNvPr id="14" name="Textfeld 13"/>
-          <p:cNvSpPr txBox="1"/>
-          <p:nvPr/>
-        </p:nvSpPr>
-        <p:spPr>
-          <a:xfrm>
-            <a:off x="4217976" y="1394912"/>
-            <a:ext cx="864096" cy="161583"/>
-          </a:xfrm>
-          <a:prstGeom prst="rect">
-            <a:avLst/>
-          </a:prstGeom>
-          <a:solidFill>
-            <a:schemeClr val="bg1">
-              <a:lumMod val="95000"/>
-            </a:schemeClr>
-          </a:solidFill>
-        </p:spPr>
-        <p:txBody>
-          <a:bodyPr wrap="square" lIns="0" tIns="0" rIns="0" bIns="0" rtlCol="0">
-            <a:spAutoFit/>
-          </a:bodyPr>
-          <a:lstStyle/>
-          <a:p>
-            <a:r>
-              <a:rPr lang="en-US" sz="1050" b="1" dirty="0" smtClean="0"/>
-              <a:t>2.0</a:t>
-            </a:r>
-            <a:endParaRPr lang="de-CH" sz="1050" b="1" dirty="0"/>
-          </a:p>
-        </p:txBody>
-      </p:sp>
-      <p:sp>
-        <p:nvSpPr>
           <p:cNvPr id="17" name="Rechteck 16"/>
           <p:cNvSpPr/>
           <p:nvPr/>
         </p:nvSpPr>
         <p:spPr>
           <a:xfrm flipV="1">
-            <a:off x="3275857" y="5988330"/>
-            <a:ext cx="942120" cy="500871"/>
+            <a:off x="3275857" y="6163791"/>
+            <a:ext cx="942120" cy="262916"/>
           </a:xfrm>
           <a:prstGeom prst="rect">
             <a:avLst/>
@@ -5401,7 +5376,7 @@
         </p:nvSpPr>
         <p:spPr>
           <a:xfrm>
-            <a:off x="611560" y="1340768"/>
+            <a:off x="611560" y="1124744"/>
             <a:ext cx="8352928" cy="4451857"/>
           </a:xfrm>
           <a:prstGeom prst="rect">
@@ -5520,26 +5495,14 @@
           <a:p>
             <a:r>
               <a:rPr lang="en-US" sz="1200" dirty="0" smtClean="0"/>
-              <a:t>There is also way to override the programs </a:t>
-            </a:r>
-            <a:r>
-              <a:rPr lang="en-US" sz="1200" smtClean="0"/>
-              <a:t>own </a:t>
-            </a:r>
-            <a:r>
-              <a:rPr lang="en-US" sz="1200" smtClean="0"/>
-              <a:t>detection</a:t>
+              <a:t>There is also way to override the programs own detection</a:t>
             </a:r>
             <a:br>
-              <a:rPr lang="en-US" sz="1200" smtClean="0"/>
+              <a:rPr lang="en-US" sz="1200" dirty="0" smtClean="0"/>
             </a:br>
             <a:r>
-              <a:rPr lang="en-US" sz="1200" smtClean="0"/>
-              <a:t>of the </a:t>
-            </a:r>
-            <a:r>
               <a:rPr lang="en-US" sz="1200" dirty="0" smtClean="0"/>
-              <a:t>Star Citizen install folder. </a:t>
+              <a:t>of the Star Citizen install folder. </a:t>
             </a:r>
           </a:p>
           <a:p>
@@ -5597,8 +5560,8 @@
         </p:nvCxnSpPr>
         <p:spPr>
           <a:xfrm flipH="1">
-            <a:off x="2843808" y="6021288"/>
-            <a:ext cx="432049" cy="0"/>
+            <a:off x="2843809" y="5733256"/>
+            <a:ext cx="432048" cy="216024"/>
           </a:xfrm>
           <a:prstGeom prst="straightConnector1">
             <a:avLst/>
@@ -5638,7 +5601,7 @@
         </p:blipFill>
         <p:spPr>
           <a:xfrm>
-            <a:off x="4405016" y="3595779"/>
+            <a:off x="4405016" y="3379755"/>
             <a:ext cx="4511326" cy="2134778"/>
           </a:xfrm>
           <a:prstGeom prst="rect">
@@ -5654,7 +5617,7 @@
         </p:nvSpPr>
         <p:spPr>
           <a:xfrm>
-            <a:off x="4217976" y="3904908"/>
+            <a:off x="4217976" y="3688884"/>
             <a:ext cx="504056" cy="285009"/>
           </a:xfrm>
           <a:prstGeom prst="rightArrow">
@@ -5692,7 +5655,7 @@
         </p:nvSpPr>
         <p:spPr>
           <a:xfrm>
-            <a:off x="4152988" y="5157192"/>
+            <a:off x="4152988" y="4941168"/>
             <a:ext cx="504056" cy="285009"/>
           </a:xfrm>
           <a:prstGeom prst="rightArrow">
@@ -5708,6 +5671,46 @@
           </a:fillRef>
           <a:effectRef idx="1">
             <a:schemeClr val="accent2"/>
+          </a:effectRef>
+          <a:fontRef idx="minor">
+            <a:schemeClr val="dk1"/>
+          </a:fontRef>
+        </p:style>
+        <p:txBody>
+          <a:bodyPr rtlCol="0" anchor="ctr"/>
+          <a:lstStyle/>
+          <a:p>
+            <a:pPr algn="ctr"/>
+            <a:endParaRPr lang="de-CH"/>
+          </a:p>
+        </p:txBody>
+      </p:sp>
+      <p:sp>
+        <p:nvSpPr>
+          <p:cNvPr id="15" name="Rechteck 14"/>
+          <p:cNvSpPr/>
+          <p:nvPr/>
+        </p:nvSpPr>
+        <p:spPr>
+          <a:xfrm flipV="1">
+            <a:off x="3275857" y="5622814"/>
+            <a:ext cx="942120" cy="262916"/>
+          </a:xfrm>
+          <a:prstGeom prst="rect">
+            <a:avLst/>
+          </a:prstGeom>
+          <a:noFill/>
+          <a:ln w="57150"/>
+        </p:spPr>
+        <p:style>
+          <a:lnRef idx="2">
+            <a:schemeClr val="accent3"/>
+          </a:lnRef>
+          <a:fillRef idx="1">
+            <a:schemeClr val="lt1"/>
+          </a:fillRef>
+          <a:effectRef idx="0">
+            <a:schemeClr val="accent3"/>
           </a:effectRef>
           <a:fontRef idx="minor">
             <a:schemeClr val="dk1"/>
@@ -5754,7 +5757,7 @@
       </p:grpSpPr>
       <p:pic>
         <p:nvPicPr>
-          <p:cNvPr id="7" name="Grafik 6"/>
+          <p:cNvPr id="10" name="Grafik 9"/>
           <p:cNvPicPr>
             <a:picLocks noChangeAspect="1"/>
           </p:cNvPicPr>
@@ -5768,8 +5771,8 @@
         </p:blipFill>
         <p:spPr>
           <a:xfrm>
-            <a:off x="1406191" y="1124743"/>
-            <a:ext cx="6194833" cy="5575350"/>
+            <a:off x="1403611" y="1124742"/>
+            <a:ext cx="6197378" cy="5577640"/>
           </a:xfrm>
           <a:prstGeom prst="rect">
             <a:avLst/>
@@ -6170,6 +6173,486 @@
           <a:chExt cx="0" cy="0"/>
         </a:xfrm>
       </p:grpSpPr>
+      <p:pic>
+        <p:nvPicPr>
+          <p:cNvPr id="10" name="Grafik 9"/>
+          <p:cNvPicPr>
+            <a:picLocks noChangeAspect="1"/>
+          </p:cNvPicPr>
+          <p:nvPr/>
+        </p:nvPicPr>
+        <p:blipFill>
+          <a:blip r:embed="rId2"/>
+          <a:stretch>
+            <a:fillRect/>
+          </a:stretch>
+        </p:blipFill>
+        <p:spPr>
+          <a:xfrm>
+            <a:off x="1403611" y="1124742"/>
+            <a:ext cx="6197378" cy="5577640"/>
+          </a:xfrm>
+          <a:prstGeom prst="rect">
+            <a:avLst/>
+          </a:prstGeom>
+        </p:spPr>
+      </p:pic>
+      <p:sp>
+        <p:nvSpPr>
+          <p:cNvPr id="2" name="Titel 1"/>
+          <p:cNvSpPr>
+            <a:spLocks noGrp="1"/>
+          </p:cNvSpPr>
+          <p:nvPr>
+            <p:ph type="title"/>
+          </p:nvPr>
+        </p:nvSpPr>
+        <p:spPr/>
+        <p:txBody>
+          <a:bodyPr/>
+          <a:lstStyle/>
+          <a:p>
+            <a:r>
+              <a:rPr lang="en-US" dirty="0" smtClean="0">
+                <a:solidFill>
+                  <a:srgbClr val="00B050"/>
+                </a:solidFill>
+              </a:rPr>
+              <a:t>V2.3 </a:t>
+            </a:r>
+            <a:r>
+              <a:rPr lang="en-US" dirty="0" smtClean="0">
+                <a:solidFill>
+                  <a:srgbClr val="00B050"/>
+                </a:solidFill>
+              </a:rPr>
+              <a:t>– Features</a:t>
+            </a:r>
+            <a:endParaRPr lang="en-US" dirty="0">
+              <a:solidFill>
+                <a:srgbClr val="00B050"/>
+              </a:solidFill>
+            </a:endParaRPr>
+          </a:p>
+        </p:txBody>
+      </p:sp>
+      <p:sp>
+        <p:nvSpPr>
+          <p:cNvPr id="14" name="Textfeld 13"/>
+          <p:cNvSpPr txBox="1"/>
+          <p:nvPr/>
+        </p:nvSpPr>
+        <p:spPr>
+          <a:xfrm>
+            <a:off x="4217976" y="1394912"/>
+            <a:ext cx="864096" cy="161583"/>
+          </a:xfrm>
+          <a:prstGeom prst="rect">
+            <a:avLst/>
+          </a:prstGeom>
+          <a:solidFill>
+            <a:schemeClr val="bg1">
+              <a:lumMod val="95000"/>
+            </a:schemeClr>
+          </a:solidFill>
+        </p:spPr>
+        <p:txBody>
+          <a:bodyPr wrap="square" lIns="0" tIns="0" rIns="0" bIns="0" rtlCol="0">
+            <a:spAutoFit/>
+          </a:bodyPr>
+          <a:lstStyle/>
+          <a:p>
+            <a:r>
+              <a:rPr lang="en-US" sz="1050" b="1" dirty="0" smtClean="0"/>
+              <a:t>2.0</a:t>
+            </a:r>
+            <a:endParaRPr lang="de-CH" sz="1050" b="1" dirty="0"/>
+          </a:p>
+        </p:txBody>
+      </p:sp>
+      <p:sp>
+        <p:nvSpPr>
+          <p:cNvPr id="17" name="Rechteck 16"/>
+          <p:cNvSpPr/>
+          <p:nvPr/>
+        </p:nvSpPr>
+        <p:spPr>
+          <a:xfrm flipV="1">
+            <a:off x="3275856" y="5969287"/>
+            <a:ext cx="942120" cy="289545"/>
+          </a:xfrm>
+          <a:prstGeom prst="rect">
+            <a:avLst/>
+          </a:prstGeom>
+          <a:noFill/>
+          <a:ln w="57150">
+            <a:solidFill>
+              <a:srgbClr val="00B050"/>
+            </a:solidFill>
+          </a:ln>
+        </p:spPr>
+        <p:style>
+          <a:lnRef idx="2">
+            <a:schemeClr val="accent3"/>
+          </a:lnRef>
+          <a:fillRef idx="1">
+            <a:schemeClr val="lt1"/>
+          </a:fillRef>
+          <a:effectRef idx="0">
+            <a:schemeClr val="accent3"/>
+          </a:effectRef>
+          <a:fontRef idx="minor">
+            <a:schemeClr val="dk1"/>
+          </a:fontRef>
+        </p:style>
+        <p:txBody>
+          <a:bodyPr rtlCol="0" anchor="ctr"/>
+          <a:lstStyle/>
+          <a:p>
+            <a:pPr algn="ctr"/>
+            <a:endParaRPr lang="de-CH"/>
+          </a:p>
+        </p:txBody>
+      </p:sp>
+      <p:sp>
+        <p:nvSpPr>
+          <p:cNvPr id="18" name="Rechteck 17"/>
+          <p:cNvSpPr/>
+          <p:nvPr/>
+        </p:nvSpPr>
+        <p:spPr>
+          <a:xfrm>
+            <a:off x="611560" y="1340768"/>
+            <a:ext cx="8075240" cy="4451857"/>
+          </a:xfrm>
+          <a:prstGeom prst="rect">
+            <a:avLst/>
+          </a:prstGeom>
+        </p:spPr>
+        <p:style>
+          <a:lnRef idx="2">
+            <a:schemeClr val="accent5"/>
+          </a:lnRef>
+          <a:fillRef idx="1">
+            <a:schemeClr val="lt1"/>
+          </a:fillRef>
+          <a:effectRef idx="0">
+            <a:schemeClr val="accent5"/>
+          </a:effectRef>
+          <a:fontRef idx="minor">
+            <a:schemeClr val="dk1"/>
+          </a:fontRef>
+        </p:style>
+        <p:txBody>
+          <a:bodyPr rtlCol="0" anchor="t" anchorCtr="0"/>
+          <a:lstStyle/>
+          <a:p>
+            <a:r>
+              <a:rPr lang="en-US" sz="1200" b="1" dirty="0" smtClean="0"/>
+              <a:t>New possibility </a:t>
+            </a:r>
+            <a:r>
+              <a:rPr lang="en-US" sz="1200" b="1" dirty="0" smtClean="0"/>
+              <a:t>to (re) assign the joystick devices to the wanted </a:t>
+            </a:r>
+            <a:r>
+              <a:rPr lang="en-US" sz="1200" b="1" dirty="0" err="1" smtClean="0"/>
+              <a:t>js</a:t>
+            </a:r>
+            <a:r>
+              <a:rPr lang="en-US" sz="1200" b="1" dirty="0" smtClean="0"/>
+              <a:t> - number</a:t>
+            </a:r>
+            <a:endParaRPr lang="en-US" sz="1200" b="1" dirty="0" smtClean="0"/>
+          </a:p>
+          <a:p>
+            <a:endParaRPr lang="en-US" sz="1200" dirty="0"/>
+          </a:p>
+          <a:p>
+            <a:r>
+              <a:rPr lang="en-US" sz="1200" dirty="0" smtClean="0"/>
+              <a:t>Go here i</a:t>
+            </a:r>
+            <a:r>
+              <a:rPr lang="en-US" sz="1200" dirty="0" smtClean="0"/>
+              <a:t>f </a:t>
+            </a:r>
+            <a:r>
+              <a:rPr lang="en-US" sz="1200" dirty="0" smtClean="0"/>
+              <a:t>you wish to </a:t>
+            </a:r>
+            <a:r>
+              <a:rPr lang="en-US" sz="1200" dirty="0" smtClean="0"/>
+              <a:t>assign a device to a particular </a:t>
+            </a:r>
+            <a:r>
+              <a:rPr lang="en-US" sz="1200" dirty="0" err="1" smtClean="0"/>
+              <a:t>js</a:t>
+            </a:r>
+            <a:r>
+              <a:rPr lang="en-US" sz="1200" dirty="0" smtClean="0"/>
+              <a:t> – number or to re-assign the devices to other numbers.</a:t>
+            </a:r>
+            <a:endParaRPr lang="en-US" sz="1200" dirty="0" smtClean="0"/>
+          </a:p>
+          <a:p>
+            <a:r>
+              <a:rPr lang="en-US" sz="1200" dirty="0" smtClean="0"/>
+              <a:t>Per default the devices found are assigned along the sequence 1..8 but SC may remap them so here is the place to fix this without having to go through all commands and reassign them.</a:t>
+            </a:r>
+          </a:p>
+          <a:p>
+            <a:endParaRPr lang="en-US" sz="1200" dirty="0"/>
+          </a:p>
+          <a:p>
+            <a:r>
+              <a:rPr lang="en-US" sz="1200" dirty="0" smtClean="0">
+                <a:solidFill>
+                  <a:srgbClr val="FF0000"/>
+                </a:solidFill>
+              </a:rPr>
+              <a:t>Notes: The color of the assigned items will not change as it is still the same device but js1 will become js2 for example. </a:t>
+            </a:r>
+          </a:p>
+          <a:p>
+            <a:r>
+              <a:rPr lang="en-US" sz="1200" dirty="0" smtClean="0">
+                <a:solidFill>
+                  <a:srgbClr val="FF0000"/>
+                </a:solidFill>
+              </a:rPr>
+              <a:t>You can leave this dialog with “Accept” only if each device is either assigned to a unique number or to </a:t>
+            </a:r>
+            <a:r>
+              <a:rPr lang="en-US" sz="1200" dirty="0" err="1" smtClean="0">
+                <a:solidFill>
+                  <a:srgbClr val="FF0000"/>
+                </a:solidFill>
+              </a:rPr>
+              <a:t>n.a</a:t>
+            </a:r>
+            <a:r>
+              <a:rPr lang="en-US" sz="1200" dirty="0" smtClean="0">
+                <a:solidFill>
+                  <a:srgbClr val="FF0000"/>
+                </a:solidFill>
+              </a:rPr>
+              <a:t>. (not assigned)</a:t>
+            </a:r>
+            <a:r>
+              <a:rPr lang="en-US" sz="1200" dirty="0">
+                <a:solidFill>
+                  <a:srgbClr val="FF0000"/>
+                </a:solidFill>
+              </a:rPr>
+              <a:t> </a:t>
+            </a:r>
+            <a:r>
+              <a:rPr lang="en-US" sz="1200" dirty="0" smtClean="0">
+                <a:solidFill>
+                  <a:srgbClr val="FF0000"/>
+                </a:solidFill>
+              </a:rPr>
+              <a:t>otherwise an error pops to ask you to fix it or Cancel.</a:t>
+            </a:r>
+            <a:r>
+              <a:rPr lang="en-US" sz="1200" dirty="0"/>
+              <a:t> </a:t>
+            </a:r>
+            <a:endParaRPr lang="en-US" sz="1200" dirty="0" smtClean="0"/>
+          </a:p>
+          <a:p>
+            <a:endParaRPr lang="en-US" sz="1200" dirty="0" smtClean="0"/>
+          </a:p>
+          <a:p>
+            <a:endParaRPr lang="en-US" sz="1200" dirty="0"/>
+          </a:p>
+          <a:p>
+            <a:r>
+              <a:rPr lang="en-US" sz="1200" dirty="0" smtClean="0"/>
+              <a:t>Related SC console commands are:</a:t>
+            </a:r>
+          </a:p>
+          <a:p>
+            <a:endParaRPr lang="en-US" sz="1200" dirty="0"/>
+          </a:p>
+          <a:p>
+            <a:r>
+              <a:rPr lang="en-US" sz="900" dirty="0" err="1">
+                <a:latin typeface="Lucida Console" panose="020B0609040504020204" pitchFamily="49" charset="0"/>
+              </a:rPr>
+              <a:t>i_DumpDeviceInformation</a:t>
+            </a:r>
+            <a:endParaRPr lang="en-US" sz="900" dirty="0">
+              <a:latin typeface="Lucida Console" panose="020B0609040504020204" pitchFamily="49" charset="0"/>
+            </a:endParaRPr>
+          </a:p>
+          <a:p>
+            <a:endParaRPr lang="en-US" sz="900" dirty="0">
+              <a:latin typeface="Lucida Console" panose="020B0609040504020204" pitchFamily="49" charset="0"/>
+            </a:endParaRPr>
+          </a:p>
+          <a:p>
+            <a:r>
+              <a:rPr lang="en-US" sz="900" dirty="0" err="1">
+                <a:latin typeface="Lucida Console" panose="020B0609040504020204" pitchFamily="49" charset="0"/>
+              </a:rPr>
+              <a:t>pp_ResortDevices</a:t>
+            </a:r>
+            <a:r>
+              <a:rPr lang="en-US" sz="900" dirty="0">
+                <a:latin typeface="Lucida Console" panose="020B0609040504020204" pitchFamily="49" charset="0"/>
+              </a:rPr>
+              <a:t> joystick 1 </a:t>
+            </a:r>
+            <a:r>
+              <a:rPr lang="en-US" sz="900" dirty="0" smtClean="0">
+                <a:latin typeface="Lucida Console" panose="020B0609040504020204" pitchFamily="49" charset="0"/>
+              </a:rPr>
+              <a:t>2</a:t>
+            </a:r>
+          </a:p>
+          <a:p>
+            <a:endParaRPr lang="en-US" sz="1200" dirty="0"/>
+          </a:p>
+        </p:txBody>
+      </p:sp>
+      <p:pic>
+        <p:nvPicPr>
+          <p:cNvPr id="3" name="Grafik 2"/>
+          <p:cNvPicPr>
+            <a:picLocks noChangeAspect="1"/>
+          </p:cNvPicPr>
+          <p:nvPr/>
+        </p:nvPicPr>
+        <p:blipFill>
+          <a:blip r:embed="rId3"/>
+          <a:stretch>
+            <a:fillRect/>
+          </a:stretch>
+        </p:blipFill>
+        <p:spPr>
+          <a:xfrm>
+            <a:off x="3921573" y="3212976"/>
+            <a:ext cx="4471467" cy="2306201"/>
+          </a:xfrm>
+          <a:prstGeom prst="rect">
+            <a:avLst/>
+          </a:prstGeom>
+        </p:spPr>
+      </p:pic>
+      <p:sp>
+        <p:nvSpPr>
+          <p:cNvPr id="15" name="Rechteck 14"/>
+          <p:cNvSpPr/>
+          <p:nvPr/>
+        </p:nvSpPr>
+        <p:spPr>
+          <a:xfrm flipV="1">
+            <a:off x="7600989" y="3501007"/>
+            <a:ext cx="737700" cy="864094"/>
+          </a:xfrm>
+          <a:prstGeom prst="rect">
+            <a:avLst/>
+          </a:prstGeom>
+          <a:noFill/>
+          <a:ln w="57150">
+            <a:solidFill>
+              <a:srgbClr val="00B050"/>
+            </a:solidFill>
+          </a:ln>
+        </p:spPr>
+        <p:style>
+          <a:lnRef idx="2">
+            <a:schemeClr val="accent3"/>
+          </a:lnRef>
+          <a:fillRef idx="1">
+            <a:schemeClr val="lt1"/>
+          </a:fillRef>
+          <a:effectRef idx="0">
+            <a:schemeClr val="accent3"/>
+          </a:effectRef>
+          <a:fontRef idx="minor">
+            <a:schemeClr val="dk1"/>
+          </a:fontRef>
+        </p:style>
+        <p:txBody>
+          <a:bodyPr rtlCol="0" anchor="ctr"/>
+          <a:lstStyle/>
+          <a:p>
+            <a:pPr algn="ctr"/>
+            <a:endParaRPr lang="de-CH"/>
+          </a:p>
+        </p:txBody>
+      </p:sp>
+      <p:sp>
+        <p:nvSpPr>
+          <p:cNvPr id="20" name="Pfeil nach rechts 19"/>
+          <p:cNvSpPr/>
+          <p:nvPr/>
+        </p:nvSpPr>
+        <p:spPr>
+          <a:xfrm>
+            <a:off x="3494888" y="3628553"/>
+            <a:ext cx="504056" cy="285009"/>
+          </a:xfrm>
+          <a:prstGeom prst="rightArrow">
+            <a:avLst/>
+          </a:prstGeom>
+        </p:spPr>
+        <p:style>
+          <a:lnRef idx="1">
+            <a:schemeClr val="accent2"/>
+          </a:lnRef>
+          <a:fillRef idx="2">
+            <a:schemeClr val="accent2"/>
+          </a:fillRef>
+          <a:effectRef idx="1">
+            <a:schemeClr val="accent2"/>
+          </a:effectRef>
+          <a:fontRef idx="minor">
+            <a:schemeClr val="dk1"/>
+          </a:fontRef>
+        </p:style>
+        <p:txBody>
+          <a:bodyPr rtlCol="0" anchor="ctr"/>
+          <a:lstStyle/>
+          <a:p>
+            <a:pPr algn="ctr"/>
+            <a:endParaRPr lang="de-CH"/>
+          </a:p>
+        </p:txBody>
+      </p:sp>
+    </p:spTree>
+    <p:extLst>
+      <p:ext uri="{BB962C8B-B14F-4D97-AF65-F5344CB8AC3E}">
+        <p14:creationId xmlns:p14="http://schemas.microsoft.com/office/powerpoint/2010/main" val="1690729761"/>
+      </p:ext>
+    </p:extLst>
+  </p:cSld>
+  <p:clrMapOvr>
+    <a:masterClrMapping/>
+  </p:clrMapOvr>
+</p:sld>
+</file>
+
+<file path=ppt/slides/slide18.xml><?xml version="1.0" encoding="utf-8"?>
+<p:sld xmlns:a="http://schemas.openxmlformats.org/drawingml/2006/main" xmlns:r="http://schemas.openxmlformats.org/officeDocument/2006/relationships" xmlns:p="http://schemas.openxmlformats.org/presentationml/2006/main">
+  <p:cSld>
+    <p:spTree>
+      <p:nvGrpSpPr>
+        <p:cNvPr id="1" name=""/>
+        <p:cNvGrpSpPr/>
+        <p:nvPr/>
+      </p:nvGrpSpPr>
+      <p:grpSpPr>
+        <a:xfrm>
+          <a:off x="0" y="0"/>
+          <a:ext cx="0" cy="0"/>
+          <a:chOff x="0" y="0"/>
+          <a:chExt cx="0" cy="0"/>
+        </a:xfrm>
+      </p:grpSpPr>
       <p:sp>
         <p:nvSpPr>
           <p:cNvPr id="4" name="Titel 3"/>
@@ -8898,12 +9381,34 @@
         </p:nvSpPr>
         <p:spPr/>
         <p:txBody>
-          <a:bodyPr/>
+          <a:bodyPr>
+            <a:normAutofit/>
+          </a:bodyPr>
           <a:lstStyle/>
           <a:p>
             <a:r>
               <a:rPr lang="en-US" dirty="0" smtClean="0"/>
-              <a:t>Updating from V 2.1 to V 2.2:</a:t>
+              <a:t>Updating from V </a:t>
+            </a:r>
+            <a:r>
+              <a:rPr lang="en-US" dirty="0" smtClean="0"/>
+              <a:t>2.x </a:t>
+            </a:r>
+            <a:r>
+              <a:rPr lang="en-US" dirty="0" smtClean="0"/>
+              <a:t>to V </a:t>
+            </a:r>
+            <a:r>
+              <a:rPr lang="en-US" dirty="0" smtClean="0"/>
+              <a:t>2</a:t>
+            </a:r>
+            <a:r>
+              <a:rPr lang="en-US" dirty="0" smtClean="0"/>
+              <a:t>.3</a:t>
+            </a:r>
+            <a:r>
+              <a:rPr lang="en-US" dirty="0" smtClean="0"/>
+              <a:t>:</a:t>
             </a:r>
             <a:endParaRPr lang="de-CH" dirty="0"/>
           </a:p>
@@ -8922,14 +9427,65 @@
         <p:spPr/>
         <p:txBody>
           <a:bodyPr>
-            <a:normAutofit lnSpcReduction="10000"/>
+            <a:normAutofit fontScale="92500" lnSpcReduction="20000"/>
           </a:bodyPr>
           <a:lstStyle/>
           <a:p>
             <a:r>
               <a:rPr lang="en-US" sz="2400" dirty="0" smtClean="0"/>
-              <a:t>No specific things to do</a:t>
-            </a:r>
+              <a:t>Check the </a:t>
+            </a:r>
+            <a:r>
+              <a:rPr lang="en-US" sz="2400" dirty="0" err="1" smtClean="0"/>
+              <a:t>jsN</a:t>
+            </a:r>
+            <a:r>
+              <a:rPr lang="en-US" sz="2400" dirty="0" smtClean="0"/>
+              <a:t> assignment and maybe de-assign unused devices</a:t>
+            </a:r>
+            <a:br>
+              <a:rPr lang="en-US" sz="2400" dirty="0" smtClean="0"/>
+            </a:br>
+            <a:r>
+              <a:rPr lang="en-US" sz="2400" dirty="0" smtClean="0"/>
+              <a:t>See the new ‘</a:t>
+            </a:r>
+            <a:r>
+              <a:rPr lang="en-US" sz="2400" dirty="0" err="1" smtClean="0">
+                <a:solidFill>
+                  <a:srgbClr val="00B050"/>
+                </a:solidFill>
+              </a:rPr>
+              <a:t>js</a:t>
+            </a:r>
+            <a:r>
+              <a:rPr lang="en-US" sz="2400" dirty="0" smtClean="0">
+                <a:solidFill>
+                  <a:srgbClr val="00B050"/>
+                </a:solidFill>
+              </a:rPr>
+              <a:t> Reassign</a:t>
+            </a:r>
+            <a:r>
+              <a:rPr lang="en-US" sz="2400" dirty="0" smtClean="0"/>
+              <a:t>’ feature on page 17. </a:t>
+            </a:r>
+            <a:br>
+              <a:rPr lang="en-US" sz="2400" dirty="0" smtClean="0"/>
+            </a:br>
+            <a:r>
+              <a:rPr lang="en-US" sz="1900" dirty="0" smtClean="0"/>
+              <a:t>Note: You may need to do this twice for each of the “</a:t>
+            </a:r>
+            <a:r>
+              <a:rPr lang="en-US" sz="1900" dirty="0" err="1" smtClean="0"/>
+              <a:t>VJoy</a:t>
+            </a:r>
+            <a:r>
+              <a:rPr lang="en-US" sz="1900" dirty="0" smtClean="0"/>
+              <a:t> virtual joystick” devices.</a:t>
+            </a:r>
+            <a:endParaRPr lang="en-US" sz="2400" dirty="0" smtClean="0"/>
           </a:p>
           <a:p>
             <a:endParaRPr lang="en-US" sz="2400" dirty="0"/>
@@ -9248,19 +9804,7 @@
           <a:p>
             <a:r>
               <a:rPr lang="en-US" sz="2400" dirty="0"/>
-              <a:t>Page </a:t>
-            </a:r>
-            <a:r>
-              <a:rPr lang="en-US" sz="2400" dirty="0" smtClean="0"/>
-              <a:t>16 		</a:t>
-            </a:r>
-            <a:r>
-              <a:rPr lang="en-US" sz="2400" dirty="0" smtClean="0">
-                <a:solidFill>
-                  <a:schemeClr val="accent4"/>
-                </a:solidFill>
-              </a:rPr>
-              <a:t>V2.2 </a:t>
+              <a:t>Page 16 		</a:t>
             </a:r>
             <a:r>
               <a:rPr lang="en-US" sz="2400" dirty="0">
@@ -9268,13 +9812,47 @@
                   <a:schemeClr val="accent4"/>
                 </a:solidFill>
               </a:rPr>
+              <a:t>V2.2 new features</a:t>
+            </a:r>
+          </a:p>
+          <a:p>
+            <a:r>
+              <a:rPr lang="en-US" sz="2400" dirty="0"/>
+              <a:t>Page </a:t>
+            </a:r>
+            <a:r>
+              <a:rPr lang="en-US" sz="2400" dirty="0" smtClean="0"/>
+              <a:t>17 </a:t>
+            </a:r>
+            <a:r>
+              <a:rPr lang="en-US" sz="2400" dirty="0"/>
+              <a:t>		</a:t>
+            </a:r>
+            <a:r>
+              <a:rPr lang="en-US" sz="2400" dirty="0" smtClean="0">
+                <a:solidFill>
+                  <a:srgbClr val="00B050"/>
+                </a:solidFill>
+              </a:rPr>
+              <a:t>V2.3 </a:t>
+            </a:r>
+            <a:r>
+              <a:rPr lang="en-US" sz="2400" dirty="0">
+                <a:solidFill>
+                  <a:srgbClr val="00B050"/>
+                </a:solidFill>
+              </a:rPr>
               <a:t>new features</a:t>
             </a:r>
           </a:p>
           <a:p>
             <a:r>
               <a:rPr lang="en-US" sz="2400" dirty="0" smtClean="0"/>
-              <a:t>Last Page 		Common Workflows - Cheat sheet</a:t>
+              <a:t>Last </a:t>
+            </a:r>
+            <a:r>
+              <a:rPr lang="en-US" sz="2400" dirty="0" smtClean="0"/>
+              <a:t>Page 		Common Workflows - Cheat sheet</a:t>
             </a:r>
             <a:endParaRPr lang="en-US" sz="2400" dirty="0"/>
           </a:p>
@@ -9631,7 +10209,7 @@
       </p:grpSpPr>
       <p:pic>
         <p:nvPicPr>
-          <p:cNvPr id="4" name="Grafik 3"/>
+          <p:cNvPr id="5" name="Grafik 4"/>
           <p:cNvPicPr>
             <a:picLocks noChangeAspect="1"/>
           </p:cNvPicPr>
@@ -9645,8 +10223,8 @@
         </p:blipFill>
         <p:spPr>
           <a:xfrm>
-            <a:off x="1398985" y="1134421"/>
-            <a:ext cx="6202040" cy="5581836"/>
+            <a:off x="1416633" y="1134421"/>
+            <a:ext cx="6193051" cy="5573747"/>
           </a:xfrm>
           <a:prstGeom prst="rect">
             <a:avLst/>
@@ -9834,8 +10412,8 @@
         </p:nvSpPr>
         <p:spPr>
           <a:xfrm>
-            <a:off x="5292080" y="3419197"/>
-            <a:ext cx="1656184" cy="360040"/>
+            <a:off x="5292080" y="3492505"/>
+            <a:ext cx="1656184" cy="286732"/>
           </a:xfrm>
           <a:prstGeom prst="borderCallout2">
             <a:avLst>
@@ -9843,8 +10421,8 @@
               <a:gd name="adj2" fmla="val -2884"/>
               <a:gd name="adj3" fmla="val 17079"/>
               <a:gd name="adj4" fmla="val -13761"/>
-              <a:gd name="adj5" fmla="val 109158"/>
-              <a:gd name="adj6" fmla="val -56474"/>
+              <a:gd name="adj5" fmla="val 34748"/>
+              <a:gd name="adj6" fmla="val -50299"/>
             </a:avLst>
           </a:prstGeom>
         </p:spPr>
@@ -9868,15 +10446,13 @@
           <a:p>
             <a:r>
               <a:rPr lang="en-US" sz="1100" dirty="0" smtClean="0"/>
-              <a:t>Joystick device map</a:t>
-            </a:r>
-          </a:p>
-          <a:p>
-            <a:r>
-              <a:rPr lang="en-US" sz="800" dirty="0" smtClean="0"/>
-              <a:t>(the default is usually OK)</a:t>
-            </a:r>
-            <a:endParaRPr lang="de-CH" sz="800" dirty="0"/>
+              <a:t>Joystick device </a:t>
+            </a:r>
+            <a:r>
+              <a:rPr lang="en-US" sz="1100" dirty="0" smtClean="0"/>
+              <a:t>map</a:t>
+            </a:r>
+            <a:endParaRPr lang="en-US" sz="1100" dirty="0" smtClean="0"/>
           </a:p>
         </p:txBody>
       </p:sp>
@@ -9888,8 +10464,8 @@
         </p:nvSpPr>
         <p:spPr>
           <a:xfrm>
-            <a:off x="5303112" y="4169828"/>
-            <a:ext cx="1656184" cy="360040"/>
+            <a:off x="5292080" y="3892739"/>
+            <a:ext cx="1656184" cy="232446"/>
           </a:xfrm>
           <a:prstGeom prst="borderCallout2">
             <a:avLst>
@@ -9897,8 +10473,8 @@
               <a:gd name="adj2" fmla="val -2884"/>
               <a:gd name="adj3" fmla="val 17079"/>
               <a:gd name="adj4" fmla="val -13761"/>
-              <a:gd name="adj5" fmla="val 109158"/>
-              <a:gd name="adj6" fmla="val -56474"/>
+              <a:gd name="adj5" fmla="val 111746"/>
+              <a:gd name="adj6" fmla="val -45577"/>
             </a:avLst>
           </a:prstGeom>
         </p:spPr>
@@ -9922,7 +10498,7 @@
           <a:p>
             <a:r>
               <a:rPr lang="en-US" sz="1100" dirty="0" smtClean="0"/>
-              <a:t>Current mapping</a:t>
+              <a:t>Selected mapping</a:t>
             </a:r>
             <a:endParaRPr lang="de-CH" sz="800" dirty="0"/>
           </a:p>
@@ -9936,17 +10512,17 @@
         </p:nvSpPr>
         <p:spPr>
           <a:xfrm>
-            <a:off x="5639421" y="4809397"/>
+            <a:off x="5508104" y="4199693"/>
             <a:ext cx="1656184" cy="360040"/>
           </a:xfrm>
           <a:prstGeom prst="borderCallout2">
             <a:avLst>
               <a:gd name="adj1" fmla="val 18750"/>
               <a:gd name="adj2" fmla="val -2884"/>
-              <a:gd name="adj3" fmla="val 47154"/>
-              <a:gd name="adj4" fmla="val -9402"/>
-              <a:gd name="adj5" fmla="val 49006"/>
-              <a:gd name="adj6" fmla="val -129484"/>
+              <a:gd name="adj3" fmla="val 110647"/>
+              <a:gd name="adj4" fmla="val -23932"/>
+              <a:gd name="adj5" fmla="val 109157"/>
+              <a:gd name="adj6" fmla="val -122583"/>
             </a:avLst>
           </a:prstGeom>
         </p:spPr>
@@ -9984,7 +10560,7 @@
         </p:nvSpPr>
         <p:spPr>
           <a:xfrm>
-            <a:off x="5639421" y="5155345"/>
+            <a:off x="5639421" y="4923987"/>
             <a:ext cx="1656184" cy="360040"/>
           </a:xfrm>
           <a:prstGeom prst="borderCallout2">
@@ -10080,7 +10656,7 @@
         </p:nvSpPr>
         <p:spPr>
           <a:xfrm>
-            <a:off x="1503349" y="4869160"/>
+            <a:off x="1503349" y="4603078"/>
             <a:ext cx="1656184" cy="360040"/>
           </a:xfrm>
           <a:prstGeom prst="borderCallout2">
@@ -10128,7 +10704,7 @@
         </p:nvSpPr>
         <p:spPr>
           <a:xfrm>
-            <a:off x="1503349" y="5335365"/>
+            <a:off x="1503349" y="5145820"/>
             <a:ext cx="1656184" cy="360040"/>
           </a:xfrm>
           <a:prstGeom prst="borderCallout2">
@@ -10408,17 +10984,17 @@
         </p:nvSpPr>
         <p:spPr>
           <a:xfrm>
-            <a:off x="143566" y="5492548"/>
+            <a:off x="115873" y="5337354"/>
             <a:ext cx="1359783" cy="360040"/>
           </a:xfrm>
           <a:prstGeom prst="borderCallout2">
             <a:avLst>
               <a:gd name="adj1" fmla="val 88169"/>
               <a:gd name="adj2" fmla="val 102100"/>
-              <a:gd name="adj3" fmla="val 143663"/>
-              <a:gd name="adj4" fmla="val 139313"/>
-              <a:gd name="adj5" fmla="val 180515"/>
-              <a:gd name="adj6" fmla="val 235168"/>
+              <a:gd name="adj3" fmla="val 85183"/>
+              <a:gd name="adj4" fmla="val 141083"/>
+              <a:gd name="adj5" fmla="val 105326"/>
+              <a:gd name="adj6" fmla="val 241804"/>
             </a:avLst>
           </a:prstGeom>
         </p:spPr>
@@ -10443,6 +11019,67 @@
             <a:r>
               <a:rPr lang="en-US" sz="1100" dirty="0" smtClean="0"/>
               <a:t>V2.1: Blend unmapped option</a:t>
+            </a:r>
+            <a:endParaRPr lang="de-CH" sz="800" dirty="0"/>
+          </a:p>
+        </p:txBody>
+      </p:sp>
+      <p:sp>
+        <p:nvSpPr>
+          <p:cNvPr id="24" name="Legende mit Linie 2 23"/>
+          <p:cNvSpPr/>
+          <p:nvPr/>
+        </p:nvSpPr>
+        <p:spPr>
+          <a:xfrm>
+            <a:off x="115873" y="5734057"/>
+            <a:ext cx="1359783" cy="360040"/>
+          </a:xfrm>
+          <a:prstGeom prst="borderCallout2">
+            <a:avLst>
+              <a:gd name="adj1" fmla="val 88169"/>
+              <a:gd name="adj2" fmla="val 102100"/>
+              <a:gd name="adj3" fmla="val 85183"/>
+              <a:gd name="adj4" fmla="val 141083"/>
+              <a:gd name="adj5" fmla="val 105326"/>
+              <a:gd name="adj6" fmla="val 241804"/>
+            </a:avLst>
+          </a:prstGeom>
+          <a:ln>
+            <a:solidFill>
+              <a:srgbClr val="00B050"/>
+            </a:solidFill>
+          </a:ln>
+        </p:spPr>
+        <p:style>
+          <a:lnRef idx="2">
+            <a:schemeClr val="accent3"/>
+          </a:lnRef>
+          <a:fillRef idx="1">
+            <a:schemeClr val="lt1"/>
+          </a:fillRef>
+          <a:effectRef idx="0">
+            <a:schemeClr val="accent3"/>
+          </a:effectRef>
+          <a:fontRef idx="minor">
+            <a:schemeClr val="dk1"/>
+          </a:fontRef>
+        </p:style>
+        <p:txBody>
+          <a:bodyPr rtlCol="0" anchor="ctr"/>
+          <a:lstStyle/>
+          <a:p>
+            <a:r>
+              <a:rPr lang="en-US" sz="1100" dirty="0" smtClean="0"/>
+              <a:t>V2.3: </a:t>
+            </a:r>
+            <a:r>
+              <a:rPr lang="en-US" sz="1100" dirty="0" err="1" smtClean="0"/>
+              <a:t>Js</a:t>
+            </a:r>
+            <a:r>
+              <a:rPr lang="en-US" sz="1100" dirty="0" smtClean="0"/>
+              <a:t> Reassignment</a:t>
             </a:r>
             <a:endParaRPr lang="de-CH" sz="800" dirty="0"/>
           </a:p>
@@ -10480,7 +11117,7 @@
       </p:grpSpPr>
       <p:pic>
         <p:nvPicPr>
-          <p:cNvPr id="8" name="Grafik 7"/>
+          <p:cNvPr id="3" name="Grafik 2"/>
           <p:cNvPicPr>
             <a:picLocks noChangeAspect="1"/>
           </p:cNvPicPr>
@@ -10494,8 +11131,8 @@
         </p:blipFill>
         <p:spPr>
           <a:xfrm>
-            <a:off x="1403648" y="1124744"/>
-            <a:ext cx="6197377" cy="5577639"/>
+            <a:off x="1403648" y="1124742"/>
+            <a:ext cx="6192114" cy="5572903"/>
           </a:xfrm>
           <a:prstGeom prst="rect">
             <a:avLst/>
@@ -10534,7 +11171,7 @@
         <p:spPr>
           <a:xfrm>
             <a:off x="3275856" y="1772816"/>
-            <a:ext cx="1984909" cy="2664296"/>
+            <a:ext cx="1984909" cy="2232248"/>
           </a:xfrm>
           <a:prstGeom prst="rect">
             <a:avLst/>
@@ -10573,8 +11210,8 @@
         </p:nvSpPr>
         <p:spPr>
           <a:xfrm>
-            <a:off x="304721" y="4494307"/>
-            <a:ext cx="8227719" cy="2208075"/>
+            <a:off x="304721" y="4077073"/>
+            <a:ext cx="8227719" cy="2625310"/>
           </a:xfrm>
           <a:prstGeom prst="rect">
             <a:avLst/>
@@ -10600,7 +11237,15 @@
           <a:p>
             <a:r>
               <a:rPr lang="en-US" sz="1200" dirty="0" smtClean="0"/>
-              <a:t>The tabs represent the joystick devices found connected to the PC also the number 1..8 shows the order the PC reports them which is crucial to the mapping as this will result in the js_1, js_2 .. Names used to build the command name.</a:t>
+              <a:t>The tabs represent the joystick devices found connected to the PC also the number 1..8 shows the order the PC reports them which is crucial to the mapping as this will result in </a:t>
+            </a:r>
+            <a:r>
+              <a:rPr lang="en-US" sz="1200" dirty="0" smtClean="0"/>
+              <a:t>the default </a:t>
+            </a:r>
+            <a:r>
+              <a:rPr lang="en-US" sz="1200" dirty="0" smtClean="0"/>
+              <a:t>js_1, js_2 .. Names used to build the command name.</a:t>
             </a:r>
           </a:p>
           <a:p>
@@ -10614,25 +11259,97 @@
           </a:p>
           <a:p>
             <a:r>
-              <a:rPr lang="en-US" sz="1200" dirty="0" smtClean="0"/>
+              <a:rPr lang="en-US" sz="1200" dirty="0" smtClean="0">
+                <a:solidFill>
+                  <a:srgbClr val="00B050"/>
+                </a:solidFill>
+              </a:rPr>
+              <a:t>V 2.3: </a:t>
+            </a:r>
+            <a:r>
+              <a:rPr lang="en-US" sz="1200" dirty="0" smtClean="0">
+                <a:solidFill>
+                  <a:srgbClr val="00B050"/>
+                </a:solidFill>
+              </a:rPr>
+              <a:t>you will see the actual </a:t>
+            </a:r>
+            <a:r>
+              <a:rPr lang="en-US" sz="1200" dirty="0" err="1" smtClean="0">
+                <a:solidFill>
+                  <a:srgbClr val="00B050"/>
+                </a:solidFill>
+              </a:rPr>
+              <a:t>Js</a:t>
+            </a:r>
+            <a:r>
+              <a:rPr lang="en-US" sz="1200" dirty="0" smtClean="0">
+                <a:solidFill>
+                  <a:srgbClr val="00B050"/>
+                </a:solidFill>
+              </a:rPr>
+              <a:t> assignment but it is not enabled to change it here.</a:t>
+            </a:r>
+            <a:br>
+              <a:rPr lang="en-US" sz="1200" dirty="0" smtClean="0">
+                <a:solidFill>
+                  <a:srgbClr val="00B050"/>
+                </a:solidFill>
+              </a:rPr>
+            </a:br>
+            <a:r>
+              <a:rPr lang="en-US" sz="1200" dirty="0" smtClean="0">
+                <a:solidFill>
+                  <a:srgbClr val="00B050"/>
+                </a:solidFill>
+              </a:rPr>
               <a:t>The </a:t>
             </a:r>
             <a:r>
-              <a:rPr lang="en-US" sz="1200" i="1" dirty="0" smtClean="0"/>
+              <a:rPr lang="en-US" sz="1200" dirty="0" smtClean="0">
+                <a:solidFill>
+                  <a:srgbClr val="00B050"/>
+                </a:solidFill>
+              </a:rPr>
               <a:t>SC-Device to Joystick Mapping </a:t>
             </a:r>
             <a:r>
-              <a:rPr lang="en-US" sz="1200" dirty="0" smtClean="0"/>
-              <a:t>can be used if the default assignment “Joystick 1 -&gt; js_1” does not match what the </a:t>
-            </a:r>
-            <a:r>
-              <a:rPr lang="en-US" sz="1200" dirty="0" err="1" smtClean="0"/>
-              <a:t>CryEngine</a:t>
-            </a:r>
-            <a:r>
-              <a:rPr lang="en-US" sz="1200" dirty="0" smtClean="0"/>
-              <a:t> is using. – Usually the default should work. You may only remap js1..js3 - 4..8 will remain as detected.</a:t>
-            </a:r>
+              <a:rPr lang="en-US" sz="1200" dirty="0" smtClean="0">
+                <a:solidFill>
+                  <a:srgbClr val="00B050"/>
+                </a:solidFill>
+              </a:rPr>
+              <a:t>is a separate window accessed by hitting the ‘</a:t>
+            </a:r>
+            <a:r>
+              <a:rPr lang="en-US" sz="1200" b="1" dirty="0" err="1" smtClean="0">
+                <a:solidFill>
+                  <a:srgbClr val="00B050"/>
+                </a:solidFill>
+              </a:rPr>
+              <a:t>Js</a:t>
+            </a:r>
+            <a:r>
+              <a:rPr lang="en-US" sz="1200" b="1" dirty="0" smtClean="0">
+                <a:solidFill>
+                  <a:srgbClr val="00B050"/>
+                </a:solidFill>
+              </a:rPr>
+              <a:t> Reassign</a:t>
+            </a:r>
+            <a:r>
+              <a:rPr lang="en-US" sz="1200" dirty="0" smtClean="0">
+                <a:solidFill>
+                  <a:srgbClr val="00B050"/>
+                </a:solidFill>
+              </a:rPr>
+              <a:t>’ button.</a:t>
+            </a:r>
+            <a:endParaRPr lang="en-US" sz="1200" dirty="0" smtClean="0">
+              <a:solidFill>
+                <a:srgbClr val="00B050"/>
+              </a:solidFill>
+            </a:endParaRPr>
           </a:p>
           <a:p>
             <a:endParaRPr lang="en-US" sz="1200" dirty="0" smtClean="0"/>
@@ -10663,7 +11380,7 @@
         <p:spPr>
           <a:xfrm>
             <a:off x="5317742" y="1340768"/>
-            <a:ext cx="3214698" cy="3153539"/>
+            <a:ext cx="3214698" cy="2736305"/>
           </a:xfrm>
           <a:prstGeom prst="rect">
             <a:avLst/>
@@ -10727,7 +11444,7 @@
         </p:blipFill>
         <p:spPr>
           <a:xfrm>
-            <a:off x="5796136" y="1809035"/>
+            <a:off x="5724128" y="1489647"/>
             <a:ext cx="2160240" cy="1767469"/>
           </a:xfrm>
           <a:prstGeom prst="rect">
@@ -10737,35 +11454,39 @@
       </p:pic>
       <p:sp>
         <p:nvSpPr>
-          <p:cNvPr id="10" name="Textfeld 9"/>
+          <p:cNvPr id="6" name="Textfeld 5"/>
           <p:cNvSpPr txBox="1"/>
           <p:nvPr/>
         </p:nvSpPr>
         <p:spPr>
           <a:xfrm>
-            <a:off x="4217976" y="1394912"/>
-            <a:ext cx="864096" cy="161583"/>
+            <a:off x="107504" y="89972"/>
+            <a:ext cx="1857111" cy="369332"/>
           </a:xfrm>
           <a:prstGeom prst="rect">
             <a:avLst/>
           </a:prstGeom>
-          <a:solidFill>
-            <a:schemeClr val="bg1">
-              <a:lumMod val="95000"/>
-            </a:schemeClr>
-          </a:solidFill>
-        </p:spPr>
-        <p:txBody>
-          <a:bodyPr wrap="square" lIns="0" tIns="0" rIns="0" bIns="0" rtlCol="0">
+          <a:noFill/>
+        </p:spPr>
+        <p:txBody>
+          <a:bodyPr wrap="none" rtlCol="0">
             <a:spAutoFit/>
           </a:bodyPr>
           <a:lstStyle/>
           <a:p>
             <a:r>
-              <a:rPr lang="en-US" sz="1050" b="1" dirty="0" smtClean="0"/>
-              <a:t>2.0</a:t>
-            </a:r>
-            <a:endParaRPr lang="de-CH" sz="1050" b="1" dirty="0"/>
+              <a:rPr lang="en-US" b="1" dirty="0" smtClean="0">
+                <a:solidFill>
+                  <a:srgbClr val="00B050"/>
+                </a:solidFill>
+              </a:rPr>
+              <a:t>V2.3 Update here</a:t>
+            </a:r>
+            <a:endParaRPr lang="de-CH" b="1" dirty="0">
+              <a:solidFill>
+                <a:srgbClr val="00B050"/>
+              </a:solidFill>
+            </a:endParaRPr>
           </a:p>
         </p:txBody>
       </p:sp>
@@ -11193,7 +11914,7 @@
       </p:grpSpPr>
       <p:pic>
         <p:nvPicPr>
-          <p:cNvPr id="3" name="Grafik 2"/>
+          <p:cNvPr id="5" name="Grafik 4"/>
           <p:cNvPicPr>
             <a:picLocks noChangeAspect="1"/>
           </p:cNvPicPr>
@@ -11207,8 +11928,8 @@
         </p:blipFill>
         <p:spPr>
           <a:xfrm>
-            <a:off x="1401835" y="1124744"/>
-            <a:ext cx="6197376" cy="5577639"/>
+            <a:off x="1399952" y="1124742"/>
+            <a:ext cx="6197377" cy="5577639"/>
           </a:xfrm>
           <a:prstGeom prst="rect">
             <a:avLst/>
@@ -11246,8 +11967,8 @@
         </p:nvSpPr>
         <p:spPr>
           <a:xfrm flipV="1">
-            <a:off x="3275856" y="4293097"/>
-            <a:ext cx="1944216" cy="864096"/>
+            <a:off x="3275856" y="3958780"/>
+            <a:ext cx="1944216" cy="766364"/>
           </a:xfrm>
           <a:prstGeom prst="rect">
             <a:avLst/>
@@ -11286,8 +12007,8 @@
         </p:nvSpPr>
         <p:spPr>
           <a:xfrm>
-            <a:off x="457200" y="1340769"/>
-            <a:ext cx="8227719" cy="2880320"/>
+            <a:off x="251520" y="1196753"/>
+            <a:ext cx="8712968" cy="2736304"/>
           </a:xfrm>
           <a:prstGeom prst="rect">
             <a:avLst/>
@@ -11512,7 +12233,7 @@
       </p:grpSpPr>
       <p:pic>
         <p:nvPicPr>
-          <p:cNvPr id="9" name="Grafik 8"/>
+          <p:cNvPr id="3" name="Grafik 2"/>
           <p:cNvPicPr>
             <a:picLocks noChangeAspect="1"/>
           </p:cNvPicPr>
@@ -11526,8 +12247,8 @@
         </p:blipFill>
         <p:spPr>
           <a:xfrm>
-            <a:off x="1403648" y="1124744"/>
-            <a:ext cx="6197377" cy="5577639"/>
+            <a:off x="1391771" y="1124744"/>
+            <a:ext cx="6197376" cy="5577639"/>
           </a:xfrm>
           <a:prstGeom prst="rect">
             <a:avLst/>
@@ -11566,7 +12287,7 @@
         <p:spPr>
           <a:xfrm flipV="1">
             <a:off x="5220073" y="1769332"/>
-            <a:ext cx="2380952" cy="4251956"/>
+            <a:ext cx="2380952" cy="4107940"/>
           </a:xfrm>
           <a:prstGeom prst="rect">
             <a:avLst/>
@@ -11606,7 +12327,7 @@
         <p:spPr>
           <a:xfrm>
             <a:off x="288157" y="1340768"/>
-            <a:ext cx="4895422" cy="3702612"/>
+            <a:ext cx="4895422" cy="3456384"/>
           </a:xfrm>
           <a:prstGeom prst="rect">
             <a:avLst/>
@@ -11758,7 +12479,7 @@
         </p:nvSpPr>
         <p:spPr>
           <a:xfrm flipV="1">
-            <a:off x="3203849" y="5085184"/>
+            <a:off x="3216244" y="4843163"/>
             <a:ext cx="2016224" cy="307525"/>
           </a:xfrm>
           <a:prstGeom prst="rect">

--- a/doc/SCJMapper_QGuide.pptx
+++ b/doc/SCJMapper_QGuide.pptx
@@ -321,7 +321,7 @@
           <a:p>
             <a:fld id="{1BA50D42-C9CD-4801-B293-61D1F53EC57E}" type="datetimeFigureOut">
               <a:rPr lang="de-DE" smtClean="0"/>
-              <a:t>31.08.2014</a:t>
+              <a:t>14.09.2014</a:t>
             </a:fld>
             <a:endParaRPr lang="de-DE"/>
           </a:p>
@@ -486,7 +486,7 @@
           <a:p>
             <a:fld id="{1BA50D42-C9CD-4801-B293-61D1F53EC57E}" type="datetimeFigureOut">
               <a:rPr lang="de-DE" smtClean="0"/>
-              <a:t>31.08.2014</a:t>
+              <a:t>14.09.2014</a:t>
             </a:fld>
             <a:endParaRPr lang="de-DE"/>
           </a:p>
@@ -661,7 +661,7 @@
           <a:p>
             <a:fld id="{1BA50D42-C9CD-4801-B293-61D1F53EC57E}" type="datetimeFigureOut">
               <a:rPr lang="de-DE" smtClean="0"/>
-              <a:t>31.08.2014</a:t>
+              <a:t>14.09.2014</a:t>
             </a:fld>
             <a:endParaRPr lang="de-DE"/>
           </a:p>
@@ -826,7 +826,7 @@
           <a:p>
             <a:fld id="{1BA50D42-C9CD-4801-B293-61D1F53EC57E}" type="datetimeFigureOut">
               <a:rPr lang="de-DE" smtClean="0"/>
-              <a:t>31.08.2014</a:t>
+              <a:t>14.09.2014</a:t>
             </a:fld>
             <a:endParaRPr lang="de-DE"/>
           </a:p>
@@ -1067,7 +1067,7 @@
           <a:p>
             <a:fld id="{1BA50D42-C9CD-4801-B293-61D1F53EC57E}" type="datetimeFigureOut">
               <a:rPr lang="de-DE" smtClean="0"/>
-              <a:t>31.08.2014</a:t>
+              <a:t>14.09.2014</a:t>
             </a:fld>
             <a:endParaRPr lang="de-DE"/>
           </a:p>
@@ -1350,7 +1350,7 @@
           <a:p>
             <a:fld id="{1BA50D42-C9CD-4801-B293-61D1F53EC57E}" type="datetimeFigureOut">
               <a:rPr lang="de-DE" smtClean="0"/>
-              <a:t>31.08.2014</a:t>
+              <a:t>14.09.2014</a:t>
             </a:fld>
             <a:endParaRPr lang="de-DE"/>
           </a:p>
@@ -1767,7 +1767,7 @@
           <a:p>
             <a:fld id="{1BA50D42-C9CD-4801-B293-61D1F53EC57E}" type="datetimeFigureOut">
               <a:rPr lang="de-DE" smtClean="0"/>
-              <a:t>31.08.2014</a:t>
+              <a:t>14.09.2014</a:t>
             </a:fld>
             <a:endParaRPr lang="de-DE"/>
           </a:p>
@@ -1880,7 +1880,7 @@
           <a:p>
             <a:fld id="{1BA50D42-C9CD-4801-B293-61D1F53EC57E}" type="datetimeFigureOut">
               <a:rPr lang="de-DE" smtClean="0"/>
-              <a:t>31.08.2014</a:t>
+              <a:t>14.09.2014</a:t>
             </a:fld>
             <a:endParaRPr lang="de-DE"/>
           </a:p>
@@ -1970,7 +1970,7 @@
           <a:p>
             <a:fld id="{1BA50D42-C9CD-4801-B293-61D1F53EC57E}" type="datetimeFigureOut">
               <a:rPr lang="de-DE" smtClean="0"/>
-              <a:t>31.08.2014</a:t>
+              <a:t>14.09.2014</a:t>
             </a:fld>
             <a:endParaRPr lang="de-DE"/>
           </a:p>
@@ -2242,7 +2242,7 @@
           <a:p>
             <a:fld id="{1BA50D42-C9CD-4801-B293-61D1F53EC57E}" type="datetimeFigureOut">
               <a:rPr lang="de-DE" smtClean="0"/>
-              <a:t>31.08.2014</a:t>
+              <a:t>14.09.2014</a:t>
             </a:fld>
             <a:endParaRPr lang="de-DE"/>
           </a:p>
@@ -2490,7 +2490,7 @@
           <a:p>
             <a:fld id="{1BA50D42-C9CD-4801-B293-61D1F53EC57E}" type="datetimeFigureOut">
               <a:rPr lang="de-DE" smtClean="0"/>
-              <a:t>31.08.2014</a:t>
+              <a:t>14.09.2014</a:t>
             </a:fld>
             <a:endParaRPr lang="de-DE"/>
           </a:p>
@@ -2698,7 +2698,7 @@
           <a:p>
             <a:fld id="{1BA50D42-C9CD-4801-B293-61D1F53EC57E}" type="datetimeFigureOut">
               <a:rPr lang="de-DE" smtClean="0"/>
-              <a:t>31.08.2014</a:t>
+              <a:t>14.09.2014</a:t>
             </a:fld>
             <a:endParaRPr lang="de-DE"/>
           </a:p>
@@ -3070,7 +3070,7 @@
       </p:grpSpPr>
       <p:pic>
         <p:nvPicPr>
-          <p:cNvPr id="6" name="Grafik 5"/>
+          <p:cNvPr id="7" name="Grafik 6"/>
           <p:cNvPicPr>
             <a:picLocks noChangeAspect="1"/>
           </p:cNvPicPr>
@@ -3084,7 +3084,7 @@
         </p:blipFill>
         <p:spPr>
           <a:xfrm>
-            <a:off x="5800926" y="3774638"/>
+            <a:off x="5805028" y="3767923"/>
             <a:ext cx="3219109" cy="2897198"/>
           </a:xfrm>
           <a:prstGeom prst="rect">
@@ -3118,11 +3118,7 @@
             </a:br>
             <a:r>
               <a:rPr lang="en-US" sz="4000" dirty="0" smtClean="0"/>
-              <a:t>Quick Reference Guide  V </a:t>
-            </a:r>
-            <a:r>
-              <a:rPr lang="en-US" sz="4000" dirty="0" smtClean="0"/>
-              <a:t>2.3</a:t>
+              <a:t>Quick Reference Guide  V 2.4</a:t>
             </a:r>
             <a:endParaRPr lang="en-US" sz="4000" dirty="0"/>
           </a:p>
@@ -3152,11 +3148,7 @@
           <a:p>
             <a:r>
               <a:rPr lang="en-US" sz="900" dirty="0" smtClean="0"/>
-              <a:t>20140831 </a:t>
-            </a:r>
-            <a:r>
-              <a:rPr lang="en-US" sz="900" dirty="0" smtClean="0"/>
-              <a:t>– Cassini</a:t>
+              <a:t>20140914 – Cassini</a:t>
             </a:r>
           </a:p>
           <a:p>
@@ -3283,7 +3275,7 @@
       </p:grpSpPr>
       <p:pic>
         <p:nvPicPr>
-          <p:cNvPr id="3" name="Grafik 2"/>
+          <p:cNvPr id="4" name="Grafik 3"/>
           <p:cNvPicPr>
             <a:picLocks noChangeAspect="1"/>
           </p:cNvPicPr>
@@ -3297,8 +3289,8 @@
         </p:blipFill>
         <p:spPr>
           <a:xfrm>
-            <a:off x="1580563" y="1107206"/>
-            <a:ext cx="6197377" cy="5577639"/>
+            <a:off x="1584886" y="1107206"/>
+            <a:ext cx="6180171" cy="5562154"/>
           </a:xfrm>
           <a:prstGeom prst="rect">
             <a:avLst/>
@@ -6039,7 +6031,7 @@
       </p:sp>
       <p:pic>
         <p:nvPicPr>
-          <p:cNvPr id="4" name="Grafik 3"/>
+          <p:cNvPr id="3" name="Grafik 2"/>
           <p:cNvPicPr>
             <a:picLocks noChangeAspect="1"/>
           </p:cNvPicPr>
@@ -6053,7 +6045,7 @@
         </p:blipFill>
         <p:spPr>
           <a:xfrm>
-            <a:off x="4088988" y="3558886"/>
+            <a:off x="4093915" y="3558886"/>
             <a:ext cx="4511326" cy="2134778"/>
           </a:xfrm>
           <a:prstGeom prst="rect">
@@ -6218,7 +6210,17 @@
                   <a:srgbClr val="00B050"/>
                 </a:solidFill>
               </a:rPr>
-              <a:t>V2.3 </a:t>
+              <a:t>V2.3, </a:t>
+            </a:r>
+            <a:r>
+              <a:rPr lang="en-US" dirty="0" smtClean="0">
+                <a:solidFill>
+                  <a:schemeClr val="accent5">
+                    <a:lumMod val="75000"/>
+                  </a:schemeClr>
+                </a:solidFill>
+              </a:rPr>
+              <a:t>2.4</a:t>
             </a:r>
             <a:r>
               <a:rPr lang="en-US" dirty="0" smtClean="0">
@@ -6226,7 +6228,7 @@
                   <a:srgbClr val="00B050"/>
                 </a:solidFill>
               </a:rPr>
-              <a:t>– Features</a:t>
+              <a:t> – Features</a:t>
             </a:r>
             <a:endParaRPr lang="en-US" dirty="0">
               <a:solidFill>
@@ -6349,11 +6351,7 @@
           <a:p>
             <a:r>
               <a:rPr lang="en-US" sz="1200" b="1" dirty="0" smtClean="0"/>
-              <a:t>New possibility </a:t>
-            </a:r>
-            <a:r>
-              <a:rPr lang="en-US" sz="1200" b="1" dirty="0" smtClean="0"/>
-              <a:t>to (re) assign the joystick devices to the wanted </a:t>
+              <a:t>New possibility to (re) assign the joystick devices to the wanted </a:t>
             </a:r>
             <a:r>
               <a:rPr lang="en-US" sz="1200" b="1" dirty="0" err="1" smtClean="0"/>
@@ -6363,7 +6361,6 @@
               <a:rPr lang="en-US" sz="1200" b="1" dirty="0" smtClean="0"/>
               <a:t> - number</a:t>
             </a:r>
-            <a:endParaRPr lang="en-US" sz="1200" b="1" dirty="0" smtClean="0"/>
           </a:p>
           <a:p>
             <a:endParaRPr lang="en-US" sz="1200" dirty="0"/>
@@ -6371,19 +6368,7 @@
           <a:p>
             <a:r>
               <a:rPr lang="en-US" sz="1200" dirty="0" smtClean="0"/>
-              <a:t>Go here i</a:t>
-            </a:r>
-            <a:r>
-              <a:rPr lang="en-US" sz="1200" dirty="0" smtClean="0"/>
-              <a:t>f </a:t>
-            </a:r>
-            <a:r>
-              <a:rPr lang="en-US" sz="1200" dirty="0" smtClean="0"/>
-              <a:t>you wish to </a:t>
-            </a:r>
-            <a:r>
-              <a:rPr lang="en-US" sz="1200" dirty="0" smtClean="0"/>
-              <a:t>assign a device to a particular </a:t>
+              <a:t>Go here if you wish to assign a device to a particular </a:t>
             </a:r>
             <a:r>
               <a:rPr lang="en-US" sz="1200" dirty="0" err="1" smtClean="0"/>
@@ -6393,7 +6378,6 @@
               <a:rPr lang="en-US" sz="1200" dirty="0" smtClean="0"/>
               <a:t> – number or to re-assign the devices to other numbers.</a:t>
             </a:r>
-            <a:endParaRPr lang="en-US" sz="1200" dirty="0" smtClean="0"/>
           </a:p>
           <a:p>
             <a:r>
@@ -6462,7 +6446,25 @@
             <a:endParaRPr lang="en-US" sz="1200" dirty="0" smtClean="0"/>
           </a:p>
           <a:p>
-            <a:endParaRPr lang="en-US" sz="1200" dirty="0" smtClean="0"/>
+            <a:endParaRPr lang="en-US" sz="1200" dirty="0" smtClean="0">
+              <a:solidFill>
+                <a:schemeClr val="accent5">
+                  <a:lumMod val="75000"/>
+                </a:schemeClr>
+              </a:solidFill>
+            </a:endParaRPr>
+          </a:p>
+          <a:p>
+            <a:r>
+              <a:rPr lang="en-US" sz="1200" dirty="0" smtClean="0">
+                <a:solidFill>
+                  <a:schemeClr val="accent5">
+                    <a:lumMod val="75000"/>
+                  </a:schemeClr>
+                </a:solidFill>
+              </a:rPr>
+              <a:t>V2.4 allows to assign js1 .. Js8 now</a:t>
+            </a:r>
           </a:p>
           <a:p>
             <a:endParaRPr lang="en-US" sz="1200" dirty="0"/>
@@ -9388,27 +9390,7 @@
           <a:p>
             <a:r>
               <a:rPr lang="en-US" dirty="0" smtClean="0"/>
-              <a:t>Updating from V </a:t>
-            </a:r>
-            <a:r>
-              <a:rPr lang="en-US" dirty="0" smtClean="0"/>
-              <a:t>2.x </a:t>
-            </a:r>
-            <a:r>
-              <a:rPr lang="en-US" dirty="0" smtClean="0"/>
-              <a:t>to V </a:t>
-            </a:r>
-            <a:r>
-              <a:rPr lang="en-US" dirty="0" smtClean="0"/>
-              <a:t>2</a:t>
-            </a:r>
-            <a:r>
-              <a:rPr lang="en-US" dirty="0" smtClean="0"/>
-              <a:t>.3</a:t>
-            </a:r>
-            <a:r>
-              <a:rPr lang="en-US" dirty="0" smtClean="0"/>
-              <a:t>:</a:t>
+              <a:t>Updating from V 2.x to V 2.4:</a:t>
             </a:r>
             <a:endParaRPr lang="de-CH" dirty="0"/>
           </a:p>
@@ -9431,6 +9413,13 @@
           </a:bodyPr>
           <a:lstStyle/>
           <a:p>
+            <a:r>
+              <a:rPr lang="en-US" sz="2400" dirty="0" smtClean="0"/>
+              <a:t>If you not have used 2.3 already:</a:t>
+            </a:r>
+            <a:br>
+              <a:rPr lang="en-US" sz="2400" dirty="0" smtClean="0"/>
+            </a:br>
             <a:r>
               <a:rPr lang="en-US" sz="2400" dirty="0" smtClean="0"/>
               <a:t>Check the </a:t>
@@ -9818,15 +9807,15 @@
           <a:p>
             <a:r>
               <a:rPr lang="en-US" sz="2400" dirty="0"/>
-              <a:t>Page </a:t>
-            </a:r>
-            <a:r>
-              <a:rPr lang="en-US" sz="2400" dirty="0" smtClean="0"/>
-              <a:t>17 </a:t>
-            </a:r>
-            <a:r>
-              <a:rPr lang="en-US" sz="2400" dirty="0"/>
-              <a:t>		</a:t>
+              <a:t>Page 17 		</a:t>
+            </a:r>
+            <a:r>
+              <a:rPr lang="en-US" sz="2400" dirty="0">
+                <a:solidFill>
+                  <a:srgbClr val="00B050"/>
+                </a:solidFill>
+              </a:rPr>
+              <a:t>V2.3 new </a:t>
             </a:r>
             <a:r>
               <a:rPr lang="en-US" sz="2400" dirty="0" smtClean="0">
@@ -9834,25 +9823,30 @@
                   <a:srgbClr val="00B050"/>
                 </a:solidFill>
               </a:rPr>
-              <a:t>V2.3 </a:t>
-            </a:r>
-            <a:r>
-              <a:rPr lang="en-US" sz="2400" dirty="0">
+              <a:t>features</a:t>
+            </a:r>
+            <a:r>
+              <a:rPr lang="en-US" sz="2400" dirty="0" smtClean="0">
                 <a:solidFill>
-                  <a:srgbClr val="00B050"/>
+                  <a:schemeClr val="accent5">
+                    <a:lumMod val="75000"/>
+                  </a:schemeClr>
                 </a:solidFill>
               </a:rPr>
-              <a:t>new features</a:t>
-            </a:r>
+              <a:t> + V2.4 refinement</a:t>
+            </a:r>
+            <a:endParaRPr lang="en-US" sz="2400" dirty="0">
+              <a:solidFill>
+                <a:schemeClr val="accent5">
+                  <a:lumMod val="75000"/>
+                </a:schemeClr>
+              </a:solidFill>
+            </a:endParaRPr>
           </a:p>
           <a:p>
             <a:r>
               <a:rPr lang="en-US" sz="2400" dirty="0" smtClean="0"/>
-              <a:t>Last </a:t>
-            </a:r>
-            <a:r>
-              <a:rPr lang="en-US" sz="2400" dirty="0" smtClean="0"/>
-              <a:t>Page 		Common Workflows - Cheat sheet</a:t>
+              <a:t>Last Page 		Common Workflows - Cheat sheet</a:t>
             </a:r>
             <a:endParaRPr lang="en-US" sz="2400" dirty="0"/>
           </a:p>
@@ -10209,7 +10203,7 @@
       </p:grpSpPr>
       <p:pic>
         <p:nvPicPr>
-          <p:cNvPr id="5" name="Grafik 4"/>
+          <p:cNvPr id="4" name="Grafik 3"/>
           <p:cNvPicPr>
             <a:picLocks noChangeAspect="1"/>
           </p:cNvPicPr>
@@ -10223,8 +10217,8 @@
         </p:blipFill>
         <p:spPr>
           <a:xfrm>
-            <a:off x="1416633" y="1134421"/>
-            <a:ext cx="6193051" cy="5573747"/>
+            <a:off x="1416632" y="1142360"/>
+            <a:ext cx="6184231" cy="5565808"/>
           </a:xfrm>
           <a:prstGeom prst="rect">
             <a:avLst/>
@@ -10446,13 +10440,8 @@
           <a:p>
             <a:r>
               <a:rPr lang="en-US" sz="1100" dirty="0" smtClean="0"/>
-              <a:t>Joystick device </a:t>
-            </a:r>
-            <a:r>
-              <a:rPr lang="en-US" sz="1100" dirty="0" smtClean="0"/>
-              <a:t>map</a:t>
-            </a:r>
-            <a:endParaRPr lang="en-US" sz="1100" dirty="0" smtClean="0"/>
+              <a:t>Joystick device map</a:t>
+            </a:r>
           </a:p>
         </p:txBody>
       </p:sp>
@@ -10842,40 +10831,6 @@
       </p:sp>
       <p:sp>
         <p:nvSpPr>
-          <p:cNvPr id="21" name="Textfeld 20"/>
-          <p:cNvSpPr txBox="1"/>
-          <p:nvPr/>
-        </p:nvSpPr>
-        <p:spPr>
-          <a:xfrm>
-            <a:off x="4217976" y="1394912"/>
-            <a:ext cx="864096" cy="161583"/>
-          </a:xfrm>
-          <a:prstGeom prst="rect">
-            <a:avLst/>
-          </a:prstGeom>
-          <a:solidFill>
-            <a:schemeClr val="bg1">
-              <a:lumMod val="95000"/>
-            </a:schemeClr>
-          </a:solidFill>
-        </p:spPr>
-        <p:txBody>
-          <a:bodyPr wrap="square" lIns="0" tIns="0" rIns="0" bIns="0" rtlCol="0">
-            <a:spAutoFit/>
-          </a:bodyPr>
-          <a:lstStyle/>
-          <a:p>
-            <a:r>
-              <a:rPr lang="en-US" sz="1050" b="1" dirty="0" smtClean="0"/>
-              <a:t>2.0</a:t>
-            </a:r>
-            <a:endParaRPr lang="de-CH" sz="1050" b="1" dirty="0"/>
-          </a:p>
-        </p:txBody>
-      </p:sp>
-      <p:sp>
-        <p:nvSpPr>
           <p:cNvPr id="8" name="Legende mit Linie 2 7"/>
           <p:cNvSpPr/>
           <p:nvPr/>
@@ -11071,7 +11026,7 @@
           <a:p>
             <a:r>
               <a:rPr lang="en-US" sz="1100" dirty="0" smtClean="0"/>
-              <a:t>V2.3: </a:t>
+              <a:t>V2.3, 2.4: </a:t>
             </a:r>
             <a:r>
               <a:rPr lang="en-US" sz="1100" dirty="0" err="1" smtClean="0"/>
@@ -11117,7 +11072,7 @@
       </p:grpSpPr>
       <p:pic>
         <p:nvPicPr>
-          <p:cNvPr id="3" name="Grafik 2"/>
+          <p:cNvPr id="10" name="Grafik 9"/>
           <p:cNvPicPr>
             <a:picLocks noChangeAspect="1"/>
           </p:cNvPicPr>
@@ -11131,8 +11086,8 @@
         </p:blipFill>
         <p:spPr>
           <a:xfrm>
-            <a:off x="1403648" y="1124742"/>
-            <a:ext cx="6192114" cy="5572903"/>
+            <a:off x="1416632" y="1142360"/>
+            <a:ext cx="6184231" cy="5565808"/>
           </a:xfrm>
           <a:prstGeom prst="rect">
             <a:avLst/>
@@ -11237,15 +11192,7 @@
           <a:p>
             <a:r>
               <a:rPr lang="en-US" sz="1200" dirty="0" smtClean="0"/>
-              <a:t>The tabs represent the joystick devices found connected to the PC also the number 1..8 shows the order the PC reports them which is crucial to the mapping as this will result in </a:t>
-            </a:r>
-            <a:r>
-              <a:rPr lang="en-US" sz="1200" dirty="0" smtClean="0"/>
-              <a:t>the default </a:t>
-            </a:r>
-            <a:r>
-              <a:rPr lang="en-US" sz="1200" dirty="0" smtClean="0"/>
-              <a:t>js_1, js_2 .. Names used to build the command name.</a:t>
+              <a:t>The tabs represent the joystick devices found connected to the PC also the number 1..8 shows the order the PC reports them which is crucial to the mapping as this will result in the default js_1, js_2 .. Names used to build the command name.</a:t>
             </a:r>
           </a:p>
           <a:p>
@@ -11256,6 +11203,38 @@
           </a:p>
           <a:p>
             <a:endParaRPr lang="en-US" sz="1200" dirty="0" smtClean="0"/>
+          </a:p>
+          <a:p>
+            <a:r>
+              <a:rPr lang="en-US" sz="1200" dirty="0" smtClean="0">
+                <a:solidFill>
+                  <a:schemeClr val="accent5">
+                    <a:lumMod val="75000"/>
+                  </a:schemeClr>
+                </a:solidFill>
+              </a:rPr>
+              <a:t>V 2.4: you will see the actual </a:t>
+            </a:r>
+            <a:r>
+              <a:rPr lang="en-US" sz="1200" dirty="0" err="1" smtClean="0">
+                <a:solidFill>
+                  <a:schemeClr val="accent5">
+                    <a:lumMod val="75000"/>
+                  </a:schemeClr>
+                </a:solidFill>
+              </a:rPr>
+              <a:t>Js</a:t>
+            </a:r>
+            <a:r>
+              <a:rPr lang="en-US" sz="1200" dirty="0" smtClean="0">
+                <a:solidFill>
+                  <a:schemeClr val="accent5">
+                    <a:lumMod val="75000"/>
+                  </a:schemeClr>
+                </a:solidFill>
+              </a:rPr>
+              <a:t> assignment  - or ‘not assigned’ – see page 17</a:t>
+            </a:r>
           </a:p>
           <a:p>
             <a:r>
@@ -11264,62 +11243,7 @@
                   <a:srgbClr val="00B050"/>
                 </a:solidFill>
               </a:rPr>
-              <a:t>V 2.3: </a:t>
-            </a:r>
-            <a:r>
-              <a:rPr lang="en-US" sz="1200" dirty="0" smtClean="0">
-                <a:solidFill>
-                  <a:srgbClr val="00B050"/>
-                </a:solidFill>
-              </a:rPr>
-              <a:t>you will see the actual </a:t>
-            </a:r>
-            <a:r>
-              <a:rPr lang="en-US" sz="1200" dirty="0" err="1" smtClean="0">
-                <a:solidFill>
-                  <a:srgbClr val="00B050"/>
-                </a:solidFill>
-              </a:rPr>
-              <a:t>Js</a:t>
-            </a:r>
-            <a:r>
-              <a:rPr lang="en-US" sz="1200" dirty="0" smtClean="0">
-                <a:solidFill>
-                  <a:srgbClr val="00B050"/>
-                </a:solidFill>
-              </a:rPr>
-              <a:t> assignment but it is not enabled to change it here.</a:t>
-            </a:r>
-            <a:br>
-              <a:rPr lang="en-US" sz="1200" dirty="0" smtClean="0">
-                <a:solidFill>
-                  <a:srgbClr val="00B050"/>
-                </a:solidFill>
-              </a:rPr>
-            </a:br>
-            <a:r>
-              <a:rPr lang="en-US" sz="1200" dirty="0" smtClean="0">
-                <a:solidFill>
-                  <a:srgbClr val="00B050"/>
-                </a:solidFill>
-              </a:rPr>
-              <a:t>The </a:t>
-            </a:r>
-            <a:r>
-              <a:rPr lang="en-US" sz="1200" dirty="0" smtClean="0">
-                <a:solidFill>
-                  <a:srgbClr val="00B050"/>
-                </a:solidFill>
-              </a:rPr>
-              <a:t>SC-Device to Joystick Mapping </a:t>
-            </a:r>
-            <a:r>
-              <a:rPr lang="en-US" sz="1200" dirty="0" smtClean="0">
-                <a:solidFill>
-                  <a:srgbClr val="00B050"/>
-                </a:solidFill>
-              </a:rPr>
-              <a:t>is a separate window accessed by hitting the ‘</a:t>
+              <a:t>The SC-Device to Joystick Mapping is a separate window accessed by hitting the ‘</a:t>
             </a:r>
             <a:r>
               <a:rPr lang="en-US" sz="1200" b="1" dirty="0" err="1" smtClean="0">
@@ -11345,11 +11269,6 @@
               </a:rPr>
               <a:t>’ button.</a:t>
             </a:r>
-            <a:endParaRPr lang="en-US" sz="1200" dirty="0" smtClean="0">
-              <a:solidFill>
-                <a:srgbClr val="00B050"/>
-              </a:solidFill>
-            </a:endParaRPr>
           </a:p>
           <a:p>
             <a:endParaRPr lang="en-US" sz="1200" dirty="0" smtClean="0"/>
@@ -11522,7 +11441,7 @@
       </p:grpSpPr>
       <p:pic>
         <p:nvPicPr>
-          <p:cNvPr id="9" name="Grafik 8"/>
+          <p:cNvPr id="3" name="Grafik 2"/>
           <p:cNvPicPr>
             <a:picLocks noChangeAspect="1"/>
           </p:cNvPicPr>
@@ -11536,7 +11455,7 @@
         </p:blipFill>
         <p:spPr>
           <a:xfrm>
-            <a:off x="1403648" y="1124744"/>
+            <a:off x="1403647" y="1124743"/>
             <a:ext cx="6197377" cy="5577639"/>
           </a:xfrm>
           <a:prstGeom prst="rect">
@@ -11786,7 +11705,7 @@
         </p:nvSpPr>
         <p:spPr>
           <a:xfrm>
-            <a:off x="1641139" y="4917104"/>
+            <a:off x="1691680" y="5229200"/>
             <a:ext cx="288032" cy="288032"/>
           </a:xfrm>
           <a:prstGeom prst="ellipse">
@@ -11828,7 +11747,7 @@
         </p:nvSpPr>
         <p:spPr>
           <a:xfrm rot="10800000">
-            <a:off x="2370847" y="2594984"/>
+            <a:off x="2370847" y="2492895"/>
             <a:ext cx="216024" cy="144016"/>
           </a:xfrm>
           <a:prstGeom prst="rightArrow">
@@ -11914,7 +11833,7 @@
       </p:grpSpPr>
       <p:pic>
         <p:nvPicPr>
-          <p:cNvPr id="5" name="Grafik 4"/>
+          <p:cNvPr id="3" name="Grafik 2"/>
           <p:cNvPicPr>
             <a:picLocks noChangeAspect="1"/>
           </p:cNvPicPr>
@@ -11928,7 +11847,7 @@
         </p:blipFill>
         <p:spPr>
           <a:xfrm>
-            <a:off x="1399952" y="1124742"/>
+            <a:off x="1399951" y="1124742"/>
             <a:ext cx="6197377" cy="5577639"/>
           </a:xfrm>
           <a:prstGeom prst="rect">
@@ -12167,7 +12086,7 @@
         </p:nvSpPr>
         <p:spPr>
           <a:xfrm>
-            <a:off x="1643736" y="5397280"/>
+            <a:off x="1643736" y="5301208"/>
             <a:ext cx="288032" cy="288032"/>
           </a:xfrm>
           <a:prstGeom prst="ellipse">
@@ -12233,7 +12152,7 @@
       </p:grpSpPr>
       <p:pic>
         <p:nvPicPr>
-          <p:cNvPr id="3" name="Grafik 2"/>
+          <p:cNvPr id="7" name="Grafik 6"/>
           <p:cNvPicPr>
             <a:picLocks noChangeAspect="1"/>
           </p:cNvPicPr>
@@ -12247,8 +12166,8 @@
         </p:blipFill>
         <p:spPr>
           <a:xfrm>
-            <a:off x="1391771" y="1124744"/>
-            <a:ext cx="6197376" cy="5577639"/>
+            <a:off x="1399951" y="1124742"/>
+            <a:ext cx="6197377" cy="5577639"/>
           </a:xfrm>
           <a:prstGeom prst="rect">
             <a:avLst/>

--- a/doc/SCJMapper_QGuide.pptx
+++ b/doc/SCJMapper_QGuide.pptx
@@ -22,7 +22,8 @@
     <p:sldId id="272" r:id="rId16"/>
     <p:sldId id="271" r:id="rId17"/>
     <p:sldId id="274" r:id="rId18"/>
-    <p:sldId id="266" r:id="rId19"/>
+    <p:sldId id="275" r:id="rId19"/>
+    <p:sldId id="266" r:id="rId20"/>
   </p:sldIdLst>
   <p:sldSz cx="9144000" cy="6858000" type="screen4x3"/>
   <p:notesSz cx="6858000" cy="9144000"/>
@@ -321,7 +322,7 @@
           <a:p>
             <a:fld id="{1BA50D42-C9CD-4801-B293-61D1F53EC57E}" type="datetimeFigureOut">
               <a:rPr lang="de-DE" smtClean="0"/>
-              <a:t>14.09.2014</a:t>
+              <a:t>20.09.2014</a:t>
             </a:fld>
             <a:endParaRPr lang="de-DE"/>
           </a:p>
@@ -486,7 +487,7 @@
           <a:p>
             <a:fld id="{1BA50D42-C9CD-4801-B293-61D1F53EC57E}" type="datetimeFigureOut">
               <a:rPr lang="de-DE" smtClean="0"/>
-              <a:t>14.09.2014</a:t>
+              <a:t>20.09.2014</a:t>
             </a:fld>
             <a:endParaRPr lang="de-DE"/>
           </a:p>
@@ -661,7 +662,7 @@
           <a:p>
             <a:fld id="{1BA50D42-C9CD-4801-B293-61D1F53EC57E}" type="datetimeFigureOut">
               <a:rPr lang="de-DE" smtClean="0"/>
-              <a:t>14.09.2014</a:t>
+              <a:t>20.09.2014</a:t>
             </a:fld>
             <a:endParaRPr lang="de-DE"/>
           </a:p>
@@ -826,7 +827,7 @@
           <a:p>
             <a:fld id="{1BA50D42-C9CD-4801-B293-61D1F53EC57E}" type="datetimeFigureOut">
               <a:rPr lang="de-DE" smtClean="0"/>
-              <a:t>14.09.2014</a:t>
+              <a:t>20.09.2014</a:t>
             </a:fld>
             <a:endParaRPr lang="de-DE"/>
           </a:p>
@@ -1067,7 +1068,7 @@
           <a:p>
             <a:fld id="{1BA50D42-C9CD-4801-B293-61D1F53EC57E}" type="datetimeFigureOut">
               <a:rPr lang="de-DE" smtClean="0"/>
-              <a:t>14.09.2014</a:t>
+              <a:t>20.09.2014</a:t>
             </a:fld>
             <a:endParaRPr lang="de-DE"/>
           </a:p>
@@ -1350,7 +1351,7 @@
           <a:p>
             <a:fld id="{1BA50D42-C9CD-4801-B293-61D1F53EC57E}" type="datetimeFigureOut">
               <a:rPr lang="de-DE" smtClean="0"/>
-              <a:t>14.09.2014</a:t>
+              <a:t>20.09.2014</a:t>
             </a:fld>
             <a:endParaRPr lang="de-DE"/>
           </a:p>
@@ -1767,7 +1768,7 @@
           <a:p>
             <a:fld id="{1BA50D42-C9CD-4801-B293-61D1F53EC57E}" type="datetimeFigureOut">
               <a:rPr lang="de-DE" smtClean="0"/>
-              <a:t>14.09.2014</a:t>
+              <a:t>20.09.2014</a:t>
             </a:fld>
             <a:endParaRPr lang="de-DE"/>
           </a:p>
@@ -1880,7 +1881,7 @@
           <a:p>
             <a:fld id="{1BA50D42-C9CD-4801-B293-61D1F53EC57E}" type="datetimeFigureOut">
               <a:rPr lang="de-DE" smtClean="0"/>
-              <a:t>14.09.2014</a:t>
+              <a:t>20.09.2014</a:t>
             </a:fld>
             <a:endParaRPr lang="de-DE"/>
           </a:p>
@@ -1970,7 +1971,7 @@
           <a:p>
             <a:fld id="{1BA50D42-C9CD-4801-B293-61D1F53EC57E}" type="datetimeFigureOut">
               <a:rPr lang="de-DE" smtClean="0"/>
-              <a:t>14.09.2014</a:t>
+              <a:t>20.09.2014</a:t>
             </a:fld>
             <a:endParaRPr lang="de-DE"/>
           </a:p>
@@ -2242,7 +2243,7 @@
           <a:p>
             <a:fld id="{1BA50D42-C9CD-4801-B293-61D1F53EC57E}" type="datetimeFigureOut">
               <a:rPr lang="de-DE" smtClean="0"/>
-              <a:t>14.09.2014</a:t>
+              <a:t>20.09.2014</a:t>
             </a:fld>
             <a:endParaRPr lang="de-DE"/>
           </a:p>
@@ -2490,7 +2491,7 @@
           <a:p>
             <a:fld id="{1BA50D42-C9CD-4801-B293-61D1F53EC57E}" type="datetimeFigureOut">
               <a:rPr lang="de-DE" smtClean="0"/>
-              <a:t>14.09.2014</a:t>
+              <a:t>20.09.2014</a:t>
             </a:fld>
             <a:endParaRPr lang="de-DE"/>
           </a:p>
@@ -2698,7 +2699,7 @@
           <a:p>
             <a:fld id="{1BA50D42-C9CD-4801-B293-61D1F53EC57E}" type="datetimeFigureOut">
               <a:rPr lang="de-DE" smtClean="0"/>
-              <a:t>14.09.2014</a:t>
+              <a:t>20.09.2014</a:t>
             </a:fld>
             <a:endParaRPr lang="de-DE"/>
           </a:p>
@@ -3070,7 +3071,7 @@
       </p:grpSpPr>
       <p:pic>
         <p:nvPicPr>
-          <p:cNvPr id="7" name="Grafik 6"/>
+          <p:cNvPr id="4" name="Grafik 3"/>
           <p:cNvPicPr>
             <a:picLocks noChangeAspect="1"/>
           </p:cNvPicPr>
@@ -3084,8 +3085,8 @@
         </p:blipFill>
         <p:spPr>
           <a:xfrm>
-            <a:off x="5805028" y="3767923"/>
-            <a:ext cx="3219109" cy="2897198"/>
+            <a:off x="5811883" y="3767923"/>
+            <a:ext cx="3212253" cy="2891028"/>
           </a:xfrm>
           <a:prstGeom prst="rect">
             <a:avLst/>
@@ -3118,7 +3119,11 @@
             </a:br>
             <a:r>
               <a:rPr lang="en-US" sz="4000" dirty="0" smtClean="0"/>
-              <a:t>Quick Reference Guide  V 2.4</a:t>
+              <a:t>Quick Reference Guide  V </a:t>
+            </a:r>
+            <a:r>
+              <a:rPr lang="en-US" sz="4000" dirty="0" smtClean="0"/>
+              <a:t>2.5</a:t>
             </a:r>
             <a:endParaRPr lang="en-US" sz="4000" dirty="0"/>
           </a:p>
@@ -3148,7 +3153,11 @@
           <a:p>
             <a:r>
               <a:rPr lang="en-US" sz="900" dirty="0" smtClean="0"/>
-              <a:t>20140914 – Cassini</a:t>
+              <a:t>20140920 </a:t>
+            </a:r>
+            <a:r>
+              <a:rPr lang="en-US" sz="900" dirty="0" smtClean="0"/>
+              <a:t>– Cassini</a:t>
             </a:r>
           </a:p>
           <a:p>
@@ -5506,6 +5515,30 @@
           </a:p>
         </p:txBody>
       </p:sp>
+      <p:pic>
+        <p:nvPicPr>
+          <p:cNvPr id="4" name="Grafik 3"/>
+          <p:cNvPicPr>
+            <a:picLocks noChangeAspect="1"/>
+          </p:cNvPicPr>
+          <p:nvPr/>
+        </p:nvPicPr>
+        <p:blipFill>
+          <a:blip r:embed="rId3"/>
+          <a:stretch>
+            <a:fillRect/>
+          </a:stretch>
+        </p:blipFill>
+        <p:spPr>
+          <a:xfrm>
+            <a:off x="5076056" y="3395631"/>
+            <a:ext cx="3840286" cy="2101867"/>
+          </a:xfrm>
+          <a:prstGeom prst="rect">
+            <a:avLst/>
+          </a:prstGeom>
+        </p:spPr>
+      </p:pic>
       <p:sp>
         <p:nvSpPr>
           <p:cNvPr id="9" name="Pfeil nach rechts 8"/>
@@ -5577,30 +5610,6 @@
           </a:fontRef>
         </p:style>
       </p:cxnSp>
-      <p:pic>
-        <p:nvPicPr>
-          <p:cNvPr id="13" name="Grafik 12"/>
-          <p:cNvPicPr>
-            <a:picLocks noChangeAspect="1"/>
-          </p:cNvPicPr>
-          <p:nvPr/>
-        </p:nvPicPr>
-        <p:blipFill>
-          <a:blip r:embed="rId3"/>
-          <a:stretch>
-            <a:fillRect/>
-          </a:stretch>
-        </p:blipFill>
-        <p:spPr>
-          <a:xfrm>
-            <a:off x="4405016" y="3379755"/>
-            <a:ext cx="4511326" cy="2134778"/>
-          </a:xfrm>
-          <a:prstGeom prst="rect">
-            <a:avLst/>
-          </a:prstGeom>
-        </p:spPr>
-      </p:pic>
       <p:sp>
         <p:nvSpPr>
           <p:cNvPr id="20" name="Pfeil nach rechts 19"/>
@@ -5609,7 +5618,7 @@
         </p:nvSpPr>
         <p:spPr>
           <a:xfrm>
-            <a:off x="4217976" y="3688884"/>
+            <a:off x="4728801" y="3628553"/>
             <a:ext cx="504056" cy="285009"/>
           </a:xfrm>
           <a:prstGeom prst="rightArrow">
@@ -5647,7 +5656,7 @@
         </p:nvSpPr>
         <p:spPr>
           <a:xfrm>
-            <a:off x="4152988" y="4941168"/>
+            <a:off x="4650401" y="4725144"/>
             <a:ext cx="504056" cy="285009"/>
           </a:xfrm>
           <a:prstGeom prst="rightArrow">
@@ -5792,7 +5801,31 @@
                   <a:schemeClr val="accent4"/>
                 </a:solidFill>
               </a:rPr>
-              <a:t>V2.2 – Features</a:t>
+              <a:t>V2.2, </a:t>
+            </a:r>
+            <a:r>
+              <a:rPr lang="en-US" dirty="0" smtClean="0">
+                <a:solidFill>
+                  <a:schemeClr val="accent2"/>
+                </a:solidFill>
+              </a:rPr>
+              <a:t>2.5</a:t>
+            </a:r>
+            <a:r>
+              <a:rPr lang="en-US" dirty="0" smtClean="0">
+                <a:solidFill>
+                  <a:schemeClr val="accent4"/>
+                </a:solidFill>
+              </a:rPr>
+              <a:t> </a:t>
+            </a:r>
+            <a:r>
+              <a:rPr lang="en-US" dirty="0" smtClean="0">
+                <a:solidFill>
+                  <a:schemeClr val="accent4"/>
+                </a:solidFill>
+              </a:rPr>
+              <a:t>– Features</a:t>
             </a:r>
             <a:endParaRPr lang="en-US" dirty="0">
               <a:solidFill>
@@ -6015,23 +6048,183 @@
           <a:p>
             <a:r>
               <a:rPr lang="en-US" sz="1200" dirty="0" smtClean="0"/>
-              <a:t>Just uncheck any to </a:t>
-            </a:r>
-            <a:r>
-              <a:rPr lang="en-US" sz="1200" smtClean="0"/>
-              <a:t>use it again</a:t>
+              <a:t>Just uncheck any to use it again</a:t>
             </a:r>
             <a:r>
               <a:rPr lang="en-US" sz="1200" dirty="0" smtClean="0"/>
               <a:t>.</a:t>
             </a:r>
+          </a:p>
+          <a:p>
+            <a:endParaRPr lang="en-US" sz="1200" dirty="0"/>
+          </a:p>
+          <a:p>
+            <a:r>
+              <a:rPr lang="en-US" sz="1200" dirty="0" smtClean="0">
+                <a:solidFill>
+                  <a:schemeClr val="accent2"/>
+                </a:solidFill>
+              </a:rPr>
+              <a:t>V2.5 New option to force ‘</a:t>
+            </a:r>
+            <a:r>
+              <a:rPr lang="en-US" sz="1200" dirty="0" err="1" smtClean="0">
+                <a:solidFill>
+                  <a:schemeClr val="accent2"/>
+                </a:solidFill>
+              </a:rPr>
+              <a:t>ignoreversion</a:t>
+            </a:r>
+            <a:r>
+              <a:rPr lang="en-US" sz="1200" dirty="0" smtClean="0">
+                <a:solidFill>
+                  <a:schemeClr val="accent2"/>
+                </a:solidFill>
+              </a:rPr>
+              <a:t>=“1”’</a:t>
+            </a:r>
+          </a:p>
+          <a:p>
+            <a:endParaRPr lang="en-US" sz="1200" dirty="0" smtClean="0"/>
+          </a:p>
+          <a:p>
+            <a:r>
+              <a:rPr lang="en-US" sz="1200" dirty="0" smtClean="0"/>
+              <a:t>If you wish to use </a:t>
+            </a:r>
+            <a:r>
+              <a:rPr lang="en-US" sz="1200" dirty="0" smtClean="0"/>
+              <a:t>the </a:t>
+            </a:r>
+            <a:r>
+              <a:rPr lang="en-US" sz="1200" dirty="0" err="1" smtClean="0"/>
+              <a:t>ignoreversion</a:t>
+            </a:r>
+            <a:r>
+              <a:rPr lang="en-US" sz="1200" dirty="0" smtClean="0"/>
+              <a:t> attribute rather</a:t>
+            </a:r>
+          </a:p>
+          <a:p>
+            <a:r>
+              <a:rPr lang="en-US" sz="1200" dirty="0" smtClean="0"/>
+              <a:t>than any version=“n” ..</a:t>
+            </a:r>
+          </a:p>
+          <a:p>
+            <a:r>
+              <a:rPr lang="en-US" sz="1200" dirty="0" smtClean="0"/>
+              <a:t>The </a:t>
+            </a:r>
+            <a:r>
+              <a:rPr lang="en-US" sz="1200" dirty="0" err="1" smtClean="0"/>
+              <a:t>prog</a:t>
+            </a:r>
+            <a:r>
+              <a:rPr lang="en-US" sz="1200" dirty="0" smtClean="0"/>
+              <a:t> is able to handle it now. Either type e.g.</a:t>
+            </a:r>
+          </a:p>
+          <a:p>
+            <a:r>
+              <a:rPr lang="en-US" sz="1200" dirty="0" smtClean="0"/>
+              <a:t>‘version=“0”’ or </a:t>
+            </a:r>
+            <a:r>
+              <a:rPr lang="en-US" sz="1200" dirty="0">
+                <a:solidFill>
+                  <a:schemeClr val="accent2"/>
+                </a:solidFill>
+              </a:rPr>
+              <a:t>‘</a:t>
+            </a:r>
+            <a:r>
+              <a:rPr lang="en-US" sz="1200" dirty="0" err="1">
+                <a:solidFill>
+                  <a:schemeClr val="accent2"/>
+                </a:solidFill>
+              </a:rPr>
+              <a:t>ignoreversion</a:t>
+            </a:r>
+            <a:r>
+              <a:rPr lang="en-US" sz="1200" dirty="0">
+                <a:solidFill>
+                  <a:schemeClr val="accent2"/>
+                </a:solidFill>
+              </a:rPr>
+              <a:t>=“1”’</a:t>
+            </a:r>
+          </a:p>
+          <a:p>
+            <a:r>
+              <a:rPr lang="en-US" sz="1200" dirty="0" smtClean="0"/>
+              <a:t>Into the </a:t>
+            </a:r>
+            <a:r>
+              <a:rPr lang="en-US" sz="1200" dirty="0" err="1" smtClean="0"/>
+              <a:t>ActionMaps</a:t>
+            </a:r>
+            <a:r>
+              <a:rPr lang="en-US" sz="1200" dirty="0" smtClean="0"/>
+              <a:t> Tag and the </a:t>
+            </a:r>
+            <a:r>
+              <a:rPr lang="en-US" sz="1200" dirty="0" err="1" smtClean="0"/>
+              <a:t>prog</a:t>
+            </a:r>
+            <a:r>
+              <a:rPr lang="en-US" sz="1200" dirty="0" smtClean="0"/>
+              <a:t> will maintain </a:t>
+            </a:r>
+          </a:p>
+          <a:p>
+            <a:r>
+              <a:rPr lang="en-US" sz="1200" dirty="0" smtClean="0"/>
+              <a:t>it as you typed it.</a:t>
+            </a:r>
+          </a:p>
+          <a:p>
+            <a:r>
+              <a:rPr lang="en-US" sz="1200" dirty="0" smtClean="0"/>
+              <a:t>Or just force it to use </a:t>
+            </a:r>
+            <a:r>
+              <a:rPr lang="en-US" sz="1200" dirty="0">
+                <a:solidFill>
+                  <a:schemeClr val="accent2"/>
+                </a:solidFill>
+              </a:rPr>
+              <a:t>‘</a:t>
+            </a:r>
+            <a:r>
+              <a:rPr lang="en-US" sz="1200" dirty="0" err="1">
+                <a:solidFill>
+                  <a:schemeClr val="accent2"/>
+                </a:solidFill>
+              </a:rPr>
+              <a:t>ignoreversion</a:t>
+            </a:r>
+            <a:r>
+              <a:rPr lang="en-US" sz="1200" dirty="0">
+                <a:solidFill>
+                  <a:schemeClr val="accent2"/>
+                </a:solidFill>
+              </a:rPr>
+              <a:t>=“1”’</a:t>
+            </a:r>
+          </a:p>
+          <a:p>
+            <a:r>
+              <a:rPr lang="en-US" sz="1200" dirty="0" smtClean="0"/>
+              <a:t>by checking the box here</a:t>
+            </a:r>
             <a:endParaRPr lang="en-US" sz="1200" dirty="0"/>
           </a:p>
         </p:txBody>
       </p:sp>
       <p:pic>
         <p:nvPicPr>
-          <p:cNvPr id="3" name="Grafik 2"/>
+          <p:cNvPr id="11" name="Grafik 10"/>
           <p:cNvPicPr>
             <a:picLocks noChangeAspect="1"/>
           </p:cNvPicPr>
@@ -6045,8 +6238,8 @@
         </p:blipFill>
         <p:spPr>
           <a:xfrm>
-            <a:off x="4093915" y="3558886"/>
-            <a:ext cx="4511326" cy="2134778"/>
+            <a:off x="4072536" y="3187722"/>
+            <a:ext cx="4532705" cy="2480842"/>
           </a:xfrm>
           <a:prstGeom prst="rect">
             <a:avLst/>
@@ -6061,8 +6254,8 @@
         </p:nvSpPr>
         <p:spPr>
           <a:xfrm flipV="1">
-            <a:off x="7020271" y="3717031"/>
-            <a:ext cx="1529743" cy="1729705"/>
+            <a:off x="7020271" y="3283470"/>
+            <a:ext cx="1529743" cy="2161753"/>
           </a:xfrm>
           <a:prstGeom prst="rect">
             <a:avLst/>
@@ -6105,7 +6298,45 @@
         </p:nvSpPr>
         <p:spPr>
           <a:xfrm rot="2892402">
-            <a:off x="6682412" y="3522592"/>
+            <a:off x="6682412" y="3089032"/>
+            <a:ext cx="504056" cy="285009"/>
+          </a:xfrm>
+          <a:prstGeom prst="rightArrow">
+            <a:avLst/>
+          </a:prstGeom>
+        </p:spPr>
+        <p:style>
+          <a:lnRef idx="1">
+            <a:schemeClr val="accent2"/>
+          </a:lnRef>
+          <a:fillRef idx="2">
+            <a:schemeClr val="accent2"/>
+          </a:fillRef>
+          <a:effectRef idx="1">
+            <a:schemeClr val="accent2"/>
+          </a:effectRef>
+          <a:fontRef idx="minor">
+            <a:schemeClr val="dk1"/>
+          </a:fontRef>
+        </p:style>
+        <p:txBody>
+          <a:bodyPr rtlCol="0" anchor="ctr"/>
+          <a:lstStyle/>
+          <a:p>
+            <a:pPr algn="ctr"/>
+            <a:endParaRPr lang="de-CH"/>
+          </a:p>
+        </p:txBody>
+      </p:sp>
+      <p:sp>
+        <p:nvSpPr>
+          <p:cNvPr id="12" name="Pfeil nach rechts 11"/>
+          <p:cNvSpPr/>
+          <p:nvPr/>
+        </p:nvSpPr>
+        <p:spPr>
+          <a:xfrm rot="2892402">
+            <a:off x="3773071" y="4793504"/>
             <a:ext cx="504056" cy="285009"/>
           </a:xfrm>
           <a:prstGeom prst="rightArrow">
@@ -6655,6 +6886,331 @@
           <a:chExt cx="0" cy="0"/>
         </a:xfrm>
       </p:grpSpPr>
+      <p:pic>
+        <p:nvPicPr>
+          <p:cNvPr id="11" name="Grafik 10"/>
+          <p:cNvPicPr>
+            <a:picLocks noChangeAspect="1"/>
+          </p:cNvPicPr>
+          <p:nvPr/>
+        </p:nvPicPr>
+        <p:blipFill>
+          <a:blip r:embed="rId2"/>
+          <a:stretch>
+            <a:fillRect/>
+          </a:stretch>
+        </p:blipFill>
+        <p:spPr>
+          <a:xfrm>
+            <a:off x="1416632" y="1135397"/>
+            <a:ext cx="6184231" cy="5565807"/>
+          </a:xfrm>
+          <a:prstGeom prst="rect">
+            <a:avLst/>
+          </a:prstGeom>
+        </p:spPr>
+      </p:pic>
+      <p:sp>
+        <p:nvSpPr>
+          <p:cNvPr id="2" name="Titel 1"/>
+          <p:cNvSpPr>
+            <a:spLocks noGrp="1"/>
+          </p:cNvSpPr>
+          <p:nvPr>
+            <p:ph type="title"/>
+          </p:nvPr>
+        </p:nvSpPr>
+        <p:spPr/>
+        <p:txBody>
+          <a:bodyPr/>
+          <a:lstStyle/>
+          <a:p>
+            <a:r>
+              <a:rPr lang="en-US" dirty="0" smtClean="0">
+                <a:solidFill>
+                  <a:schemeClr val="accent2"/>
+                </a:solidFill>
+              </a:rPr>
+              <a:t>V2.5 </a:t>
+            </a:r>
+            <a:r>
+              <a:rPr lang="en-US" dirty="0" smtClean="0">
+                <a:solidFill>
+                  <a:schemeClr val="accent2"/>
+                </a:solidFill>
+              </a:rPr>
+              <a:t>– Features</a:t>
+            </a:r>
+            <a:endParaRPr lang="en-US" dirty="0">
+              <a:solidFill>
+                <a:schemeClr val="accent2"/>
+              </a:solidFill>
+            </a:endParaRPr>
+          </a:p>
+        </p:txBody>
+      </p:sp>
+      <p:sp>
+        <p:nvSpPr>
+          <p:cNvPr id="18" name="Rechteck 17"/>
+          <p:cNvSpPr/>
+          <p:nvPr/>
+        </p:nvSpPr>
+        <p:spPr>
+          <a:xfrm>
+            <a:off x="626250" y="1380291"/>
+            <a:ext cx="4541031" cy="4857021"/>
+          </a:xfrm>
+          <a:prstGeom prst="rect">
+            <a:avLst/>
+          </a:prstGeom>
+        </p:spPr>
+        <p:style>
+          <a:lnRef idx="2">
+            <a:schemeClr val="accent5"/>
+          </a:lnRef>
+          <a:fillRef idx="1">
+            <a:schemeClr val="lt1"/>
+          </a:fillRef>
+          <a:effectRef idx="0">
+            <a:schemeClr val="accent5"/>
+          </a:effectRef>
+          <a:fontRef idx="minor">
+            <a:schemeClr val="dk1"/>
+          </a:fontRef>
+        </p:style>
+        <p:txBody>
+          <a:bodyPr rtlCol="0" anchor="t" anchorCtr="0"/>
+          <a:lstStyle/>
+          <a:p>
+            <a:r>
+              <a:rPr lang="en-US" sz="1200" b="1" dirty="0" smtClean="0"/>
+              <a:t>New possibility </a:t>
+            </a:r>
+            <a:r>
+              <a:rPr lang="en-US" sz="1200" b="1" dirty="0" smtClean="0"/>
+              <a:t>– support for options</a:t>
+            </a:r>
+            <a:endParaRPr lang="en-US" sz="1200" b="1" dirty="0" smtClean="0"/>
+          </a:p>
+          <a:p>
+            <a:endParaRPr lang="en-US" sz="1200" dirty="0"/>
+          </a:p>
+          <a:p>
+            <a:r>
+              <a:rPr lang="en-US" sz="1200" dirty="0" smtClean="0"/>
+              <a:t>The </a:t>
+            </a:r>
+            <a:r>
+              <a:rPr lang="en-US" sz="1200" dirty="0" err="1" smtClean="0"/>
+              <a:t>prog</a:t>
+            </a:r>
+            <a:r>
+              <a:rPr lang="en-US" sz="1200" dirty="0" smtClean="0"/>
+              <a:t> will now maintain the following 3 XML tags </a:t>
+            </a:r>
+          </a:p>
+          <a:p>
+            <a:pPr marL="171450" indent="-171450">
+              <a:buFont typeface="Arial" panose="020B0604020202020204" pitchFamily="34" charset="0"/>
+              <a:buChar char="•"/>
+            </a:pPr>
+            <a:r>
+              <a:rPr lang="de-CH" sz="1200" dirty="0" smtClean="0"/>
+              <a:t>&lt;</a:t>
+            </a:r>
+            <a:r>
+              <a:rPr lang="de-CH" sz="1200" dirty="0" err="1" smtClean="0"/>
+              <a:t>CustomisationUIHeader</a:t>
+            </a:r>
+            <a:r>
+              <a:rPr lang="de-CH" sz="1200" dirty="0" smtClean="0"/>
+              <a:t> …&gt;</a:t>
+            </a:r>
+          </a:p>
+          <a:p>
+            <a:pPr marL="171450" indent="-171450">
+              <a:buFont typeface="Arial" panose="020B0604020202020204" pitchFamily="34" charset="0"/>
+              <a:buChar char="•"/>
+            </a:pPr>
+            <a:r>
+              <a:rPr lang="de-CH" sz="1200" dirty="0" smtClean="0"/>
+              <a:t>&lt;</a:t>
+            </a:r>
+            <a:r>
+              <a:rPr lang="de-CH" sz="1200" dirty="0" err="1" smtClean="0"/>
+              <a:t>options</a:t>
+            </a:r>
+            <a:r>
+              <a:rPr lang="de-CH" sz="1200" dirty="0" smtClean="0"/>
+              <a:t> …&gt;</a:t>
+            </a:r>
+          </a:p>
+          <a:p>
+            <a:pPr marL="171450" indent="-171450">
+              <a:buFont typeface="Arial" panose="020B0604020202020204" pitchFamily="34" charset="0"/>
+              <a:buChar char="•"/>
+            </a:pPr>
+            <a:r>
+              <a:rPr lang="de-CH" sz="1200" dirty="0" smtClean="0"/>
+              <a:t>&lt;</a:t>
+            </a:r>
+            <a:r>
+              <a:rPr lang="de-CH" sz="1200" dirty="0" err="1" smtClean="0"/>
+              <a:t>deviceoptions</a:t>
+            </a:r>
+            <a:r>
+              <a:rPr lang="de-CH" sz="1200" dirty="0" smtClean="0"/>
+              <a:t> …&gt;</a:t>
+            </a:r>
+          </a:p>
+          <a:p>
+            <a:endParaRPr lang="en-US" sz="1200" dirty="0"/>
+          </a:p>
+          <a:p>
+            <a:r>
+              <a:rPr lang="en-US" sz="1200" dirty="0" smtClean="0"/>
+              <a:t>You may copy and paste or type whatever of those 3 tags you want to use – the program will maintain your typing and also read it from the mapping file when it is already there.</a:t>
+            </a:r>
+          </a:p>
+          <a:p>
+            <a:endParaRPr lang="en-US" sz="1200" dirty="0"/>
+          </a:p>
+          <a:p>
+            <a:r>
+              <a:rPr lang="en-US" sz="1200" i="1" dirty="0" smtClean="0"/>
+              <a:t>Note: There is no support to get proper options or let you interactively design those tags (sorry I know too little about all useful possibilities)</a:t>
+            </a:r>
+          </a:p>
+          <a:p>
+            <a:endParaRPr lang="en-US" sz="1200" dirty="0" smtClean="0"/>
+          </a:p>
+          <a:p>
+            <a:r>
+              <a:rPr lang="en-US" sz="1200" dirty="0" smtClean="0"/>
+              <a:t>The program stores the tags as plain string and will not do anything but get them in and out again. Some pretty printing is applied.</a:t>
+            </a:r>
+          </a:p>
+          <a:p>
+            <a:endParaRPr lang="en-US" sz="1200" dirty="0"/>
+          </a:p>
+          <a:p>
+            <a:r>
+              <a:rPr lang="en-US" sz="1200" dirty="0" smtClean="0"/>
+              <a:t>Hint: </a:t>
+            </a:r>
+          </a:p>
+          <a:p>
+            <a:r>
+              <a:rPr lang="en-US" sz="1200" dirty="0" smtClean="0"/>
+              <a:t>copy and just paste them into the editor – easy</a:t>
+            </a:r>
+          </a:p>
+          <a:p>
+            <a:r>
+              <a:rPr lang="en-US" sz="1200" dirty="0" smtClean="0"/>
+              <a:t>Or load your modified mapping – the </a:t>
+            </a:r>
+            <a:r>
+              <a:rPr lang="en-US" sz="1200" dirty="0" err="1" smtClean="0"/>
+              <a:t>prog</a:t>
+            </a:r>
+            <a:r>
+              <a:rPr lang="en-US" sz="1200" dirty="0" smtClean="0"/>
+              <a:t> should maintain them</a:t>
+            </a:r>
+          </a:p>
+          <a:p>
+            <a:r>
+              <a:rPr lang="en-US" sz="1200" dirty="0" smtClean="0"/>
+              <a:t>(testing by looking into the file the first time would </a:t>
+            </a:r>
+            <a:r>
+              <a:rPr lang="en-US" sz="1200" smtClean="0"/>
+              <a:t>be sensible…)</a:t>
+            </a:r>
+          </a:p>
+          <a:p>
+            <a:endParaRPr lang="en-US" sz="1200" dirty="0"/>
+          </a:p>
+          <a:p>
+            <a:endParaRPr lang="en-US" sz="1200" dirty="0"/>
+          </a:p>
+        </p:txBody>
+      </p:sp>
+      <p:sp>
+        <p:nvSpPr>
+          <p:cNvPr id="12" name="Rechteck 11"/>
+          <p:cNvSpPr/>
+          <p:nvPr/>
+        </p:nvSpPr>
+        <p:spPr>
+          <a:xfrm flipV="1">
+            <a:off x="5167282" y="2060847"/>
+            <a:ext cx="2357046" cy="576064"/>
+          </a:xfrm>
+          <a:prstGeom prst="rect">
+            <a:avLst/>
+          </a:prstGeom>
+          <a:noFill/>
+          <a:ln w="57150">
+            <a:solidFill>
+              <a:schemeClr val="accent2"/>
+            </a:solidFill>
+          </a:ln>
+        </p:spPr>
+        <p:style>
+          <a:lnRef idx="2">
+            <a:schemeClr val="accent3"/>
+          </a:lnRef>
+          <a:fillRef idx="1">
+            <a:schemeClr val="lt1"/>
+          </a:fillRef>
+          <a:effectRef idx="0">
+            <a:schemeClr val="accent3"/>
+          </a:effectRef>
+          <a:fontRef idx="minor">
+            <a:schemeClr val="dk1"/>
+          </a:fontRef>
+        </p:style>
+        <p:txBody>
+          <a:bodyPr rtlCol="0" anchor="ctr"/>
+          <a:lstStyle/>
+          <a:p>
+            <a:pPr algn="ctr"/>
+            <a:endParaRPr lang="de-CH"/>
+          </a:p>
+        </p:txBody>
+      </p:sp>
+    </p:spTree>
+    <p:extLst>
+      <p:ext uri="{BB962C8B-B14F-4D97-AF65-F5344CB8AC3E}">
+        <p14:creationId xmlns:p14="http://schemas.microsoft.com/office/powerpoint/2010/main" val="427816536"/>
+      </p:ext>
+    </p:extLst>
+  </p:cSld>
+  <p:clrMapOvr>
+    <a:masterClrMapping/>
+  </p:clrMapOvr>
+</p:sld>
+</file>
+
+<file path=ppt/slides/slide19.xml><?xml version="1.0" encoding="utf-8"?>
+<p:sld xmlns:a="http://schemas.openxmlformats.org/drawingml/2006/main" xmlns:r="http://schemas.openxmlformats.org/officeDocument/2006/relationships" xmlns:p="http://schemas.openxmlformats.org/presentationml/2006/main">
+  <p:cSld>
+    <p:spTree>
+      <p:nvGrpSpPr>
+        <p:cNvPr id="1" name=""/>
+        <p:cNvGrpSpPr/>
+        <p:nvPr/>
+      </p:nvGrpSpPr>
+      <p:grpSpPr>
+        <a:xfrm>
+          <a:off x="0" y="0"/>
+          <a:ext cx="0" cy="0"/>
+          <a:chOff x="0" y="0"/>
+          <a:chExt cx="0" cy="0"/>
+        </a:xfrm>
+      </p:grpSpPr>
       <p:sp>
         <p:nvSpPr>
           <p:cNvPr id="4" name="Titel 3"/>
@@ -9390,7 +9946,11 @@
           <a:p>
             <a:r>
               <a:rPr lang="en-US" dirty="0" smtClean="0"/>
-              <a:t>Updating from V 2.x to V 2.4:</a:t>
+              <a:t>Updating from V 2.x to V </a:t>
+            </a:r>
+            <a:r>
+              <a:rPr lang="en-US" dirty="0" smtClean="0"/>
+              <a:t>2.5:</a:t>
             </a:r>
             <a:endParaRPr lang="de-CH" dirty="0"/>
           </a:p>
@@ -9801,8 +10361,45 @@
                   <a:schemeClr val="accent4"/>
                 </a:solidFill>
               </a:rPr>
-              <a:t>V2.2 new features</a:t>
-            </a:r>
+              <a:t>V2.2 new </a:t>
+            </a:r>
+            <a:r>
+              <a:rPr lang="en-US" sz="2400" dirty="0" smtClean="0">
+                <a:solidFill>
+                  <a:schemeClr val="accent4"/>
+                </a:solidFill>
+              </a:rPr>
+              <a:t>features</a:t>
+            </a:r>
+            <a:r>
+              <a:rPr lang="en-US" sz="2400" dirty="0">
+                <a:solidFill>
+                  <a:schemeClr val="accent2"/>
+                </a:solidFill>
+              </a:rPr>
+              <a:t> + </a:t>
+            </a:r>
+            <a:r>
+              <a:rPr lang="en-US" sz="2400" dirty="0" smtClean="0">
+                <a:solidFill>
+                  <a:schemeClr val="accent2"/>
+                </a:solidFill>
+              </a:rPr>
+              <a:t>V2.5 </a:t>
+            </a:r>
+            <a:r>
+              <a:rPr lang="en-US" sz="2400" dirty="0">
+                <a:solidFill>
+                  <a:schemeClr val="accent2"/>
+                </a:solidFill>
+              </a:rPr>
+              <a:t>refinement</a:t>
+            </a:r>
+            <a:endParaRPr lang="en-US" sz="2400" dirty="0">
+              <a:solidFill>
+                <a:schemeClr val="accent2"/>
+              </a:solidFill>
+            </a:endParaRPr>
           </a:p>
           <a:p>
             <a:r>
@@ -9833,13 +10430,59 @@
                   </a:schemeClr>
                 </a:solidFill>
               </a:rPr>
-              <a:t> + V2.4 refinement</a:t>
+              <a:t> + V2.4 </a:t>
+            </a:r>
+            <a:r>
+              <a:rPr lang="en-US" sz="2400" dirty="0" smtClean="0">
+                <a:solidFill>
+                  <a:schemeClr val="accent5">
+                    <a:lumMod val="75000"/>
+                  </a:schemeClr>
+                </a:solidFill>
+              </a:rPr>
+              <a:t>refinement</a:t>
+            </a:r>
+          </a:p>
+          <a:p>
+            <a:r>
+              <a:rPr lang="en-US" sz="2400" dirty="0"/>
+              <a:t>Page </a:t>
+            </a:r>
+            <a:r>
+              <a:rPr lang="en-US" sz="2400" dirty="0" smtClean="0"/>
+              <a:t>18 </a:t>
+            </a:r>
+            <a:r>
+              <a:rPr lang="en-US" sz="2400" dirty="0"/>
+              <a:t>		</a:t>
+            </a:r>
+            <a:r>
+              <a:rPr lang="en-US" sz="2400" dirty="0" smtClean="0">
+                <a:solidFill>
+                  <a:schemeClr val="accent2"/>
+                </a:solidFill>
+              </a:rPr>
+              <a:t>V2.5 </a:t>
+            </a:r>
+            <a:r>
+              <a:rPr lang="en-US" sz="2400" dirty="0">
+                <a:solidFill>
+                  <a:schemeClr val="accent2"/>
+                </a:solidFill>
+              </a:rPr>
+              <a:t>new </a:t>
+            </a:r>
+            <a:r>
+              <a:rPr lang="en-US" sz="2400" dirty="0" smtClean="0">
+                <a:solidFill>
+                  <a:schemeClr val="accent2"/>
+                </a:solidFill>
+              </a:rPr>
+              <a:t>features</a:t>
             </a:r>
             <a:endParaRPr lang="en-US" sz="2400" dirty="0">
               <a:solidFill>
-                <a:schemeClr val="accent5">
-                  <a:lumMod val="75000"/>
-                </a:schemeClr>
+                <a:schemeClr val="accent2"/>
               </a:solidFill>
             </a:endParaRPr>
           </a:p>
@@ -10203,7 +10846,7 @@
       </p:grpSpPr>
       <p:pic>
         <p:nvPicPr>
-          <p:cNvPr id="4" name="Grafik 3"/>
+          <p:cNvPr id="3" name="Grafik 2"/>
           <p:cNvPicPr>
             <a:picLocks noChangeAspect="1"/>
           </p:cNvPicPr>
@@ -10217,8 +10860,8 @@
         </p:blipFill>
         <p:spPr>
           <a:xfrm>
-            <a:off x="1416632" y="1142360"/>
-            <a:ext cx="6184231" cy="5565808"/>
+            <a:off x="1416632" y="1135397"/>
+            <a:ext cx="6184231" cy="5565807"/>
           </a:xfrm>
           <a:prstGeom prst="rect">
             <a:avLst/>
@@ -11072,7 +11715,7 @@
       </p:grpSpPr>
       <p:pic>
         <p:nvPicPr>
-          <p:cNvPr id="10" name="Grafik 9"/>
+          <p:cNvPr id="9" name="Grafik 8"/>
           <p:cNvPicPr>
             <a:picLocks noChangeAspect="1"/>
           </p:cNvPicPr>
@@ -11086,8 +11729,8 @@
         </p:blipFill>
         <p:spPr>
           <a:xfrm>
-            <a:off x="1416632" y="1142360"/>
-            <a:ext cx="6184231" cy="5565808"/>
+            <a:off x="1416632" y="1135397"/>
+            <a:ext cx="6184231" cy="5565807"/>
           </a:xfrm>
           <a:prstGeom prst="rect">
             <a:avLst/>
